--- a/CPE Electives (1 - 3)/01. Lectures Notebook/00. Presentations & Text Books/01. Electives 1 to 3/32. Natural Langugage Processing (NLP).pptx
+++ b/CPE Electives (1 - 3)/01. Lectures Notebook/00. Presentations & Text Books/01. Electives 1 to 3/32. Natural Langugage Processing (NLP).pptx
@@ -5,10 +5,10 @@
     <p:sldMasterId id="2147483684" r:id="rId1"/>
   </p:sldMasterIdLst>
   <p:notesMasterIdLst>
-    <p:notesMasterId r:id="rId56"/>
+    <p:notesMasterId r:id="rId62"/>
   </p:notesMasterIdLst>
   <p:handoutMasterIdLst>
-    <p:handoutMasterId r:id="rId57"/>
+    <p:handoutMasterId r:id="rId63"/>
   </p:handoutMasterIdLst>
   <p:sldIdLst>
     <p:sldId id="258" r:id="rId2"/>
@@ -22,49 +22,55 @@
     <p:sldId id="341" r:id="rId10"/>
     <p:sldId id="342" r:id="rId11"/>
     <p:sldId id="343" r:id="rId12"/>
-    <p:sldId id="344" r:id="rId13"/>
-    <p:sldId id="345" r:id="rId14"/>
-    <p:sldId id="346" r:id="rId15"/>
-    <p:sldId id="347" r:id="rId16"/>
-    <p:sldId id="348" r:id="rId17"/>
-    <p:sldId id="349" r:id="rId18"/>
-    <p:sldId id="350" r:id="rId19"/>
-    <p:sldId id="351" r:id="rId20"/>
-    <p:sldId id="352" r:id="rId21"/>
-    <p:sldId id="353" r:id="rId22"/>
-    <p:sldId id="354" r:id="rId23"/>
-    <p:sldId id="355" r:id="rId24"/>
-    <p:sldId id="356" r:id="rId25"/>
-    <p:sldId id="357" r:id="rId26"/>
-    <p:sldId id="358" r:id="rId27"/>
-    <p:sldId id="359" r:id="rId28"/>
-    <p:sldId id="361" r:id="rId29"/>
-    <p:sldId id="360" r:id="rId30"/>
-    <p:sldId id="362" r:id="rId31"/>
-    <p:sldId id="363" r:id="rId32"/>
-    <p:sldId id="364" r:id="rId33"/>
-    <p:sldId id="365" r:id="rId34"/>
-    <p:sldId id="366" r:id="rId35"/>
-    <p:sldId id="367" r:id="rId36"/>
-    <p:sldId id="368" r:id="rId37"/>
-    <p:sldId id="369" r:id="rId38"/>
-    <p:sldId id="370" r:id="rId39"/>
-    <p:sldId id="371" r:id="rId40"/>
-    <p:sldId id="372" r:id="rId41"/>
-    <p:sldId id="373" r:id="rId42"/>
-    <p:sldId id="374" r:id="rId43"/>
-    <p:sldId id="375" r:id="rId44"/>
-    <p:sldId id="376" r:id="rId45"/>
-    <p:sldId id="377" r:id="rId46"/>
-    <p:sldId id="378" r:id="rId47"/>
-    <p:sldId id="379" r:id="rId48"/>
-    <p:sldId id="380" r:id="rId49"/>
-    <p:sldId id="381" r:id="rId50"/>
-    <p:sldId id="382" r:id="rId51"/>
-    <p:sldId id="383" r:id="rId52"/>
-    <p:sldId id="384" r:id="rId53"/>
-    <p:sldId id="385" r:id="rId54"/>
-    <p:sldId id="314" r:id="rId55"/>
+    <p:sldId id="384" r:id="rId13"/>
+    <p:sldId id="344" r:id="rId14"/>
+    <p:sldId id="345" r:id="rId15"/>
+    <p:sldId id="346" r:id="rId16"/>
+    <p:sldId id="347" r:id="rId17"/>
+    <p:sldId id="348" r:id="rId18"/>
+    <p:sldId id="385" r:id="rId19"/>
+    <p:sldId id="349" r:id="rId20"/>
+    <p:sldId id="350" r:id="rId21"/>
+    <p:sldId id="386" r:id="rId22"/>
+    <p:sldId id="351" r:id="rId23"/>
+    <p:sldId id="352" r:id="rId24"/>
+    <p:sldId id="353" r:id="rId25"/>
+    <p:sldId id="354" r:id="rId26"/>
+    <p:sldId id="355" r:id="rId27"/>
+    <p:sldId id="356" r:id="rId28"/>
+    <p:sldId id="357" r:id="rId29"/>
+    <p:sldId id="358" r:id="rId30"/>
+    <p:sldId id="359" r:id="rId31"/>
+    <p:sldId id="361" r:id="rId32"/>
+    <p:sldId id="360" r:id="rId33"/>
+    <p:sldId id="362" r:id="rId34"/>
+    <p:sldId id="363" r:id="rId35"/>
+    <p:sldId id="387" r:id="rId36"/>
+    <p:sldId id="364" r:id="rId37"/>
+    <p:sldId id="365" r:id="rId38"/>
+    <p:sldId id="366" r:id="rId39"/>
+    <p:sldId id="367" r:id="rId40"/>
+    <p:sldId id="368" r:id="rId41"/>
+    <p:sldId id="388" r:id="rId42"/>
+    <p:sldId id="369" r:id="rId43"/>
+    <p:sldId id="370" r:id="rId44"/>
+    <p:sldId id="371" r:id="rId45"/>
+    <p:sldId id="372" r:id="rId46"/>
+    <p:sldId id="373" r:id="rId47"/>
+    <p:sldId id="374" r:id="rId48"/>
+    <p:sldId id="375" r:id="rId49"/>
+    <p:sldId id="376" r:id="rId50"/>
+    <p:sldId id="377" r:id="rId51"/>
+    <p:sldId id="389" r:id="rId52"/>
+    <p:sldId id="378" r:id="rId53"/>
+    <p:sldId id="379" r:id="rId54"/>
+    <p:sldId id="380" r:id="rId55"/>
+    <p:sldId id="381" r:id="rId56"/>
+    <p:sldId id="390" r:id="rId57"/>
+    <p:sldId id="382" r:id="rId58"/>
+    <p:sldId id="383" r:id="rId59"/>
+    <p:sldId id="391" r:id="rId60"/>
+    <p:sldId id="314" r:id="rId61"/>
   </p:sldIdLst>
   <p:sldSz cx="12192000" cy="6858000"/>
   <p:notesSz cx="6858000" cy="9144000"/>
@@ -165,7 +171,7 @@
   </p:defaultTextStyle>
   <p:extLst>
     <p:ext uri="{EFAFB233-063F-42B5-8137-9DF3F51BA10A}">
-      <p15:sldGuideLst xmlns:p15="http://schemas.microsoft.com/office/powerpoint/2012/main" xmlns="">
+      <p15:sldGuideLst xmlns="" xmlns:p15="http://schemas.microsoft.com/office/powerpoint/2012/main">
         <p15:guide id="1" orient="horz" pos="2160">
           <p15:clr>
             <a:srgbClr val="A4A3A4"/>
@@ -179,7 +185,7 @@
       </p15:sldGuideLst>
     </p:ext>
     <p:ext uri="{2D200454-40CA-4A62-9FC3-DE9A4176ACB9}">
-      <p15:notesGuideLst xmlns:p15="http://schemas.microsoft.com/office/powerpoint/2012/main" xmlns="">
+      <p15:notesGuideLst xmlns="" xmlns:p15="http://schemas.microsoft.com/office/powerpoint/2012/main">
         <p15:guide id="1" orient="horz" pos="2880">
           <p15:clr>
             <a:srgbClr val="A4A3A4"/>
@@ -1260,7 +1266,7 @@
           <p:cNvPr id="7" name="Footer Placeholder 4">
             <a:extLst>
               <a:ext uri="{FF2B5EF4-FFF2-40B4-BE49-F238E27FC236}">
-                <a16:creationId xmlns:a16="http://schemas.microsoft.com/office/drawing/2014/main" xmlns="" id="{D057E4A9-8BC1-4D03-B0CD-00353C3D487D}"/>
+                <a16:creationId xmlns="" xmlns:a16="http://schemas.microsoft.com/office/drawing/2014/main" id="{D057E4A9-8BC1-4D03-B0CD-00353C3D487D}"/>
               </a:ext>
             </a:extLst>
           </p:cNvPr>
@@ -4454,7 +4460,6 @@
               <a:rPr lang="en-US" sz="4000" dirty="0" smtClean="0"/>
               <a:t>Examples: Tokenization, POS, Stemming, Lemmatization, etc.</a:t>
             </a:r>
-            <a:endParaRPr lang="en-US" sz="4000" dirty="0" smtClean="0"/>
           </a:p>
         </p:txBody>
       </p:sp>
@@ -4523,6 +4528,76 @@
                 <a:latin typeface="Arial" pitchFamily="34" charset="0"/>
                 <a:cs typeface="Arial" pitchFamily="34" charset="0"/>
               </a:rPr>
+              <a:t>[Code Demo]</a:t>
+            </a:r>
+            <a:endParaRPr lang="en-US" sz="6000" b="1" dirty="0">
+              <a:solidFill>
+                <a:schemeClr val="accent2"/>
+              </a:solidFill>
+              <a:latin typeface="Arial" pitchFamily="34" charset="0"/>
+              <a:cs typeface="Arial" pitchFamily="34" charset="0"/>
+            </a:endParaRPr>
+          </a:p>
+        </p:txBody>
+      </p:sp>
+    </p:spTree>
+    <p:extLst>
+      <p:ext uri="{BB962C8B-B14F-4D97-AF65-F5344CB8AC3E}">
+        <p14:creationId xmlns:p14="http://schemas.microsoft.com/office/powerpoint/2010/main" val="2661628404"/>
+      </p:ext>
+    </p:extLst>
+  </p:cSld>
+  <p:clrMapOvr>
+    <a:masterClrMapping/>
+  </p:clrMapOvr>
+</p:sld>
+</file>
+
+<file path=ppt/slides/slide13.xml><?xml version="1.0" encoding="utf-8"?>
+<p:sld xmlns:a="http://schemas.openxmlformats.org/drawingml/2006/main" xmlns:r="http://schemas.openxmlformats.org/officeDocument/2006/relationships" xmlns:p="http://schemas.openxmlformats.org/presentationml/2006/main">
+  <p:cSld>
+    <p:spTree>
+      <p:nvGrpSpPr>
+        <p:cNvPr id="1" name=""/>
+        <p:cNvGrpSpPr/>
+        <p:nvPr/>
+      </p:nvGrpSpPr>
+      <p:grpSpPr>
+        <a:xfrm>
+          <a:off x="0" y="0"/>
+          <a:ext cx="0" cy="0"/>
+          <a:chOff x="0" y="0"/>
+          <a:chExt cx="0" cy="0"/>
+        </a:xfrm>
+      </p:grpSpPr>
+      <p:sp>
+        <p:nvSpPr>
+          <p:cNvPr id="6" name="TextBox 5"/>
+          <p:cNvSpPr txBox="1"/>
+          <p:nvPr/>
+        </p:nvSpPr>
+        <p:spPr>
+          <a:xfrm>
+            <a:off x="721363" y="2390628"/>
+            <a:ext cx="10749281" cy="1015663"/>
+          </a:xfrm>
+          <a:prstGeom prst="rect">
+            <a:avLst/>
+          </a:prstGeom>
+          <a:noFill/>
+        </p:spPr>
+        <p:txBody>
+          <a:bodyPr wrap="square" rtlCol="0">
+            <a:spAutoFit/>
+          </a:bodyPr>
+          <a:lstStyle/>
+          <a:p>
+            <a:pPr algn="ctr"/>
+            <a:r>
+              <a:rPr lang="en-US" sz="6000" b="1" dirty="0" smtClean="0">
+                <a:latin typeface="Arial" pitchFamily="34" charset="0"/>
+                <a:cs typeface="Arial" pitchFamily="34" charset="0"/>
+              </a:rPr>
               <a:t>Tokenization</a:t>
             </a:r>
             <a:endParaRPr lang="en-US" sz="6000" b="1" dirty="0">
@@ -4548,7 +4623,7 @@
 </p:sld>
 </file>
 
-<file path=ppt/slides/slide13.xml><?xml version="1.0" encoding="utf-8"?>
+<file path=ppt/slides/slide14.xml><?xml version="1.0" encoding="utf-8"?>
 <p:sld xmlns:a="http://schemas.openxmlformats.org/drawingml/2006/main" xmlns:r="http://schemas.openxmlformats.org/officeDocument/2006/relationships" xmlns:p="http://schemas.openxmlformats.org/presentationml/2006/main">
   <p:cSld>
     <p:spTree>
@@ -4682,98 +4757,6 @@
 </p:sld>
 </file>
 
-<file path=ppt/slides/slide14.xml><?xml version="1.0" encoding="utf-8"?>
-<p:sld xmlns:a="http://schemas.openxmlformats.org/drawingml/2006/main" xmlns:r="http://schemas.openxmlformats.org/officeDocument/2006/relationships" xmlns:p="http://schemas.openxmlformats.org/presentationml/2006/main">
-  <p:cSld>
-    <p:spTree>
-      <p:nvGrpSpPr>
-        <p:cNvPr id="1" name=""/>
-        <p:cNvGrpSpPr/>
-        <p:nvPr/>
-      </p:nvGrpSpPr>
-      <p:grpSpPr>
-        <a:xfrm>
-          <a:off x="0" y="0"/>
-          <a:ext cx="0" cy="0"/>
-          <a:chOff x="0" y="0"/>
-          <a:chExt cx="0" cy="0"/>
-        </a:xfrm>
-      </p:grpSpPr>
-      <p:sp>
-        <p:nvSpPr>
-          <p:cNvPr id="4" name="TextBox 3"/>
-          <p:cNvSpPr txBox="1"/>
-          <p:nvPr/>
-        </p:nvSpPr>
-        <p:spPr>
-          <a:xfrm>
-            <a:off x="669520" y="1143537"/>
-            <a:ext cx="10558668" cy="2862322"/>
-          </a:xfrm>
-          <a:prstGeom prst="rect">
-            <a:avLst/>
-          </a:prstGeom>
-          <a:noFill/>
-        </p:spPr>
-        <p:txBody>
-          <a:bodyPr wrap="square" rtlCol="0">
-            <a:spAutoFit/>
-          </a:bodyPr>
-          <a:lstStyle/>
-          <a:p>
-            <a:pPr marL="457200" indent="-457200">
-              <a:buFontTx/>
-              <a:buChar char="-"/>
-            </a:pPr>
-            <a:r>
-              <a:rPr lang="en-US" sz="3600" dirty="0" smtClean="0"/>
-              <a:t>Notice that tokens are pieces of the </a:t>
-            </a:r>
-            <a:r>
-              <a:rPr lang="en-US" sz="3600" b="1" dirty="0" smtClean="0"/>
-              <a:t>original text</a:t>
-            </a:r>
-          </a:p>
-          <a:p>
-            <a:pPr marL="457200" indent="-457200">
-              <a:buFontTx/>
-              <a:buChar char="-"/>
-            </a:pPr>
-            <a:endParaRPr lang="en-US" sz="3600" b="1" dirty="0"/>
-          </a:p>
-          <a:p>
-            <a:pPr marL="457200" indent="-457200">
-              <a:buFontTx/>
-              <a:buChar char="-"/>
-            </a:pPr>
-            <a:r>
-              <a:rPr lang="en-US" sz="3600" dirty="0" smtClean="0"/>
-              <a:t>We don’t see any conversion to word stems or lemmas (base forms of words) and we haven’t seen anything about organizations/places/money etc.</a:t>
-            </a:r>
-            <a:endParaRPr lang="en-US" sz="3600" dirty="0" smtClean="0"/>
-          </a:p>
-        </p:txBody>
-      </p:sp>
-    </p:spTree>
-    <p:extLst>
-      <p:ext uri="{BB962C8B-B14F-4D97-AF65-F5344CB8AC3E}">
-        <p14:creationId xmlns:p14="http://schemas.microsoft.com/office/powerpoint/2010/main" val="3874560736"/>
-      </p:ext>
-    </p:extLst>
-  </p:cSld>
-  <p:clrMapOvr>
-    <a:masterClrMapping/>
-  </p:clrMapOvr>
-  <p:timing>
-    <p:tnLst>
-      <p:par>
-        <p:cTn id="1" dur="indefinite" restart="never" nodeType="tmRoot"/>
-      </p:par>
-    </p:tnLst>
-  </p:timing>
-</p:sld>
-</file>
-
 <file path=ppt/slides/slide15.xml><?xml version="1.0" encoding="utf-8"?>
 <p:sld xmlns:a="http://schemas.openxmlformats.org/drawingml/2006/main" xmlns:r="http://schemas.openxmlformats.org/officeDocument/2006/relationships" xmlns:p="http://schemas.openxmlformats.org/presentationml/2006/main">
   <p:cSld>
@@ -4800,7 +4783,7 @@
         <p:spPr>
           <a:xfrm>
             <a:off x="669520" y="1143537"/>
-            <a:ext cx="10558668" cy="3970318"/>
+            <a:ext cx="10558668" cy="2862322"/>
           </a:xfrm>
           <a:prstGeom prst="rect">
             <a:avLst/>
@@ -4818,54 +4801,20 @@
               <a:buChar char="-"/>
             </a:pPr>
             <a:r>
+              <a:rPr lang="en-US" sz="3600" dirty="0" smtClean="0"/>
+              <a:t>Notice that tokens are pieces of the </a:t>
+            </a:r>
+            <a:r>
               <a:rPr lang="en-US" sz="3600" b="1" dirty="0" smtClean="0"/>
-              <a:t>Prefix</a:t>
-            </a:r>
-            <a:r>
-              <a:rPr lang="en-US" sz="3600" dirty="0" smtClean="0"/>
-              <a:t>: 	character(s) at the beginning </a:t>
-            </a:r>
-            <a:r>
-              <a:rPr lang="en-US" sz="3600" dirty="0" smtClean="0">
-                <a:sym typeface="Wingdings" pitchFamily="2" charset="2"/>
-              </a:rPr>
-              <a:t></a:t>
-            </a:r>
-            <a:r>
-              <a:rPr lang="en-US" sz="3600" dirty="0">
-                <a:sym typeface="Wingdings" pitchFamily="2" charset="2"/>
-              </a:rPr>
-              <a:t> </a:t>
-            </a:r>
-            <a:r>
-              <a:rPr lang="en-US" sz="3600" i="1" dirty="0" smtClean="0"/>
-              <a:t>$ ( “</a:t>
-            </a:r>
-            <a:endParaRPr lang="en-US" sz="3600" b="1" i="1" dirty="0" smtClean="0"/>
+              <a:t>original text</a:t>
+            </a:r>
           </a:p>
           <a:p>
             <a:pPr marL="457200" indent="-457200">
               <a:buFontTx/>
               <a:buChar char="-"/>
             </a:pPr>
-            <a:r>
-              <a:rPr lang="en-US" sz="3600" b="1" dirty="0" smtClean="0"/>
-              <a:t>Suffix: 	</a:t>
-            </a:r>
-            <a:r>
-              <a:rPr lang="en-US" sz="3600" dirty="0" smtClean="0"/>
-              <a:t>characters(s) at the end	        </a:t>
-            </a:r>
-            <a:r>
-              <a:rPr lang="en-US" sz="3600" dirty="0" smtClean="0">
-                <a:sym typeface="Wingdings" pitchFamily="2" charset="2"/>
-              </a:rPr>
-              <a:t> </a:t>
-            </a:r>
-            <a:r>
-              <a:rPr lang="en-US" sz="3600" i="1" dirty="0" smtClean="0"/>
-              <a:t>km ) , . ! “</a:t>
-            </a:r>
+            <a:endParaRPr lang="en-US" sz="3600" b="1" dirty="0"/>
           </a:p>
           <a:p>
             <a:pPr marL="457200" indent="-457200">
@@ -4873,80 +4822,8 @@
               <a:buChar char="-"/>
             </a:pPr>
             <a:r>
-              <a:rPr lang="en-US" sz="3600" b="1" dirty="0" smtClean="0"/>
-              <a:t>Infix: 	</a:t>
-            </a:r>
-            <a:r>
               <a:rPr lang="en-US" sz="3600" dirty="0" smtClean="0"/>
-              <a:t>character(s) in between	        </a:t>
-            </a:r>
-            <a:r>
-              <a:rPr lang="en-US" sz="3600" dirty="0" smtClean="0">
-                <a:sym typeface="Wingdings" pitchFamily="2" charset="2"/>
-              </a:rPr>
-              <a:t> </a:t>
-            </a:r>
-            <a:r>
-              <a:rPr lang="en-US" sz="3600" i="1" dirty="0" smtClean="0"/>
-              <a:t>- -- / …</a:t>
-            </a:r>
-          </a:p>
-          <a:p>
-            <a:pPr marL="457200" indent="-457200">
-              <a:buFontTx/>
-              <a:buChar char="-"/>
-            </a:pPr>
-            <a:r>
-              <a:rPr lang="en-US" sz="3600" b="1" dirty="0" smtClean="0"/>
-              <a:t>Exception</a:t>
-            </a:r>
-            <a:r>
-              <a:rPr lang="en-US" sz="3600" dirty="0" smtClean="0"/>
-              <a:t>:	</a:t>
-            </a:r>
-          </a:p>
-          <a:p>
-            <a:r>
-              <a:rPr lang="en-US" sz="3600" dirty="0" smtClean="0"/>
-              <a:t>    special-case rule to split a string into several tokens   </a:t>
-            </a:r>
-          </a:p>
-          <a:p>
-            <a:r>
-              <a:rPr lang="en-US" sz="3600" dirty="0"/>
-              <a:t> </a:t>
-            </a:r>
-            <a:r>
-              <a:rPr lang="en-US" sz="3600" dirty="0" smtClean="0"/>
-              <a:t>   or prevent a token from being split when punctuation </a:t>
-            </a:r>
-          </a:p>
-          <a:p>
-            <a:r>
-              <a:rPr lang="en-US" sz="3600" dirty="0"/>
-              <a:t> </a:t>
-            </a:r>
-            <a:r>
-              <a:rPr lang="en-US" sz="3600" dirty="0" smtClean="0"/>
-              <a:t>   rules are applied	</a:t>
-            </a:r>
-            <a:r>
-              <a:rPr lang="en-US" sz="3600" dirty="0"/>
-              <a:t> </a:t>
-            </a:r>
-            <a:r>
-              <a:rPr lang="en-US" sz="3600" dirty="0" smtClean="0">
-                <a:sym typeface="Wingdings" pitchFamily="2" charset="2"/>
-              </a:rPr>
-              <a:t> </a:t>
-            </a:r>
-            <a:r>
-              <a:rPr lang="en-US" sz="3600" i="1" dirty="0" smtClean="0"/>
-              <a:t>let’s U.S</a:t>
-            </a:r>
-            <a:r>
-              <a:rPr lang="en-US" sz="3600" dirty="0" smtClean="0"/>
-              <a:t>.</a:t>
+              <a:t>We don’t see any conversion to word stems or lemmas (base forms of words) and we haven’t seen anything about organizations/places/money etc.</a:t>
             </a:r>
           </a:p>
         </p:txBody>
@@ -4954,7 +4831,7 @@
     </p:spTree>
     <p:extLst>
       <p:ext uri="{BB962C8B-B14F-4D97-AF65-F5344CB8AC3E}">
-        <p14:creationId xmlns:p14="http://schemas.microsoft.com/office/powerpoint/2010/main" val="741147969"/>
+        <p14:creationId xmlns:p14="http://schemas.microsoft.com/office/powerpoint/2010/main" val="3874560736"/>
       </p:ext>
     </p:extLst>
   </p:cSld>
@@ -4997,7 +4874,7 @@
         <p:spPr>
           <a:xfrm>
             <a:off x="669520" y="1143537"/>
-            <a:ext cx="10558668" cy="1200329"/>
+            <a:ext cx="10558668" cy="3970318"/>
           </a:xfrm>
           <a:prstGeom prst="rect">
             <a:avLst/>
@@ -5016,20 +4893,142 @@
             </a:pPr>
             <a:r>
               <a:rPr lang="en-US" sz="3600" b="1" dirty="0" smtClean="0"/>
-              <a:t>Tokens</a:t>
+              <a:t>Prefix</a:t>
             </a:r>
             <a:r>
               <a:rPr lang="en-US" sz="3600" dirty="0" smtClean="0"/>
-              <a:t> have a variety of useful attributes and methods</a:t>
-            </a:r>
-            <a:endParaRPr lang="en-US" sz="3600" b="1" dirty="0" smtClean="0"/>
+              <a:t>: 	character(s) at the beginning </a:t>
+            </a:r>
+            <a:r>
+              <a:rPr lang="en-US" sz="3600" dirty="0" smtClean="0">
+                <a:sym typeface="Wingdings" pitchFamily="2" charset="2"/>
+              </a:rPr>
+              <a:t></a:t>
+            </a:r>
+            <a:r>
+              <a:rPr lang="en-US" sz="3600" dirty="0">
+                <a:sym typeface="Wingdings" pitchFamily="2" charset="2"/>
+              </a:rPr>
+              <a:t> </a:t>
+            </a:r>
+            <a:r>
+              <a:rPr lang="en-US" sz="3600" i="1" dirty="0" smtClean="0"/>
+              <a:t>$ ( “</a:t>
+            </a:r>
+            <a:endParaRPr lang="en-US" sz="3600" b="1" i="1" dirty="0" smtClean="0"/>
+          </a:p>
+          <a:p>
+            <a:pPr marL="457200" indent="-457200">
+              <a:buFontTx/>
+              <a:buChar char="-"/>
+            </a:pPr>
+            <a:r>
+              <a:rPr lang="en-US" sz="3600" b="1" dirty="0" smtClean="0"/>
+              <a:t>Suffix: 	</a:t>
+            </a:r>
+            <a:r>
+              <a:rPr lang="en-US" sz="3600" dirty="0" smtClean="0"/>
+              <a:t>characters(s) at the end	        </a:t>
+            </a:r>
+            <a:r>
+              <a:rPr lang="en-US" sz="3600" dirty="0" smtClean="0">
+                <a:sym typeface="Wingdings" pitchFamily="2" charset="2"/>
+              </a:rPr>
+              <a:t> </a:t>
+            </a:r>
+            <a:r>
+              <a:rPr lang="en-US" sz="3600" i="1" dirty="0" smtClean="0"/>
+              <a:t>km ) , . ! “</a:t>
+            </a:r>
+          </a:p>
+          <a:p>
+            <a:pPr marL="457200" indent="-457200">
+              <a:buFontTx/>
+              <a:buChar char="-"/>
+            </a:pPr>
+            <a:r>
+              <a:rPr lang="en-US" sz="3600" b="1" dirty="0" smtClean="0"/>
+              <a:t>Infix: 	</a:t>
+            </a:r>
+            <a:r>
+              <a:rPr lang="en-US" sz="3600" dirty="0" smtClean="0"/>
+              <a:t>character(s) in between	        </a:t>
+            </a:r>
+            <a:r>
+              <a:rPr lang="en-US" sz="3600" dirty="0" smtClean="0">
+                <a:sym typeface="Wingdings" pitchFamily="2" charset="2"/>
+              </a:rPr>
+              <a:t> </a:t>
+            </a:r>
+            <a:r>
+              <a:rPr lang="en-US" sz="3600" i="1" dirty="0" smtClean="0"/>
+              <a:t>- -- / …</a:t>
+            </a:r>
+          </a:p>
+          <a:p>
+            <a:pPr marL="457200" indent="-457200">
+              <a:buFontTx/>
+              <a:buChar char="-"/>
+            </a:pPr>
+            <a:r>
+              <a:rPr lang="en-US" sz="3600" b="1" dirty="0" smtClean="0"/>
+              <a:t>Exception</a:t>
+            </a:r>
+            <a:r>
+              <a:rPr lang="en-US" sz="3600" dirty="0" smtClean="0"/>
+              <a:t>:	</a:t>
+            </a:r>
+          </a:p>
+          <a:p>
+            <a:r>
+              <a:rPr lang="en-US" sz="3600" dirty="0" smtClean="0"/>
+              <a:t>    special-case rule to split a string into several tokens   </a:t>
+            </a:r>
+          </a:p>
+          <a:p>
+            <a:r>
+              <a:rPr lang="en-US" sz="3600" dirty="0"/>
+              <a:t> </a:t>
+            </a:r>
+            <a:r>
+              <a:rPr lang="en-US" sz="3600" dirty="0" smtClean="0"/>
+              <a:t>   or prevent a token from being split when punctuation </a:t>
+            </a:r>
+          </a:p>
+          <a:p>
+            <a:r>
+              <a:rPr lang="en-US" sz="3600" dirty="0"/>
+              <a:t> </a:t>
+            </a:r>
+            <a:r>
+              <a:rPr lang="en-US" sz="3600" dirty="0" smtClean="0"/>
+              <a:t>   rules are applied	</a:t>
+            </a:r>
+            <a:r>
+              <a:rPr lang="en-US" sz="3600" dirty="0"/>
+              <a:t> </a:t>
+            </a:r>
+            <a:r>
+              <a:rPr lang="en-US" sz="3600" dirty="0" smtClean="0">
+                <a:sym typeface="Wingdings" pitchFamily="2" charset="2"/>
+              </a:rPr>
+              <a:t> </a:t>
+            </a:r>
+            <a:r>
+              <a:rPr lang="en-US" sz="3600" i="1" dirty="0" smtClean="0"/>
+              <a:t>let’s U.S</a:t>
+            </a:r>
+            <a:r>
+              <a:rPr lang="en-US" sz="3600" dirty="0" smtClean="0"/>
+              <a:t>.</a:t>
+            </a:r>
           </a:p>
         </p:txBody>
       </p:sp>
     </p:spTree>
     <p:extLst>
       <p:ext uri="{BB962C8B-B14F-4D97-AF65-F5344CB8AC3E}">
-        <p14:creationId xmlns:p14="http://schemas.microsoft.com/office/powerpoint/2010/main" val="2925004992"/>
+        <p14:creationId xmlns:p14="http://schemas.microsoft.com/office/powerpoint/2010/main" val="741147969"/>
       </p:ext>
     </p:extLst>
   </p:cSld>
@@ -5065,14 +5064,14 @@
       </p:grpSpPr>
       <p:sp>
         <p:nvSpPr>
-          <p:cNvPr id="6" name="TextBox 5"/>
+          <p:cNvPr id="4" name="TextBox 3"/>
           <p:cNvSpPr txBox="1"/>
           <p:nvPr/>
         </p:nvSpPr>
         <p:spPr>
           <a:xfrm>
-            <a:off x="721364" y="2562078"/>
-            <a:ext cx="10749281" cy="830997"/>
+            <a:off x="669520" y="1143537"/>
+            <a:ext cx="10558668" cy="1200329"/>
           </a:xfrm>
           <a:prstGeom prst="rect">
             <a:avLst/>
@@ -5085,34 +5084,39 @@
           </a:bodyPr>
           <a:lstStyle/>
           <a:p>
-            <a:pPr algn="ctr"/>
-            <a:r>
-              <a:rPr lang="en-US" sz="4800" b="1" dirty="0" smtClean="0">
-                <a:latin typeface="Arial" pitchFamily="34" charset="0"/>
-                <a:cs typeface="Arial" pitchFamily="34" charset="0"/>
-              </a:rPr>
-              <a:t>Tokenization Visualized</a:t>
-            </a:r>
-            <a:endParaRPr lang="en-US" sz="3200" b="1" dirty="0">
-              <a:solidFill>
-                <a:schemeClr val="accent2"/>
-              </a:solidFill>
-              <a:latin typeface="Arial" pitchFamily="34" charset="0"/>
-              <a:cs typeface="Arial" pitchFamily="34" charset="0"/>
-            </a:endParaRPr>
+            <a:pPr marL="457200" indent="-457200">
+              <a:buFontTx/>
+              <a:buChar char="-"/>
+            </a:pPr>
+            <a:r>
+              <a:rPr lang="en-US" sz="3600" b="1" dirty="0" smtClean="0"/>
+              <a:t>Tokens</a:t>
+            </a:r>
+            <a:r>
+              <a:rPr lang="en-US" sz="3600" dirty="0" smtClean="0"/>
+              <a:t> have a variety of useful attributes and methods</a:t>
+            </a:r>
+            <a:endParaRPr lang="en-US" sz="3600" b="1" dirty="0" smtClean="0"/>
           </a:p>
         </p:txBody>
       </p:sp>
     </p:spTree>
     <p:extLst>
       <p:ext uri="{BB962C8B-B14F-4D97-AF65-F5344CB8AC3E}">
-        <p14:creationId xmlns:p14="http://schemas.microsoft.com/office/powerpoint/2010/main" val="2347468296"/>
+        <p14:creationId xmlns:p14="http://schemas.microsoft.com/office/powerpoint/2010/main" val="2925004992"/>
       </p:ext>
     </p:extLst>
   </p:cSld>
   <p:clrMapOvr>
     <a:masterClrMapping/>
   </p:clrMapOvr>
+  <p:timing>
+    <p:tnLst>
+      <p:par>
+        <p:cTn id="1" dur="indefinite" restart="never" nodeType="tmRoot"/>
+      </p:par>
+    </p:tnLst>
+  </p:timing>
 </p:sld>
 </file>
 
@@ -5135,14 +5139,14 @@
       </p:grpSpPr>
       <p:sp>
         <p:nvSpPr>
-          <p:cNvPr id="4" name="TextBox 3"/>
+          <p:cNvPr id="6" name="TextBox 5"/>
           <p:cNvSpPr txBox="1"/>
           <p:nvPr/>
         </p:nvSpPr>
         <p:spPr>
           <a:xfrm>
-            <a:off x="669520" y="1143537"/>
-            <a:ext cx="10558668" cy="646331"/>
+            <a:off x="721363" y="2390628"/>
+            <a:ext cx="10749281" cy="1015663"/>
           </a:xfrm>
           <a:prstGeom prst="rect">
             <a:avLst/>
@@ -5155,35 +5159,34 @@
           </a:bodyPr>
           <a:lstStyle/>
           <a:p>
-            <a:pPr marL="457200" indent="-457200">
-              <a:buFontTx/>
-              <a:buChar char="-"/>
-            </a:pPr>
-            <a:r>
-              <a:rPr lang="en-US" sz="3600" dirty="0" smtClean="0"/>
-              <a:t>Visualization of token relationships</a:t>
-            </a:r>
-            <a:endParaRPr lang="en-US" sz="3600" dirty="0" smtClean="0"/>
+            <a:pPr algn="ctr"/>
+            <a:r>
+              <a:rPr lang="en-US" sz="6000" b="1" dirty="0" smtClean="0">
+                <a:latin typeface="Arial" pitchFamily="34" charset="0"/>
+                <a:cs typeface="Arial" pitchFamily="34" charset="0"/>
+              </a:rPr>
+              <a:t>[Code Demo]</a:t>
+            </a:r>
+            <a:endParaRPr lang="en-US" sz="6000" b="1" dirty="0">
+              <a:solidFill>
+                <a:schemeClr val="accent2"/>
+              </a:solidFill>
+              <a:latin typeface="Arial" pitchFamily="34" charset="0"/>
+              <a:cs typeface="Arial" pitchFamily="34" charset="0"/>
+            </a:endParaRPr>
           </a:p>
         </p:txBody>
       </p:sp>
     </p:spTree>
     <p:extLst>
       <p:ext uri="{BB962C8B-B14F-4D97-AF65-F5344CB8AC3E}">
-        <p14:creationId xmlns:p14="http://schemas.microsoft.com/office/powerpoint/2010/main" val="1885463236"/>
+        <p14:creationId xmlns:p14="http://schemas.microsoft.com/office/powerpoint/2010/main" val="3368909298"/>
       </p:ext>
     </p:extLst>
   </p:cSld>
   <p:clrMapOvr>
     <a:masterClrMapping/>
   </p:clrMapOvr>
-  <p:timing>
-    <p:tnLst>
-      <p:par>
-        <p:cTn id="1" dur="indefinite" restart="never" nodeType="tmRoot"/>
-      </p:par>
-    </p:tnLst>
-  </p:timing>
 </p:sld>
 </file>
 
@@ -5212,8 +5215,8 @@
         </p:nvSpPr>
         <p:spPr>
           <a:xfrm>
-            <a:off x="721363" y="2409678"/>
-            <a:ext cx="10749281" cy="1015663"/>
+            <a:off x="721364" y="2562078"/>
+            <a:ext cx="10749281" cy="830997"/>
           </a:xfrm>
           <a:prstGeom prst="rect">
             <a:avLst/>
@@ -5228,13 +5231,13 @@
           <a:p>
             <a:pPr algn="ctr"/>
             <a:r>
-              <a:rPr lang="en-US" sz="6000" b="1" dirty="0" smtClean="0">
+              <a:rPr lang="en-US" sz="4800" b="1" dirty="0" smtClean="0">
                 <a:latin typeface="Arial" pitchFamily="34" charset="0"/>
                 <a:cs typeface="Arial" pitchFamily="34" charset="0"/>
               </a:rPr>
-              <a:t>Stemming</a:t>
-            </a:r>
-            <a:endParaRPr lang="en-US" sz="6000" b="1" dirty="0">
+              <a:t>Tokenization Visualized</a:t>
+            </a:r>
+            <a:endParaRPr lang="en-US" sz="3200" b="1" dirty="0">
               <a:solidFill>
                 <a:schemeClr val="accent2"/>
               </a:solidFill>
@@ -5247,7 +5250,7 @@
     </p:spTree>
     <p:extLst>
       <p:ext uri="{BB962C8B-B14F-4D97-AF65-F5344CB8AC3E}">
-        <p14:creationId xmlns:p14="http://schemas.microsoft.com/office/powerpoint/2010/main" val="4128361814"/>
+        <p14:creationId xmlns:p14="http://schemas.microsoft.com/office/powerpoint/2010/main" val="2347468296"/>
       </p:ext>
     </p:extLst>
   </p:cSld>
@@ -5409,7 +5412,7 @@
         <p:spPr>
           <a:xfrm>
             <a:off x="669520" y="1143537"/>
-            <a:ext cx="10558668" cy="3416320"/>
+            <a:ext cx="10558668" cy="646331"/>
           </a:xfrm>
           <a:prstGeom prst="rect">
             <a:avLst/>
@@ -5428,33 +5431,15 @@
             </a:pPr>
             <a:r>
               <a:rPr lang="en-US" sz="3600" dirty="0" smtClean="0"/>
-              <a:t>Often when searching text for a certain keyword, it helps if the search returns variations of the word</a:t>
-            </a:r>
-          </a:p>
-          <a:p>
-            <a:pPr marL="457200" indent="-457200">
-              <a:buFontTx/>
-              <a:buChar char="-"/>
-            </a:pPr>
-            <a:endParaRPr lang="en-US" sz="3600" dirty="0"/>
-          </a:p>
-          <a:p>
-            <a:pPr marL="457200" indent="-457200">
-              <a:buFontTx/>
-              <a:buChar char="-"/>
-            </a:pPr>
-            <a:r>
-              <a:rPr lang="en-US" sz="3600" dirty="0" smtClean="0"/>
-              <a:t>For example, searching for “boat” might also return “boats” and “boating”. Here “boat” would be the stem for [boat, boater, boating, boats]</a:t>
-            </a:r>
-            <a:endParaRPr lang="en-US" sz="3600" dirty="0" smtClean="0"/>
+              <a:t>Visualization of token relationships</a:t>
+            </a:r>
           </a:p>
         </p:txBody>
       </p:sp>
     </p:spTree>
     <p:extLst>
       <p:ext uri="{BB962C8B-B14F-4D97-AF65-F5344CB8AC3E}">
-        <p14:creationId xmlns:p14="http://schemas.microsoft.com/office/powerpoint/2010/main" val="2237839929"/>
+        <p14:creationId xmlns:p14="http://schemas.microsoft.com/office/powerpoint/2010/main" val="1885463236"/>
       </p:ext>
     </p:extLst>
   </p:cSld>
@@ -5490,14 +5475,14 @@
       </p:grpSpPr>
       <p:sp>
         <p:nvSpPr>
-          <p:cNvPr id="4" name="TextBox 3"/>
+          <p:cNvPr id="6" name="TextBox 5"/>
           <p:cNvSpPr txBox="1"/>
           <p:nvPr/>
         </p:nvSpPr>
         <p:spPr>
           <a:xfrm>
-            <a:off x="669520" y="1143537"/>
-            <a:ext cx="10558668" cy="4462760"/>
+            <a:off x="721363" y="2390628"/>
+            <a:ext cx="10749281" cy="1015663"/>
           </a:xfrm>
           <a:prstGeom prst="rect">
             <a:avLst/>
@@ -5510,110 +5495,34 @@
           </a:bodyPr>
           <a:lstStyle/>
           <a:p>
-            <a:r>
-              <a:rPr lang="en-US" sz="3600" b="1" dirty="0" smtClean="0"/>
-              <a:t>Why Stemming is Necessary?</a:t>
-            </a:r>
-          </a:p>
-          <a:p>
-            <a:endParaRPr lang="en-US" sz="3600" dirty="0"/>
-          </a:p>
-          <a:p>
-            <a:r>
-              <a:rPr lang="en-US" sz="3600" dirty="0" smtClean="0"/>
-              <a:t>1. Text Normalization</a:t>
-            </a:r>
-          </a:p>
-          <a:p>
-            <a:endParaRPr lang="en-US" sz="3600" dirty="0" smtClean="0"/>
-          </a:p>
-          <a:p>
-            <a:pPr marL="457200" indent="-457200">
-              <a:buFontTx/>
-              <a:buChar char="-"/>
-            </a:pPr>
-            <a:r>
-              <a:rPr lang="en-US" sz="2800" dirty="0" smtClean="0"/>
-              <a:t>Words </a:t>
-            </a:r>
-            <a:r>
-              <a:rPr lang="en-US" sz="2800" dirty="0"/>
-              <a:t>like </a:t>
-            </a:r>
-            <a:r>
-              <a:rPr lang="en-US" sz="2800" i="1" dirty="0"/>
-              <a:t>running</a:t>
-            </a:r>
-            <a:r>
-              <a:rPr lang="en-US" sz="2800" dirty="0"/>
-              <a:t>, </a:t>
-            </a:r>
-            <a:r>
-              <a:rPr lang="en-US" sz="2800" i="1" dirty="0"/>
-              <a:t>runs</a:t>
-            </a:r>
-            <a:r>
-              <a:rPr lang="en-US" sz="2800" dirty="0"/>
-              <a:t>, and </a:t>
-            </a:r>
-            <a:r>
-              <a:rPr lang="en-US" sz="2800" i="1" dirty="0"/>
-              <a:t>ran</a:t>
-            </a:r>
-            <a:r>
-              <a:rPr lang="en-US" sz="2800" dirty="0"/>
-              <a:t> share the same root (</a:t>
-            </a:r>
-            <a:r>
-              <a:rPr lang="en-US" sz="2800" i="1" dirty="0"/>
-              <a:t>run</a:t>
-            </a:r>
-            <a:r>
-              <a:rPr lang="en-US" sz="2800" dirty="0"/>
-              <a:t>). Stemming reduces these inflections and derivations to a common base form, making it easier to treat them as the same word</a:t>
-            </a:r>
-            <a:r>
-              <a:rPr lang="en-US" sz="2800" dirty="0" smtClean="0"/>
-              <a:t>.</a:t>
-            </a:r>
-          </a:p>
-          <a:p>
-            <a:endParaRPr lang="en-US" sz="2800" dirty="0" smtClean="0"/>
-          </a:p>
-          <a:p>
-            <a:pPr marL="457200" indent="-457200">
-              <a:buFontTx/>
-              <a:buChar char="-"/>
-            </a:pPr>
-            <a:r>
-              <a:rPr lang="en-US" sz="2800" dirty="0"/>
-              <a:t>This simplifies text data by reducing redundant word variations</a:t>
-            </a:r>
-            <a:r>
-              <a:rPr lang="en-US" sz="2800" dirty="0" smtClean="0"/>
-              <a:t>.</a:t>
-            </a:r>
-            <a:endParaRPr lang="en-US" sz="2800" dirty="0" smtClean="0"/>
+            <a:pPr algn="ctr"/>
+            <a:r>
+              <a:rPr lang="en-US" sz="6000" b="1" dirty="0" smtClean="0">
+                <a:latin typeface="Arial" pitchFamily="34" charset="0"/>
+                <a:cs typeface="Arial" pitchFamily="34" charset="0"/>
+              </a:rPr>
+              <a:t>[Code Demo]</a:t>
+            </a:r>
+            <a:endParaRPr lang="en-US" sz="6000" b="1" dirty="0">
+              <a:solidFill>
+                <a:schemeClr val="accent2"/>
+              </a:solidFill>
+              <a:latin typeface="Arial" pitchFamily="34" charset="0"/>
+              <a:cs typeface="Arial" pitchFamily="34" charset="0"/>
+            </a:endParaRPr>
           </a:p>
         </p:txBody>
       </p:sp>
     </p:spTree>
     <p:extLst>
       <p:ext uri="{BB962C8B-B14F-4D97-AF65-F5344CB8AC3E}">
-        <p14:creationId xmlns:p14="http://schemas.microsoft.com/office/powerpoint/2010/main" val="2443421585"/>
+        <p14:creationId xmlns:p14="http://schemas.microsoft.com/office/powerpoint/2010/main" val="3368909298"/>
       </p:ext>
     </p:extLst>
   </p:cSld>
   <p:clrMapOvr>
     <a:masterClrMapping/>
   </p:clrMapOvr>
-  <p:timing>
-    <p:tnLst>
-      <p:par>
-        <p:cTn id="1" dur="indefinite" restart="never" nodeType="tmRoot"/>
-      </p:par>
-    </p:tnLst>
-  </p:timing>
 </p:sld>
 </file>
 
@@ -5636,14 +5545,14 @@
       </p:grpSpPr>
       <p:sp>
         <p:nvSpPr>
-          <p:cNvPr id="4" name="TextBox 3"/>
+          <p:cNvPr id="6" name="TextBox 5"/>
           <p:cNvSpPr txBox="1"/>
           <p:nvPr/>
         </p:nvSpPr>
         <p:spPr>
           <a:xfrm>
-            <a:off x="669520" y="1143537"/>
-            <a:ext cx="10950980" cy="4462760"/>
+            <a:off x="721363" y="2409678"/>
+            <a:ext cx="10749281" cy="1015663"/>
           </a:xfrm>
           <a:prstGeom prst="rect">
             <a:avLst/>
@@ -5656,113 +5565,34 @@
           </a:bodyPr>
           <a:lstStyle/>
           <a:p>
-            <a:r>
-              <a:rPr lang="en-US" sz="3600" b="1" dirty="0" smtClean="0"/>
-              <a:t>Why Stemming is Necessary?</a:t>
-            </a:r>
-          </a:p>
-          <a:p>
-            <a:endParaRPr lang="en-US" sz="3600" dirty="0"/>
-          </a:p>
-          <a:p>
-            <a:r>
-              <a:rPr lang="en-US" sz="3600" dirty="0" smtClean="0"/>
-              <a:t>2. Improves Search and Matching</a:t>
-            </a:r>
-          </a:p>
-          <a:p>
-            <a:endParaRPr lang="en-US" sz="3600" dirty="0" smtClean="0"/>
-          </a:p>
-          <a:p>
-            <a:pPr marL="457200" indent="-457200">
-              <a:buFontTx/>
-              <a:buChar char="-"/>
-            </a:pPr>
-            <a:r>
-              <a:rPr lang="en-US" sz="2800" dirty="0"/>
-              <a:t>In search engines or databases, stemming allows a query for </a:t>
-            </a:r>
-            <a:r>
-              <a:rPr lang="en-US" sz="2800" i="1" dirty="0"/>
-              <a:t>run</a:t>
-            </a:r>
-            <a:r>
-              <a:rPr lang="en-US" sz="2800" dirty="0"/>
-              <a:t> to return documents containing </a:t>
-            </a:r>
-            <a:r>
-              <a:rPr lang="en-US" sz="2800" i="1" dirty="0"/>
-              <a:t>runs</a:t>
-            </a:r>
-            <a:r>
-              <a:rPr lang="en-US" sz="2800" dirty="0"/>
-              <a:t>, </a:t>
-            </a:r>
-            <a:r>
-              <a:rPr lang="en-US" sz="2800" i="1" dirty="0"/>
-              <a:t>running</a:t>
-            </a:r>
-            <a:r>
-              <a:rPr lang="en-US" sz="2800" dirty="0"/>
-              <a:t>, or </a:t>
-            </a:r>
-            <a:r>
-              <a:rPr lang="en-US" sz="2800" i="1" dirty="0"/>
-              <a:t>ran</a:t>
-            </a:r>
-            <a:r>
-              <a:rPr lang="en-US" sz="2800" dirty="0" smtClean="0"/>
-              <a:t>.</a:t>
-            </a:r>
-          </a:p>
-          <a:p>
-            <a:pPr marL="457200" indent="-457200">
-              <a:buFontTx/>
-              <a:buChar char="-"/>
-            </a:pPr>
-            <a:endParaRPr lang="en-US" sz="2800" dirty="0" smtClean="0"/>
-          </a:p>
-          <a:p>
-            <a:pPr marL="457200" indent="-457200">
-              <a:buFontTx/>
-              <a:buChar char="-"/>
-            </a:pPr>
-            <a:r>
-              <a:rPr lang="en-US" sz="2800" dirty="0" smtClean="0"/>
-              <a:t>It </a:t>
-            </a:r>
-            <a:r>
-              <a:rPr lang="en-US" sz="2800" dirty="0"/>
-              <a:t>improves the recall of search results by accounting for morphological </a:t>
-            </a:r>
-            <a:endParaRPr lang="en-US" sz="2800" dirty="0" smtClean="0"/>
-          </a:p>
-          <a:p>
-            <a:r>
-              <a:rPr lang="en-US" sz="2800" dirty="0" smtClean="0"/>
-              <a:t>      variations.</a:t>
-            </a:r>
-            <a:endParaRPr lang="en-US" sz="2800" dirty="0"/>
+            <a:pPr algn="ctr"/>
+            <a:r>
+              <a:rPr lang="en-US" sz="6000" b="1" dirty="0" smtClean="0">
+                <a:latin typeface="Arial" pitchFamily="34" charset="0"/>
+                <a:cs typeface="Arial" pitchFamily="34" charset="0"/>
+              </a:rPr>
+              <a:t>Stemming</a:t>
+            </a:r>
+            <a:endParaRPr lang="en-US" sz="6000" b="1" dirty="0">
+              <a:solidFill>
+                <a:schemeClr val="accent2"/>
+              </a:solidFill>
+              <a:latin typeface="Arial" pitchFamily="34" charset="0"/>
+              <a:cs typeface="Arial" pitchFamily="34" charset="0"/>
+            </a:endParaRPr>
           </a:p>
         </p:txBody>
       </p:sp>
     </p:spTree>
     <p:extLst>
       <p:ext uri="{BB962C8B-B14F-4D97-AF65-F5344CB8AC3E}">
-        <p14:creationId xmlns:p14="http://schemas.microsoft.com/office/powerpoint/2010/main" val="1180909810"/>
+        <p14:creationId xmlns:p14="http://schemas.microsoft.com/office/powerpoint/2010/main" val="4128361814"/>
       </p:ext>
     </p:extLst>
   </p:cSld>
   <p:clrMapOvr>
     <a:masterClrMapping/>
   </p:clrMapOvr>
-  <p:timing>
-    <p:tnLst>
-      <p:par>
-        <p:cTn id="1" dur="indefinite" restart="never" nodeType="tmRoot"/>
-      </p:par>
-    </p:tnLst>
-  </p:timing>
 </p:sld>
 </file>
 
@@ -5792,7 +5622,7 @@
         <p:spPr>
           <a:xfrm>
             <a:off x="669520" y="1143537"/>
-            <a:ext cx="10950980" cy="4462760"/>
+            <a:ext cx="10558668" cy="3416320"/>
           </a:xfrm>
           <a:prstGeom prst="rect">
             <a:avLst/>
@@ -5805,35 +5635,13 @@
           </a:bodyPr>
           <a:lstStyle/>
           <a:p>
-            <a:r>
-              <a:rPr lang="en-US" sz="3600" b="1" dirty="0" smtClean="0"/>
-              <a:t>Why Stemming is Necessary?</a:t>
-            </a:r>
-          </a:p>
-          <a:p>
-            <a:endParaRPr lang="en-US" sz="3600" dirty="0"/>
-          </a:p>
-          <a:p>
-            <a:r>
-              <a:rPr lang="en-US" sz="3600" dirty="0" smtClean="0"/>
-              <a:t>3. Reduces Dimensionality</a:t>
-            </a:r>
-          </a:p>
-          <a:p>
-            <a:endParaRPr lang="en-US" sz="3600" dirty="0" smtClean="0"/>
-          </a:p>
-          <a:p>
             <a:pPr marL="457200" indent="-457200">
               <a:buFontTx/>
               <a:buChar char="-"/>
             </a:pPr>
             <a:r>
-              <a:rPr lang="en-US" sz="2800" dirty="0"/>
-              <a:t>By grouping different forms of a word into a single base form, stemming reduces the size of the vocabulary</a:t>
-            </a:r>
-            <a:r>
-              <a:rPr lang="en-US" sz="2800" dirty="0" smtClean="0"/>
-              <a:t>.</a:t>
+              <a:rPr lang="en-US" sz="3600" dirty="0" smtClean="0"/>
+              <a:t>Often when searching text for a certain keyword, it helps if the search returns variations of the word</a:t>
             </a:r>
           </a:p>
           <a:p>
@@ -5841,7 +5649,7 @@
               <a:buFontTx/>
               <a:buChar char="-"/>
             </a:pPr>
-            <a:endParaRPr lang="en-US" sz="2800" dirty="0" smtClean="0"/>
+            <a:endParaRPr lang="en-US" sz="3600" dirty="0"/>
           </a:p>
           <a:p>
             <a:pPr marL="457200" indent="-457200">
@@ -5849,8 +5657,8 @@
               <a:buChar char="-"/>
             </a:pPr>
             <a:r>
-              <a:rPr lang="en-US" sz="2800" dirty="0"/>
-              <a:t>This is especially useful in machine learning and NLP tasks, where large vocabularies increase computational complexity.</a:t>
+              <a:rPr lang="en-US" sz="3600" dirty="0" smtClean="0"/>
+              <a:t>For example, searching for “boat” might also return “boats” and “boating”. Here “boat” would be the stem for [boat, boater, boating, boats]</a:t>
             </a:r>
           </a:p>
         </p:txBody>
@@ -5858,7 +5666,7 @@
     </p:spTree>
     <p:extLst>
       <p:ext uri="{BB962C8B-B14F-4D97-AF65-F5344CB8AC3E}">
-        <p14:creationId xmlns:p14="http://schemas.microsoft.com/office/powerpoint/2010/main" val="1940932231"/>
+        <p14:creationId xmlns:p14="http://schemas.microsoft.com/office/powerpoint/2010/main" val="2237839929"/>
       </p:ext>
     </p:extLst>
   </p:cSld>
@@ -5901,7 +5709,7 @@
         <p:spPr>
           <a:xfrm>
             <a:off x="669520" y="1143537"/>
-            <a:ext cx="10950980" cy="4216539"/>
+            <a:ext cx="10558668" cy="4462760"/>
           </a:xfrm>
           <a:prstGeom prst="rect">
             <a:avLst/>
@@ -5925,11 +5733,11 @@
           <a:p>
             <a:r>
               <a:rPr lang="en-US" sz="3600" dirty="0" smtClean="0"/>
-              <a:t>4. Enhances Machine Learning Models</a:t>
-            </a:r>
-          </a:p>
-          <a:p>
-            <a:endParaRPr lang="en-US" sz="2000" dirty="0" smtClean="0"/>
+              <a:t>1. Text Normalization</a:t>
+            </a:r>
+          </a:p>
+          <a:p>
+            <a:endParaRPr lang="en-US" sz="3600" dirty="0" smtClean="0"/>
           </a:p>
           <a:p>
             <a:pPr marL="457200" indent="-457200">
@@ -5937,37 +5745,65 @@
               <a:buChar char="-"/>
             </a:pPr>
             <a:r>
+              <a:rPr lang="en-US" sz="2800" dirty="0" smtClean="0"/>
+              <a:t>Words </a:t>
+            </a:r>
+            <a:r>
               <a:rPr lang="en-US" sz="2800" dirty="0"/>
-              <a:t>Helps algorithms focus on the meaning of the word rather than its grammatical variations</a:t>
+              <a:t>like </a:t>
+            </a:r>
+            <a:r>
+              <a:rPr lang="en-US" sz="2800" i="1" dirty="0"/>
+              <a:t>running</a:t>
+            </a:r>
+            <a:r>
+              <a:rPr lang="en-US" sz="2800" dirty="0"/>
+              <a:t>, </a:t>
+            </a:r>
+            <a:r>
+              <a:rPr lang="en-US" sz="2800" i="1" dirty="0"/>
+              <a:t>runs</a:t>
+            </a:r>
+            <a:r>
+              <a:rPr lang="en-US" sz="2800" dirty="0"/>
+              <a:t>, and </a:t>
+            </a:r>
+            <a:r>
+              <a:rPr lang="en-US" sz="2800" i="1" dirty="0"/>
+              <a:t>ran</a:t>
+            </a:r>
+            <a:r>
+              <a:rPr lang="en-US" sz="2800" dirty="0"/>
+              <a:t> share the same root (</a:t>
+            </a:r>
+            <a:r>
+              <a:rPr lang="en-US" sz="2800" i="1" dirty="0"/>
+              <a:t>run</a:t>
+            </a:r>
+            <a:r>
+              <a:rPr lang="en-US" sz="2800" dirty="0"/>
+              <a:t>). Stemming reduces these inflections and derivations to a common base form, making it easier to treat them as the same word</a:t>
             </a:r>
             <a:r>
               <a:rPr lang="en-US" sz="2800" dirty="0" smtClean="0"/>
               <a:t>.</a:t>
             </a:r>
+          </a:p>
+          <a:p>
+            <a:endParaRPr lang="en-US" sz="2800" dirty="0" smtClean="0"/>
           </a:p>
           <a:p>
             <a:pPr marL="457200" indent="-457200">
               <a:buFontTx/>
               <a:buChar char="-"/>
             </a:pPr>
-            <a:endParaRPr lang="en-US" sz="2800" dirty="0" smtClean="0"/>
-          </a:p>
-          <a:p>
-            <a:pPr marL="457200" indent="-457200">
-              <a:buFontTx/>
-              <a:buChar char="-"/>
-            </a:pPr>
             <a:r>
               <a:rPr lang="en-US" sz="2800" dirty="0"/>
-              <a:t>Reduces noise and </a:t>
-            </a:r>
-            <a:r>
-              <a:rPr lang="en-US" sz="2800" dirty="0" err="1"/>
-              <a:t>sparsity</a:t>
-            </a:r>
-            <a:r>
-              <a:rPr lang="en-US" sz="2800" dirty="0"/>
-              <a:t> in feature space, improving the performance of models like text classifiers or topic models.</a:t>
+              <a:t>This simplifies text data by reducing redundant word variations</a:t>
+            </a:r>
+            <a:r>
+              <a:rPr lang="en-US" sz="2800" dirty="0" smtClean="0"/>
+              <a:t>.</a:t>
             </a:r>
           </a:p>
         </p:txBody>
@@ -5975,7 +5811,7 @@
     </p:spTree>
     <p:extLst>
       <p:ext uri="{BB962C8B-B14F-4D97-AF65-F5344CB8AC3E}">
-        <p14:creationId xmlns:p14="http://schemas.microsoft.com/office/powerpoint/2010/main" val="4284564723"/>
+        <p14:creationId xmlns:p14="http://schemas.microsoft.com/office/powerpoint/2010/main" val="2443421585"/>
       </p:ext>
     </p:extLst>
   </p:cSld>
@@ -6018,7 +5854,7 @@
         <p:spPr>
           <a:xfrm>
             <a:off x="669520" y="1143537"/>
-            <a:ext cx="10950980" cy="2923877"/>
+            <a:ext cx="10950980" cy="4462760"/>
           </a:xfrm>
           <a:prstGeom prst="rect">
             <a:avLst/>
@@ -6042,19 +5878,11 @@
           <a:p>
             <a:r>
               <a:rPr lang="en-US" sz="3600" dirty="0" smtClean="0"/>
-              <a:t>5. </a:t>
-            </a:r>
-            <a:r>
-              <a:rPr lang="en-US" sz="3600" dirty="0"/>
-              <a:t>Essential for Languages with Rich </a:t>
-            </a:r>
-            <a:r>
-              <a:rPr lang="en-US" sz="3600" dirty="0" smtClean="0"/>
-              <a:t>Morphology</a:t>
-            </a:r>
-          </a:p>
-          <a:p>
-            <a:endParaRPr lang="en-US" sz="2000" dirty="0" smtClean="0"/>
+              <a:t>2. Improves Search and Matching</a:t>
+            </a:r>
+          </a:p>
+          <a:p>
+            <a:endParaRPr lang="en-US" sz="3600" dirty="0" smtClean="0"/>
           </a:p>
           <a:p>
             <a:pPr marL="457200" indent="-457200">
@@ -6063,19 +5891,76 @@
             </a:pPr>
             <a:r>
               <a:rPr lang="en-US" sz="2800" dirty="0"/>
-              <a:t>For languages with complex inflections (e.g., Finnish, Turkish), stemming simplifies words to their root forms, making analysis feasible</a:t>
+              <a:t>In search engines or databases, stemming allows a query for </a:t>
+            </a:r>
+            <a:r>
+              <a:rPr lang="en-US" sz="2800" i="1" dirty="0"/>
+              <a:t>run</a:t>
+            </a:r>
+            <a:r>
+              <a:rPr lang="en-US" sz="2800" dirty="0"/>
+              <a:t> to return documents containing </a:t>
+            </a:r>
+            <a:r>
+              <a:rPr lang="en-US" sz="2800" i="1" dirty="0"/>
+              <a:t>runs</a:t>
+            </a:r>
+            <a:r>
+              <a:rPr lang="en-US" sz="2800" dirty="0"/>
+              <a:t>, </a:t>
+            </a:r>
+            <a:r>
+              <a:rPr lang="en-US" sz="2800" i="1" dirty="0"/>
+              <a:t>running</a:t>
+            </a:r>
+            <a:r>
+              <a:rPr lang="en-US" sz="2800" dirty="0"/>
+              <a:t>, or </a:t>
+            </a:r>
+            <a:r>
+              <a:rPr lang="en-US" sz="2800" i="1" dirty="0"/>
+              <a:t>ran</a:t>
             </a:r>
             <a:r>
               <a:rPr lang="en-US" sz="2800" dirty="0" smtClean="0"/>
               <a:t>.</a:t>
             </a:r>
+          </a:p>
+          <a:p>
+            <a:pPr marL="457200" indent="-457200">
+              <a:buFontTx/>
+              <a:buChar char="-"/>
+            </a:pPr>
+            <a:endParaRPr lang="en-US" sz="2800" dirty="0" smtClean="0"/>
+          </a:p>
+          <a:p>
+            <a:pPr marL="457200" indent="-457200">
+              <a:buFontTx/>
+              <a:buChar char="-"/>
+            </a:pPr>
+            <a:r>
+              <a:rPr lang="en-US" sz="2800" dirty="0" smtClean="0"/>
+              <a:t>It </a:t>
+            </a:r>
+            <a:r>
+              <a:rPr lang="en-US" sz="2800" dirty="0"/>
+              <a:t>improves the recall of search results by accounting for morphological </a:t>
+            </a:r>
+            <a:endParaRPr lang="en-US" sz="2800" dirty="0" smtClean="0"/>
+          </a:p>
+          <a:p>
+            <a:r>
+              <a:rPr lang="en-US" sz="2800" dirty="0" smtClean="0"/>
+              <a:t>      variations.</a:t>
+            </a:r>
+            <a:endParaRPr lang="en-US" sz="2800" dirty="0"/>
           </a:p>
         </p:txBody>
       </p:sp>
     </p:spTree>
     <p:extLst>
       <p:ext uri="{BB962C8B-B14F-4D97-AF65-F5344CB8AC3E}">
-        <p14:creationId xmlns:p14="http://schemas.microsoft.com/office/powerpoint/2010/main" val="1812072890"/>
+        <p14:creationId xmlns:p14="http://schemas.microsoft.com/office/powerpoint/2010/main" val="1180909810"/>
       </p:ext>
     </p:extLst>
   </p:cSld>
@@ -6118,7 +6003,7 @@
         <p:spPr>
           <a:xfrm>
             <a:off x="669520" y="1143537"/>
-            <a:ext cx="10950980" cy="2923877"/>
+            <a:ext cx="10950980" cy="4462760"/>
           </a:xfrm>
           <a:prstGeom prst="rect">
             <a:avLst/>
@@ -6142,15 +6027,11 @@
           <a:p>
             <a:r>
               <a:rPr lang="en-US" sz="3600" dirty="0" smtClean="0"/>
-              <a:t>6. </a:t>
-            </a:r>
-            <a:r>
-              <a:rPr lang="en-US" sz="3600" dirty="0" smtClean="0"/>
-              <a:t>Improves Clustering and Similarity</a:t>
-            </a:r>
-          </a:p>
-          <a:p>
-            <a:endParaRPr lang="en-US" sz="2000" dirty="0" smtClean="0"/>
+              <a:t>3. Reduces Dimensionality</a:t>
+            </a:r>
+          </a:p>
+          <a:p>
+            <a:endParaRPr lang="en-US" sz="3600" dirty="0" smtClean="0"/>
           </a:p>
           <a:p>
             <a:pPr marL="457200" indent="-457200">
@@ -6159,11 +6040,28 @@
             </a:pPr>
             <a:r>
               <a:rPr lang="en-US" sz="2800" dirty="0"/>
-              <a:t>In clustering or similarity-based tasks, stemming ensures that words with similar meanings are grouped together</a:t>
+              <a:t>By grouping different forms of a word into a single base form, stemming reduces the size of the vocabulary</a:t>
             </a:r>
             <a:r>
               <a:rPr lang="en-US" sz="2800" dirty="0" smtClean="0"/>
               <a:t>.</a:t>
+            </a:r>
+          </a:p>
+          <a:p>
+            <a:pPr marL="457200" indent="-457200">
+              <a:buFontTx/>
+              <a:buChar char="-"/>
+            </a:pPr>
+            <a:endParaRPr lang="en-US" sz="2800" dirty="0" smtClean="0"/>
+          </a:p>
+          <a:p>
+            <a:pPr marL="457200" indent="-457200">
+              <a:buFontTx/>
+              <a:buChar char="-"/>
+            </a:pPr>
+            <a:r>
+              <a:rPr lang="en-US" sz="2800" dirty="0"/>
+              <a:t>This is especially useful in machine learning and NLP tasks, where large vocabularies increase computational complexity.</a:t>
             </a:r>
           </a:p>
         </p:txBody>
@@ -6171,7 +6069,7 @@
     </p:spTree>
     <p:extLst>
       <p:ext uri="{BB962C8B-B14F-4D97-AF65-F5344CB8AC3E}">
-        <p14:creationId xmlns:p14="http://schemas.microsoft.com/office/powerpoint/2010/main" val="2780258576"/>
+        <p14:creationId xmlns:p14="http://schemas.microsoft.com/office/powerpoint/2010/main" val="1940932231"/>
       </p:ext>
     </p:extLst>
   </p:cSld>
@@ -6214,7 +6112,7 @@
         <p:spPr>
           <a:xfrm>
             <a:off x="669520" y="1143537"/>
-            <a:ext cx="10950980" cy="4847481"/>
+            <a:ext cx="10950980" cy="4216539"/>
           </a:xfrm>
           <a:prstGeom prst="rect">
             <a:avLst/>
@@ -6229,96 +6127,66 @@
           <a:p>
             <a:r>
               <a:rPr lang="en-US" sz="3600" b="1" dirty="0" smtClean="0"/>
-              <a:t>Without Stemming:</a:t>
-            </a:r>
-          </a:p>
-          <a:p>
-            <a:endParaRPr lang="en-US" sz="1100" dirty="0"/>
-          </a:p>
-          <a:p>
-            <a:r>
-              <a:rPr lang="en-PH" sz="3600" dirty="0"/>
-              <a:t>Words: run, running, runner, </a:t>
-            </a:r>
-            <a:r>
-              <a:rPr lang="en-PH" sz="3600" dirty="0" smtClean="0"/>
-              <a:t>runs</a:t>
-            </a:r>
-          </a:p>
-          <a:p>
-            <a:r>
-              <a:rPr lang="en-PH" sz="3600" dirty="0" smtClean="0"/>
-              <a:t>Vocabulary</a:t>
-            </a:r>
-            <a:r>
-              <a:rPr lang="en-PH" sz="3600" dirty="0"/>
-              <a:t>: ['run', 'running', 'runner', 'runs</a:t>
-            </a:r>
-            <a:r>
-              <a:rPr lang="en-PH" sz="3600" dirty="0" smtClean="0"/>
-              <a:t>']</a:t>
-            </a:r>
-          </a:p>
-          <a:p>
-            <a:endParaRPr lang="en-US" sz="1100" dirty="0" smtClean="0"/>
-          </a:p>
-          <a:p>
-            <a:endParaRPr lang="en-US" sz="1100" dirty="0"/>
-          </a:p>
-          <a:p>
-            <a:r>
-              <a:rPr lang="en-US" sz="3600" b="1" dirty="0" smtClean="0"/>
-              <a:t>After Stemming:</a:t>
-            </a:r>
-            <a:endParaRPr lang="en-US" sz="3600" b="1" dirty="0"/>
-          </a:p>
-          <a:p>
-            <a:endParaRPr lang="en-US" dirty="0"/>
-          </a:p>
-          <a:p>
-            <a:r>
-              <a:rPr lang="en-US" sz="3600" dirty="0"/>
-              <a:t>Words: run, run, run, </a:t>
-            </a:r>
+              <a:t>Why Stemming is Necessary?</a:t>
+            </a:r>
+          </a:p>
+          <a:p>
+            <a:endParaRPr lang="en-US" sz="3600" dirty="0"/>
+          </a:p>
+          <a:p>
             <a:r>
               <a:rPr lang="en-US" sz="3600" dirty="0" smtClean="0"/>
-              <a:t>run</a:t>
-            </a:r>
-          </a:p>
-          <a:p>
-            <a:r>
-              <a:rPr lang="en-US" sz="3600" dirty="0" smtClean="0"/>
-              <a:t>Vocabulary</a:t>
-            </a:r>
-            <a:r>
-              <a:rPr lang="en-US" sz="3600" dirty="0"/>
-              <a:t>: ['run</a:t>
-            </a:r>
-            <a:r>
-              <a:rPr lang="en-US" sz="3600" dirty="0" smtClean="0"/>
-              <a:t>']</a:t>
-            </a:r>
-          </a:p>
-          <a:p>
-            <a:endParaRPr lang="en-US" sz="2400" dirty="0"/>
-          </a:p>
-          <a:p>
-            <a:r>
-              <a:rPr lang="en-US" dirty="0" smtClean="0"/>
-              <a:t>* This </a:t>
-            </a:r>
-            <a:r>
-              <a:rPr lang="en-US" dirty="0"/>
-              <a:t>reduction ensures that all variations are treated as one, improving both efficiency and consistency.</a:t>
-            </a:r>
-            <a:endParaRPr lang="en-US" dirty="0"/>
+              <a:t>4. Enhances Machine Learning Models</a:t>
+            </a:r>
+          </a:p>
+          <a:p>
+            <a:endParaRPr lang="en-US" sz="2000" dirty="0" smtClean="0"/>
+          </a:p>
+          <a:p>
+            <a:pPr marL="457200" indent="-457200">
+              <a:buFontTx/>
+              <a:buChar char="-"/>
+            </a:pPr>
+            <a:r>
+              <a:rPr lang="en-US" sz="2800" dirty="0"/>
+              <a:t>Helps algorithms focus on the meaning of the word rather than its grammatical variations</a:t>
+            </a:r>
+            <a:r>
+              <a:rPr lang="en-US" sz="2800" dirty="0" smtClean="0"/>
+              <a:t>.</a:t>
+            </a:r>
+          </a:p>
+          <a:p>
+            <a:pPr marL="457200" indent="-457200">
+              <a:buFontTx/>
+              <a:buChar char="-"/>
+            </a:pPr>
+            <a:endParaRPr lang="en-US" sz="2800" dirty="0" smtClean="0"/>
+          </a:p>
+          <a:p>
+            <a:pPr marL="457200" indent="-457200">
+              <a:buFontTx/>
+              <a:buChar char="-"/>
+            </a:pPr>
+            <a:r>
+              <a:rPr lang="en-US" sz="2800" dirty="0"/>
+              <a:t>Reduces noise and </a:t>
+            </a:r>
+            <a:r>
+              <a:rPr lang="en-US" sz="2800" dirty="0" err="1"/>
+              <a:t>sparsity</a:t>
+            </a:r>
+            <a:r>
+              <a:rPr lang="en-US" sz="2800" dirty="0"/>
+              <a:t> in feature space, improving the performance of models like text classifiers or topic models.</a:t>
+            </a:r>
           </a:p>
         </p:txBody>
       </p:sp>
     </p:spTree>
     <p:extLst>
       <p:ext uri="{BB962C8B-B14F-4D97-AF65-F5344CB8AC3E}">
-        <p14:creationId xmlns:p14="http://schemas.microsoft.com/office/powerpoint/2010/main" val="3331422447"/>
+        <p14:creationId xmlns:p14="http://schemas.microsoft.com/office/powerpoint/2010/main" val="4284564723"/>
       </p:ext>
     </p:extLst>
   </p:cSld>
@@ -6361,7 +6229,7 @@
         <p:spPr>
           <a:xfrm>
             <a:off x="669520" y="1143537"/>
-            <a:ext cx="10950980" cy="4832092"/>
+            <a:ext cx="10950980" cy="2923877"/>
           </a:xfrm>
           <a:prstGeom prst="rect">
             <a:avLst/>
@@ -6376,91 +6244,49 @@
           <a:p>
             <a:r>
               <a:rPr lang="en-US" sz="3600" b="1" dirty="0" smtClean="0"/>
-              <a:t>Limitations:</a:t>
-            </a:r>
-          </a:p>
-          <a:p>
-            <a:endParaRPr lang="en-US" sz="2000" b="1" dirty="0" smtClean="0"/>
-          </a:p>
-          <a:p>
-            <a:r>
-              <a:rPr lang="en-US" sz="2800" b="1" dirty="0" smtClean="0"/>
-              <a:t>Over-stemming</a:t>
-            </a:r>
+              <a:t>Why Stemming is Necessary?</a:t>
+            </a:r>
+          </a:p>
+          <a:p>
+            <a:endParaRPr lang="en-US" sz="3600" dirty="0"/>
+          </a:p>
+          <a:p>
+            <a:r>
+              <a:rPr lang="en-US" sz="3600" dirty="0" smtClean="0"/>
+              <a:t>5. </a:t>
+            </a:r>
+            <a:r>
+              <a:rPr lang="en-US" sz="3600" dirty="0"/>
+              <a:t>Essential for Languages with Rich </a:t>
+            </a:r>
+            <a:r>
+              <a:rPr lang="en-US" sz="3600" dirty="0" smtClean="0"/>
+              <a:t>Morphology</a:t>
+            </a:r>
+          </a:p>
+          <a:p>
+            <a:endParaRPr lang="en-US" sz="2000" dirty="0" smtClean="0"/>
+          </a:p>
+          <a:p>
+            <a:pPr marL="457200" indent="-457200">
+              <a:buFontTx/>
+              <a:buChar char="-"/>
+            </a:pPr>
             <a:r>
               <a:rPr lang="en-US" sz="2800" dirty="0"/>
-              <a:t>: Some stemmers may cut too much, merging unrelated words (e.g., </a:t>
-            </a:r>
-            <a:r>
-              <a:rPr lang="en-US" sz="2800" i="1" dirty="0"/>
-              <a:t>universe</a:t>
-            </a:r>
-            <a:r>
-              <a:rPr lang="en-US" sz="2800" dirty="0"/>
-              <a:t> and </a:t>
-            </a:r>
-            <a:r>
-              <a:rPr lang="en-US" sz="2800" i="1" dirty="0"/>
-              <a:t>university</a:t>
-            </a:r>
-            <a:r>
-              <a:rPr lang="en-US" sz="2800" dirty="0"/>
-              <a:t> both reduced to </a:t>
-            </a:r>
-            <a:r>
-              <a:rPr lang="en-US" sz="2800" i="1" dirty="0" err="1"/>
-              <a:t>univers</a:t>
-            </a:r>
-            <a:r>
-              <a:rPr lang="en-US" sz="2800" dirty="0" smtClean="0"/>
-              <a:t>).</a:t>
-            </a:r>
-          </a:p>
-          <a:p>
-            <a:endParaRPr lang="en-US" sz="2800" dirty="0"/>
-          </a:p>
-          <a:p>
-            <a:r>
-              <a:rPr lang="en-US" sz="2800" b="1" dirty="0"/>
-              <a:t>Loss of Meaning</a:t>
-            </a:r>
-            <a:r>
-              <a:rPr lang="en-US" sz="2800" dirty="0"/>
-              <a:t>: Stemming does not preserve the context or precise meaning of words, as it focuses on root forms</a:t>
+              <a:t>For languages with complex inflections (e.g., Finnish, Turkish), stemming simplifies words to their root forms, making analysis feasible</a:t>
             </a:r>
             <a:r>
               <a:rPr lang="en-US" sz="2800" dirty="0" smtClean="0"/>
               <a:t>.</a:t>
             </a:r>
-          </a:p>
-          <a:p>
-            <a:endParaRPr lang="en-US" sz="2800" dirty="0"/>
-          </a:p>
-          <a:p>
-            <a:r>
-              <a:rPr lang="en-US" sz="2800" b="1" dirty="0"/>
-              <a:t>Modern Alternative</a:t>
-            </a:r>
-            <a:r>
-              <a:rPr lang="en-US" sz="2800" i="1" dirty="0"/>
-              <a:t>: Lemmatization</a:t>
-            </a:r>
-            <a:r>
-              <a:rPr lang="en-US" sz="2800" dirty="0"/>
-              <a:t>, a more sophisticated approach, considers the context and grammar of a word to return its proper dictionary form</a:t>
-            </a:r>
-            <a:r>
-              <a:rPr lang="en-US" sz="2800" dirty="0" smtClean="0"/>
-              <a:t>.</a:t>
-            </a:r>
-            <a:endParaRPr lang="en-US" sz="2800" dirty="0"/>
           </a:p>
         </p:txBody>
       </p:sp>
     </p:spTree>
     <p:extLst>
       <p:ext uri="{BB962C8B-B14F-4D97-AF65-F5344CB8AC3E}">
-        <p14:creationId xmlns:p14="http://schemas.microsoft.com/office/powerpoint/2010/main" val="1011700726"/>
+        <p14:creationId xmlns:p14="http://schemas.microsoft.com/office/powerpoint/2010/main" val="1812072890"/>
       </p:ext>
     </p:extLst>
   </p:cSld>
@@ -6503,7 +6329,7 @@
         <p:spPr>
           <a:xfrm>
             <a:off x="669520" y="1143537"/>
-            <a:ext cx="10950980" cy="4401205"/>
+            <a:ext cx="10950980" cy="2923877"/>
           </a:xfrm>
           <a:prstGeom prst="rect">
             <a:avLst/>
@@ -6516,100 +6342,43 @@
           </a:bodyPr>
           <a:lstStyle/>
           <a:p>
-            <a:pPr marL="571500" indent="-571500">
+            <a:r>
+              <a:rPr lang="en-US" sz="3600" b="1" dirty="0" smtClean="0"/>
+              <a:t>Why Stemming is Necessary?</a:t>
+            </a:r>
+          </a:p>
+          <a:p>
+            <a:endParaRPr lang="en-US" sz="3600" dirty="0"/>
+          </a:p>
+          <a:p>
+            <a:r>
+              <a:rPr lang="en-US" sz="3600" dirty="0" smtClean="0"/>
+              <a:t>6. Improves Clustering and Similarity</a:t>
+            </a:r>
+          </a:p>
+          <a:p>
+            <a:endParaRPr lang="en-US" sz="2000" dirty="0" smtClean="0"/>
+          </a:p>
+          <a:p>
+            <a:pPr marL="457200" indent="-457200">
               <a:buFontTx/>
               <a:buChar char="-"/>
             </a:pPr>
             <a:r>
-              <a:rPr lang="en-PH" sz="4000" dirty="0" smtClean="0"/>
-              <a:t>In fact, </a:t>
-            </a:r>
-            <a:r>
-              <a:rPr lang="en-PH" sz="4000" dirty="0" err="1" smtClean="0"/>
-              <a:t>SpaCy</a:t>
-            </a:r>
-            <a:r>
-              <a:rPr lang="en-PH" sz="4000" dirty="0" smtClean="0"/>
-              <a:t> </a:t>
-            </a:r>
-            <a:r>
-              <a:rPr lang="en-PH" sz="4000" dirty="0" smtClean="0">
-                <a:solidFill>
-                  <a:srgbClr val="C00000"/>
-                </a:solidFill>
-              </a:rPr>
-              <a:t>doesn’t include</a:t>
-            </a:r>
-            <a:r>
-              <a:rPr lang="en-PH" sz="4000" dirty="0" smtClean="0"/>
-              <a:t> a stemmer, opting instead to rely on </a:t>
-            </a:r>
-            <a:r>
-              <a:rPr lang="en-PH" sz="4000" b="1" dirty="0" smtClean="0"/>
-              <a:t>lemmatization</a:t>
-            </a:r>
-            <a:r>
-              <a:rPr lang="en-PH" sz="4000" dirty="0" smtClean="0"/>
+              <a:rPr lang="en-US" sz="2800" dirty="0"/>
+              <a:t>In clustering or similarity-based tasks, stemming ensures that words with similar meanings are grouped together</a:t>
+            </a:r>
+            <a:r>
+              <a:rPr lang="en-US" sz="2800" dirty="0" smtClean="0"/>
               <a:t>.</a:t>
             </a:r>
-          </a:p>
-          <a:p>
-            <a:pPr marL="571500" indent="-571500">
-              <a:buFontTx/>
-              <a:buChar char="-"/>
-            </a:pPr>
-            <a:endParaRPr lang="en-US" sz="4000" dirty="0"/>
-          </a:p>
-          <a:p>
-            <a:pPr marL="571500" indent="-571500">
-              <a:buFontTx/>
-              <a:buChar char="-"/>
-            </a:pPr>
-            <a:r>
-              <a:rPr lang="en-US" sz="4000" dirty="0" smtClean="0"/>
-              <a:t>Because of this, we will jump over to using </a:t>
-            </a:r>
-            <a:r>
-              <a:rPr lang="en-US" sz="4000" b="1" dirty="0" smtClean="0"/>
-              <a:t>NLTK</a:t>
-            </a:r>
-            <a:r>
-              <a:rPr lang="en-US" sz="4000" dirty="0" smtClean="0"/>
-              <a:t> and learn about stemmers.</a:t>
-            </a:r>
-          </a:p>
-          <a:p>
-            <a:pPr marL="571500" indent="-571500">
-              <a:buFontTx/>
-              <a:buChar char="-"/>
-            </a:pPr>
-            <a:endParaRPr lang="en-US" sz="4000" dirty="0"/>
-          </a:p>
-          <a:p>
-            <a:pPr marL="571500" indent="-571500">
-              <a:buFontTx/>
-              <a:buChar char="-"/>
-            </a:pPr>
-            <a:r>
-              <a:rPr lang="en-US" sz="4000" b="1" dirty="0" smtClean="0"/>
-              <a:t>Porter Stemmer </a:t>
-            </a:r>
-            <a:r>
-              <a:rPr lang="en-US" sz="4000" dirty="0" smtClean="0"/>
-              <a:t>and </a:t>
-            </a:r>
-            <a:r>
-              <a:rPr lang="en-US" sz="4000" b="1" dirty="0" smtClean="0"/>
-              <a:t>Snowball Stemmer</a:t>
-            </a:r>
-            <a:endParaRPr lang="en-PH" sz="4000" b="1" dirty="0" smtClean="0"/>
           </a:p>
         </p:txBody>
       </p:sp>
     </p:spTree>
     <p:extLst>
       <p:ext uri="{BB962C8B-B14F-4D97-AF65-F5344CB8AC3E}">
-        <p14:creationId xmlns:p14="http://schemas.microsoft.com/office/powerpoint/2010/main" val="216092096"/>
+        <p14:creationId xmlns:p14="http://schemas.microsoft.com/office/powerpoint/2010/main" val="2780258576"/>
       </p:ext>
     </p:extLst>
   </p:cSld>
@@ -6796,8 +6565,8 @@
         </p:nvSpPr>
         <p:spPr>
           <a:xfrm>
-            <a:off x="669520" y="2572287"/>
-            <a:ext cx="10950980" cy="1107996"/>
+            <a:off x="669520" y="1143537"/>
+            <a:ext cx="10950980" cy="4847481"/>
           </a:xfrm>
           <a:prstGeom prst="rect">
             <a:avLst/>
@@ -6810,19 +6579,97 @@
           </a:bodyPr>
           <a:lstStyle/>
           <a:p>
-            <a:pPr algn="ctr"/>
-            <a:r>
-              <a:rPr lang="en-US" sz="6600" b="1" dirty="0" smtClean="0"/>
-              <a:t>Porter Stemmer</a:t>
-            </a:r>
-            <a:endParaRPr lang="en-PH" sz="6600" b="1" dirty="0" smtClean="0"/>
+            <a:r>
+              <a:rPr lang="en-US" sz="3600" b="1" dirty="0" smtClean="0"/>
+              <a:t>Without Stemming:</a:t>
+            </a:r>
+          </a:p>
+          <a:p>
+            <a:endParaRPr lang="en-US" sz="1100" dirty="0"/>
+          </a:p>
+          <a:p>
+            <a:r>
+              <a:rPr lang="en-PH" sz="3600" dirty="0"/>
+              <a:t>Words: run, running, runner, </a:t>
+            </a:r>
+            <a:r>
+              <a:rPr lang="en-PH" sz="3600" dirty="0" smtClean="0"/>
+              <a:t>runs</a:t>
+            </a:r>
+          </a:p>
+          <a:p>
+            <a:r>
+              <a:rPr lang="en-PH" sz="3600" dirty="0" smtClean="0"/>
+              <a:t>Vocabulary</a:t>
+            </a:r>
+            <a:r>
+              <a:rPr lang="en-PH" sz="3600" dirty="0"/>
+              <a:t>: ['run', 'running', 'runner', 'runs</a:t>
+            </a:r>
+            <a:r>
+              <a:rPr lang="en-PH" sz="3600" dirty="0" smtClean="0"/>
+              <a:t>']</a:t>
+            </a:r>
+          </a:p>
+          <a:p>
+            <a:endParaRPr lang="en-US" sz="1100" dirty="0" smtClean="0"/>
+          </a:p>
+          <a:p>
+            <a:endParaRPr lang="en-US" sz="1100" dirty="0"/>
+          </a:p>
+          <a:p>
+            <a:r>
+              <a:rPr lang="en-US" sz="3600" b="1" dirty="0" smtClean="0"/>
+              <a:t>After Stemming:</a:t>
+            </a:r>
+            <a:endParaRPr lang="en-US" sz="3600" b="1" dirty="0"/>
+          </a:p>
+          <a:p>
+            <a:endParaRPr lang="en-US" dirty="0"/>
+          </a:p>
+          <a:p>
+            <a:r>
+              <a:rPr lang="en-US" sz="3600" dirty="0"/>
+              <a:t>Words: run, run, run, </a:t>
+            </a:r>
+            <a:r>
+              <a:rPr lang="en-US" sz="3600" dirty="0" smtClean="0"/>
+              <a:t>run</a:t>
+            </a:r>
+          </a:p>
+          <a:p>
+            <a:r>
+              <a:rPr lang="en-US" sz="3600" dirty="0" smtClean="0"/>
+              <a:t>Vocabulary</a:t>
+            </a:r>
+            <a:r>
+              <a:rPr lang="en-US" sz="3600" dirty="0"/>
+              <a:t>: ['run</a:t>
+            </a:r>
+            <a:r>
+              <a:rPr lang="en-US" sz="3600" dirty="0" smtClean="0"/>
+              <a:t>']</a:t>
+            </a:r>
+          </a:p>
+          <a:p>
+            <a:endParaRPr lang="en-US" sz="2400" dirty="0"/>
+          </a:p>
+          <a:p>
+            <a:r>
+              <a:rPr lang="en-US" dirty="0" smtClean="0"/>
+              <a:t>* This </a:t>
+            </a:r>
+            <a:r>
+              <a:rPr lang="en-US" dirty="0"/>
+              <a:t>reduction ensures that all variations are treated as one, improving both efficiency and consistency.</a:t>
+            </a:r>
           </a:p>
         </p:txBody>
       </p:sp>
     </p:spTree>
     <p:extLst>
       <p:ext uri="{BB962C8B-B14F-4D97-AF65-F5344CB8AC3E}">
-        <p14:creationId xmlns:p14="http://schemas.microsoft.com/office/powerpoint/2010/main" val="3032381917"/>
+        <p14:creationId xmlns:p14="http://schemas.microsoft.com/office/powerpoint/2010/main" val="3331422447"/>
       </p:ext>
     </p:extLst>
   </p:cSld>
@@ -6865,7 +6712,7 @@
         <p:spPr>
           <a:xfrm>
             <a:off x="669520" y="1143537"/>
-            <a:ext cx="10950980" cy="1938992"/>
+            <a:ext cx="10950980" cy="4832092"/>
           </a:xfrm>
           <a:prstGeom prst="rect">
             <a:avLst/>
@@ -6878,25 +6725,93 @@
           </a:bodyPr>
           <a:lstStyle/>
           <a:p>
-            <a:pPr marL="571500" indent="-571500">
-              <a:buFontTx/>
-              <a:buChar char="-"/>
-            </a:pPr>
-            <a:r>
-              <a:rPr lang="en-PH" sz="4000" b="1" i="1" dirty="0" smtClean="0"/>
-              <a:t>Porter Stemmer </a:t>
-            </a:r>
-            <a:r>
-              <a:rPr lang="en-PH" sz="4000" dirty="0" smtClean="0"/>
-              <a:t>employs five phases of word reduction, each with its own set of mapping rules.</a:t>
-            </a:r>
+            <a:r>
+              <a:rPr lang="en-US" sz="3600" b="1" dirty="0" smtClean="0"/>
+              <a:t>Limitations:</a:t>
+            </a:r>
+          </a:p>
+          <a:p>
+            <a:endParaRPr lang="en-US" sz="2000" b="1" dirty="0" smtClean="0"/>
+          </a:p>
+          <a:p>
+            <a:r>
+              <a:rPr lang="en-US" sz="2800" b="1" dirty="0" smtClean="0"/>
+              <a:t>Over-stemming</a:t>
+            </a:r>
+            <a:r>
+              <a:rPr lang="en-US" sz="2800" dirty="0"/>
+              <a:t>: Some stemmers may cut too much, merging unrelated words (e.g., </a:t>
+            </a:r>
+            <a:r>
+              <a:rPr lang="en-US" sz="2800" i="1" dirty="0"/>
+              <a:t>universe</a:t>
+            </a:r>
+            <a:r>
+              <a:rPr lang="en-US" sz="2800" dirty="0"/>
+              <a:t> and </a:t>
+            </a:r>
+            <a:r>
+              <a:rPr lang="en-US" sz="2800" i="1" dirty="0"/>
+              <a:t>university</a:t>
+            </a:r>
+            <a:r>
+              <a:rPr lang="en-US" sz="2800" dirty="0"/>
+              <a:t> both reduced to </a:t>
+            </a:r>
+            <a:r>
+              <a:rPr lang="en-US" sz="2800" i="1" dirty="0" err="1"/>
+              <a:t>univers</a:t>
+            </a:r>
+            <a:r>
+              <a:rPr lang="en-US" sz="2800" dirty="0" smtClean="0"/>
+              <a:t>).</a:t>
+            </a:r>
+          </a:p>
+          <a:p>
+            <a:endParaRPr lang="en-US" sz="2800" dirty="0"/>
+          </a:p>
+          <a:p>
+            <a:r>
+              <a:rPr lang="en-US" sz="2800" b="1" dirty="0"/>
+              <a:t>Loss of Meaning</a:t>
+            </a:r>
+            <a:r>
+              <a:rPr lang="en-US" sz="2800" dirty="0"/>
+              <a:t>: Stemming does not preserve the context or precise meaning of words, as it focuses on root forms</a:t>
+            </a:r>
+            <a:r>
+              <a:rPr lang="en-US" sz="2800" dirty="0" smtClean="0"/>
+              <a:t>.</a:t>
+            </a:r>
+          </a:p>
+          <a:p>
+            <a:endParaRPr lang="en-US" sz="2800" dirty="0"/>
+          </a:p>
+          <a:p>
+            <a:r>
+              <a:rPr lang="en-US" sz="2800" b="1" dirty="0"/>
+              <a:t>Modern Alternative</a:t>
+            </a:r>
+            <a:r>
+              <a:rPr lang="en-US" sz="2800" i="1" dirty="0"/>
+              <a:t>: Lemmatization</a:t>
+            </a:r>
+            <a:r>
+              <a:rPr lang="en-US" sz="2800" dirty="0"/>
+              <a:t>, a more sophisticated approach, considers the context and grammar of a word to return its proper dictionary form</a:t>
+            </a:r>
+            <a:r>
+              <a:rPr lang="en-US" sz="2800" dirty="0" smtClean="0"/>
+              <a:t>.</a:t>
+            </a:r>
+            <a:endParaRPr lang="en-US" sz="2800" dirty="0"/>
           </a:p>
         </p:txBody>
       </p:sp>
     </p:spTree>
     <p:extLst>
       <p:ext uri="{BB962C8B-B14F-4D97-AF65-F5344CB8AC3E}">
-        <p14:creationId xmlns:p14="http://schemas.microsoft.com/office/powerpoint/2010/main" val="1117021961"/>
+        <p14:creationId xmlns:p14="http://schemas.microsoft.com/office/powerpoint/2010/main" val="1011700726"/>
       </p:ext>
     </p:extLst>
   </p:cSld>
@@ -6939,6 +6854,367 @@
         <p:spPr>
           <a:xfrm>
             <a:off x="669520" y="1143537"/>
+            <a:ext cx="10950980" cy="4401205"/>
+          </a:xfrm>
+          <a:prstGeom prst="rect">
+            <a:avLst/>
+          </a:prstGeom>
+          <a:noFill/>
+        </p:spPr>
+        <p:txBody>
+          <a:bodyPr wrap="square" rtlCol="0">
+            <a:spAutoFit/>
+          </a:bodyPr>
+          <a:lstStyle/>
+          <a:p>
+            <a:pPr marL="571500" indent="-571500">
+              <a:buFontTx/>
+              <a:buChar char="-"/>
+            </a:pPr>
+            <a:r>
+              <a:rPr lang="en-PH" sz="4000" dirty="0" smtClean="0"/>
+              <a:t>In fact, </a:t>
+            </a:r>
+            <a:r>
+              <a:rPr lang="en-PH" sz="4000" dirty="0" err="1" smtClean="0"/>
+              <a:t>SpaCy</a:t>
+            </a:r>
+            <a:r>
+              <a:rPr lang="en-PH" sz="4000" dirty="0" smtClean="0"/>
+              <a:t> </a:t>
+            </a:r>
+            <a:r>
+              <a:rPr lang="en-PH" sz="4000" dirty="0" smtClean="0">
+                <a:solidFill>
+                  <a:srgbClr val="C00000"/>
+                </a:solidFill>
+              </a:rPr>
+              <a:t>doesn’t include</a:t>
+            </a:r>
+            <a:r>
+              <a:rPr lang="en-PH" sz="4000" dirty="0" smtClean="0"/>
+              <a:t> a stemmer, opting instead to rely on </a:t>
+            </a:r>
+            <a:r>
+              <a:rPr lang="en-PH" sz="4000" b="1" dirty="0" smtClean="0"/>
+              <a:t>lemmatization</a:t>
+            </a:r>
+            <a:r>
+              <a:rPr lang="en-PH" sz="4000" dirty="0" smtClean="0"/>
+              <a:t>.</a:t>
+            </a:r>
+          </a:p>
+          <a:p>
+            <a:pPr marL="571500" indent="-571500">
+              <a:buFontTx/>
+              <a:buChar char="-"/>
+            </a:pPr>
+            <a:endParaRPr lang="en-US" sz="4000" dirty="0"/>
+          </a:p>
+          <a:p>
+            <a:pPr marL="571500" indent="-571500">
+              <a:buFontTx/>
+              <a:buChar char="-"/>
+            </a:pPr>
+            <a:r>
+              <a:rPr lang="en-US" sz="4000" dirty="0" smtClean="0"/>
+              <a:t>Because of this, we will jump over to using </a:t>
+            </a:r>
+            <a:r>
+              <a:rPr lang="en-US" sz="4000" b="1" dirty="0" smtClean="0"/>
+              <a:t>NLTK</a:t>
+            </a:r>
+            <a:r>
+              <a:rPr lang="en-US" sz="4000" dirty="0" smtClean="0"/>
+              <a:t> and learn about stemmers.</a:t>
+            </a:r>
+          </a:p>
+          <a:p>
+            <a:pPr marL="571500" indent="-571500">
+              <a:buFontTx/>
+              <a:buChar char="-"/>
+            </a:pPr>
+            <a:endParaRPr lang="en-US" sz="4000" dirty="0"/>
+          </a:p>
+          <a:p>
+            <a:pPr marL="571500" indent="-571500">
+              <a:buFontTx/>
+              <a:buChar char="-"/>
+            </a:pPr>
+            <a:r>
+              <a:rPr lang="en-US" sz="4000" b="1" dirty="0" smtClean="0"/>
+              <a:t>Porter Stemmer </a:t>
+            </a:r>
+            <a:r>
+              <a:rPr lang="en-US" sz="4000" dirty="0" smtClean="0"/>
+              <a:t>and </a:t>
+            </a:r>
+            <a:r>
+              <a:rPr lang="en-US" sz="4000" b="1" dirty="0" smtClean="0"/>
+              <a:t>Snowball Stemmer</a:t>
+            </a:r>
+            <a:endParaRPr lang="en-PH" sz="4000" b="1" dirty="0" smtClean="0"/>
+          </a:p>
+        </p:txBody>
+      </p:sp>
+    </p:spTree>
+    <p:extLst>
+      <p:ext uri="{BB962C8B-B14F-4D97-AF65-F5344CB8AC3E}">
+        <p14:creationId xmlns:p14="http://schemas.microsoft.com/office/powerpoint/2010/main" val="216092096"/>
+      </p:ext>
+    </p:extLst>
+  </p:cSld>
+  <p:clrMapOvr>
+    <a:masterClrMapping/>
+  </p:clrMapOvr>
+  <p:timing>
+    <p:tnLst>
+      <p:par>
+        <p:cTn id="1" dur="indefinite" restart="never" nodeType="tmRoot"/>
+      </p:par>
+    </p:tnLst>
+  </p:timing>
+</p:sld>
+</file>
+
+<file path=ppt/slides/slide33.xml><?xml version="1.0" encoding="utf-8"?>
+<p:sld xmlns:a="http://schemas.openxmlformats.org/drawingml/2006/main" xmlns:r="http://schemas.openxmlformats.org/officeDocument/2006/relationships" xmlns:p="http://schemas.openxmlformats.org/presentationml/2006/main">
+  <p:cSld>
+    <p:spTree>
+      <p:nvGrpSpPr>
+        <p:cNvPr id="1" name=""/>
+        <p:cNvGrpSpPr/>
+        <p:nvPr/>
+      </p:nvGrpSpPr>
+      <p:grpSpPr>
+        <a:xfrm>
+          <a:off x="0" y="0"/>
+          <a:ext cx="0" cy="0"/>
+          <a:chOff x="0" y="0"/>
+          <a:chExt cx="0" cy="0"/>
+        </a:xfrm>
+      </p:grpSpPr>
+      <p:sp>
+        <p:nvSpPr>
+          <p:cNvPr id="4" name="TextBox 3"/>
+          <p:cNvSpPr txBox="1"/>
+          <p:nvPr/>
+        </p:nvSpPr>
+        <p:spPr>
+          <a:xfrm>
+            <a:off x="669520" y="2572287"/>
+            <a:ext cx="10950980" cy="1107996"/>
+          </a:xfrm>
+          <a:prstGeom prst="rect">
+            <a:avLst/>
+          </a:prstGeom>
+          <a:noFill/>
+        </p:spPr>
+        <p:txBody>
+          <a:bodyPr wrap="square" rtlCol="0">
+            <a:spAutoFit/>
+          </a:bodyPr>
+          <a:lstStyle/>
+          <a:p>
+            <a:pPr algn="ctr"/>
+            <a:r>
+              <a:rPr lang="en-US" sz="6600" b="1" dirty="0" smtClean="0"/>
+              <a:t>Porter Stemmer</a:t>
+            </a:r>
+            <a:endParaRPr lang="en-PH" sz="6600" b="1" dirty="0" smtClean="0"/>
+          </a:p>
+        </p:txBody>
+      </p:sp>
+    </p:spTree>
+    <p:extLst>
+      <p:ext uri="{BB962C8B-B14F-4D97-AF65-F5344CB8AC3E}">
+        <p14:creationId xmlns:p14="http://schemas.microsoft.com/office/powerpoint/2010/main" val="3032381917"/>
+      </p:ext>
+    </p:extLst>
+  </p:cSld>
+  <p:clrMapOvr>
+    <a:masterClrMapping/>
+  </p:clrMapOvr>
+  <p:timing>
+    <p:tnLst>
+      <p:par>
+        <p:cTn id="1" dur="indefinite" restart="never" nodeType="tmRoot"/>
+      </p:par>
+    </p:tnLst>
+  </p:timing>
+</p:sld>
+</file>
+
+<file path=ppt/slides/slide34.xml><?xml version="1.0" encoding="utf-8"?>
+<p:sld xmlns:a="http://schemas.openxmlformats.org/drawingml/2006/main" xmlns:r="http://schemas.openxmlformats.org/officeDocument/2006/relationships" xmlns:p="http://schemas.openxmlformats.org/presentationml/2006/main">
+  <p:cSld>
+    <p:spTree>
+      <p:nvGrpSpPr>
+        <p:cNvPr id="1" name=""/>
+        <p:cNvGrpSpPr/>
+        <p:nvPr/>
+      </p:nvGrpSpPr>
+      <p:grpSpPr>
+        <a:xfrm>
+          <a:off x="0" y="0"/>
+          <a:ext cx="0" cy="0"/>
+          <a:chOff x="0" y="0"/>
+          <a:chExt cx="0" cy="0"/>
+        </a:xfrm>
+      </p:grpSpPr>
+      <p:sp>
+        <p:nvSpPr>
+          <p:cNvPr id="4" name="TextBox 3"/>
+          <p:cNvSpPr txBox="1"/>
+          <p:nvPr/>
+        </p:nvSpPr>
+        <p:spPr>
+          <a:xfrm>
+            <a:off x="669520" y="1143537"/>
+            <a:ext cx="10950980" cy="1938992"/>
+          </a:xfrm>
+          <a:prstGeom prst="rect">
+            <a:avLst/>
+          </a:prstGeom>
+          <a:noFill/>
+        </p:spPr>
+        <p:txBody>
+          <a:bodyPr wrap="square" rtlCol="0">
+            <a:spAutoFit/>
+          </a:bodyPr>
+          <a:lstStyle/>
+          <a:p>
+            <a:pPr marL="571500" indent="-571500">
+              <a:buFontTx/>
+              <a:buChar char="-"/>
+            </a:pPr>
+            <a:r>
+              <a:rPr lang="en-PH" sz="4000" b="1" i="1" dirty="0" smtClean="0"/>
+              <a:t>Porter Stemmer </a:t>
+            </a:r>
+            <a:r>
+              <a:rPr lang="en-PH" sz="4000" dirty="0" smtClean="0"/>
+              <a:t>employs five phases of word reduction, each with its own set of mapping rules.</a:t>
+            </a:r>
+          </a:p>
+        </p:txBody>
+      </p:sp>
+    </p:spTree>
+    <p:extLst>
+      <p:ext uri="{BB962C8B-B14F-4D97-AF65-F5344CB8AC3E}">
+        <p14:creationId xmlns:p14="http://schemas.microsoft.com/office/powerpoint/2010/main" val="1117021961"/>
+      </p:ext>
+    </p:extLst>
+  </p:cSld>
+  <p:clrMapOvr>
+    <a:masterClrMapping/>
+  </p:clrMapOvr>
+  <p:timing>
+    <p:tnLst>
+      <p:par>
+        <p:cTn id="1" dur="indefinite" restart="never" nodeType="tmRoot"/>
+      </p:par>
+    </p:tnLst>
+  </p:timing>
+</p:sld>
+</file>
+
+<file path=ppt/slides/slide35.xml><?xml version="1.0" encoding="utf-8"?>
+<p:sld xmlns:a="http://schemas.openxmlformats.org/drawingml/2006/main" xmlns:r="http://schemas.openxmlformats.org/officeDocument/2006/relationships" xmlns:p="http://schemas.openxmlformats.org/presentationml/2006/main">
+  <p:cSld>
+    <p:spTree>
+      <p:nvGrpSpPr>
+        <p:cNvPr id="1" name=""/>
+        <p:cNvGrpSpPr/>
+        <p:nvPr/>
+      </p:nvGrpSpPr>
+      <p:grpSpPr>
+        <a:xfrm>
+          <a:off x="0" y="0"/>
+          <a:ext cx="0" cy="0"/>
+          <a:chOff x="0" y="0"/>
+          <a:chExt cx="0" cy="0"/>
+        </a:xfrm>
+      </p:grpSpPr>
+      <p:sp>
+        <p:nvSpPr>
+          <p:cNvPr id="6" name="TextBox 5"/>
+          <p:cNvSpPr txBox="1"/>
+          <p:nvPr/>
+        </p:nvSpPr>
+        <p:spPr>
+          <a:xfrm>
+            <a:off x="721363" y="2390628"/>
+            <a:ext cx="10749281" cy="1015663"/>
+          </a:xfrm>
+          <a:prstGeom prst="rect">
+            <a:avLst/>
+          </a:prstGeom>
+          <a:noFill/>
+        </p:spPr>
+        <p:txBody>
+          <a:bodyPr wrap="square" rtlCol="0">
+            <a:spAutoFit/>
+          </a:bodyPr>
+          <a:lstStyle/>
+          <a:p>
+            <a:pPr algn="ctr"/>
+            <a:r>
+              <a:rPr lang="en-US" sz="6000" b="1" dirty="0" smtClean="0">
+                <a:latin typeface="Arial" pitchFamily="34" charset="0"/>
+                <a:cs typeface="Arial" pitchFamily="34" charset="0"/>
+              </a:rPr>
+              <a:t>[Code Demo]</a:t>
+            </a:r>
+            <a:endParaRPr lang="en-US" sz="6000" b="1" dirty="0">
+              <a:solidFill>
+                <a:schemeClr val="accent2"/>
+              </a:solidFill>
+              <a:latin typeface="Arial" pitchFamily="34" charset="0"/>
+              <a:cs typeface="Arial" pitchFamily="34" charset="0"/>
+            </a:endParaRPr>
+          </a:p>
+        </p:txBody>
+      </p:sp>
+    </p:spTree>
+    <p:extLst>
+      <p:ext uri="{BB962C8B-B14F-4D97-AF65-F5344CB8AC3E}">
+        <p14:creationId xmlns:p14="http://schemas.microsoft.com/office/powerpoint/2010/main" val="3368909298"/>
+      </p:ext>
+    </p:extLst>
+  </p:cSld>
+  <p:clrMapOvr>
+    <a:masterClrMapping/>
+  </p:clrMapOvr>
+</p:sld>
+</file>
+
+<file path=ppt/slides/slide36.xml><?xml version="1.0" encoding="utf-8"?>
+<p:sld xmlns:a="http://schemas.openxmlformats.org/drawingml/2006/main" xmlns:r="http://schemas.openxmlformats.org/officeDocument/2006/relationships" xmlns:p="http://schemas.openxmlformats.org/presentationml/2006/main">
+  <p:cSld>
+    <p:spTree>
+      <p:nvGrpSpPr>
+        <p:cNvPr id="1" name=""/>
+        <p:cNvGrpSpPr/>
+        <p:nvPr/>
+      </p:nvGrpSpPr>
+      <p:grpSpPr>
+        <a:xfrm>
+          <a:off x="0" y="0"/>
+          <a:ext cx="0" cy="0"/>
+          <a:chOff x="0" y="0"/>
+          <a:chExt cx="0" cy="0"/>
+        </a:xfrm>
+      </p:grpSpPr>
+      <p:sp>
+        <p:nvSpPr>
+          <p:cNvPr id="4" name="TextBox 3"/>
+          <p:cNvSpPr txBox="1"/>
+          <p:nvPr/>
+        </p:nvSpPr>
+        <p:spPr>
+          <a:xfrm>
+            <a:off x="669520" y="1143537"/>
             <a:ext cx="10950980" cy="1323439"/>
           </a:xfrm>
           <a:prstGeom prst="rect">
@@ -7048,7 +7324,7 @@
 </p:sld>
 </file>
 
-<file path=ppt/slides/slide33.xml><?xml version="1.0" encoding="utf-8"?>
+<file path=ppt/slides/slide37.xml><?xml version="1.0" encoding="utf-8"?>
 <p:sld xmlns:a="http://schemas.openxmlformats.org/drawingml/2006/main" xmlns:r="http://schemas.openxmlformats.org/officeDocument/2006/relationships" xmlns:p="http://schemas.openxmlformats.org/presentationml/2006/main">
   <p:cSld>
     <p:spTree>
@@ -7183,7 +7459,7 @@
 </p:sld>
 </file>
 
-<file path=ppt/slides/slide34.xml><?xml version="1.0" encoding="utf-8"?>
+<file path=ppt/slides/slide38.xml><?xml version="1.0" encoding="utf-8"?>
 <p:sld xmlns:a="http://schemas.openxmlformats.org/drawingml/2006/main" xmlns:r="http://schemas.openxmlformats.org/officeDocument/2006/relationships" xmlns:p="http://schemas.openxmlformats.org/presentationml/2006/main">
   <p:cSld>
     <p:spTree>
@@ -7318,7 +7594,7 @@
 </p:sld>
 </file>
 
-<file path=ppt/slides/slide35.xml><?xml version="1.0" encoding="utf-8"?>
+<file path=ppt/slides/slide39.xml><?xml version="1.0" encoding="utf-8"?>
 <p:sld xmlns:a="http://schemas.openxmlformats.org/drawingml/2006/main" xmlns:r="http://schemas.openxmlformats.org/officeDocument/2006/relationships" xmlns:p="http://schemas.openxmlformats.org/presentationml/2006/main">
   <p:cSld>
     <p:spTree>
@@ -7386,7 +7662,140 @@
 </p:sld>
 </file>
 
-<file path=ppt/slides/slide36.xml><?xml version="1.0" encoding="utf-8"?>
+<file path=ppt/slides/slide4.xml><?xml version="1.0" encoding="utf-8"?>
+<p:sld xmlns:a="http://schemas.openxmlformats.org/drawingml/2006/main" xmlns:r="http://schemas.openxmlformats.org/officeDocument/2006/relationships" xmlns:p="http://schemas.openxmlformats.org/presentationml/2006/main">
+  <p:cSld>
+    <p:spTree>
+      <p:nvGrpSpPr>
+        <p:cNvPr id="1" name=""/>
+        <p:cNvGrpSpPr/>
+        <p:nvPr/>
+      </p:nvGrpSpPr>
+      <p:grpSpPr>
+        <a:xfrm>
+          <a:off x="0" y="0"/>
+          <a:ext cx="0" cy="0"/>
+          <a:chOff x="0" y="0"/>
+          <a:chExt cx="0" cy="0"/>
+        </a:xfrm>
+      </p:grpSpPr>
+      <p:sp>
+        <p:nvSpPr>
+          <p:cNvPr id="4" name="TextBox 3"/>
+          <p:cNvSpPr txBox="1"/>
+          <p:nvPr/>
+        </p:nvSpPr>
+        <p:spPr>
+          <a:xfrm>
+            <a:off x="669520" y="1007202"/>
+            <a:ext cx="10558668" cy="4739759"/>
+          </a:xfrm>
+          <a:prstGeom prst="rect">
+            <a:avLst/>
+          </a:prstGeom>
+          <a:noFill/>
+        </p:spPr>
+        <p:txBody>
+          <a:bodyPr wrap="square" rtlCol="0">
+            <a:spAutoFit/>
+          </a:bodyPr>
+          <a:lstStyle/>
+          <a:p>
+            <a:pPr marL="457200" indent="-457200">
+              <a:buFontTx/>
+              <a:buChar char="-"/>
+            </a:pPr>
+            <a:r>
+              <a:rPr lang="en-US" sz="3600" dirty="0" smtClean="0"/>
+              <a:t>As humans we can tell there is a lot of information inside of text documents</a:t>
+            </a:r>
+            <a:endParaRPr lang="en-US" sz="3600" dirty="0"/>
+          </a:p>
+          <a:p>
+            <a:pPr marL="457200" indent="-457200">
+              <a:buFontTx/>
+              <a:buChar char="-"/>
+            </a:pPr>
+            <a:endParaRPr lang="en-US" sz="3600" dirty="0"/>
+          </a:p>
+          <a:p>
+            <a:pPr marL="457200" indent="-457200">
+              <a:buFontTx/>
+              <a:buChar char="-"/>
+            </a:pPr>
+            <a:r>
+              <a:rPr lang="en-US" sz="3600" dirty="0" smtClean="0"/>
+              <a:t>However, a computer </a:t>
+            </a:r>
+            <a:r>
+              <a:rPr lang="en-US" sz="3600" b="1" dirty="0" smtClean="0">
+                <a:solidFill>
+                  <a:srgbClr val="C00000"/>
+                </a:solidFill>
+              </a:rPr>
+              <a:t>needs</a:t>
+            </a:r>
+            <a:r>
+              <a:rPr lang="en-US" sz="3600" dirty="0" smtClean="0"/>
+              <a:t> specialized processing techniques in order to “understand” raw text data.</a:t>
+            </a:r>
+          </a:p>
+          <a:p>
+            <a:pPr marL="457200" indent="-457200">
+              <a:buFontTx/>
+              <a:buChar char="-"/>
+            </a:pPr>
+            <a:endParaRPr lang="en-US" sz="3600" dirty="0"/>
+          </a:p>
+          <a:p>
+            <a:pPr marL="457200" indent="-457200">
+              <a:buFontTx/>
+              <a:buChar char="-"/>
+            </a:pPr>
+            <a:r>
+              <a:rPr lang="en-US" sz="3600" dirty="0" smtClean="0"/>
+              <a:t>Text data is </a:t>
+            </a:r>
+            <a:r>
+              <a:rPr lang="en-US" sz="3600" b="1" dirty="0" smtClean="0">
+                <a:solidFill>
+                  <a:srgbClr val="C00000"/>
+                </a:solidFill>
+              </a:rPr>
+              <a:t>highly unstructured </a:t>
+            </a:r>
+            <a:r>
+              <a:rPr lang="en-US" sz="3600" dirty="0" smtClean="0"/>
+              <a:t>and can be in multiple languages.</a:t>
+            </a:r>
+            <a:endParaRPr lang="en-US" sz="3600" dirty="0"/>
+          </a:p>
+          <a:p>
+            <a:endParaRPr lang="en-US" sz="1400" b="1" dirty="0"/>
+          </a:p>
+        </p:txBody>
+      </p:sp>
+    </p:spTree>
+    <p:extLst>
+      <p:ext uri="{BB962C8B-B14F-4D97-AF65-F5344CB8AC3E}">
+        <p14:creationId xmlns:p14="http://schemas.microsoft.com/office/powerpoint/2010/main" val="4058611153"/>
+      </p:ext>
+    </p:extLst>
+  </p:cSld>
+  <p:clrMapOvr>
+    <a:masterClrMapping/>
+  </p:clrMapOvr>
+  <p:timing>
+    <p:tnLst>
+      <p:par>
+        <p:cTn id="1" dur="indefinite" restart="never" nodeType="tmRoot"/>
+      </p:par>
+    </p:tnLst>
+  </p:timing>
+</p:sld>
+</file>
+
+<file path=ppt/slides/slide40.xml><?xml version="1.0" encoding="utf-8"?>
 <p:sld xmlns:a="http://schemas.openxmlformats.org/drawingml/2006/main" xmlns:r="http://schemas.openxmlformats.org/officeDocument/2006/relationships" xmlns:p="http://schemas.openxmlformats.org/presentationml/2006/main">
   <p:cSld>
     <p:spTree>
@@ -7478,7 +7887,7 @@
 </p:sld>
 </file>
 
-<file path=ppt/slides/slide37.xml><?xml version="1.0" encoding="utf-8"?>
+<file path=ppt/slides/slide41.xml><?xml version="1.0" encoding="utf-8"?>
 <p:sld xmlns:a="http://schemas.openxmlformats.org/drawingml/2006/main" xmlns:r="http://schemas.openxmlformats.org/officeDocument/2006/relationships" xmlns:p="http://schemas.openxmlformats.org/presentationml/2006/main">
   <p:cSld>
     <p:spTree>
@@ -7503,6 +7912,76 @@
         </p:nvSpPr>
         <p:spPr>
           <a:xfrm>
+            <a:off x="721363" y="2390628"/>
+            <a:ext cx="10749281" cy="1015663"/>
+          </a:xfrm>
+          <a:prstGeom prst="rect">
+            <a:avLst/>
+          </a:prstGeom>
+          <a:noFill/>
+        </p:spPr>
+        <p:txBody>
+          <a:bodyPr wrap="square" rtlCol="0">
+            <a:spAutoFit/>
+          </a:bodyPr>
+          <a:lstStyle/>
+          <a:p>
+            <a:pPr algn="ctr"/>
+            <a:r>
+              <a:rPr lang="en-US" sz="6000" b="1" dirty="0" smtClean="0">
+                <a:latin typeface="Arial" pitchFamily="34" charset="0"/>
+                <a:cs typeface="Arial" pitchFamily="34" charset="0"/>
+              </a:rPr>
+              <a:t>[Code Demo]</a:t>
+            </a:r>
+            <a:endParaRPr lang="en-US" sz="6000" b="1" dirty="0">
+              <a:solidFill>
+                <a:schemeClr val="accent2"/>
+              </a:solidFill>
+              <a:latin typeface="Arial" pitchFamily="34" charset="0"/>
+              <a:cs typeface="Arial" pitchFamily="34" charset="0"/>
+            </a:endParaRPr>
+          </a:p>
+        </p:txBody>
+      </p:sp>
+    </p:spTree>
+    <p:extLst>
+      <p:ext uri="{BB962C8B-B14F-4D97-AF65-F5344CB8AC3E}">
+        <p14:creationId xmlns:p14="http://schemas.microsoft.com/office/powerpoint/2010/main" val="3368909298"/>
+      </p:ext>
+    </p:extLst>
+  </p:cSld>
+  <p:clrMapOvr>
+    <a:masterClrMapping/>
+  </p:clrMapOvr>
+</p:sld>
+</file>
+
+<file path=ppt/slides/slide42.xml><?xml version="1.0" encoding="utf-8"?>
+<p:sld xmlns:a="http://schemas.openxmlformats.org/drawingml/2006/main" xmlns:r="http://schemas.openxmlformats.org/officeDocument/2006/relationships" xmlns:p="http://schemas.openxmlformats.org/presentationml/2006/main">
+  <p:cSld>
+    <p:spTree>
+      <p:nvGrpSpPr>
+        <p:cNvPr id="1" name=""/>
+        <p:cNvGrpSpPr/>
+        <p:nvPr/>
+      </p:nvGrpSpPr>
+      <p:grpSpPr>
+        <a:xfrm>
+          <a:off x="0" y="0"/>
+          <a:ext cx="0" cy="0"/>
+          <a:chOff x="0" y="0"/>
+          <a:chExt cx="0" cy="0"/>
+        </a:xfrm>
+      </p:grpSpPr>
+      <p:sp>
+        <p:nvSpPr>
+          <p:cNvPr id="6" name="TextBox 5"/>
+          <p:cNvSpPr txBox="1"/>
+          <p:nvPr/>
+        </p:nvSpPr>
+        <p:spPr>
+          <a:xfrm>
             <a:off x="626114" y="2409678"/>
             <a:ext cx="10749281" cy="1015663"/>
           </a:xfrm>
@@ -7548,7 +8027,7 @@
 </p:sld>
 </file>
 
-<file path=ppt/slides/slide38.xml><?xml version="1.0" encoding="utf-8"?>
+<file path=ppt/slides/slide43.xml><?xml version="1.0" encoding="utf-8"?>
 <p:sld xmlns:a="http://schemas.openxmlformats.org/drawingml/2006/main" xmlns:r="http://schemas.openxmlformats.org/officeDocument/2006/relationships" xmlns:p="http://schemas.openxmlformats.org/presentationml/2006/main">
   <p:cSld>
     <p:spTree>
@@ -7644,7 +8123,7 @@
 </p:sld>
 </file>
 
-<file path=ppt/slides/slide39.xml><?xml version="1.0" encoding="utf-8"?>
+<file path=ppt/slides/slide44.xml><?xml version="1.0" encoding="utf-8"?>
 <p:sld xmlns:a="http://schemas.openxmlformats.org/drawingml/2006/main" xmlns:r="http://schemas.openxmlformats.org/officeDocument/2006/relationships" xmlns:p="http://schemas.openxmlformats.org/presentationml/2006/main">
   <p:cSld>
     <p:spTree>
@@ -7950,140 +8429,7 @@
 </p:sld>
 </file>
 
-<file path=ppt/slides/slide4.xml><?xml version="1.0" encoding="utf-8"?>
-<p:sld xmlns:a="http://schemas.openxmlformats.org/drawingml/2006/main" xmlns:r="http://schemas.openxmlformats.org/officeDocument/2006/relationships" xmlns:p="http://schemas.openxmlformats.org/presentationml/2006/main">
-  <p:cSld>
-    <p:spTree>
-      <p:nvGrpSpPr>
-        <p:cNvPr id="1" name=""/>
-        <p:cNvGrpSpPr/>
-        <p:nvPr/>
-      </p:nvGrpSpPr>
-      <p:grpSpPr>
-        <a:xfrm>
-          <a:off x="0" y="0"/>
-          <a:ext cx="0" cy="0"/>
-          <a:chOff x="0" y="0"/>
-          <a:chExt cx="0" cy="0"/>
-        </a:xfrm>
-      </p:grpSpPr>
-      <p:sp>
-        <p:nvSpPr>
-          <p:cNvPr id="4" name="TextBox 3"/>
-          <p:cNvSpPr txBox="1"/>
-          <p:nvPr/>
-        </p:nvSpPr>
-        <p:spPr>
-          <a:xfrm>
-            <a:off x="669520" y="1007202"/>
-            <a:ext cx="10558668" cy="4739759"/>
-          </a:xfrm>
-          <a:prstGeom prst="rect">
-            <a:avLst/>
-          </a:prstGeom>
-          <a:noFill/>
-        </p:spPr>
-        <p:txBody>
-          <a:bodyPr wrap="square" rtlCol="0">
-            <a:spAutoFit/>
-          </a:bodyPr>
-          <a:lstStyle/>
-          <a:p>
-            <a:pPr marL="457200" indent="-457200">
-              <a:buFontTx/>
-              <a:buChar char="-"/>
-            </a:pPr>
-            <a:r>
-              <a:rPr lang="en-US" sz="3600" dirty="0" smtClean="0"/>
-              <a:t>As humans we can tell there is a lot of information inside of text documents</a:t>
-            </a:r>
-            <a:endParaRPr lang="en-US" sz="3600" dirty="0"/>
-          </a:p>
-          <a:p>
-            <a:pPr marL="457200" indent="-457200">
-              <a:buFontTx/>
-              <a:buChar char="-"/>
-            </a:pPr>
-            <a:endParaRPr lang="en-US" sz="3600" dirty="0"/>
-          </a:p>
-          <a:p>
-            <a:pPr marL="457200" indent="-457200">
-              <a:buFontTx/>
-              <a:buChar char="-"/>
-            </a:pPr>
-            <a:r>
-              <a:rPr lang="en-US" sz="3600" dirty="0" smtClean="0"/>
-              <a:t>However, a computer </a:t>
-            </a:r>
-            <a:r>
-              <a:rPr lang="en-US" sz="3600" b="1" dirty="0" smtClean="0">
-                <a:solidFill>
-                  <a:srgbClr val="C00000"/>
-                </a:solidFill>
-              </a:rPr>
-              <a:t>needs</a:t>
-            </a:r>
-            <a:r>
-              <a:rPr lang="en-US" sz="3600" dirty="0" smtClean="0"/>
-              <a:t> specialized processing techniques in order to “understand” raw text data.</a:t>
-            </a:r>
-          </a:p>
-          <a:p>
-            <a:pPr marL="457200" indent="-457200">
-              <a:buFontTx/>
-              <a:buChar char="-"/>
-            </a:pPr>
-            <a:endParaRPr lang="en-US" sz="3600" dirty="0"/>
-          </a:p>
-          <a:p>
-            <a:pPr marL="457200" indent="-457200">
-              <a:buFontTx/>
-              <a:buChar char="-"/>
-            </a:pPr>
-            <a:r>
-              <a:rPr lang="en-US" sz="3600" dirty="0" smtClean="0"/>
-              <a:t>Text data is </a:t>
-            </a:r>
-            <a:r>
-              <a:rPr lang="en-US" sz="3600" b="1" dirty="0" smtClean="0">
-                <a:solidFill>
-                  <a:srgbClr val="C00000"/>
-                </a:solidFill>
-              </a:rPr>
-              <a:t>highly unstructured </a:t>
-            </a:r>
-            <a:r>
-              <a:rPr lang="en-US" sz="3600" dirty="0" smtClean="0"/>
-              <a:t>and can be in multiple languages.</a:t>
-            </a:r>
-            <a:endParaRPr lang="en-US" sz="3600" dirty="0"/>
-          </a:p>
-          <a:p>
-            <a:endParaRPr lang="en-US" sz="1400" b="1" dirty="0"/>
-          </a:p>
-        </p:txBody>
-      </p:sp>
-    </p:spTree>
-    <p:extLst>
-      <p:ext uri="{BB962C8B-B14F-4D97-AF65-F5344CB8AC3E}">
-        <p14:creationId xmlns:p14="http://schemas.microsoft.com/office/powerpoint/2010/main" val="4058611153"/>
-      </p:ext>
-    </p:extLst>
-  </p:cSld>
-  <p:clrMapOvr>
-    <a:masterClrMapping/>
-  </p:clrMapOvr>
-  <p:timing>
-    <p:tnLst>
-      <p:par>
-        <p:cTn id="1" dur="indefinite" restart="never" nodeType="tmRoot"/>
-      </p:par>
-    </p:tnLst>
-  </p:timing>
-</p:sld>
-</file>
-
-<file path=ppt/slides/slide40.xml><?xml version="1.0" encoding="utf-8"?>
+<file path=ppt/slides/slide45.xml><?xml version="1.0" encoding="utf-8"?>
 <p:sld xmlns:a="http://schemas.openxmlformats.org/drawingml/2006/main" xmlns:r="http://schemas.openxmlformats.org/officeDocument/2006/relationships" xmlns:p="http://schemas.openxmlformats.org/presentationml/2006/main">
   <p:cSld>
     <p:spTree>
@@ -8405,7 +8751,7 @@
 </p:sld>
 </file>
 
-<file path=ppt/slides/slide41.xml><?xml version="1.0" encoding="utf-8"?>
+<file path=ppt/slides/slide46.xml><?xml version="1.0" encoding="utf-8"?>
 <p:sld xmlns:a="http://schemas.openxmlformats.org/drawingml/2006/main" xmlns:r="http://schemas.openxmlformats.org/officeDocument/2006/relationships" xmlns:p="http://schemas.openxmlformats.org/presentationml/2006/main">
   <p:cSld>
     <p:spTree>
@@ -8671,7 +9017,7 @@
 </p:sld>
 </file>
 
-<file path=ppt/slides/slide42.xml><?xml version="1.0" encoding="utf-8"?>
+<file path=ppt/slides/slide47.xml><?xml version="1.0" encoding="utf-8"?>
 <p:sld xmlns:a="http://schemas.openxmlformats.org/drawingml/2006/main" xmlns:r="http://schemas.openxmlformats.org/officeDocument/2006/relationships" xmlns:p="http://schemas.openxmlformats.org/presentationml/2006/main">
   <p:cSld>
     <p:spTree>
@@ -8937,7 +9283,7 @@
 </p:sld>
 </file>
 
-<file path=ppt/slides/slide43.xml><?xml version="1.0" encoding="utf-8"?>
+<file path=ppt/slides/slide48.xml><?xml version="1.0" encoding="utf-8"?>
 <p:sld xmlns:a="http://schemas.openxmlformats.org/drawingml/2006/main" xmlns:r="http://schemas.openxmlformats.org/officeDocument/2006/relationships" xmlns:p="http://schemas.openxmlformats.org/presentationml/2006/main">
   <p:cSld>
     <p:spTree>
@@ -9223,7 +9569,7 @@
 </p:sld>
 </file>
 
-<file path=ppt/slides/slide44.xml><?xml version="1.0" encoding="utf-8"?>
+<file path=ppt/slides/slide49.xml><?xml version="1.0" encoding="utf-8"?>
 <p:sld xmlns:a="http://schemas.openxmlformats.org/drawingml/2006/main" xmlns:r="http://schemas.openxmlformats.org/officeDocument/2006/relationships" xmlns:p="http://schemas.openxmlformats.org/presentationml/2006/main">
   <p:cSld>
     <p:spTree>
@@ -9345,7 +9691,127 @@
 </p:sld>
 </file>
 
-<file path=ppt/slides/slide45.xml><?xml version="1.0" encoding="utf-8"?>
+<file path=ppt/slides/slide5.xml><?xml version="1.0" encoding="utf-8"?>
+<p:sld xmlns:a="http://schemas.openxmlformats.org/drawingml/2006/main" xmlns:r="http://schemas.openxmlformats.org/officeDocument/2006/relationships" xmlns:p="http://schemas.openxmlformats.org/presentationml/2006/main">
+  <p:cSld>
+    <p:spTree>
+      <p:nvGrpSpPr>
+        <p:cNvPr id="1" name=""/>
+        <p:cNvGrpSpPr/>
+        <p:nvPr/>
+      </p:nvGrpSpPr>
+      <p:grpSpPr>
+        <a:xfrm>
+          <a:off x="0" y="0"/>
+          <a:ext cx="0" cy="0"/>
+          <a:chOff x="0" y="0"/>
+          <a:chExt cx="0" cy="0"/>
+        </a:xfrm>
+      </p:grpSpPr>
+      <p:sp>
+        <p:nvSpPr>
+          <p:cNvPr id="4" name="TextBox 3"/>
+          <p:cNvSpPr txBox="1"/>
+          <p:nvPr/>
+        </p:nvSpPr>
+        <p:spPr>
+          <a:xfrm>
+            <a:off x="669520" y="1007202"/>
+            <a:ext cx="10558668" cy="2862322"/>
+          </a:xfrm>
+          <a:prstGeom prst="rect">
+            <a:avLst/>
+          </a:prstGeom>
+          <a:noFill/>
+        </p:spPr>
+        <p:txBody>
+          <a:bodyPr wrap="square" rtlCol="0">
+            <a:spAutoFit/>
+          </a:bodyPr>
+          <a:lstStyle/>
+          <a:p>
+            <a:pPr marL="457200" indent="-457200">
+              <a:buFontTx/>
+              <a:buChar char="-"/>
+            </a:pPr>
+            <a:r>
+              <a:rPr lang="en-US" sz="3600" dirty="0" smtClean="0"/>
+              <a:t>NLP attempts to use a </a:t>
+            </a:r>
+            <a:r>
+              <a:rPr lang="en-US" sz="3600" b="1" dirty="0" smtClean="0">
+                <a:solidFill>
+                  <a:srgbClr val="C00000"/>
+                </a:solidFill>
+              </a:rPr>
+              <a:t>variety of techniques </a:t>
+            </a:r>
+            <a:r>
+              <a:rPr lang="en-US" sz="3600" dirty="0" smtClean="0"/>
+              <a:t>in order to create a structure out of text data</a:t>
+            </a:r>
+            <a:endParaRPr lang="en-US" sz="3600" dirty="0"/>
+          </a:p>
+          <a:p>
+            <a:pPr marL="457200" indent="-457200">
+              <a:buFontTx/>
+              <a:buChar char="-"/>
+            </a:pPr>
+            <a:endParaRPr lang="en-US" sz="3600" dirty="0"/>
+          </a:p>
+          <a:p>
+            <a:pPr marL="457200" indent="-457200">
+              <a:buFontTx/>
+              <a:buChar char="-"/>
+            </a:pPr>
+            <a:r>
+              <a:rPr lang="en-US" sz="3600" dirty="0" smtClean="0"/>
+              <a:t>We will discuss (first) some of the techniques using libraries such as </a:t>
+            </a:r>
+            <a:r>
+              <a:rPr lang="en-US" sz="3600" b="1" dirty="0" smtClean="0">
+                <a:solidFill>
+                  <a:srgbClr val="C00000"/>
+                </a:solidFill>
+              </a:rPr>
+              <a:t>Spacy</a:t>
+            </a:r>
+            <a:r>
+              <a:rPr lang="en-US" sz="3600" dirty="0" smtClean="0"/>
+              <a:t> and </a:t>
+            </a:r>
+            <a:r>
+              <a:rPr lang="en-US" sz="3600" b="1" dirty="0" smtClean="0">
+                <a:solidFill>
+                  <a:srgbClr val="C00000"/>
+                </a:solidFill>
+              </a:rPr>
+              <a:t>NLTK</a:t>
+            </a:r>
+          </a:p>
+        </p:txBody>
+      </p:sp>
+    </p:spTree>
+    <p:extLst>
+      <p:ext uri="{BB962C8B-B14F-4D97-AF65-F5344CB8AC3E}">
+        <p14:creationId xmlns:p14="http://schemas.microsoft.com/office/powerpoint/2010/main" val="604807095"/>
+      </p:ext>
+    </p:extLst>
+  </p:cSld>
+  <p:clrMapOvr>
+    <a:masterClrMapping/>
+  </p:clrMapOvr>
+  <p:timing>
+    <p:tnLst>
+      <p:par>
+        <p:cTn id="1" dur="indefinite" restart="never" nodeType="tmRoot"/>
+      </p:par>
+    </p:tnLst>
+  </p:timing>
+</p:sld>
+</file>
+
+<file path=ppt/slides/slide50.xml><?xml version="1.0" encoding="utf-8"?>
 <p:sld xmlns:a="http://schemas.openxmlformats.org/drawingml/2006/main" xmlns:r="http://schemas.openxmlformats.org/officeDocument/2006/relationships" xmlns:p="http://schemas.openxmlformats.org/presentationml/2006/main">
   <p:cSld>
     <p:spTree>
@@ -9446,614 +9912,6 @@
 </p:sld>
 </file>
 
-<file path=ppt/slides/slide46.xml><?xml version="1.0" encoding="utf-8"?>
-<p:sld xmlns:a="http://schemas.openxmlformats.org/drawingml/2006/main" xmlns:r="http://schemas.openxmlformats.org/officeDocument/2006/relationships" xmlns:p="http://schemas.openxmlformats.org/presentationml/2006/main">
-  <p:cSld>
-    <p:spTree>
-      <p:nvGrpSpPr>
-        <p:cNvPr id="1" name=""/>
-        <p:cNvGrpSpPr/>
-        <p:nvPr/>
-      </p:nvGrpSpPr>
-      <p:grpSpPr>
-        <a:xfrm>
-          <a:off x="0" y="0"/>
-          <a:ext cx="0" cy="0"/>
-          <a:chOff x="0" y="0"/>
-          <a:chExt cx="0" cy="0"/>
-        </a:xfrm>
-      </p:grpSpPr>
-      <p:sp>
-        <p:nvSpPr>
-          <p:cNvPr id="6" name="TextBox 5"/>
-          <p:cNvSpPr txBox="1"/>
-          <p:nvPr/>
-        </p:nvSpPr>
-        <p:spPr>
-          <a:xfrm>
-            <a:off x="626114" y="2409678"/>
-            <a:ext cx="10749281" cy="1015663"/>
-          </a:xfrm>
-          <a:prstGeom prst="rect">
-            <a:avLst/>
-          </a:prstGeom>
-          <a:noFill/>
-        </p:spPr>
-        <p:txBody>
-          <a:bodyPr wrap="square" rtlCol="0">
-            <a:spAutoFit/>
-          </a:bodyPr>
-          <a:lstStyle/>
-          <a:p>
-            <a:pPr algn="ctr"/>
-            <a:r>
-              <a:rPr lang="en-US" sz="6000" b="1" dirty="0" smtClean="0">
-                <a:latin typeface="Arial" pitchFamily="34" charset="0"/>
-                <a:cs typeface="Arial" pitchFamily="34" charset="0"/>
-              </a:rPr>
-              <a:t>Stop Words</a:t>
-            </a:r>
-            <a:endParaRPr lang="en-US" sz="4000" b="1" dirty="0">
-              <a:solidFill>
-                <a:schemeClr val="accent2"/>
-              </a:solidFill>
-              <a:latin typeface="Arial" pitchFamily="34" charset="0"/>
-              <a:cs typeface="Arial" pitchFamily="34" charset="0"/>
-            </a:endParaRPr>
-          </a:p>
-        </p:txBody>
-      </p:sp>
-    </p:spTree>
-    <p:extLst>
-      <p:ext uri="{BB962C8B-B14F-4D97-AF65-F5344CB8AC3E}">
-        <p14:creationId xmlns:p14="http://schemas.microsoft.com/office/powerpoint/2010/main" val="3368568431"/>
-      </p:ext>
-    </p:extLst>
-  </p:cSld>
-  <p:clrMapOvr>
-    <a:masterClrMapping/>
-  </p:clrMapOvr>
-</p:sld>
-</file>
-
-<file path=ppt/slides/slide47.xml><?xml version="1.0" encoding="utf-8"?>
-<p:sld xmlns:a="http://schemas.openxmlformats.org/drawingml/2006/main" xmlns:r="http://schemas.openxmlformats.org/officeDocument/2006/relationships" xmlns:p="http://schemas.openxmlformats.org/presentationml/2006/main">
-  <p:cSld>
-    <p:spTree>
-      <p:nvGrpSpPr>
-        <p:cNvPr id="1" name=""/>
-        <p:cNvGrpSpPr/>
-        <p:nvPr/>
-      </p:nvGrpSpPr>
-      <p:grpSpPr>
-        <a:xfrm>
-          <a:off x="0" y="0"/>
-          <a:ext cx="0" cy="0"/>
-          <a:chOff x="0" y="0"/>
-          <a:chExt cx="0" cy="0"/>
-        </a:xfrm>
-      </p:grpSpPr>
-      <p:sp>
-        <p:nvSpPr>
-          <p:cNvPr id="4" name="TextBox 3"/>
-          <p:cNvSpPr txBox="1"/>
-          <p:nvPr/>
-        </p:nvSpPr>
-        <p:spPr>
-          <a:xfrm>
-            <a:off x="669520" y="1143537"/>
-            <a:ext cx="10950980" cy="4708981"/>
-          </a:xfrm>
-          <a:prstGeom prst="rect">
-            <a:avLst/>
-          </a:prstGeom>
-          <a:noFill/>
-        </p:spPr>
-        <p:txBody>
-          <a:bodyPr wrap="square" rtlCol="0">
-            <a:spAutoFit/>
-          </a:bodyPr>
-          <a:lstStyle/>
-          <a:p>
-            <a:pPr marL="571500" indent="-571500">
-              <a:buFontTx/>
-              <a:buChar char="-"/>
-            </a:pPr>
-            <a:r>
-              <a:rPr lang="en-US" sz="3600" dirty="0" smtClean="0"/>
-              <a:t>Stop words are common words in a language (e.g. </a:t>
-            </a:r>
-            <a:r>
-              <a:rPr lang="en-US" sz="3600" i="1" dirty="0" smtClean="0">
-                <a:solidFill>
-                  <a:srgbClr val="C00000"/>
-                </a:solidFill>
-              </a:rPr>
-              <a:t>the</a:t>
-            </a:r>
-            <a:r>
-              <a:rPr lang="en-US" sz="3600" dirty="0" smtClean="0"/>
-              <a:t>, </a:t>
-            </a:r>
-            <a:r>
-              <a:rPr lang="en-US" sz="3600" i="1" dirty="0" smtClean="0">
-                <a:solidFill>
-                  <a:srgbClr val="C00000"/>
-                </a:solidFill>
-              </a:rPr>
-              <a:t>is</a:t>
-            </a:r>
-            <a:r>
-              <a:rPr lang="en-US" sz="3600" dirty="0" smtClean="0"/>
-              <a:t>, </a:t>
-            </a:r>
-            <a:r>
-              <a:rPr lang="en-US" sz="3600" i="1" dirty="0" smtClean="0">
-                <a:solidFill>
-                  <a:srgbClr val="C00000"/>
-                </a:solidFill>
-              </a:rPr>
-              <a:t>in</a:t>
-            </a:r>
-            <a:r>
-              <a:rPr lang="en-US" sz="3600" dirty="0" smtClean="0"/>
-              <a:t>, </a:t>
-            </a:r>
-            <a:r>
-              <a:rPr lang="en-US" sz="3600" i="1" dirty="0" smtClean="0">
-                <a:solidFill>
-                  <a:srgbClr val="C00000"/>
-                </a:solidFill>
-              </a:rPr>
-              <a:t>and</a:t>
-            </a:r>
-            <a:r>
-              <a:rPr lang="en-US" sz="3600" dirty="0" smtClean="0"/>
-              <a:t>) that are frequently filtered out in text processing because they are often not significant for tasks like information retrieval, text classification, or sentiment analysis.</a:t>
-            </a:r>
-          </a:p>
-          <a:p>
-            <a:pPr marL="571500" indent="-571500">
-              <a:buFontTx/>
-              <a:buChar char="-"/>
-            </a:pPr>
-            <a:endParaRPr lang="en-US" sz="4000" dirty="0" smtClean="0"/>
-          </a:p>
-          <a:p>
-            <a:pPr marL="571500" indent="-571500">
-              <a:buFontTx/>
-              <a:buChar char="-"/>
-            </a:pPr>
-            <a:r>
-              <a:rPr lang="en-US" sz="3600" dirty="0" smtClean="0"/>
-              <a:t>They are frequent but </a:t>
-            </a:r>
-            <a:r>
-              <a:rPr lang="en-US" sz="3600" dirty="0" smtClean="0">
-                <a:solidFill>
-                  <a:srgbClr val="C00000"/>
-                </a:solidFill>
-              </a:rPr>
-              <a:t>do not contribute </a:t>
-            </a:r>
-            <a:r>
-              <a:rPr lang="en-US" sz="3600" dirty="0" smtClean="0"/>
-              <a:t>much meaning to the overall text</a:t>
-            </a:r>
-            <a:endParaRPr lang="en-US" sz="3600" dirty="0"/>
-          </a:p>
-        </p:txBody>
-      </p:sp>
-    </p:spTree>
-    <p:extLst>
-      <p:ext uri="{BB962C8B-B14F-4D97-AF65-F5344CB8AC3E}">
-        <p14:creationId xmlns:p14="http://schemas.microsoft.com/office/powerpoint/2010/main" val="1772863057"/>
-      </p:ext>
-    </p:extLst>
-  </p:cSld>
-  <p:clrMapOvr>
-    <a:masterClrMapping/>
-  </p:clrMapOvr>
-  <p:timing>
-    <p:tnLst>
-      <p:par>
-        <p:cTn id="1" dur="indefinite" restart="never" nodeType="tmRoot"/>
-      </p:par>
-    </p:tnLst>
-  </p:timing>
-</p:sld>
-</file>
-
-<file path=ppt/slides/slide48.xml><?xml version="1.0" encoding="utf-8"?>
-<p:sld xmlns:a="http://schemas.openxmlformats.org/drawingml/2006/main" xmlns:r="http://schemas.openxmlformats.org/officeDocument/2006/relationships" xmlns:p="http://schemas.openxmlformats.org/presentationml/2006/main">
-  <p:cSld>
-    <p:spTree>
-      <p:nvGrpSpPr>
-        <p:cNvPr id="1" name=""/>
-        <p:cNvGrpSpPr/>
-        <p:nvPr/>
-      </p:nvGrpSpPr>
-      <p:grpSpPr>
-        <a:xfrm>
-          <a:off x="0" y="0"/>
-          <a:ext cx="0" cy="0"/>
-          <a:chOff x="0" y="0"/>
-          <a:chExt cx="0" cy="0"/>
-        </a:xfrm>
-      </p:grpSpPr>
-      <p:sp>
-        <p:nvSpPr>
-          <p:cNvPr id="4" name="TextBox 3"/>
-          <p:cNvSpPr txBox="1"/>
-          <p:nvPr/>
-        </p:nvSpPr>
-        <p:spPr>
-          <a:xfrm>
-            <a:off x="669520" y="1143537"/>
-            <a:ext cx="10950980" cy="646331"/>
-          </a:xfrm>
-          <a:prstGeom prst="rect">
-            <a:avLst/>
-          </a:prstGeom>
-          <a:noFill/>
-        </p:spPr>
-        <p:txBody>
-          <a:bodyPr wrap="square" rtlCol="0">
-            <a:spAutoFit/>
-          </a:bodyPr>
-          <a:lstStyle/>
-          <a:p>
-            <a:pPr marL="571500" indent="-571500">
-              <a:buFontTx/>
-              <a:buChar char="-"/>
-            </a:pPr>
-            <a:r>
-              <a:rPr lang="en-US" sz="3600" dirty="0" smtClean="0"/>
-              <a:t>Spacy holds a built-in list of English stop words</a:t>
-            </a:r>
-          </a:p>
-        </p:txBody>
-      </p:sp>
-      <p:sp>
-        <p:nvSpPr>
-          <p:cNvPr id="3" name="TextBox 2"/>
-          <p:cNvSpPr txBox="1"/>
-          <p:nvPr/>
-        </p:nvSpPr>
-        <p:spPr>
-          <a:xfrm>
-            <a:off x="669520" y="2182983"/>
-            <a:ext cx="10950980" cy="1200329"/>
-          </a:xfrm>
-          <a:prstGeom prst="rect">
-            <a:avLst/>
-          </a:prstGeom>
-          <a:noFill/>
-        </p:spPr>
-        <p:txBody>
-          <a:bodyPr wrap="square" rtlCol="0">
-            <a:spAutoFit/>
-          </a:bodyPr>
-          <a:lstStyle/>
-          <a:p>
-            <a:r>
-              <a:rPr lang="en-US" sz="3600" b="1" dirty="0" smtClean="0"/>
-              <a:t>Common English Stop Words</a:t>
-            </a:r>
-          </a:p>
-          <a:p>
-            <a:r>
-              <a:rPr lang="en-US" sz="3600" dirty="0" smtClean="0"/>
-              <a:t>- is, are, the, a, an, of, in, on, and, it, to.</a:t>
-            </a:r>
-          </a:p>
-        </p:txBody>
-      </p:sp>
-    </p:spTree>
-    <p:extLst>
-      <p:ext uri="{BB962C8B-B14F-4D97-AF65-F5344CB8AC3E}">
-        <p14:creationId xmlns:p14="http://schemas.microsoft.com/office/powerpoint/2010/main" val="3911011373"/>
-      </p:ext>
-    </p:extLst>
-  </p:cSld>
-  <p:clrMapOvr>
-    <a:masterClrMapping/>
-  </p:clrMapOvr>
-  <p:timing>
-    <p:tnLst>
-      <p:par>
-        <p:cTn id="1" dur="indefinite" restart="never" nodeType="tmRoot"/>
-      </p:par>
-    </p:tnLst>
-  </p:timing>
-</p:sld>
-</file>
-
-<file path=ppt/slides/slide49.xml><?xml version="1.0" encoding="utf-8"?>
-<p:sld xmlns:a="http://schemas.openxmlformats.org/drawingml/2006/main" xmlns:r="http://schemas.openxmlformats.org/officeDocument/2006/relationships" xmlns:p="http://schemas.openxmlformats.org/presentationml/2006/main">
-  <p:cSld>
-    <p:spTree>
-      <p:nvGrpSpPr>
-        <p:cNvPr id="1" name=""/>
-        <p:cNvGrpSpPr/>
-        <p:nvPr/>
-      </p:nvGrpSpPr>
-      <p:grpSpPr>
-        <a:xfrm>
-          <a:off x="0" y="0"/>
-          <a:ext cx="0" cy="0"/>
-          <a:chOff x="0" y="0"/>
-          <a:chExt cx="0" cy="0"/>
-        </a:xfrm>
-      </p:grpSpPr>
-      <p:sp>
-        <p:nvSpPr>
-          <p:cNvPr id="4" name="TextBox 3"/>
-          <p:cNvSpPr txBox="1"/>
-          <p:nvPr/>
-        </p:nvSpPr>
-        <p:spPr>
-          <a:xfrm>
-            <a:off x="669520" y="1143537"/>
-            <a:ext cx="10950980" cy="2862322"/>
-          </a:xfrm>
-          <a:prstGeom prst="rect">
-            <a:avLst/>
-          </a:prstGeom>
-          <a:noFill/>
-        </p:spPr>
-        <p:txBody>
-          <a:bodyPr wrap="square" rtlCol="0">
-            <a:spAutoFit/>
-          </a:bodyPr>
-          <a:lstStyle/>
-          <a:p>
-            <a:r>
-              <a:rPr lang="en-US" sz="3600" b="1" dirty="0" smtClean="0"/>
-              <a:t>Example: </a:t>
-            </a:r>
-          </a:p>
-          <a:p>
-            <a:r>
-              <a:rPr lang="en-US" sz="3600" dirty="0" smtClean="0"/>
-              <a:t>“The quick brown fox jumps over the lazy dog.”</a:t>
-            </a:r>
-          </a:p>
-          <a:p>
-            <a:endParaRPr lang="en-US" sz="3600" dirty="0"/>
-          </a:p>
-          <a:p>
-            <a:r>
-              <a:rPr lang="en-US" sz="3600" b="1" dirty="0" smtClean="0"/>
-              <a:t>With Stop Words:</a:t>
-            </a:r>
-          </a:p>
-          <a:p>
-            <a:r>
-              <a:rPr lang="en-US" sz="3600" dirty="0" smtClean="0"/>
-              <a:t>“quick </a:t>
-            </a:r>
-            <a:r>
-              <a:rPr lang="en-US" sz="3600" dirty="0"/>
-              <a:t>brown fox jumps over the lazy </a:t>
-            </a:r>
-            <a:r>
-              <a:rPr lang="en-US" sz="3600" dirty="0" smtClean="0"/>
-              <a:t>dog.”</a:t>
-            </a:r>
-          </a:p>
-        </p:txBody>
-      </p:sp>
-    </p:spTree>
-    <p:extLst>
-      <p:ext uri="{BB962C8B-B14F-4D97-AF65-F5344CB8AC3E}">
-        <p14:creationId xmlns:p14="http://schemas.microsoft.com/office/powerpoint/2010/main" val="3384933231"/>
-      </p:ext>
-    </p:extLst>
-  </p:cSld>
-  <p:clrMapOvr>
-    <a:masterClrMapping/>
-  </p:clrMapOvr>
-  <p:timing>
-    <p:tnLst>
-      <p:par>
-        <p:cTn id="1" dur="indefinite" restart="never" nodeType="tmRoot"/>
-      </p:par>
-    </p:tnLst>
-  </p:timing>
-</p:sld>
-</file>
-
-<file path=ppt/slides/slide5.xml><?xml version="1.0" encoding="utf-8"?>
-<p:sld xmlns:a="http://schemas.openxmlformats.org/drawingml/2006/main" xmlns:r="http://schemas.openxmlformats.org/officeDocument/2006/relationships" xmlns:p="http://schemas.openxmlformats.org/presentationml/2006/main">
-  <p:cSld>
-    <p:spTree>
-      <p:nvGrpSpPr>
-        <p:cNvPr id="1" name=""/>
-        <p:cNvGrpSpPr/>
-        <p:nvPr/>
-      </p:nvGrpSpPr>
-      <p:grpSpPr>
-        <a:xfrm>
-          <a:off x="0" y="0"/>
-          <a:ext cx="0" cy="0"/>
-          <a:chOff x="0" y="0"/>
-          <a:chExt cx="0" cy="0"/>
-        </a:xfrm>
-      </p:grpSpPr>
-      <p:sp>
-        <p:nvSpPr>
-          <p:cNvPr id="4" name="TextBox 3"/>
-          <p:cNvSpPr txBox="1"/>
-          <p:nvPr/>
-        </p:nvSpPr>
-        <p:spPr>
-          <a:xfrm>
-            <a:off x="669520" y="1007202"/>
-            <a:ext cx="10558668" cy="2862322"/>
-          </a:xfrm>
-          <a:prstGeom prst="rect">
-            <a:avLst/>
-          </a:prstGeom>
-          <a:noFill/>
-        </p:spPr>
-        <p:txBody>
-          <a:bodyPr wrap="square" rtlCol="0">
-            <a:spAutoFit/>
-          </a:bodyPr>
-          <a:lstStyle/>
-          <a:p>
-            <a:pPr marL="457200" indent="-457200">
-              <a:buFontTx/>
-              <a:buChar char="-"/>
-            </a:pPr>
-            <a:r>
-              <a:rPr lang="en-US" sz="3600" dirty="0" smtClean="0"/>
-              <a:t>NLP attempts to use a </a:t>
-            </a:r>
-            <a:r>
-              <a:rPr lang="en-US" sz="3600" b="1" dirty="0" smtClean="0">
-                <a:solidFill>
-                  <a:srgbClr val="C00000"/>
-                </a:solidFill>
-              </a:rPr>
-              <a:t>variety of techniques </a:t>
-            </a:r>
-            <a:r>
-              <a:rPr lang="en-US" sz="3600" dirty="0" smtClean="0"/>
-              <a:t>in order to create a structure out of text data</a:t>
-            </a:r>
-            <a:endParaRPr lang="en-US" sz="3600" dirty="0"/>
-          </a:p>
-          <a:p>
-            <a:pPr marL="457200" indent="-457200">
-              <a:buFontTx/>
-              <a:buChar char="-"/>
-            </a:pPr>
-            <a:endParaRPr lang="en-US" sz="3600" dirty="0"/>
-          </a:p>
-          <a:p>
-            <a:pPr marL="457200" indent="-457200">
-              <a:buFontTx/>
-              <a:buChar char="-"/>
-            </a:pPr>
-            <a:r>
-              <a:rPr lang="en-US" sz="3600" dirty="0" smtClean="0"/>
-              <a:t>We will discuss (first) some of the techniques using libraries such as </a:t>
-            </a:r>
-            <a:r>
-              <a:rPr lang="en-US" sz="3600" b="1" dirty="0" smtClean="0">
-                <a:solidFill>
-                  <a:srgbClr val="C00000"/>
-                </a:solidFill>
-              </a:rPr>
-              <a:t>Spacy</a:t>
-            </a:r>
-            <a:r>
-              <a:rPr lang="en-US" sz="3600" dirty="0" smtClean="0"/>
-              <a:t> and </a:t>
-            </a:r>
-            <a:r>
-              <a:rPr lang="en-US" sz="3600" b="1" dirty="0" smtClean="0">
-                <a:solidFill>
-                  <a:srgbClr val="C00000"/>
-                </a:solidFill>
-              </a:rPr>
-              <a:t>NLTK</a:t>
-            </a:r>
-          </a:p>
-        </p:txBody>
-      </p:sp>
-    </p:spTree>
-    <p:extLst>
-      <p:ext uri="{BB962C8B-B14F-4D97-AF65-F5344CB8AC3E}">
-        <p14:creationId xmlns:p14="http://schemas.microsoft.com/office/powerpoint/2010/main" val="604807095"/>
-      </p:ext>
-    </p:extLst>
-  </p:cSld>
-  <p:clrMapOvr>
-    <a:masterClrMapping/>
-  </p:clrMapOvr>
-  <p:timing>
-    <p:tnLst>
-      <p:par>
-        <p:cTn id="1" dur="indefinite" restart="never" nodeType="tmRoot"/>
-      </p:par>
-    </p:tnLst>
-  </p:timing>
-</p:sld>
-</file>
-
-<file path=ppt/slides/slide50.xml><?xml version="1.0" encoding="utf-8"?>
-<p:sld xmlns:a="http://schemas.openxmlformats.org/drawingml/2006/main" xmlns:r="http://schemas.openxmlformats.org/officeDocument/2006/relationships" xmlns:p="http://schemas.openxmlformats.org/presentationml/2006/main">
-  <p:cSld>
-    <p:spTree>
-      <p:nvGrpSpPr>
-        <p:cNvPr id="1" name=""/>
-        <p:cNvGrpSpPr/>
-        <p:nvPr/>
-      </p:nvGrpSpPr>
-      <p:grpSpPr>
-        <a:xfrm>
-          <a:off x="0" y="0"/>
-          <a:ext cx="0" cy="0"/>
-          <a:chOff x="0" y="0"/>
-          <a:chExt cx="0" cy="0"/>
-        </a:xfrm>
-      </p:grpSpPr>
-      <p:sp>
-        <p:nvSpPr>
-          <p:cNvPr id="6" name="TextBox 5"/>
-          <p:cNvSpPr txBox="1"/>
-          <p:nvPr/>
-        </p:nvSpPr>
-        <p:spPr>
-          <a:xfrm>
-            <a:off x="626114" y="2409678"/>
-            <a:ext cx="10749281" cy="1015663"/>
-          </a:xfrm>
-          <a:prstGeom prst="rect">
-            <a:avLst/>
-          </a:prstGeom>
-          <a:noFill/>
-        </p:spPr>
-        <p:txBody>
-          <a:bodyPr wrap="square" rtlCol="0">
-            <a:spAutoFit/>
-          </a:bodyPr>
-          <a:lstStyle/>
-          <a:p>
-            <a:pPr algn="ctr"/>
-            <a:r>
-              <a:rPr lang="en-US" sz="6000" b="1" dirty="0" smtClean="0">
-                <a:latin typeface="Arial" pitchFamily="34" charset="0"/>
-                <a:cs typeface="Arial" pitchFamily="34" charset="0"/>
-              </a:rPr>
-              <a:t>Vocabulary and Matching</a:t>
-            </a:r>
-            <a:endParaRPr lang="en-US" sz="4000" b="1" dirty="0">
-              <a:solidFill>
-                <a:schemeClr val="accent2"/>
-              </a:solidFill>
-              <a:latin typeface="Arial" pitchFamily="34" charset="0"/>
-              <a:cs typeface="Arial" pitchFamily="34" charset="0"/>
-            </a:endParaRPr>
-          </a:p>
-        </p:txBody>
-      </p:sp>
-    </p:spTree>
-    <p:extLst>
-      <p:ext uri="{BB962C8B-B14F-4D97-AF65-F5344CB8AC3E}">
-        <p14:creationId xmlns:p14="http://schemas.microsoft.com/office/powerpoint/2010/main" val="1005849645"/>
-      </p:ext>
-    </p:extLst>
-  </p:cSld>
-  <p:clrMapOvr>
-    <a:masterClrMapping/>
-  </p:clrMapOvr>
-</p:sld>
-</file>
-
 <file path=ppt/slides/slide51.xml><?xml version="1.0" encoding="utf-8"?>
 <p:sld xmlns:a="http://schemas.openxmlformats.org/drawingml/2006/main" xmlns:r="http://schemas.openxmlformats.org/officeDocument/2006/relationships" xmlns:p="http://schemas.openxmlformats.org/presentationml/2006/main">
   <p:cSld>
@@ -10073,14 +9931,14 @@
       </p:grpSpPr>
       <p:sp>
         <p:nvSpPr>
-          <p:cNvPr id="4" name="TextBox 3"/>
+          <p:cNvPr id="6" name="TextBox 5"/>
           <p:cNvSpPr txBox="1"/>
           <p:nvPr/>
         </p:nvSpPr>
         <p:spPr>
           <a:xfrm>
-            <a:off x="669520" y="1143537"/>
-            <a:ext cx="10950980" cy="2862322"/>
+            <a:off x="721363" y="2390628"/>
+            <a:ext cx="10749281" cy="1015663"/>
           </a:xfrm>
           <a:prstGeom prst="rect">
             <a:avLst/>
@@ -10093,51 +9951,34 @@
           </a:bodyPr>
           <a:lstStyle/>
           <a:p>
-            <a:pPr marL="571500" indent="-571500">
-              <a:buFontTx/>
-              <a:buChar char="-"/>
-            </a:pPr>
-            <a:r>
-              <a:rPr lang="en-US" sz="3600" dirty="0" smtClean="0"/>
-              <a:t>We will identify and label specific phrases that match patterns that we can define ourselves</a:t>
-            </a:r>
-          </a:p>
-          <a:p>
-            <a:pPr marL="571500" indent="-571500">
-              <a:buFontTx/>
-              <a:buChar char="-"/>
-            </a:pPr>
-            <a:endParaRPr lang="en-US" sz="3600" dirty="0"/>
-          </a:p>
-          <a:p>
-            <a:pPr marL="571500" indent="-571500">
-              <a:buFontTx/>
-              <a:buChar char="-"/>
-            </a:pPr>
-            <a:r>
-              <a:rPr lang="en-US" sz="3600" dirty="0" smtClean="0"/>
-              <a:t>We will take parts of speech into account for our pattern search</a:t>
-            </a:r>
+            <a:pPr algn="ctr"/>
+            <a:r>
+              <a:rPr lang="en-US" sz="6000" b="1" dirty="0" smtClean="0">
+                <a:latin typeface="Arial" pitchFamily="34" charset="0"/>
+                <a:cs typeface="Arial" pitchFamily="34" charset="0"/>
+              </a:rPr>
+              <a:t>[Code Demo]</a:t>
+            </a:r>
+            <a:endParaRPr lang="en-US" sz="6000" b="1" dirty="0">
+              <a:solidFill>
+                <a:schemeClr val="accent2"/>
+              </a:solidFill>
+              <a:latin typeface="Arial" pitchFamily="34" charset="0"/>
+              <a:cs typeface="Arial" pitchFamily="34" charset="0"/>
+            </a:endParaRPr>
           </a:p>
         </p:txBody>
       </p:sp>
     </p:spTree>
     <p:extLst>
       <p:ext uri="{BB962C8B-B14F-4D97-AF65-F5344CB8AC3E}">
-        <p14:creationId xmlns:p14="http://schemas.microsoft.com/office/powerpoint/2010/main" val="940726828"/>
+        <p14:creationId xmlns:p14="http://schemas.microsoft.com/office/powerpoint/2010/main" val="3368909298"/>
       </p:ext>
     </p:extLst>
   </p:cSld>
   <p:clrMapOvr>
     <a:masterClrMapping/>
   </p:clrMapOvr>
-  <p:timing>
-    <p:tnLst>
-      <p:par>
-        <p:cTn id="1" dur="indefinite" restart="never" nodeType="tmRoot"/>
-      </p:par>
-    </p:tnLst>
-  </p:timing>
 </p:sld>
 </file>
 
@@ -10158,87 +9999,56 @@
           <a:chExt cx="0" cy="0"/>
         </a:xfrm>
       </p:grpSpPr>
-      <p:pic>
-        <p:nvPicPr>
-          <p:cNvPr id="26627" name="Picture 3"/>
-          <p:cNvPicPr>
-            <a:picLocks noChangeAspect="1" noChangeArrowheads="1"/>
-          </p:cNvPicPr>
+      <p:sp>
+        <p:nvSpPr>
+          <p:cNvPr id="6" name="TextBox 5"/>
+          <p:cNvSpPr txBox="1"/>
           <p:nvPr/>
-        </p:nvPicPr>
-        <p:blipFill>
-          <a:blip r:embed="rId2">
-            <a:extLst>
-              <a:ext uri="{28A0092B-C50C-407E-A947-70E740481C1C}">
-                <a14:useLocalDpi xmlns:a14="http://schemas.microsoft.com/office/drawing/2010/main" val="0"/>
-              </a:ext>
-            </a:extLst>
-          </a:blip>
-          <a:srcRect/>
-          <a:stretch>
-            <a:fillRect/>
-          </a:stretch>
-        </p:blipFill>
-        <p:spPr bwMode="auto">
-          <a:xfrm>
-            <a:off x="2266950" y="1947863"/>
-            <a:ext cx="7269352" cy="2995612"/>
+        </p:nvSpPr>
+        <p:spPr>
+          <a:xfrm>
+            <a:off x="626114" y="2409678"/>
+            <a:ext cx="10749281" cy="1015663"/>
           </a:xfrm>
           <a:prstGeom prst="rect">
             <a:avLst/>
           </a:prstGeom>
           <a:noFill/>
-          <a:ln>
-            <a:noFill/>
-          </a:ln>
-          <a:effectLst/>
-          <a:extLst>
-            <a:ext uri="{909E8E84-426E-40DD-AFC4-6F175D3DCCD1}">
-              <a14:hiddenFill xmlns:a14="http://schemas.microsoft.com/office/drawing/2010/main">
-                <a:solidFill>
-                  <a:schemeClr val="accent1"/>
-                </a:solidFill>
-              </a14:hiddenFill>
-            </a:ext>
-            <a:ext uri="{91240B29-F687-4F45-9708-019B960494DF}">
-              <a14:hiddenLine xmlns:a14="http://schemas.microsoft.com/office/drawing/2010/main" w="9525">
-                <a:solidFill>
-                  <a:schemeClr val="tx1"/>
-                </a:solidFill>
-                <a:miter lim="800000"/>
-                <a:headEnd/>
-                <a:tailEnd/>
-              </a14:hiddenLine>
-            </a:ext>
-            <a:ext uri="{AF507438-7753-43E0-B8FC-AC1667EBCBE1}">
-              <a14:hiddenEffects xmlns:a14="http://schemas.microsoft.com/office/drawing/2010/main">
-                <a:effectLst>
-                  <a:outerShdw dist="35921" dir="2700000" algn="ctr" rotWithShape="0">
-                    <a:schemeClr val="bg2"/>
-                  </a:outerShdw>
-                </a:effectLst>
-              </a14:hiddenEffects>
-            </a:ext>
-          </a:extLst>
-        </p:spPr>
-      </p:pic>
+        </p:spPr>
+        <p:txBody>
+          <a:bodyPr wrap="square" rtlCol="0">
+            <a:spAutoFit/>
+          </a:bodyPr>
+          <a:lstStyle/>
+          <a:p>
+            <a:pPr algn="ctr"/>
+            <a:r>
+              <a:rPr lang="en-US" sz="6000" b="1" dirty="0" smtClean="0">
+                <a:latin typeface="Arial" pitchFamily="34" charset="0"/>
+                <a:cs typeface="Arial" pitchFamily="34" charset="0"/>
+              </a:rPr>
+              <a:t>Stop Words</a:t>
+            </a:r>
+            <a:endParaRPr lang="en-US" sz="4000" b="1" dirty="0">
+              <a:solidFill>
+                <a:schemeClr val="accent2"/>
+              </a:solidFill>
+              <a:latin typeface="Arial" pitchFamily="34" charset="0"/>
+              <a:cs typeface="Arial" pitchFamily="34" charset="0"/>
+            </a:endParaRPr>
+          </a:p>
+        </p:txBody>
+      </p:sp>
     </p:spTree>
     <p:extLst>
       <p:ext uri="{BB962C8B-B14F-4D97-AF65-F5344CB8AC3E}">
-        <p14:creationId xmlns:p14="http://schemas.microsoft.com/office/powerpoint/2010/main" val="1373457259"/>
+        <p14:creationId xmlns:p14="http://schemas.microsoft.com/office/powerpoint/2010/main" val="3368568431"/>
       </p:ext>
     </p:extLst>
   </p:cSld>
   <p:clrMapOvr>
     <a:masterClrMapping/>
   </p:clrMapOvr>
-  <p:timing>
-    <p:tnLst>
-      <p:par>
-        <p:cTn id="1" dur="indefinite" restart="never" nodeType="tmRoot"/>
-      </p:par>
-    </p:tnLst>
-  </p:timing>
 </p:sld>
 </file>
 
@@ -10259,74 +10069,121 @@
           <a:chExt cx="0" cy="0"/>
         </a:xfrm>
       </p:grpSpPr>
-      <p:pic>
-        <p:nvPicPr>
-          <p:cNvPr id="26626" name="Picture 2"/>
-          <p:cNvPicPr>
-            <a:picLocks noChangeAspect="1" noChangeArrowheads="1"/>
-          </p:cNvPicPr>
+      <p:sp>
+        <p:nvSpPr>
+          <p:cNvPr id="4" name="TextBox 3"/>
+          <p:cNvSpPr txBox="1"/>
           <p:nvPr/>
-        </p:nvPicPr>
-        <p:blipFill>
-          <a:blip r:embed="rId2">
-            <a:extLst>
-              <a:ext uri="{28A0092B-C50C-407E-A947-70E740481C1C}">
-                <a14:useLocalDpi xmlns:a14="http://schemas.microsoft.com/office/drawing/2010/main" val="0"/>
-              </a:ext>
-            </a:extLst>
-          </a:blip>
-          <a:srcRect/>
-          <a:stretch>
-            <a:fillRect/>
-          </a:stretch>
-        </p:blipFill>
-        <p:spPr bwMode="auto">
-          <a:xfrm>
-            <a:off x="669924" y="1162050"/>
-            <a:ext cx="10715745" cy="4400550"/>
+        </p:nvSpPr>
+        <p:spPr>
+          <a:xfrm>
+            <a:off x="669520" y="1143537"/>
+            <a:ext cx="10950980" cy="4708981"/>
           </a:xfrm>
           <a:prstGeom prst="rect">
             <a:avLst/>
           </a:prstGeom>
           <a:noFill/>
-          <a:ln>
-            <a:noFill/>
-          </a:ln>
-          <a:effectLst/>
-          <a:extLst>
-            <a:ext uri="{909E8E84-426E-40DD-AFC4-6F175D3DCCD1}">
-              <a14:hiddenFill xmlns:a14="http://schemas.microsoft.com/office/drawing/2010/main">
+        </p:spPr>
+        <p:txBody>
+          <a:bodyPr wrap="square" rtlCol="0">
+            <a:spAutoFit/>
+          </a:bodyPr>
+          <a:lstStyle/>
+          <a:p>
+            <a:pPr marL="571500" indent="-571500">
+              <a:buFontTx/>
+              <a:buChar char="-"/>
+            </a:pPr>
+            <a:r>
+              <a:rPr lang="en-US" sz="3600" dirty="0" smtClean="0"/>
+              <a:t>Stop words are common words in a language (e.g. </a:t>
+            </a:r>
+            <a:r>
+              <a:rPr lang="en-US" sz="3600" i="1" dirty="0" smtClean="0">
                 <a:solidFill>
-                  <a:schemeClr val="accent1"/>
+                  <a:srgbClr val="C00000"/>
                 </a:solidFill>
-              </a14:hiddenFill>
-            </a:ext>
-            <a:ext uri="{91240B29-F687-4F45-9708-019B960494DF}">
-              <a14:hiddenLine xmlns:a14="http://schemas.microsoft.com/office/drawing/2010/main" w="9525">
+              </a:rPr>
+              <a:t>the</a:t>
+            </a:r>
+            <a:r>
+              <a:rPr lang="en-US" sz="3600" dirty="0" smtClean="0"/>
+              <a:t>, </a:t>
+            </a:r>
+            <a:r>
+              <a:rPr lang="en-US" sz="3600" i="1" dirty="0" smtClean="0">
                 <a:solidFill>
-                  <a:schemeClr val="tx1"/>
+                  <a:srgbClr val="C00000"/>
                 </a:solidFill>
-                <a:miter lim="800000"/>
-                <a:headEnd/>
-                <a:tailEnd/>
-              </a14:hiddenLine>
-            </a:ext>
-            <a:ext uri="{AF507438-7753-43E0-B8FC-AC1667EBCBE1}">
-              <a14:hiddenEffects xmlns:a14="http://schemas.microsoft.com/office/drawing/2010/main">
-                <a:effectLst>
-                  <a:outerShdw dist="35921" dir="2700000" algn="ctr" rotWithShape="0">
-                    <a:schemeClr val="bg2"/>
-                  </a:outerShdw>
-                </a:effectLst>
-              </a14:hiddenEffects>
-            </a:ext>
-          </a:extLst>
-        </p:spPr>
-      </p:pic>
+              </a:rPr>
+              <a:t>is</a:t>
+            </a:r>
+            <a:r>
+              <a:rPr lang="en-US" sz="3600" dirty="0" smtClean="0"/>
+              <a:t>, </a:t>
+            </a:r>
+            <a:r>
+              <a:rPr lang="en-US" sz="3600" i="1" dirty="0" smtClean="0">
+                <a:solidFill>
+                  <a:srgbClr val="C00000"/>
+                </a:solidFill>
+              </a:rPr>
+              <a:t>in</a:t>
+            </a:r>
+            <a:r>
+              <a:rPr lang="en-US" sz="3600" dirty="0" smtClean="0"/>
+              <a:t>, </a:t>
+            </a:r>
+            <a:r>
+              <a:rPr lang="en-US" sz="3600" i="1" dirty="0" smtClean="0">
+                <a:solidFill>
+                  <a:srgbClr val="C00000"/>
+                </a:solidFill>
+              </a:rPr>
+              <a:t>and</a:t>
+            </a:r>
+            <a:r>
+              <a:rPr lang="en-US" sz="3600" dirty="0" smtClean="0"/>
+              <a:t>) that are frequently filtered out in text processing because they are often not significant for tasks like information retrieval, text classification, or sentiment analysis.</a:t>
+            </a:r>
+          </a:p>
+          <a:p>
+            <a:pPr marL="571500" indent="-571500">
+              <a:buFontTx/>
+              <a:buChar char="-"/>
+            </a:pPr>
+            <a:endParaRPr lang="en-US" sz="4000" dirty="0" smtClean="0"/>
+          </a:p>
+          <a:p>
+            <a:pPr marL="571500" indent="-571500">
+              <a:buFontTx/>
+              <a:buChar char="-"/>
+            </a:pPr>
+            <a:r>
+              <a:rPr lang="en-US" sz="3600" dirty="0" smtClean="0"/>
+              <a:t>They are frequent but </a:t>
+            </a:r>
+            <a:r>
+              <a:rPr lang="en-US" sz="3600" dirty="0" smtClean="0">
+                <a:solidFill>
+                  <a:srgbClr val="C00000"/>
+                </a:solidFill>
+              </a:rPr>
+              <a:t>do not contribute </a:t>
+            </a:r>
+            <a:r>
+              <a:rPr lang="en-US" sz="3600" dirty="0" smtClean="0"/>
+              <a:t>much meaning to the overall text</a:t>
+            </a:r>
+            <a:endParaRPr lang="en-US" sz="3600" dirty="0"/>
+          </a:p>
+        </p:txBody>
+      </p:sp>
     </p:spTree>
     <p:extLst>
       <p:ext uri="{BB962C8B-B14F-4D97-AF65-F5344CB8AC3E}">
-        <p14:creationId xmlns:p14="http://schemas.microsoft.com/office/powerpoint/2010/main" val="3481308382"/>
+        <p14:creationId xmlns:p14="http://schemas.microsoft.com/office/powerpoint/2010/main" val="1772863057"/>
       </p:ext>
     </p:extLst>
   </p:cSld>
@@ -10362,14 +10219,14 @@
       </p:grpSpPr>
       <p:sp>
         <p:nvSpPr>
-          <p:cNvPr id="6" name="TextBox 5"/>
+          <p:cNvPr id="4" name="TextBox 3"/>
           <p:cNvSpPr txBox="1"/>
           <p:nvPr/>
         </p:nvSpPr>
         <p:spPr>
           <a:xfrm>
-            <a:off x="721364" y="2562078"/>
-            <a:ext cx="10749281" cy="830997"/>
+            <a:off x="669520" y="1143537"/>
+            <a:ext cx="10950980" cy="646331"/>
           </a:xfrm>
           <a:prstGeom prst="rect">
             <a:avLst/>
@@ -10382,22 +10239,215 @@
           </a:bodyPr>
           <a:lstStyle/>
           <a:p>
+            <a:pPr marL="571500" indent="-571500">
+              <a:buFontTx/>
+              <a:buChar char="-"/>
+            </a:pPr>
+            <a:r>
+              <a:rPr lang="en-US" sz="3600" dirty="0" smtClean="0"/>
+              <a:t>Spacy holds a built-in list of English stop words</a:t>
+            </a:r>
+          </a:p>
+        </p:txBody>
+      </p:sp>
+      <p:sp>
+        <p:nvSpPr>
+          <p:cNvPr id="3" name="TextBox 2"/>
+          <p:cNvSpPr txBox="1"/>
+          <p:nvPr/>
+        </p:nvSpPr>
+        <p:spPr>
+          <a:xfrm>
+            <a:off x="669520" y="2182983"/>
+            <a:ext cx="10950980" cy="1200329"/>
+          </a:xfrm>
+          <a:prstGeom prst="rect">
+            <a:avLst/>
+          </a:prstGeom>
+          <a:noFill/>
+        </p:spPr>
+        <p:txBody>
+          <a:bodyPr wrap="square" rtlCol="0">
+            <a:spAutoFit/>
+          </a:bodyPr>
+          <a:lstStyle/>
+          <a:p>
+            <a:r>
+              <a:rPr lang="en-US" sz="3600" b="1" dirty="0" smtClean="0"/>
+              <a:t>Common English Stop Words</a:t>
+            </a:r>
+          </a:p>
+          <a:p>
+            <a:r>
+              <a:rPr lang="en-US" sz="3600" dirty="0" smtClean="0"/>
+              <a:t>- is, are, the, a, an, of, in, on, and, it, to.</a:t>
+            </a:r>
+          </a:p>
+        </p:txBody>
+      </p:sp>
+    </p:spTree>
+    <p:extLst>
+      <p:ext uri="{BB962C8B-B14F-4D97-AF65-F5344CB8AC3E}">
+        <p14:creationId xmlns:p14="http://schemas.microsoft.com/office/powerpoint/2010/main" val="3911011373"/>
+      </p:ext>
+    </p:extLst>
+  </p:cSld>
+  <p:clrMapOvr>
+    <a:masterClrMapping/>
+  </p:clrMapOvr>
+  <p:timing>
+    <p:tnLst>
+      <p:par>
+        <p:cTn id="1" dur="indefinite" restart="never" nodeType="tmRoot"/>
+      </p:par>
+    </p:tnLst>
+  </p:timing>
+</p:sld>
+</file>
+
+<file path=ppt/slides/slide55.xml><?xml version="1.0" encoding="utf-8"?>
+<p:sld xmlns:a="http://schemas.openxmlformats.org/drawingml/2006/main" xmlns:r="http://schemas.openxmlformats.org/officeDocument/2006/relationships" xmlns:p="http://schemas.openxmlformats.org/presentationml/2006/main">
+  <p:cSld>
+    <p:spTree>
+      <p:nvGrpSpPr>
+        <p:cNvPr id="1" name=""/>
+        <p:cNvGrpSpPr/>
+        <p:nvPr/>
+      </p:nvGrpSpPr>
+      <p:grpSpPr>
+        <a:xfrm>
+          <a:off x="0" y="0"/>
+          <a:ext cx="0" cy="0"/>
+          <a:chOff x="0" y="0"/>
+          <a:chExt cx="0" cy="0"/>
+        </a:xfrm>
+      </p:grpSpPr>
+      <p:sp>
+        <p:nvSpPr>
+          <p:cNvPr id="4" name="TextBox 3"/>
+          <p:cNvSpPr txBox="1"/>
+          <p:nvPr/>
+        </p:nvSpPr>
+        <p:spPr>
+          <a:xfrm>
+            <a:off x="669520" y="1143537"/>
+            <a:ext cx="10950980" cy="2862322"/>
+          </a:xfrm>
+          <a:prstGeom prst="rect">
+            <a:avLst/>
+          </a:prstGeom>
+          <a:noFill/>
+        </p:spPr>
+        <p:txBody>
+          <a:bodyPr wrap="square" rtlCol="0">
+            <a:spAutoFit/>
+          </a:bodyPr>
+          <a:lstStyle/>
+          <a:p>
+            <a:r>
+              <a:rPr lang="en-US" sz="3600" b="1" dirty="0" smtClean="0"/>
+              <a:t>Example: </a:t>
+            </a:r>
+          </a:p>
+          <a:p>
+            <a:r>
+              <a:rPr lang="en-US" sz="3600" dirty="0" smtClean="0"/>
+              <a:t>“The quick brown fox jumps over the lazy dog.”</a:t>
+            </a:r>
+          </a:p>
+          <a:p>
+            <a:endParaRPr lang="en-US" sz="3600" dirty="0"/>
+          </a:p>
+          <a:p>
+            <a:r>
+              <a:rPr lang="en-US" sz="3600" b="1" dirty="0" smtClean="0"/>
+              <a:t>With Stop Words:</a:t>
+            </a:r>
+          </a:p>
+          <a:p>
+            <a:r>
+              <a:rPr lang="en-US" sz="3600" dirty="0" smtClean="0"/>
+              <a:t>“quick </a:t>
+            </a:r>
+            <a:r>
+              <a:rPr lang="en-US" sz="3600" dirty="0"/>
+              <a:t>brown fox jumps over the lazy </a:t>
+            </a:r>
+            <a:r>
+              <a:rPr lang="en-US" sz="3600" dirty="0" smtClean="0"/>
+              <a:t>dog.”</a:t>
+            </a:r>
+          </a:p>
+        </p:txBody>
+      </p:sp>
+    </p:spTree>
+    <p:extLst>
+      <p:ext uri="{BB962C8B-B14F-4D97-AF65-F5344CB8AC3E}">
+        <p14:creationId xmlns:p14="http://schemas.microsoft.com/office/powerpoint/2010/main" val="3384933231"/>
+      </p:ext>
+    </p:extLst>
+  </p:cSld>
+  <p:clrMapOvr>
+    <a:masterClrMapping/>
+  </p:clrMapOvr>
+  <p:timing>
+    <p:tnLst>
+      <p:par>
+        <p:cTn id="1" dur="indefinite" restart="never" nodeType="tmRoot"/>
+      </p:par>
+    </p:tnLst>
+  </p:timing>
+</p:sld>
+</file>
+
+<file path=ppt/slides/slide56.xml><?xml version="1.0" encoding="utf-8"?>
+<p:sld xmlns:a="http://schemas.openxmlformats.org/drawingml/2006/main" xmlns:r="http://schemas.openxmlformats.org/officeDocument/2006/relationships" xmlns:p="http://schemas.openxmlformats.org/presentationml/2006/main">
+  <p:cSld>
+    <p:spTree>
+      <p:nvGrpSpPr>
+        <p:cNvPr id="1" name=""/>
+        <p:cNvGrpSpPr/>
+        <p:nvPr/>
+      </p:nvGrpSpPr>
+      <p:grpSpPr>
+        <a:xfrm>
+          <a:off x="0" y="0"/>
+          <a:ext cx="0" cy="0"/>
+          <a:chOff x="0" y="0"/>
+          <a:chExt cx="0" cy="0"/>
+        </a:xfrm>
+      </p:grpSpPr>
+      <p:sp>
+        <p:nvSpPr>
+          <p:cNvPr id="6" name="TextBox 5"/>
+          <p:cNvSpPr txBox="1"/>
+          <p:nvPr/>
+        </p:nvSpPr>
+        <p:spPr>
+          <a:xfrm>
+            <a:off x="721363" y="2390628"/>
+            <a:ext cx="10749281" cy="1015663"/>
+          </a:xfrm>
+          <a:prstGeom prst="rect">
+            <a:avLst/>
+          </a:prstGeom>
+          <a:noFill/>
+        </p:spPr>
+        <p:txBody>
+          <a:bodyPr wrap="square" rtlCol="0">
+            <a:spAutoFit/>
+          </a:bodyPr>
+          <a:lstStyle/>
+          <a:p>
             <a:pPr algn="ctr"/>
             <a:r>
-              <a:rPr lang="en-US" sz="4800" b="1" dirty="0">
+              <a:rPr lang="en-US" sz="6000" b="1" dirty="0" smtClean="0">
                 <a:latin typeface="Arial" pitchFamily="34" charset="0"/>
                 <a:cs typeface="Arial" pitchFamily="34" charset="0"/>
               </a:rPr>
-              <a:t>Thank you very much for listening</a:t>
-            </a:r>
-            <a:r>
-              <a:rPr lang="en-US" sz="3200" b="1" dirty="0">
-                <a:latin typeface="Arial" pitchFamily="34" charset="0"/>
-                <a:cs typeface="Arial" pitchFamily="34" charset="0"/>
-              </a:rPr>
-              <a:t>.</a:t>
-            </a:r>
-            <a:endParaRPr lang="en-US" sz="3200" b="1" dirty="0">
+              <a:t>[Code Demo]</a:t>
+            </a:r>
+            <a:endParaRPr lang="en-US" sz="6000" b="1" dirty="0">
               <a:solidFill>
                 <a:schemeClr val="accent2"/>
               </a:solidFill>
@@ -10410,7 +10460,234 @@
     </p:spTree>
     <p:extLst>
       <p:ext uri="{BB962C8B-B14F-4D97-AF65-F5344CB8AC3E}">
-        <p14:creationId xmlns:p14="http://schemas.microsoft.com/office/powerpoint/2010/main" val="1328378833"/>
+        <p14:creationId xmlns:p14="http://schemas.microsoft.com/office/powerpoint/2010/main" val="3368909298"/>
+      </p:ext>
+    </p:extLst>
+  </p:cSld>
+  <p:clrMapOvr>
+    <a:masterClrMapping/>
+  </p:clrMapOvr>
+</p:sld>
+</file>
+
+<file path=ppt/slides/slide57.xml><?xml version="1.0" encoding="utf-8"?>
+<p:sld xmlns:a="http://schemas.openxmlformats.org/drawingml/2006/main" xmlns:r="http://schemas.openxmlformats.org/officeDocument/2006/relationships" xmlns:p="http://schemas.openxmlformats.org/presentationml/2006/main">
+  <p:cSld>
+    <p:spTree>
+      <p:nvGrpSpPr>
+        <p:cNvPr id="1" name=""/>
+        <p:cNvGrpSpPr/>
+        <p:nvPr/>
+      </p:nvGrpSpPr>
+      <p:grpSpPr>
+        <a:xfrm>
+          <a:off x="0" y="0"/>
+          <a:ext cx="0" cy="0"/>
+          <a:chOff x="0" y="0"/>
+          <a:chExt cx="0" cy="0"/>
+        </a:xfrm>
+      </p:grpSpPr>
+      <p:sp>
+        <p:nvSpPr>
+          <p:cNvPr id="6" name="TextBox 5"/>
+          <p:cNvSpPr txBox="1"/>
+          <p:nvPr/>
+        </p:nvSpPr>
+        <p:spPr>
+          <a:xfrm>
+            <a:off x="626114" y="2409678"/>
+            <a:ext cx="10749281" cy="1015663"/>
+          </a:xfrm>
+          <a:prstGeom prst="rect">
+            <a:avLst/>
+          </a:prstGeom>
+          <a:noFill/>
+        </p:spPr>
+        <p:txBody>
+          <a:bodyPr wrap="square" rtlCol="0">
+            <a:spAutoFit/>
+          </a:bodyPr>
+          <a:lstStyle/>
+          <a:p>
+            <a:pPr algn="ctr"/>
+            <a:r>
+              <a:rPr lang="en-US" sz="6000" b="1" dirty="0" smtClean="0">
+                <a:latin typeface="Arial" pitchFamily="34" charset="0"/>
+                <a:cs typeface="Arial" pitchFamily="34" charset="0"/>
+              </a:rPr>
+              <a:t>Vocabulary and Matching</a:t>
+            </a:r>
+            <a:endParaRPr lang="en-US" sz="4000" b="1" dirty="0">
+              <a:solidFill>
+                <a:schemeClr val="accent2"/>
+              </a:solidFill>
+              <a:latin typeface="Arial" pitchFamily="34" charset="0"/>
+              <a:cs typeface="Arial" pitchFamily="34" charset="0"/>
+            </a:endParaRPr>
+          </a:p>
+        </p:txBody>
+      </p:sp>
+    </p:spTree>
+    <p:extLst>
+      <p:ext uri="{BB962C8B-B14F-4D97-AF65-F5344CB8AC3E}">
+        <p14:creationId xmlns:p14="http://schemas.microsoft.com/office/powerpoint/2010/main" val="1005849645"/>
+      </p:ext>
+    </p:extLst>
+  </p:cSld>
+  <p:clrMapOvr>
+    <a:masterClrMapping/>
+  </p:clrMapOvr>
+</p:sld>
+</file>
+
+<file path=ppt/slides/slide58.xml><?xml version="1.0" encoding="utf-8"?>
+<p:sld xmlns:a="http://schemas.openxmlformats.org/drawingml/2006/main" xmlns:r="http://schemas.openxmlformats.org/officeDocument/2006/relationships" xmlns:p="http://schemas.openxmlformats.org/presentationml/2006/main">
+  <p:cSld>
+    <p:spTree>
+      <p:nvGrpSpPr>
+        <p:cNvPr id="1" name=""/>
+        <p:cNvGrpSpPr/>
+        <p:nvPr/>
+      </p:nvGrpSpPr>
+      <p:grpSpPr>
+        <a:xfrm>
+          <a:off x="0" y="0"/>
+          <a:ext cx="0" cy="0"/>
+          <a:chOff x="0" y="0"/>
+          <a:chExt cx="0" cy="0"/>
+        </a:xfrm>
+      </p:grpSpPr>
+      <p:sp>
+        <p:nvSpPr>
+          <p:cNvPr id="4" name="TextBox 3"/>
+          <p:cNvSpPr txBox="1"/>
+          <p:nvPr/>
+        </p:nvSpPr>
+        <p:spPr>
+          <a:xfrm>
+            <a:off x="669520" y="1143537"/>
+            <a:ext cx="10950980" cy="2862322"/>
+          </a:xfrm>
+          <a:prstGeom prst="rect">
+            <a:avLst/>
+          </a:prstGeom>
+          <a:noFill/>
+        </p:spPr>
+        <p:txBody>
+          <a:bodyPr wrap="square" rtlCol="0">
+            <a:spAutoFit/>
+          </a:bodyPr>
+          <a:lstStyle/>
+          <a:p>
+            <a:pPr marL="571500" indent="-571500">
+              <a:buFontTx/>
+              <a:buChar char="-"/>
+            </a:pPr>
+            <a:r>
+              <a:rPr lang="en-US" sz="3600" dirty="0" smtClean="0"/>
+              <a:t>We will identify and label specific phrases that match patterns that we can define ourselves</a:t>
+            </a:r>
+          </a:p>
+          <a:p>
+            <a:pPr marL="571500" indent="-571500">
+              <a:buFontTx/>
+              <a:buChar char="-"/>
+            </a:pPr>
+            <a:endParaRPr lang="en-US" sz="3600" dirty="0"/>
+          </a:p>
+          <a:p>
+            <a:pPr marL="571500" indent="-571500">
+              <a:buFontTx/>
+              <a:buChar char="-"/>
+            </a:pPr>
+            <a:r>
+              <a:rPr lang="en-US" sz="3600" dirty="0" smtClean="0"/>
+              <a:t>We will take parts of speech into account for our pattern search</a:t>
+            </a:r>
+          </a:p>
+        </p:txBody>
+      </p:sp>
+    </p:spTree>
+    <p:extLst>
+      <p:ext uri="{BB962C8B-B14F-4D97-AF65-F5344CB8AC3E}">
+        <p14:creationId xmlns:p14="http://schemas.microsoft.com/office/powerpoint/2010/main" val="940726828"/>
+      </p:ext>
+    </p:extLst>
+  </p:cSld>
+  <p:clrMapOvr>
+    <a:masterClrMapping/>
+  </p:clrMapOvr>
+  <p:timing>
+    <p:tnLst>
+      <p:par>
+        <p:cTn id="1" dur="indefinite" restart="never" nodeType="tmRoot"/>
+      </p:par>
+    </p:tnLst>
+  </p:timing>
+</p:sld>
+</file>
+
+<file path=ppt/slides/slide59.xml><?xml version="1.0" encoding="utf-8"?>
+<p:sld xmlns:a="http://schemas.openxmlformats.org/drawingml/2006/main" xmlns:r="http://schemas.openxmlformats.org/officeDocument/2006/relationships" xmlns:p="http://schemas.openxmlformats.org/presentationml/2006/main">
+  <p:cSld>
+    <p:spTree>
+      <p:nvGrpSpPr>
+        <p:cNvPr id="1" name=""/>
+        <p:cNvGrpSpPr/>
+        <p:nvPr/>
+      </p:nvGrpSpPr>
+      <p:grpSpPr>
+        <a:xfrm>
+          <a:off x="0" y="0"/>
+          <a:ext cx="0" cy="0"/>
+          <a:chOff x="0" y="0"/>
+          <a:chExt cx="0" cy="0"/>
+        </a:xfrm>
+      </p:grpSpPr>
+      <p:sp>
+        <p:nvSpPr>
+          <p:cNvPr id="6" name="TextBox 5"/>
+          <p:cNvSpPr txBox="1"/>
+          <p:nvPr/>
+        </p:nvSpPr>
+        <p:spPr>
+          <a:xfrm>
+            <a:off x="721363" y="2390628"/>
+            <a:ext cx="10749281" cy="1015663"/>
+          </a:xfrm>
+          <a:prstGeom prst="rect">
+            <a:avLst/>
+          </a:prstGeom>
+          <a:noFill/>
+        </p:spPr>
+        <p:txBody>
+          <a:bodyPr wrap="square" rtlCol="0">
+            <a:spAutoFit/>
+          </a:bodyPr>
+          <a:lstStyle/>
+          <a:p>
+            <a:pPr algn="ctr"/>
+            <a:r>
+              <a:rPr lang="en-US" sz="6000" b="1" dirty="0" smtClean="0">
+                <a:latin typeface="Arial" pitchFamily="34" charset="0"/>
+                <a:cs typeface="Arial" pitchFamily="34" charset="0"/>
+              </a:rPr>
+              <a:t>[Code Demo]</a:t>
+            </a:r>
+            <a:endParaRPr lang="en-US" sz="6000" b="1" dirty="0">
+              <a:solidFill>
+                <a:schemeClr val="accent2"/>
+              </a:solidFill>
+              <a:latin typeface="Arial" pitchFamily="34" charset="0"/>
+              <a:cs typeface="Arial" pitchFamily="34" charset="0"/>
+            </a:endParaRPr>
+          </a:p>
+        </p:txBody>
+      </p:sp>
+    </p:spTree>
+    <p:extLst>
+      <p:ext uri="{BB962C8B-B14F-4D97-AF65-F5344CB8AC3E}">
+        <p14:creationId xmlns:p14="http://schemas.microsoft.com/office/powerpoint/2010/main" val="3368909298"/>
       </p:ext>
     </p:extLst>
   </p:cSld>
@@ -10547,6 +10824,83 @@
       </p:par>
     </p:tnLst>
   </p:timing>
+</p:sld>
+</file>
+
+<file path=ppt/slides/slide60.xml><?xml version="1.0" encoding="utf-8"?>
+<p:sld xmlns:a="http://schemas.openxmlformats.org/drawingml/2006/main" xmlns:r="http://schemas.openxmlformats.org/officeDocument/2006/relationships" xmlns:p="http://schemas.openxmlformats.org/presentationml/2006/main">
+  <p:cSld>
+    <p:spTree>
+      <p:nvGrpSpPr>
+        <p:cNvPr id="1" name=""/>
+        <p:cNvGrpSpPr/>
+        <p:nvPr/>
+      </p:nvGrpSpPr>
+      <p:grpSpPr>
+        <a:xfrm>
+          <a:off x="0" y="0"/>
+          <a:ext cx="0" cy="0"/>
+          <a:chOff x="0" y="0"/>
+          <a:chExt cx="0" cy="0"/>
+        </a:xfrm>
+      </p:grpSpPr>
+      <p:sp>
+        <p:nvSpPr>
+          <p:cNvPr id="6" name="TextBox 5"/>
+          <p:cNvSpPr txBox="1"/>
+          <p:nvPr/>
+        </p:nvSpPr>
+        <p:spPr>
+          <a:xfrm>
+            <a:off x="721364" y="2562078"/>
+            <a:ext cx="10749281" cy="830997"/>
+          </a:xfrm>
+          <a:prstGeom prst="rect">
+            <a:avLst/>
+          </a:prstGeom>
+          <a:noFill/>
+        </p:spPr>
+        <p:txBody>
+          <a:bodyPr wrap="square" rtlCol="0">
+            <a:spAutoFit/>
+          </a:bodyPr>
+          <a:lstStyle/>
+          <a:p>
+            <a:pPr algn="ctr"/>
+            <a:r>
+              <a:rPr lang="en-US" sz="4800" b="1" dirty="0">
+                <a:latin typeface="Arial" pitchFamily="34" charset="0"/>
+                <a:cs typeface="Arial" pitchFamily="34" charset="0"/>
+              </a:rPr>
+              <a:t>Thank you very much for listening</a:t>
+            </a:r>
+            <a:r>
+              <a:rPr lang="en-US" sz="3200" b="1" dirty="0">
+                <a:latin typeface="Arial" pitchFamily="34" charset="0"/>
+                <a:cs typeface="Arial" pitchFamily="34" charset="0"/>
+              </a:rPr>
+              <a:t>.</a:t>
+            </a:r>
+            <a:endParaRPr lang="en-US" sz="3200" b="1" dirty="0">
+              <a:solidFill>
+                <a:schemeClr val="accent2"/>
+              </a:solidFill>
+              <a:latin typeface="Arial" pitchFamily="34" charset="0"/>
+              <a:cs typeface="Arial" pitchFamily="34" charset="0"/>
+            </a:endParaRPr>
+          </a:p>
+        </p:txBody>
+      </p:sp>
+    </p:spTree>
+    <p:extLst>
+      <p:ext uri="{BB962C8B-B14F-4D97-AF65-F5344CB8AC3E}">
+        <p14:creationId xmlns:p14="http://schemas.microsoft.com/office/powerpoint/2010/main" val="1328378833"/>
+      </p:ext>
+    </p:extLst>
+  </p:cSld>
+  <p:clrMapOvr>
+    <a:masterClrMapping/>
+  </p:clrMapOvr>
 </p:sld>
 </file>
 
@@ -11376,7 +11730,7 @@
   <a:extraClrSchemeLst/>
   <a:extLst>
     <a:ext uri="{05A4C25C-085E-4340-85A3-A5531E510DB2}">
-      <thm15:themeFamily xmlns:thm15="http://schemas.microsoft.com/office/thememl/2012/main" xmlns="" name="Office Theme" id="{62F939B6-93AF-4DB8-9C6B-D6C7DFDC589F}" vid="{4A3C46E8-61CC-4603-A589-7422A47A8E4A}"/>
+      <thm15:themeFamily xmlns="" xmlns:thm15="http://schemas.microsoft.com/office/thememl/2012/main" name="Office Theme" id="{62F939B6-93AF-4DB8-9C6B-D6C7DFDC589F}" vid="{4A3C46E8-61CC-4603-A589-7422A47A8E4A}"/>
     </a:ext>
   </a:extLst>
 </a:theme>

--- a/CPE Electives (1 - 3)/01. Lectures Notebook/00. Presentations & Text Books/01. Electives 1 to 3/32. Natural Langugage Processing (NLP).pptx
+++ b/CPE Electives (1 - 3)/01. Lectures Notebook/00. Presentations & Text Books/01. Electives 1 to 3/32. Natural Langugage Processing (NLP).pptx
@@ -171,7 +171,7 @@
   </p:defaultTextStyle>
   <p:extLst>
     <p:ext uri="{EFAFB233-063F-42B5-8137-9DF3F51BA10A}">
-      <p15:sldGuideLst xmlns="" xmlns:p15="http://schemas.microsoft.com/office/powerpoint/2012/main">
+      <p15:sldGuideLst xmlns:p15="http://schemas.microsoft.com/office/powerpoint/2012/main" xmlns="">
         <p15:guide id="1" orient="horz" pos="2160">
           <p15:clr>
             <a:srgbClr val="A4A3A4"/>
@@ -185,7 +185,7 @@
       </p15:sldGuideLst>
     </p:ext>
     <p:ext uri="{2D200454-40CA-4A62-9FC3-DE9A4176ACB9}">
-      <p15:notesGuideLst xmlns="" xmlns:p15="http://schemas.microsoft.com/office/powerpoint/2012/main">
+      <p15:notesGuideLst xmlns:p15="http://schemas.microsoft.com/office/powerpoint/2012/main" xmlns="">
         <p15:guide id="1" orient="horz" pos="2880">
           <p15:clr>
             <a:srgbClr val="A4A3A4"/>
@@ -1266,7 +1266,7 @@
           <p:cNvPr id="7" name="Footer Placeholder 4">
             <a:extLst>
               <a:ext uri="{FF2B5EF4-FFF2-40B4-BE49-F238E27FC236}">
-                <a16:creationId xmlns="" xmlns:a16="http://schemas.microsoft.com/office/drawing/2014/main" id="{D057E4A9-8BC1-4D03-B0CD-00353C3D487D}"/>
+                <a16:creationId xmlns:a16="http://schemas.microsoft.com/office/drawing/2014/main" xmlns="" id="{D057E4A9-8BC1-4D03-B0CD-00353C3D487D}"/>
               </a:ext>
             </a:extLst>
           </p:cNvPr>
@@ -4550,6 +4550,13 @@
   <p:clrMapOvr>
     <a:masterClrMapping/>
   </p:clrMapOvr>
+  <p:timing>
+    <p:tnLst>
+      <p:par>
+        <p:cTn id="1" dur="indefinite" restart="never" nodeType="tmRoot"/>
+      </p:par>
+    </p:tnLst>
+  </p:timing>
 </p:sld>
 </file>
 
@@ -4620,6 +4627,13 @@
   <p:clrMapOvr>
     <a:masterClrMapping/>
   </p:clrMapOvr>
+  <p:timing>
+    <p:tnLst>
+      <p:par>
+        <p:cTn id="1" dur="indefinite" restart="never" nodeType="tmRoot"/>
+      </p:par>
+    </p:tnLst>
+  </p:timing>
 </p:sld>
 </file>
 
@@ -5187,6 +5201,13 @@
   <p:clrMapOvr>
     <a:masterClrMapping/>
   </p:clrMapOvr>
+  <p:timing>
+    <p:tnLst>
+      <p:par>
+        <p:cTn id="1" dur="indefinite" restart="never" nodeType="tmRoot"/>
+      </p:par>
+    </p:tnLst>
+  </p:timing>
 </p:sld>
 </file>
 
@@ -5235,7 +5256,14 @@
                 <a:latin typeface="Arial" pitchFamily="34" charset="0"/>
                 <a:cs typeface="Arial" pitchFamily="34" charset="0"/>
               </a:rPr>
-              <a:t>Tokenization Visualized</a:t>
+              <a:t>Tokenization </a:t>
+            </a:r>
+            <a:r>
+              <a:rPr lang="en-US" sz="4800" b="1" dirty="0" smtClean="0">
+                <a:latin typeface="Arial" pitchFamily="34" charset="0"/>
+                <a:cs typeface="Arial" pitchFamily="34" charset="0"/>
+              </a:rPr>
+              <a:t>Visualization</a:t>
             </a:r>
             <a:endParaRPr lang="en-US" sz="3200" b="1" dirty="0">
               <a:solidFill>
@@ -5257,6 +5285,13 @@
   <p:clrMapOvr>
     <a:masterClrMapping/>
   </p:clrMapOvr>
+  <p:timing>
+    <p:tnLst>
+      <p:par>
+        <p:cTn id="1" dur="indefinite" restart="never" nodeType="tmRoot"/>
+      </p:par>
+    </p:tnLst>
+  </p:timing>
 </p:sld>
 </file>
 
@@ -5523,6 +5558,13 @@
   <p:clrMapOvr>
     <a:masterClrMapping/>
   </p:clrMapOvr>
+  <p:timing>
+    <p:tnLst>
+      <p:par>
+        <p:cTn id="1" dur="indefinite" restart="never" nodeType="tmRoot"/>
+      </p:par>
+    </p:tnLst>
+  </p:timing>
 </p:sld>
 </file>
 
@@ -11075,6 +11117,13 @@
   <p:clrMapOvr>
     <a:masterClrMapping/>
   </p:clrMapOvr>
+  <p:timing>
+    <p:tnLst>
+      <p:par>
+        <p:cTn id="1" dur="indefinite" restart="never" nodeType="tmRoot"/>
+      </p:par>
+    </p:tnLst>
+  </p:timing>
 </p:sld>
 </file>
 
@@ -11730,7 +11779,7 @@
   <a:extraClrSchemeLst/>
   <a:extLst>
     <a:ext uri="{05A4C25C-085E-4340-85A3-A5531E510DB2}">
-      <thm15:themeFamily xmlns="" xmlns:thm15="http://schemas.microsoft.com/office/thememl/2012/main" name="Office Theme" id="{62F939B6-93AF-4DB8-9C6B-D6C7DFDC589F}" vid="{4A3C46E8-61CC-4603-A589-7422A47A8E4A}"/>
+      <thm15:themeFamily xmlns:thm15="http://schemas.microsoft.com/office/thememl/2012/main" xmlns="" name="Office Theme" id="{62F939B6-93AF-4DB8-9C6B-D6C7DFDC589F}" vid="{4A3C46E8-61CC-4603-A589-7422A47A8E4A}"/>
     </a:ext>
   </a:extLst>
 </a:theme>

--- a/CPE Electives (1 - 3)/01. Lectures Notebook/00. Presentations & Text Books/01. Electives 1 to 3/32. Natural Langugage Processing (NLP).pptx
+++ b/CPE Electives (1 - 3)/01. Lectures Notebook/00. Presentations & Text Books/01. Electives 1 to 3/32. Natural Langugage Processing (NLP).pptx
@@ -5,10 +5,10 @@
     <p:sldMasterId id="2147483684" r:id="rId1"/>
   </p:sldMasterIdLst>
   <p:notesMasterIdLst>
-    <p:notesMasterId r:id="rId62"/>
+    <p:notesMasterId r:id="rId61"/>
   </p:notesMasterIdLst>
   <p:handoutMasterIdLst>
-    <p:handoutMasterId r:id="rId63"/>
+    <p:handoutMasterId r:id="rId62"/>
   </p:handoutMasterIdLst>
   <p:sldIdLst>
     <p:sldId id="258" r:id="rId2"/>
@@ -45,32 +45,31 @@
     <p:sldId id="360" r:id="rId33"/>
     <p:sldId id="362" r:id="rId34"/>
     <p:sldId id="363" r:id="rId35"/>
-    <p:sldId id="387" r:id="rId36"/>
-    <p:sldId id="364" r:id="rId37"/>
-    <p:sldId id="365" r:id="rId38"/>
-    <p:sldId id="366" r:id="rId39"/>
-    <p:sldId id="367" r:id="rId40"/>
-    <p:sldId id="368" r:id="rId41"/>
-    <p:sldId id="388" r:id="rId42"/>
-    <p:sldId id="369" r:id="rId43"/>
-    <p:sldId id="370" r:id="rId44"/>
-    <p:sldId id="371" r:id="rId45"/>
-    <p:sldId id="372" r:id="rId46"/>
-    <p:sldId id="373" r:id="rId47"/>
-    <p:sldId id="374" r:id="rId48"/>
-    <p:sldId id="375" r:id="rId49"/>
-    <p:sldId id="376" r:id="rId50"/>
-    <p:sldId id="377" r:id="rId51"/>
-    <p:sldId id="389" r:id="rId52"/>
-    <p:sldId id="378" r:id="rId53"/>
-    <p:sldId id="379" r:id="rId54"/>
-    <p:sldId id="380" r:id="rId55"/>
-    <p:sldId id="381" r:id="rId56"/>
-    <p:sldId id="390" r:id="rId57"/>
-    <p:sldId id="382" r:id="rId58"/>
-    <p:sldId id="383" r:id="rId59"/>
-    <p:sldId id="391" r:id="rId60"/>
-    <p:sldId id="314" r:id="rId61"/>
+    <p:sldId id="364" r:id="rId36"/>
+    <p:sldId id="365" r:id="rId37"/>
+    <p:sldId id="366" r:id="rId38"/>
+    <p:sldId id="367" r:id="rId39"/>
+    <p:sldId id="368" r:id="rId40"/>
+    <p:sldId id="388" r:id="rId41"/>
+    <p:sldId id="369" r:id="rId42"/>
+    <p:sldId id="370" r:id="rId43"/>
+    <p:sldId id="371" r:id="rId44"/>
+    <p:sldId id="372" r:id="rId45"/>
+    <p:sldId id="373" r:id="rId46"/>
+    <p:sldId id="374" r:id="rId47"/>
+    <p:sldId id="375" r:id="rId48"/>
+    <p:sldId id="376" r:id="rId49"/>
+    <p:sldId id="377" r:id="rId50"/>
+    <p:sldId id="389" r:id="rId51"/>
+    <p:sldId id="378" r:id="rId52"/>
+    <p:sldId id="379" r:id="rId53"/>
+    <p:sldId id="380" r:id="rId54"/>
+    <p:sldId id="381" r:id="rId55"/>
+    <p:sldId id="390" r:id="rId56"/>
+    <p:sldId id="382" r:id="rId57"/>
+    <p:sldId id="383" r:id="rId58"/>
+    <p:sldId id="391" r:id="rId59"/>
+    <p:sldId id="314" r:id="rId60"/>
   </p:sldIdLst>
   <p:sldSz cx="12192000" cy="6858000"/>
   <p:notesSz cx="6858000" cy="9144000"/>
@@ -171,7 +170,7 @@
   </p:defaultTextStyle>
   <p:extLst>
     <p:ext uri="{EFAFB233-063F-42B5-8137-9DF3F51BA10A}">
-      <p15:sldGuideLst xmlns:p15="http://schemas.microsoft.com/office/powerpoint/2012/main" xmlns="">
+      <p15:sldGuideLst xmlns="" xmlns:p15="http://schemas.microsoft.com/office/powerpoint/2012/main">
         <p15:guide id="1" orient="horz" pos="2160">
           <p15:clr>
             <a:srgbClr val="A4A3A4"/>
@@ -185,7 +184,7 @@
       </p15:sldGuideLst>
     </p:ext>
     <p:ext uri="{2D200454-40CA-4A62-9FC3-DE9A4176ACB9}">
-      <p15:notesGuideLst xmlns:p15="http://schemas.microsoft.com/office/powerpoint/2012/main" xmlns="">
+      <p15:notesGuideLst xmlns="" xmlns:p15="http://schemas.microsoft.com/office/powerpoint/2012/main">
         <p15:guide id="1" orient="horz" pos="2880">
           <p15:clr>
             <a:srgbClr val="A4A3A4"/>
@@ -1266,7 +1265,7 @@
           <p:cNvPr id="7" name="Footer Placeholder 4">
             <a:extLst>
               <a:ext uri="{FF2B5EF4-FFF2-40B4-BE49-F238E27FC236}">
-                <a16:creationId xmlns:a16="http://schemas.microsoft.com/office/drawing/2014/main" xmlns="" id="{D057E4A9-8BC1-4D03-B0CD-00353C3D487D}"/>
+                <a16:creationId xmlns="" xmlns:a16="http://schemas.microsoft.com/office/drawing/2014/main" id="{D057E4A9-8BC1-4D03-B0CD-00353C3D487D}"/>
               </a:ext>
             </a:extLst>
           </p:cNvPr>
@@ -5256,14 +5255,7 @@
                 <a:latin typeface="Arial" pitchFamily="34" charset="0"/>
                 <a:cs typeface="Arial" pitchFamily="34" charset="0"/>
               </a:rPr>
-              <a:t>Tokenization </a:t>
-            </a:r>
-            <a:r>
-              <a:rPr lang="en-US" sz="4800" b="1" dirty="0" smtClean="0">
-                <a:latin typeface="Arial" pitchFamily="34" charset="0"/>
-                <a:cs typeface="Arial" pitchFamily="34" charset="0"/>
-              </a:rPr>
-              <a:t>Visualization</a:t>
+              <a:t>Tokenization Visualization</a:t>
             </a:r>
             <a:endParaRPr lang="en-US" sz="3200" b="1" dirty="0">
               <a:solidFill>
@@ -5635,6 +5627,13 @@
   <p:clrMapOvr>
     <a:masterClrMapping/>
   </p:clrMapOvr>
+  <p:timing>
+    <p:tnLst>
+      <p:par>
+        <p:cTn id="1" dur="indefinite" restart="never" nodeType="tmRoot"/>
+      </p:par>
+    </p:tnLst>
+  </p:timing>
 </p:sld>
 </file>
 
@@ -7180,76 +7179,6 @@
       </p:grpSpPr>
       <p:sp>
         <p:nvSpPr>
-          <p:cNvPr id="6" name="TextBox 5"/>
-          <p:cNvSpPr txBox="1"/>
-          <p:nvPr/>
-        </p:nvSpPr>
-        <p:spPr>
-          <a:xfrm>
-            <a:off x="721363" y="2390628"/>
-            <a:ext cx="10749281" cy="1015663"/>
-          </a:xfrm>
-          <a:prstGeom prst="rect">
-            <a:avLst/>
-          </a:prstGeom>
-          <a:noFill/>
-        </p:spPr>
-        <p:txBody>
-          <a:bodyPr wrap="square" rtlCol="0">
-            <a:spAutoFit/>
-          </a:bodyPr>
-          <a:lstStyle/>
-          <a:p>
-            <a:pPr algn="ctr"/>
-            <a:r>
-              <a:rPr lang="en-US" sz="6000" b="1" dirty="0" smtClean="0">
-                <a:latin typeface="Arial" pitchFamily="34" charset="0"/>
-                <a:cs typeface="Arial" pitchFamily="34" charset="0"/>
-              </a:rPr>
-              <a:t>[Code Demo]</a:t>
-            </a:r>
-            <a:endParaRPr lang="en-US" sz="6000" b="1" dirty="0">
-              <a:solidFill>
-                <a:schemeClr val="accent2"/>
-              </a:solidFill>
-              <a:latin typeface="Arial" pitchFamily="34" charset="0"/>
-              <a:cs typeface="Arial" pitchFamily="34" charset="0"/>
-            </a:endParaRPr>
-          </a:p>
-        </p:txBody>
-      </p:sp>
-    </p:spTree>
-    <p:extLst>
-      <p:ext uri="{BB962C8B-B14F-4D97-AF65-F5344CB8AC3E}">
-        <p14:creationId xmlns:p14="http://schemas.microsoft.com/office/powerpoint/2010/main" val="3368909298"/>
-      </p:ext>
-    </p:extLst>
-  </p:cSld>
-  <p:clrMapOvr>
-    <a:masterClrMapping/>
-  </p:clrMapOvr>
-</p:sld>
-</file>
-
-<file path=ppt/slides/slide36.xml><?xml version="1.0" encoding="utf-8"?>
-<p:sld xmlns:a="http://schemas.openxmlformats.org/drawingml/2006/main" xmlns:r="http://schemas.openxmlformats.org/officeDocument/2006/relationships" xmlns:p="http://schemas.openxmlformats.org/presentationml/2006/main">
-  <p:cSld>
-    <p:spTree>
-      <p:nvGrpSpPr>
-        <p:cNvPr id="1" name=""/>
-        <p:cNvGrpSpPr/>
-        <p:nvPr/>
-      </p:nvGrpSpPr>
-      <p:grpSpPr>
-        <a:xfrm>
-          <a:off x="0" y="0"/>
-          <a:ext cx="0" cy="0"/>
-          <a:chOff x="0" y="0"/>
-          <a:chExt cx="0" cy="0"/>
-        </a:xfrm>
-      </p:grpSpPr>
-      <p:sp>
-        <p:nvSpPr>
           <p:cNvPr id="4" name="TextBox 3"/>
           <p:cNvSpPr txBox="1"/>
           <p:nvPr/>
@@ -7366,7 +7295,7 @@
 </p:sld>
 </file>
 
-<file path=ppt/slides/slide37.xml><?xml version="1.0" encoding="utf-8"?>
+<file path=ppt/slides/slide36.xml><?xml version="1.0" encoding="utf-8"?>
 <p:sld xmlns:a="http://schemas.openxmlformats.org/drawingml/2006/main" xmlns:r="http://schemas.openxmlformats.org/officeDocument/2006/relationships" xmlns:p="http://schemas.openxmlformats.org/presentationml/2006/main">
   <p:cSld>
     <p:spTree>
@@ -7501,7 +7430,7 @@
 </p:sld>
 </file>
 
-<file path=ppt/slides/slide38.xml><?xml version="1.0" encoding="utf-8"?>
+<file path=ppt/slides/slide37.xml><?xml version="1.0" encoding="utf-8"?>
 <p:sld xmlns:a="http://schemas.openxmlformats.org/drawingml/2006/main" xmlns:r="http://schemas.openxmlformats.org/officeDocument/2006/relationships" xmlns:p="http://schemas.openxmlformats.org/presentationml/2006/main">
   <p:cSld>
     <p:spTree>
@@ -7636,6 +7565,74 @@
 </p:sld>
 </file>
 
+<file path=ppt/slides/slide38.xml><?xml version="1.0" encoding="utf-8"?>
+<p:sld xmlns:a="http://schemas.openxmlformats.org/drawingml/2006/main" xmlns:r="http://schemas.openxmlformats.org/officeDocument/2006/relationships" xmlns:p="http://schemas.openxmlformats.org/presentationml/2006/main">
+  <p:cSld>
+    <p:spTree>
+      <p:nvGrpSpPr>
+        <p:cNvPr id="1" name=""/>
+        <p:cNvGrpSpPr/>
+        <p:nvPr/>
+      </p:nvGrpSpPr>
+      <p:grpSpPr>
+        <a:xfrm>
+          <a:off x="0" y="0"/>
+          <a:ext cx="0" cy="0"/>
+          <a:chOff x="0" y="0"/>
+          <a:chExt cx="0" cy="0"/>
+        </a:xfrm>
+      </p:grpSpPr>
+      <p:sp>
+        <p:nvSpPr>
+          <p:cNvPr id="4" name="TextBox 3"/>
+          <p:cNvSpPr txBox="1"/>
+          <p:nvPr/>
+        </p:nvSpPr>
+        <p:spPr>
+          <a:xfrm>
+            <a:off x="669520" y="2572287"/>
+            <a:ext cx="10950980" cy="1107996"/>
+          </a:xfrm>
+          <a:prstGeom prst="rect">
+            <a:avLst/>
+          </a:prstGeom>
+          <a:noFill/>
+        </p:spPr>
+        <p:txBody>
+          <a:bodyPr wrap="square" rtlCol="0">
+            <a:spAutoFit/>
+          </a:bodyPr>
+          <a:lstStyle/>
+          <a:p>
+            <a:pPr algn="ctr"/>
+            <a:r>
+              <a:rPr lang="en-US" sz="6600" b="1" dirty="0" smtClean="0"/>
+              <a:t>Snowball Stemmer</a:t>
+            </a:r>
+            <a:endParaRPr lang="en-PH" sz="6600" b="1" dirty="0" smtClean="0"/>
+          </a:p>
+        </p:txBody>
+      </p:sp>
+    </p:spTree>
+    <p:extLst>
+      <p:ext uri="{BB962C8B-B14F-4D97-AF65-F5344CB8AC3E}">
+        <p14:creationId xmlns:p14="http://schemas.microsoft.com/office/powerpoint/2010/main" val="1785123424"/>
+      </p:ext>
+    </p:extLst>
+  </p:cSld>
+  <p:clrMapOvr>
+    <a:masterClrMapping/>
+  </p:clrMapOvr>
+  <p:timing>
+    <p:tnLst>
+      <p:par>
+        <p:cTn id="1" dur="indefinite" restart="never" nodeType="tmRoot"/>
+      </p:par>
+    </p:tnLst>
+  </p:timing>
+</p:sld>
+</file>
+
 <file path=ppt/slides/slide39.xml><?xml version="1.0" encoding="utf-8"?>
 <p:sld xmlns:a="http://schemas.openxmlformats.org/drawingml/2006/main" xmlns:r="http://schemas.openxmlformats.org/officeDocument/2006/relationships" xmlns:p="http://schemas.openxmlformats.org/presentationml/2006/main">
   <p:cSld>
@@ -7661,8 +7658,8 @@
         </p:nvSpPr>
         <p:spPr>
           <a:xfrm>
-            <a:off x="669520" y="2572287"/>
-            <a:ext cx="10950980" cy="1107996"/>
+            <a:off x="669520" y="1143537"/>
+            <a:ext cx="10950980" cy="3170099"/>
           </a:xfrm>
           <a:prstGeom prst="rect">
             <a:avLst/>
@@ -7675,19 +7672,43 @@
           </a:bodyPr>
           <a:lstStyle/>
           <a:p>
-            <a:pPr algn="ctr"/>
-            <a:r>
-              <a:rPr lang="en-US" sz="6600" b="1" dirty="0" smtClean="0"/>
-              <a:t>Snowball Stemmer</a:t>
-            </a:r>
-            <a:endParaRPr lang="en-PH" sz="6600" b="1" dirty="0" smtClean="0"/>
+            <a:pPr marL="571500" indent="-571500">
+              <a:buFontTx/>
+              <a:buChar char="-"/>
+            </a:pPr>
+            <a:r>
+              <a:rPr lang="en-PH" sz="4000" b="1" i="1" dirty="0" smtClean="0"/>
+              <a:t>Snowball Stemmer </a:t>
+            </a:r>
+            <a:r>
+              <a:rPr lang="en-PH" sz="4000" dirty="0" smtClean="0"/>
+              <a:t>used a more accurate “English Stemmer” or “Porter2 Stemmer”</a:t>
+            </a:r>
+          </a:p>
+          <a:p>
+            <a:pPr marL="571500" indent="-571500">
+              <a:buFontTx/>
+              <a:buChar char="-"/>
+            </a:pPr>
+            <a:endParaRPr lang="en-US" sz="4000" dirty="0"/>
+          </a:p>
+          <a:p>
+            <a:pPr marL="571500" indent="-571500">
+              <a:buFontTx/>
+              <a:buChar char="-"/>
+            </a:pPr>
+            <a:r>
+              <a:rPr lang="en-US" sz="4000" dirty="0" smtClean="0"/>
+              <a:t>Offers a slight improvement over the original Porter stemmer, both in logic and speed</a:t>
+            </a:r>
+            <a:endParaRPr lang="en-PH" sz="4000" dirty="0" smtClean="0"/>
           </a:p>
         </p:txBody>
       </p:sp>
     </p:spTree>
     <p:extLst>
       <p:ext uri="{BB962C8B-B14F-4D97-AF65-F5344CB8AC3E}">
-        <p14:creationId xmlns:p14="http://schemas.microsoft.com/office/powerpoint/2010/main" val="1785123424"/>
+        <p14:creationId xmlns:p14="http://schemas.microsoft.com/office/powerpoint/2010/main" val="3924789283"/>
       </p:ext>
     </p:extLst>
   </p:cSld>
@@ -7856,14 +7877,14 @@
       </p:grpSpPr>
       <p:sp>
         <p:nvSpPr>
-          <p:cNvPr id="4" name="TextBox 3"/>
+          <p:cNvPr id="6" name="TextBox 5"/>
           <p:cNvSpPr txBox="1"/>
           <p:nvPr/>
         </p:nvSpPr>
         <p:spPr>
           <a:xfrm>
-            <a:off x="669520" y="1143537"/>
-            <a:ext cx="10950980" cy="3170099"/>
+            <a:off x="721363" y="2390628"/>
+            <a:ext cx="10749281" cy="1015663"/>
           </a:xfrm>
           <a:prstGeom prst="rect">
             <a:avLst/>
@@ -7876,43 +7897,28 @@
           </a:bodyPr>
           <a:lstStyle/>
           <a:p>
-            <a:pPr marL="571500" indent="-571500">
-              <a:buFontTx/>
-              <a:buChar char="-"/>
-            </a:pPr>
-            <a:r>
-              <a:rPr lang="en-PH" sz="4000" b="1" i="1" dirty="0" smtClean="0"/>
-              <a:t>Snowball Stemmer </a:t>
-            </a:r>
-            <a:r>
-              <a:rPr lang="en-PH" sz="4000" dirty="0" smtClean="0"/>
-              <a:t>used a more accurate “English Stemmer” or “Porter2 Stemmer”</a:t>
-            </a:r>
-          </a:p>
-          <a:p>
-            <a:pPr marL="571500" indent="-571500">
-              <a:buFontTx/>
-              <a:buChar char="-"/>
-            </a:pPr>
-            <a:endParaRPr lang="en-US" sz="4000" dirty="0"/>
-          </a:p>
-          <a:p>
-            <a:pPr marL="571500" indent="-571500">
-              <a:buFontTx/>
-              <a:buChar char="-"/>
-            </a:pPr>
-            <a:r>
-              <a:rPr lang="en-US" sz="4000" dirty="0" smtClean="0"/>
-              <a:t>Offers a slight improvement over the original Porter stemmer, both in logic and speed</a:t>
-            </a:r>
-            <a:endParaRPr lang="en-PH" sz="4000" dirty="0" smtClean="0"/>
+            <a:pPr algn="ctr"/>
+            <a:r>
+              <a:rPr lang="en-US" sz="6000" b="1" dirty="0" smtClean="0">
+                <a:latin typeface="Arial" pitchFamily="34" charset="0"/>
+                <a:cs typeface="Arial" pitchFamily="34" charset="0"/>
+              </a:rPr>
+              <a:t>[Code Demo]</a:t>
+            </a:r>
+            <a:endParaRPr lang="en-US" sz="6000" b="1" dirty="0">
+              <a:solidFill>
+                <a:schemeClr val="accent2"/>
+              </a:solidFill>
+              <a:latin typeface="Arial" pitchFamily="34" charset="0"/>
+              <a:cs typeface="Arial" pitchFamily="34" charset="0"/>
+            </a:endParaRPr>
           </a:p>
         </p:txBody>
       </p:sp>
     </p:spTree>
     <p:extLst>
       <p:ext uri="{BB962C8B-B14F-4D97-AF65-F5344CB8AC3E}">
-        <p14:creationId xmlns:p14="http://schemas.microsoft.com/office/powerpoint/2010/main" val="3924789283"/>
+        <p14:creationId xmlns:p14="http://schemas.microsoft.com/office/powerpoint/2010/main" val="3368909298"/>
       </p:ext>
     </p:extLst>
   </p:cSld>
@@ -7954,7 +7960,7 @@
         </p:nvSpPr>
         <p:spPr>
           <a:xfrm>
-            <a:off x="721363" y="2390628"/>
+            <a:off x="626114" y="2409678"/>
             <a:ext cx="10749281" cy="1015663"/>
           </a:xfrm>
           <a:prstGeom prst="rect">
@@ -7974,9 +7980,9 @@
                 <a:latin typeface="Arial" pitchFamily="34" charset="0"/>
                 <a:cs typeface="Arial" pitchFamily="34" charset="0"/>
               </a:rPr>
-              <a:t>[Code Demo]</a:t>
-            </a:r>
-            <a:endParaRPr lang="en-US" sz="6000" b="1" dirty="0">
+              <a:t>Lemmatization</a:t>
+            </a:r>
+            <a:endParaRPr lang="en-US" sz="4000" b="1" dirty="0">
               <a:solidFill>
                 <a:schemeClr val="accent2"/>
               </a:solidFill>
@@ -7989,13 +7995,20 @@
     </p:spTree>
     <p:extLst>
       <p:ext uri="{BB962C8B-B14F-4D97-AF65-F5344CB8AC3E}">
-        <p14:creationId xmlns:p14="http://schemas.microsoft.com/office/powerpoint/2010/main" val="3368909298"/>
+        <p14:creationId xmlns:p14="http://schemas.microsoft.com/office/powerpoint/2010/main" val="4021365010"/>
       </p:ext>
     </p:extLst>
   </p:cSld>
   <p:clrMapOvr>
     <a:masterClrMapping/>
   </p:clrMapOvr>
+  <p:timing>
+    <p:tnLst>
+      <p:par>
+        <p:cTn id="1" dur="indefinite" restart="never" nodeType="tmRoot"/>
+      </p:par>
+    </p:tnLst>
+  </p:timing>
 </p:sld>
 </file>
 
@@ -8018,76 +8031,6 @@
       </p:grpSpPr>
       <p:sp>
         <p:nvSpPr>
-          <p:cNvPr id="6" name="TextBox 5"/>
-          <p:cNvSpPr txBox="1"/>
-          <p:nvPr/>
-        </p:nvSpPr>
-        <p:spPr>
-          <a:xfrm>
-            <a:off x="626114" y="2409678"/>
-            <a:ext cx="10749281" cy="1015663"/>
-          </a:xfrm>
-          <a:prstGeom prst="rect">
-            <a:avLst/>
-          </a:prstGeom>
-          <a:noFill/>
-        </p:spPr>
-        <p:txBody>
-          <a:bodyPr wrap="square" rtlCol="0">
-            <a:spAutoFit/>
-          </a:bodyPr>
-          <a:lstStyle/>
-          <a:p>
-            <a:pPr algn="ctr"/>
-            <a:r>
-              <a:rPr lang="en-US" sz="6000" b="1" dirty="0" smtClean="0">
-                <a:latin typeface="Arial" pitchFamily="34" charset="0"/>
-                <a:cs typeface="Arial" pitchFamily="34" charset="0"/>
-              </a:rPr>
-              <a:t>Lemmatization</a:t>
-            </a:r>
-            <a:endParaRPr lang="en-US" sz="4000" b="1" dirty="0">
-              <a:solidFill>
-                <a:schemeClr val="accent2"/>
-              </a:solidFill>
-              <a:latin typeface="Arial" pitchFamily="34" charset="0"/>
-              <a:cs typeface="Arial" pitchFamily="34" charset="0"/>
-            </a:endParaRPr>
-          </a:p>
-        </p:txBody>
-      </p:sp>
-    </p:spTree>
-    <p:extLst>
-      <p:ext uri="{BB962C8B-B14F-4D97-AF65-F5344CB8AC3E}">
-        <p14:creationId xmlns:p14="http://schemas.microsoft.com/office/powerpoint/2010/main" val="4021365010"/>
-      </p:ext>
-    </p:extLst>
-  </p:cSld>
-  <p:clrMapOvr>
-    <a:masterClrMapping/>
-  </p:clrMapOvr>
-</p:sld>
-</file>
-
-<file path=ppt/slides/slide43.xml><?xml version="1.0" encoding="utf-8"?>
-<p:sld xmlns:a="http://schemas.openxmlformats.org/drawingml/2006/main" xmlns:r="http://schemas.openxmlformats.org/officeDocument/2006/relationships" xmlns:p="http://schemas.openxmlformats.org/presentationml/2006/main">
-  <p:cSld>
-    <p:spTree>
-      <p:nvGrpSpPr>
-        <p:cNvPr id="1" name=""/>
-        <p:cNvGrpSpPr/>
-        <p:nvPr/>
-      </p:nvGrpSpPr>
-      <p:grpSpPr>
-        <a:xfrm>
-          <a:off x="0" y="0"/>
-          <a:ext cx="0" cy="0"/>
-          <a:chOff x="0" y="0"/>
-          <a:chExt cx="0" cy="0"/>
-        </a:xfrm>
-      </p:grpSpPr>
-      <p:sp>
-        <p:nvSpPr>
           <p:cNvPr id="4" name="TextBox 3"/>
           <p:cNvSpPr txBox="1"/>
           <p:nvPr/>
@@ -8165,7 +8108,7 @@
 </p:sld>
 </file>
 
-<file path=ppt/slides/slide44.xml><?xml version="1.0" encoding="utf-8"?>
+<file path=ppt/slides/slide43.xml><?xml version="1.0" encoding="utf-8"?>
 <p:sld xmlns:a="http://schemas.openxmlformats.org/drawingml/2006/main" xmlns:r="http://schemas.openxmlformats.org/officeDocument/2006/relationships" xmlns:p="http://schemas.openxmlformats.org/presentationml/2006/main">
   <p:cSld>
     <p:spTree>
@@ -8471,7 +8414,7 @@
 </p:sld>
 </file>
 
-<file path=ppt/slides/slide45.xml><?xml version="1.0" encoding="utf-8"?>
+<file path=ppt/slides/slide44.xml><?xml version="1.0" encoding="utf-8"?>
 <p:sld xmlns:a="http://schemas.openxmlformats.org/drawingml/2006/main" xmlns:r="http://schemas.openxmlformats.org/officeDocument/2006/relationships" xmlns:p="http://schemas.openxmlformats.org/presentationml/2006/main">
   <p:cSld>
     <p:spTree>
@@ -8793,7 +8736,7 @@
 </p:sld>
 </file>
 
-<file path=ppt/slides/slide46.xml><?xml version="1.0" encoding="utf-8"?>
+<file path=ppt/slides/slide45.xml><?xml version="1.0" encoding="utf-8"?>
 <p:sld xmlns:a="http://schemas.openxmlformats.org/drawingml/2006/main" xmlns:r="http://schemas.openxmlformats.org/officeDocument/2006/relationships" xmlns:p="http://schemas.openxmlformats.org/presentationml/2006/main">
   <p:cSld>
     <p:spTree>
@@ -9059,7 +9002,7 @@
 </p:sld>
 </file>
 
-<file path=ppt/slides/slide47.xml><?xml version="1.0" encoding="utf-8"?>
+<file path=ppt/slides/slide46.xml><?xml version="1.0" encoding="utf-8"?>
 <p:sld xmlns:a="http://schemas.openxmlformats.org/drawingml/2006/main" xmlns:r="http://schemas.openxmlformats.org/officeDocument/2006/relationships" xmlns:p="http://schemas.openxmlformats.org/presentationml/2006/main">
   <p:cSld>
     <p:spTree>
@@ -9325,7 +9268,7 @@
 </p:sld>
 </file>
 
-<file path=ppt/slides/slide48.xml><?xml version="1.0" encoding="utf-8"?>
+<file path=ppt/slides/slide47.xml><?xml version="1.0" encoding="utf-8"?>
 <p:sld xmlns:a="http://schemas.openxmlformats.org/drawingml/2006/main" xmlns:r="http://schemas.openxmlformats.org/officeDocument/2006/relationships" xmlns:p="http://schemas.openxmlformats.org/presentationml/2006/main">
   <p:cSld>
     <p:spTree>
@@ -9611,7 +9554,7 @@
 </p:sld>
 </file>
 
-<file path=ppt/slides/slide49.xml><?xml version="1.0" encoding="utf-8"?>
+<file path=ppt/slides/slide48.xml><?xml version="1.0" encoding="utf-8"?>
 <p:sld xmlns:a="http://schemas.openxmlformats.org/drawingml/2006/main" xmlns:r="http://schemas.openxmlformats.org/officeDocument/2006/relationships" xmlns:p="http://schemas.openxmlformats.org/presentationml/2006/main">
   <p:cSld>
     <p:spTree>
@@ -9733,127 +9676,7 @@
 </p:sld>
 </file>
 
-<file path=ppt/slides/slide5.xml><?xml version="1.0" encoding="utf-8"?>
-<p:sld xmlns:a="http://schemas.openxmlformats.org/drawingml/2006/main" xmlns:r="http://schemas.openxmlformats.org/officeDocument/2006/relationships" xmlns:p="http://schemas.openxmlformats.org/presentationml/2006/main">
-  <p:cSld>
-    <p:spTree>
-      <p:nvGrpSpPr>
-        <p:cNvPr id="1" name=""/>
-        <p:cNvGrpSpPr/>
-        <p:nvPr/>
-      </p:nvGrpSpPr>
-      <p:grpSpPr>
-        <a:xfrm>
-          <a:off x="0" y="0"/>
-          <a:ext cx="0" cy="0"/>
-          <a:chOff x="0" y="0"/>
-          <a:chExt cx="0" cy="0"/>
-        </a:xfrm>
-      </p:grpSpPr>
-      <p:sp>
-        <p:nvSpPr>
-          <p:cNvPr id="4" name="TextBox 3"/>
-          <p:cNvSpPr txBox="1"/>
-          <p:nvPr/>
-        </p:nvSpPr>
-        <p:spPr>
-          <a:xfrm>
-            <a:off x="669520" y="1007202"/>
-            <a:ext cx="10558668" cy="2862322"/>
-          </a:xfrm>
-          <a:prstGeom prst="rect">
-            <a:avLst/>
-          </a:prstGeom>
-          <a:noFill/>
-        </p:spPr>
-        <p:txBody>
-          <a:bodyPr wrap="square" rtlCol="0">
-            <a:spAutoFit/>
-          </a:bodyPr>
-          <a:lstStyle/>
-          <a:p>
-            <a:pPr marL="457200" indent="-457200">
-              <a:buFontTx/>
-              <a:buChar char="-"/>
-            </a:pPr>
-            <a:r>
-              <a:rPr lang="en-US" sz="3600" dirty="0" smtClean="0"/>
-              <a:t>NLP attempts to use a </a:t>
-            </a:r>
-            <a:r>
-              <a:rPr lang="en-US" sz="3600" b="1" dirty="0" smtClean="0">
-                <a:solidFill>
-                  <a:srgbClr val="C00000"/>
-                </a:solidFill>
-              </a:rPr>
-              <a:t>variety of techniques </a:t>
-            </a:r>
-            <a:r>
-              <a:rPr lang="en-US" sz="3600" dirty="0" smtClean="0"/>
-              <a:t>in order to create a structure out of text data</a:t>
-            </a:r>
-            <a:endParaRPr lang="en-US" sz="3600" dirty="0"/>
-          </a:p>
-          <a:p>
-            <a:pPr marL="457200" indent="-457200">
-              <a:buFontTx/>
-              <a:buChar char="-"/>
-            </a:pPr>
-            <a:endParaRPr lang="en-US" sz="3600" dirty="0"/>
-          </a:p>
-          <a:p>
-            <a:pPr marL="457200" indent="-457200">
-              <a:buFontTx/>
-              <a:buChar char="-"/>
-            </a:pPr>
-            <a:r>
-              <a:rPr lang="en-US" sz="3600" dirty="0" smtClean="0"/>
-              <a:t>We will discuss (first) some of the techniques using libraries such as </a:t>
-            </a:r>
-            <a:r>
-              <a:rPr lang="en-US" sz="3600" b="1" dirty="0" smtClean="0">
-                <a:solidFill>
-                  <a:srgbClr val="C00000"/>
-                </a:solidFill>
-              </a:rPr>
-              <a:t>Spacy</a:t>
-            </a:r>
-            <a:r>
-              <a:rPr lang="en-US" sz="3600" dirty="0" smtClean="0"/>
-              <a:t> and </a:t>
-            </a:r>
-            <a:r>
-              <a:rPr lang="en-US" sz="3600" b="1" dirty="0" smtClean="0">
-                <a:solidFill>
-                  <a:srgbClr val="C00000"/>
-                </a:solidFill>
-              </a:rPr>
-              <a:t>NLTK</a:t>
-            </a:r>
-          </a:p>
-        </p:txBody>
-      </p:sp>
-    </p:spTree>
-    <p:extLst>
-      <p:ext uri="{BB962C8B-B14F-4D97-AF65-F5344CB8AC3E}">
-        <p14:creationId xmlns:p14="http://schemas.microsoft.com/office/powerpoint/2010/main" val="604807095"/>
-      </p:ext>
-    </p:extLst>
-  </p:cSld>
-  <p:clrMapOvr>
-    <a:masterClrMapping/>
-  </p:clrMapOvr>
-  <p:timing>
-    <p:tnLst>
-      <p:par>
-        <p:cTn id="1" dur="indefinite" restart="never" nodeType="tmRoot"/>
-      </p:par>
-    </p:tnLst>
-  </p:timing>
-</p:sld>
-</file>
-
-<file path=ppt/slides/slide50.xml><?xml version="1.0" encoding="utf-8"?>
+<file path=ppt/slides/slide49.xml><?xml version="1.0" encoding="utf-8"?>
 <p:sld xmlns:a="http://schemas.openxmlformats.org/drawingml/2006/main" xmlns:r="http://schemas.openxmlformats.org/officeDocument/2006/relationships" xmlns:p="http://schemas.openxmlformats.org/presentationml/2006/main">
   <p:cSld>
     <p:spTree>
@@ -9954,6 +9777,203 @@
 </p:sld>
 </file>
 
+<file path=ppt/slides/slide5.xml><?xml version="1.0" encoding="utf-8"?>
+<p:sld xmlns:a="http://schemas.openxmlformats.org/drawingml/2006/main" xmlns:r="http://schemas.openxmlformats.org/officeDocument/2006/relationships" xmlns:p="http://schemas.openxmlformats.org/presentationml/2006/main">
+  <p:cSld>
+    <p:spTree>
+      <p:nvGrpSpPr>
+        <p:cNvPr id="1" name=""/>
+        <p:cNvGrpSpPr/>
+        <p:nvPr/>
+      </p:nvGrpSpPr>
+      <p:grpSpPr>
+        <a:xfrm>
+          <a:off x="0" y="0"/>
+          <a:ext cx="0" cy="0"/>
+          <a:chOff x="0" y="0"/>
+          <a:chExt cx="0" cy="0"/>
+        </a:xfrm>
+      </p:grpSpPr>
+      <p:sp>
+        <p:nvSpPr>
+          <p:cNvPr id="4" name="TextBox 3"/>
+          <p:cNvSpPr txBox="1"/>
+          <p:nvPr/>
+        </p:nvSpPr>
+        <p:spPr>
+          <a:xfrm>
+            <a:off x="669520" y="1007202"/>
+            <a:ext cx="10558668" cy="2862322"/>
+          </a:xfrm>
+          <a:prstGeom prst="rect">
+            <a:avLst/>
+          </a:prstGeom>
+          <a:noFill/>
+        </p:spPr>
+        <p:txBody>
+          <a:bodyPr wrap="square" rtlCol="0">
+            <a:spAutoFit/>
+          </a:bodyPr>
+          <a:lstStyle/>
+          <a:p>
+            <a:pPr marL="457200" indent="-457200">
+              <a:buFontTx/>
+              <a:buChar char="-"/>
+            </a:pPr>
+            <a:r>
+              <a:rPr lang="en-US" sz="3600" dirty="0" smtClean="0"/>
+              <a:t>NLP attempts to use a </a:t>
+            </a:r>
+            <a:r>
+              <a:rPr lang="en-US" sz="3600" b="1" dirty="0" smtClean="0">
+                <a:solidFill>
+                  <a:srgbClr val="C00000"/>
+                </a:solidFill>
+              </a:rPr>
+              <a:t>variety of techniques </a:t>
+            </a:r>
+            <a:r>
+              <a:rPr lang="en-US" sz="3600" dirty="0" smtClean="0"/>
+              <a:t>in order to create a structure out of text data</a:t>
+            </a:r>
+            <a:endParaRPr lang="en-US" sz="3600" dirty="0"/>
+          </a:p>
+          <a:p>
+            <a:pPr marL="457200" indent="-457200">
+              <a:buFontTx/>
+              <a:buChar char="-"/>
+            </a:pPr>
+            <a:endParaRPr lang="en-US" sz="3600" dirty="0"/>
+          </a:p>
+          <a:p>
+            <a:pPr marL="457200" indent="-457200">
+              <a:buFontTx/>
+              <a:buChar char="-"/>
+            </a:pPr>
+            <a:r>
+              <a:rPr lang="en-US" sz="3600" dirty="0" smtClean="0"/>
+              <a:t>We will discuss (first) some of the techniques using libraries such as </a:t>
+            </a:r>
+            <a:r>
+              <a:rPr lang="en-US" sz="3600" b="1" dirty="0" smtClean="0">
+                <a:solidFill>
+                  <a:srgbClr val="C00000"/>
+                </a:solidFill>
+              </a:rPr>
+              <a:t>Spacy</a:t>
+            </a:r>
+            <a:r>
+              <a:rPr lang="en-US" sz="3600" dirty="0" smtClean="0"/>
+              <a:t> and </a:t>
+            </a:r>
+            <a:r>
+              <a:rPr lang="en-US" sz="3600" b="1" dirty="0" smtClean="0">
+                <a:solidFill>
+                  <a:srgbClr val="C00000"/>
+                </a:solidFill>
+              </a:rPr>
+              <a:t>NLTK</a:t>
+            </a:r>
+          </a:p>
+        </p:txBody>
+      </p:sp>
+    </p:spTree>
+    <p:extLst>
+      <p:ext uri="{BB962C8B-B14F-4D97-AF65-F5344CB8AC3E}">
+        <p14:creationId xmlns:p14="http://schemas.microsoft.com/office/powerpoint/2010/main" val="604807095"/>
+      </p:ext>
+    </p:extLst>
+  </p:cSld>
+  <p:clrMapOvr>
+    <a:masterClrMapping/>
+  </p:clrMapOvr>
+  <p:timing>
+    <p:tnLst>
+      <p:par>
+        <p:cTn id="1" dur="indefinite" restart="never" nodeType="tmRoot"/>
+      </p:par>
+    </p:tnLst>
+  </p:timing>
+</p:sld>
+</file>
+
+<file path=ppt/slides/slide50.xml><?xml version="1.0" encoding="utf-8"?>
+<p:sld xmlns:a="http://schemas.openxmlformats.org/drawingml/2006/main" xmlns:r="http://schemas.openxmlformats.org/officeDocument/2006/relationships" xmlns:p="http://schemas.openxmlformats.org/presentationml/2006/main">
+  <p:cSld>
+    <p:spTree>
+      <p:nvGrpSpPr>
+        <p:cNvPr id="1" name=""/>
+        <p:cNvGrpSpPr/>
+        <p:nvPr/>
+      </p:nvGrpSpPr>
+      <p:grpSpPr>
+        <a:xfrm>
+          <a:off x="0" y="0"/>
+          <a:ext cx="0" cy="0"/>
+          <a:chOff x="0" y="0"/>
+          <a:chExt cx="0" cy="0"/>
+        </a:xfrm>
+      </p:grpSpPr>
+      <p:sp>
+        <p:nvSpPr>
+          <p:cNvPr id="6" name="TextBox 5"/>
+          <p:cNvSpPr txBox="1"/>
+          <p:nvPr/>
+        </p:nvSpPr>
+        <p:spPr>
+          <a:xfrm>
+            <a:off x="721363" y="2390628"/>
+            <a:ext cx="10749281" cy="1015663"/>
+          </a:xfrm>
+          <a:prstGeom prst="rect">
+            <a:avLst/>
+          </a:prstGeom>
+          <a:noFill/>
+        </p:spPr>
+        <p:txBody>
+          <a:bodyPr wrap="square" rtlCol="0">
+            <a:spAutoFit/>
+          </a:bodyPr>
+          <a:lstStyle/>
+          <a:p>
+            <a:pPr algn="ctr"/>
+            <a:r>
+              <a:rPr lang="en-US" sz="6000" b="1" dirty="0" smtClean="0">
+                <a:latin typeface="Arial" pitchFamily="34" charset="0"/>
+                <a:cs typeface="Arial" pitchFamily="34" charset="0"/>
+              </a:rPr>
+              <a:t>[Code Demo]</a:t>
+            </a:r>
+            <a:endParaRPr lang="en-US" sz="6000" b="1" dirty="0">
+              <a:solidFill>
+                <a:schemeClr val="accent2"/>
+              </a:solidFill>
+              <a:latin typeface="Arial" pitchFamily="34" charset="0"/>
+              <a:cs typeface="Arial" pitchFamily="34" charset="0"/>
+            </a:endParaRPr>
+          </a:p>
+        </p:txBody>
+      </p:sp>
+    </p:spTree>
+    <p:extLst>
+      <p:ext uri="{BB962C8B-B14F-4D97-AF65-F5344CB8AC3E}">
+        <p14:creationId xmlns:p14="http://schemas.microsoft.com/office/powerpoint/2010/main" val="3368909298"/>
+      </p:ext>
+    </p:extLst>
+  </p:cSld>
+  <p:clrMapOvr>
+    <a:masterClrMapping/>
+  </p:clrMapOvr>
+  <p:timing>
+    <p:tnLst>
+      <p:par>
+        <p:cTn id="1" dur="indefinite" restart="never" nodeType="tmRoot"/>
+      </p:par>
+    </p:tnLst>
+  </p:timing>
+</p:sld>
+</file>
+
 <file path=ppt/slides/slide51.xml><?xml version="1.0" encoding="utf-8"?>
 <p:sld xmlns:a="http://schemas.openxmlformats.org/drawingml/2006/main" xmlns:r="http://schemas.openxmlformats.org/officeDocument/2006/relationships" xmlns:p="http://schemas.openxmlformats.org/presentationml/2006/main">
   <p:cSld>
@@ -9979,7 +9999,7 @@
         </p:nvSpPr>
         <p:spPr>
           <a:xfrm>
-            <a:off x="721363" y="2390628"/>
+            <a:off x="626114" y="2409678"/>
             <a:ext cx="10749281" cy="1015663"/>
           </a:xfrm>
           <a:prstGeom prst="rect">
@@ -9999,9 +10019,9 @@
                 <a:latin typeface="Arial" pitchFamily="34" charset="0"/>
                 <a:cs typeface="Arial" pitchFamily="34" charset="0"/>
               </a:rPr>
-              <a:t>[Code Demo]</a:t>
-            </a:r>
-            <a:endParaRPr lang="en-US" sz="6000" b="1" dirty="0">
+              <a:t>Stop Words</a:t>
+            </a:r>
+            <a:endParaRPr lang="en-US" sz="4000" b="1" dirty="0">
               <a:solidFill>
                 <a:schemeClr val="accent2"/>
               </a:solidFill>
@@ -10014,13 +10034,20 @@
     </p:spTree>
     <p:extLst>
       <p:ext uri="{BB962C8B-B14F-4D97-AF65-F5344CB8AC3E}">
-        <p14:creationId xmlns:p14="http://schemas.microsoft.com/office/powerpoint/2010/main" val="3368909298"/>
+        <p14:creationId xmlns:p14="http://schemas.microsoft.com/office/powerpoint/2010/main" val="3368568431"/>
       </p:ext>
     </p:extLst>
   </p:cSld>
   <p:clrMapOvr>
     <a:masterClrMapping/>
   </p:clrMapOvr>
+  <p:timing>
+    <p:tnLst>
+      <p:par>
+        <p:cTn id="1" dur="indefinite" restart="never" nodeType="tmRoot"/>
+      </p:par>
+    </p:tnLst>
+  </p:timing>
 </p:sld>
 </file>
 
@@ -10043,14 +10070,14 @@
       </p:grpSpPr>
       <p:sp>
         <p:nvSpPr>
-          <p:cNvPr id="6" name="TextBox 5"/>
+          <p:cNvPr id="4" name="TextBox 3"/>
           <p:cNvSpPr txBox="1"/>
           <p:nvPr/>
         </p:nvSpPr>
         <p:spPr>
           <a:xfrm>
-            <a:off x="626114" y="2409678"/>
-            <a:ext cx="10749281" cy="1015663"/>
+            <a:off x="669520" y="1143537"/>
+            <a:ext cx="10950980" cy="4708981"/>
           </a:xfrm>
           <a:prstGeom prst="rect">
             <a:avLst/>
@@ -10063,34 +10090,112 @@
           </a:bodyPr>
           <a:lstStyle/>
           <a:p>
-            <a:pPr algn="ctr"/>
-            <a:r>
-              <a:rPr lang="en-US" sz="6000" b="1" dirty="0" smtClean="0">
-                <a:latin typeface="Arial" pitchFamily="34" charset="0"/>
-                <a:cs typeface="Arial" pitchFamily="34" charset="0"/>
+            <a:pPr marL="571500" indent="-571500">
+              <a:buFontTx/>
+              <a:buChar char="-"/>
+            </a:pPr>
+            <a:r>
+              <a:rPr lang="en-US" sz="3600" dirty="0" smtClean="0"/>
+              <a:t>Stop words are common words in a language (e.g. </a:t>
+            </a:r>
+            <a:r>
+              <a:rPr lang="en-US" sz="3600" i="1" dirty="0" smtClean="0">
+                <a:solidFill>
+                  <a:srgbClr val="C00000"/>
+                </a:solidFill>
               </a:rPr>
-              <a:t>Stop Words</a:t>
-            </a:r>
-            <a:endParaRPr lang="en-US" sz="4000" b="1" dirty="0">
-              <a:solidFill>
-                <a:schemeClr val="accent2"/>
-              </a:solidFill>
-              <a:latin typeface="Arial" pitchFamily="34" charset="0"/>
-              <a:cs typeface="Arial" pitchFamily="34" charset="0"/>
-            </a:endParaRPr>
+              <a:t>the</a:t>
+            </a:r>
+            <a:r>
+              <a:rPr lang="en-US" sz="3600" dirty="0" smtClean="0"/>
+              <a:t>, </a:t>
+            </a:r>
+            <a:r>
+              <a:rPr lang="en-US" sz="3600" i="1" dirty="0" smtClean="0">
+                <a:solidFill>
+                  <a:srgbClr val="C00000"/>
+                </a:solidFill>
+              </a:rPr>
+              <a:t>is</a:t>
+            </a:r>
+            <a:r>
+              <a:rPr lang="en-US" sz="3600" dirty="0" smtClean="0"/>
+              <a:t>, </a:t>
+            </a:r>
+            <a:r>
+              <a:rPr lang="en-US" sz="3600" i="1" dirty="0" smtClean="0">
+                <a:solidFill>
+                  <a:srgbClr val="C00000"/>
+                </a:solidFill>
+              </a:rPr>
+              <a:t>in</a:t>
+            </a:r>
+            <a:r>
+              <a:rPr lang="en-US" sz="3600" dirty="0" smtClean="0"/>
+              <a:t>, </a:t>
+            </a:r>
+            <a:r>
+              <a:rPr lang="en-US" sz="3600" i="1" dirty="0" smtClean="0">
+                <a:solidFill>
+                  <a:srgbClr val="C00000"/>
+                </a:solidFill>
+              </a:rPr>
+              <a:t>and</a:t>
+            </a:r>
+            <a:r>
+              <a:rPr lang="en-US" sz="3600" dirty="0" smtClean="0"/>
+              <a:t>) that are frequently filtered out in text processing because they are often not significant for tasks like information retrieval, text classification, or sentiment analysis.</a:t>
+            </a:r>
+          </a:p>
+          <a:p>
+            <a:pPr marL="571500" indent="-571500">
+              <a:buFontTx/>
+              <a:buChar char="-"/>
+            </a:pPr>
+            <a:endParaRPr lang="en-US" sz="4000" dirty="0" smtClean="0"/>
+          </a:p>
+          <a:p>
+            <a:pPr marL="571500" indent="-571500">
+              <a:buFontTx/>
+              <a:buChar char="-"/>
+            </a:pPr>
+            <a:r>
+              <a:rPr lang="en-US" sz="3600" dirty="0" smtClean="0"/>
+              <a:t>They are frequent but </a:t>
+            </a:r>
+            <a:r>
+              <a:rPr lang="en-US" sz="3600" dirty="0" smtClean="0">
+                <a:solidFill>
+                  <a:srgbClr val="C00000"/>
+                </a:solidFill>
+              </a:rPr>
+              <a:t>do not contribute </a:t>
+            </a:r>
+            <a:r>
+              <a:rPr lang="en-US" sz="3600" dirty="0" smtClean="0"/>
+              <a:t>much meaning to the overall text</a:t>
+            </a:r>
+            <a:endParaRPr lang="en-US" sz="3600" dirty="0"/>
           </a:p>
         </p:txBody>
       </p:sp>
     </p:spTree>
     <p:extLst>
       <p:ext uri="{BB962C8B-B14F-4D97-AF65-F5344CB8AC3E}">
-        <p14:creationId xmlns:p14="http://schemas.microsoft.com/office/powerpoint/2010/main" val="3368568431"/>
+        <p14:creationId xmlns:p14="http://schemas.microsoft.com/office/powerpoint/2010/main" val="1772863057"/>
       </p:ext>
     </p:extLst>
   </p:cSld>
   <p:clrMapOvr>
     <a:masterClrMapping/>
   </p:clrMapOvr>
+  <p:timing>
+    <p:tnLst>
+      <p:par>
+        <p:cTn id="1" dur="indefinite" restart="never" nodeType="tmRoot"/>
+      </p:par>
+    </p:tnLst>
+  </p:timing>
 </p:sld>
 </file>
 
@@ -10120,7 +10225,7 @@
         <p:spPr>
           <a:xfrm>
             <a:off x="669520" y="1143537"/>
-            <a:ext cx="10950980" cy="4708981"/>
+            <a:ext cx="10950980" cy="646331"/>
           </a:xfrm>
           <a:prstGeom prst="rect">
             <a:avLst/>
@@ -10139,93 +10244,50 @@
             </a:pPr>
             <a:r>
               <a:rPr lang="en-US" sz="3600" dirty="0" smtClean="0"/>
-              <a:t>Stop words are common words in a language (e.g. </a:t>
-            </a:r>
-            <a:r>
-              <a:rPr lang="en-US" sz="3600" i="1" dirty="0" smtClean="0">
-                <a:solidFill>
-                  <a:srgbClr val="C00000"/>
-                </a:solidFill>
-              </a:rPr>
-              <a:t>the</a:t>
-            </a:r>
+              <a:t>Spacy holds a built-in list of English stop words</a:t>
+            </a:r>
+          </a:p>
+        </p:txBody>
+      </p:sp>
+      <p:sp>
+        <p:nvSpPr>
+          <p:cNvPr id="3" name="TextBox 2"/>
+          <p:cNvSpPr txBox="1"/>
+          <p:nvPr/>
+        </p:nvSpPr>
+        <p:spPr>
+          <a:xfrm>
+            <a:off x="669520" y="2182983"/>
+            <a:ext cx="10950980" cy="1200329"/>
+          </a:xfrm>
+          <a:prstGeom prst="rect">
+            <a:avLst/>
+          </a:prstGeom>
+          <a:noFill/>
+        </p:spPr>
+        <p:txBody>
+          <a:bodyPr wrap="square" rtlCol="0">
+            <a:spAutoFit/>
+          </a:bodyPr>
+          <a:lstStyle/>
+          <a:p>
+            <a:r>
+              <a:rPr lang="en-US" sz="3600" b="1" dirty="0" smtClean="0"/>
+              <a:t>Common English Stop Words</a:t>
+            </a:r>
+          </a:p>
+          <a:p>
             <a:r>
               <a:rPr lang="en-US" sz="3600" dirty="0" smtClean="0"/>
-              <a:t>, </a:t>
-            </a:r>
-            <a:r>
-              <a:rPr lang="en-US" sz="3600" i="1" dirty="0" smtClean="0">
-                <a:solidFill>
-                  <a:srgbClr val="C00000"/>
-                </a:solidFill>
-              </a:rPr>
-              <a:t>is</a:t>
-            </a:r>
-            <a:r>
-              <a:rPr lang="en-US" sz="3600" dirty="0" smtClean="0"/>
-              <a:t>, </a:t>
-            </a:r>
-            <a:r>
-              <a:rPr lang="en-US" sz="3600" i="1" dirty="0" smtClean="0">
-                <a:solidFill>
-                  <a:srgbClr val="C00000"/>
-                </a:solidFill>
-              </a:rPr>
-              <a:t>in</a:t>
-            </a:r>
-            <a:r>
-              <a:rPr lang="en-US" sz="3600" dirty="0" smtClean="0"/>
-              <a:t>, </a:t>
-            </a:r>
-            <a:r>
-              <a:rPr lang="en-US" sz="3600" i="1" dirty="0" smtClean="0">
-                <a:solidFill>
-                  <a:srgbClr val="C00000"/>
-                </a:solidFill>
-              </a:rPr>
-              <a:t>and</a:t>
-            </a:r>
-            <a:r>
-              <a:rPr lang="en-US" sz="3600" dirty="0" smtClean="0"/>
-              <a:t>) that are frequently filtered out in text processing because they are often not significant for tasks like information retrieval, text classification, or sentiment analysis.</a:t>
-            </a:r>
-          </a:p>
-          <a:p>
-            <a:pPr marL="571500" indent="-571500">
-              <a:buFontTx/>
-              <a:buChar char="-"/>
-            </a:pPr>
-            <a:endParaRPr lang="en-US" sz="4000" dirty="0" smtClean="0"/>
-          </a:p>
-          <a:p>
-            <a:pPr marL="571500" indent="-571500">
-              <a:buFontTx/>
-              <a:buChar char="-"/>
-            </a:pPr>
-            <a:r>
-              <a:rPr lang="en-US" sz="3600" dirty="0" smtClean="0"/>
-              <a:t>They are frequent but </a:t>
-            </a:r>
-            <a:r>
-              <a:rPr lang="en-US" sz="3600" dirty="0" smtClean="0">
-                <a:solidFill>
-                  <a:srgbClr val="C00000"/>
-                </a:solidFill>
-              </a:rPr>
-              <a:t>do not contribute </a:t>
-            </a:r>
-            <a:r>
-              <a:rPr lang="en-US" sz="3600" dirty="0" smtClean="0"/>
-              <a:t>much meaning to the overall text</a:t>
-            </a:r>
-            <a:endParaRPr lang="en-US" sz="3600" dirty="0"/>
+              <a:t>- is, are, the, a, an, of, in, on, and, it, to.</a:t>
+            </a:r>
           </a:p>
         </p:txBody>
       </p:sp>
     </p:spTree>
     <p:extLst>
       <p:ext uri="{BB962C8B-B14F-4D97-AF65-F5344CB8AC3E}">
-        <p14:creationId xmlns:p14="http://schemas.microsoft.com/office/powerpoint/2010/main" val="1772863057"/>
+        <p14:creationId xmlns:p14="http://schemas.microsoft.com/office/powerpoint/2010/main" val="3911011373"/>
       </p:ext>
     </p:extLst>
   </p:cSld>
@@ -10268,7 +10330,7 @@
         <p:spPr>
           <a:xfrm>
             <a:off x="669520" y="1143537"/>
-            <a:ext cx="10950980" cy="646331"/>
+            <a:ext cx="10950980" cy="2862322"/>
           </a:xfrm>
           <a:prstGeom prst="rect">
             <a:avLst/>
@@ -10281,48 +10343,38 @@
           </a:bodyPr>
           <a:lstStyle/>
           <a:p>
-            <a:pPr marL="571500" indent="-571500">
-              <a:buFontTx/>
-              <a:buChar char="-"/>
-            </a:pPr>
+            <a:r>
+              <a:rPr lang="en-US" sz="3600" b="1" dirty="0" smtClean="0"/>
+              <a:t>Example: </a:t>
+            </a:r>
+          </a:p>
+          <a:p>
             <a:r>
               <a:rPr lang="en-US" sz="3600" dirty="0" smtClean="0"/>
-              <a:t>Spacy holds a built-in list of English stop words</a:t>
-            </a:r>
-          </a:p>
-        </p:txBody>
-      </p:sp>
-      <p:sp>
-        <p:nvSpPr>
-          <p:cNvPr id="3" name="TextBox 2"/>
-          <p:cNvSpPr txBox="1"/>
-          <p:nvPr/>
-        </p:nvSpPr>
-        <p:spPr>
-          <a:xfrm>
-            <a:off x="669520" y="2182983"/>
-            <a:ext cx="10950980" cy="1200329"/>
-          </a:xfrm>
-          <a:prstGeom prst="rect">
-            <a:avLst/>
-          </a:prstGeom>
-          <a:noFill/>
-        </p:spPr>
-        <p:txBody>
-          <a:bodyPr wrap="square" rtlCol="0">
-            <a:spAutoFit/>
-          </a:bodyPr>
-          <a:lstStyle/>
+              <a:t>“The quick brown fox jumps over the lazy dog.”</a:t>
+            </a:r>
+          </a:p>
+          <a:p>
+            <a:endParaRPr lang="en-US" sz="3600" dirty="0"/>
+          </a:p>
           <a:p>
             <a:r>
               <a:rPr lang="en-US" sz="3600" b="1" dirty="0" smtClean="0"/>
-              <a:t>Common English Stop Words</a:t>
+              <a:t>With Stop Words:</a:t>
             </a:r>
           </a:p>
           <a:p>
             <a:r>
               <a:rPr lang="en-US" sz="3600" dirty="0" smtClean="0"/>
-              <a:t>- is, are, the, a, an, of, in, on, and, it, to.</a:t>
+              <a:t>“quick </a:t>
+            </a:r>
+            <a:r>
+              <a:rPr lang="en-US" sz="3600" dirty="0"/>
+              <a:t>brown fox jumps over the lazy </a:t>
+            </a:r>
+            <a:r>
+              <a:rPr lang="en-US" sz="3600" dirty="0" smtClean="0"/>
+              <a:t>dog.”</a:t>
             </a:r>
           </a:p>
         </p:txBody>
@@ -10330,7 +10382,7 @@
     </p:spTree>
     <p:extLst>
       <p:ext uri="{BB962C8B-B14F-4D97-AF65-F5344CB8AC3E}">
-        <p14:creationId xmlns:p14="http://schemas.microsoft.com/office/powerpoint/2010/main" val="3911011373"/>
+        <p14:creationId xmlns:p14="http://schemas.microsoft.com/office/powerpoint/2010/main" val="3384933231"/>
       </p:ext>
     </p:extLst>
   </p:cSld>
@@ -10366,14 +10418,14 @@
       </p:grpSpPr>
       <p:sp>
         <p:nvSpPr>
-          <p:cNvPr id="4" name="TextBox 3"/>
+          <p:cNvPr id="6" name="TextBox 5"/>
           <p:cNvSpPr txBox="1"/>
           <p:nvPr/>
         </p:nvSpPr>
         <p:spPr>
           <a:xfrm>
-            <a:off x="669520" y="1143537"/>
-            <a:ext cx="10950980" cy="2862322"/>
+            <a:off x="721363" y="2390628"/>
+            <a:ext cx="10749281" cy="1015663"/>
           </a:xfrm>
           <a:prstGeom prst="rect">
             <a:avLst/>
@@ -10386,59 +10438,34 @@
           </a:bodyPr>
           <a:lstStyle/>
           <a:p>
-            <a:r>
-              <a:rPr lang="en-US" sz="3600" b="1" dirty="0" smtClean="0"/>
-              <a:t>Example: </a:t>
-            </a:r>
-          </a:p>
-          <a:p>
-            <a:r>
-              <a:rPr lang="en-US" sz="3600" dirty="0" smtClean="0"/>
-              <a:t>“The quick brown fox jumps over the lazy dog.”</a:t>
-            </a:r>
-          </a:p>
-          <a:p>
-            <a:endParaRPr lang="en-US" sz="3600" dirty="0"/>
-          </a:p>
-          <a:p>
-            <a:r>
-              <a:rPr lang="en-US" sz="3600" b="1" dirty="0" smtClean="0"/>
-              <a:t>With Stop Words:</a:t>
-            </a:r>
-          </a:p>
-          <a:p>
-            <a:r>
-              <a:rPr lang="en-US" sz="3600" dirty="0" smtClean="0"/>
-              <a:t>“quick </a:t>
-            </a:r>
-            <a:r>
-              <a:rPr lang="en-US" sz="3600" dirty="0"/>
-              <a:t>brown fox jumps over the lazy </a:t>
-            </a:r>
-            <a:r>
-              <a:rPr lang="en-US" sz="3600" dirty="0" smtClean="0"/>
-              <a:t>dog.”</a:t>
-            </a:r>
+            <a:pPr algn="ctr"/>
+            <a:r>
+              <a:rPr lang="en-US" sz="6000" b="1" dirty="0" smtClean="0">
+                <a:latin typeface="Arial" pitchFamily="34" charset="0"/>
+                <a:cs typeface="Arial" pitchFamily="34" charset="0"/>
+              </a:rPr>
+              <a:t>[Code Demo]</a:t>
+            </a:r>
+            <a:endParaRPr lang="en-US" sz="6000" b="1" dirty="0">
+              <a:solidFill>
+                <a:schemeClr val="accent2"/>
+              </a:solidFill>
+              <a:latin typeface="Arial" pitchFamily="34" charset="0"/>
+              <a:cs typeface="Arial" pitchFamily="34" charset="0"/>
+            </a:endParaRPr>
           </a:p>
         </p:txBody>
       </p:sp>
     </p:spTree>
     <p:extLst>
       <p:ext uri="{BB962C8B-B14F-4D97-AF65-F5344CB8AC3E}">
-        <p14:creationId xmlns:p14="http://schemas.microsoft.com/office/powerpoint/2010/main" val="3384933231"/>
+        <p14:creationId xmlns:p14="http://schemas.microsoft.com/office/powerpoint/2010/main" val="3368909298"/>
       </p:ext>
     </p:extLst>
   </p:cSld>
   <p:clrMapOvr>
     <a:masterClrMapping/>
   </p:clrMapOvr>
-  <p:timing>
-    <p:tnLst>
-      <p:par>
-        <p:cTn id="1" dur="indefinite" restart="never" nodeType="tmRoot"/>
-      </p:par>
-    </p:tnLst>
-  </p:timing>
 </p:sld>
 </file>
 
@@ -10467,7 +10494,7 @@
         </p:nvSpPr>
         <p:spPr>
           <a:xfrm>
-            <a:off x="721363" y="2390628"/>
+            <a:off x="626114" y="2409678"/>
             <a:ext cx="10749281" cy="1015663"/>
           </a:xfrm>
           <a:prstGeom prst="rect">
@@ -10487,9 +10514,9 @@
                 <a:latin typeface="Arial" pitchFamily="34" charset="0"/>
                 <a:cs typeface="Arial" pitchFamily="34" charset="0"/>
               </a:rPr>
-              <a:t>[Code Demo]</a:t>
-            </a:r>
-            <a:endParaRPr lang="en-US" sz="6000" b="1" dirty="0">
+              <a:t>Vocabulary and Matching</a:t>
+            </a:r>
+            <a:endParaRPr lang="en-US" sz="4000" b="1" dirty="0">
               <a:solidFill>
                 <a:schemeClr val="accent2"/>
               </a:solidFill>
@@ -10502,7 +10529,7 @@
     </p:spTree>
     <p:extLst>
       <p:ext uri="{BB962C8B-B14F-4D97-AF65-F5344CB8AC3E}">
-        <p14:creationId xmlns:p14="http://schemas.microsoft.com/office/powerpoint/2010/main" val="3368909298"/>
+        <p14:creationId xmlns:p14="http://schemas.microsoft.com/office/powerpoint/2010/main" val="1005849645"/>
       </p:ext>
     </p:extLst>
   </p:cSld>
@@ -10531,14 +10558,14 @@
       </p:grpSpPr>
       <p:sp>
         <p:nvSpPr>
-          <p:cNvPr id="6" name="TextBox 5"/>
+          <p:cNvPr id="4" name="TextBox 3"/>
           <p:cNvSpPr txBox="1"/>
           <p:nvPr/>
         </p:nvSpPr>
         <p:spPr>
           <a:xfrm>
-            <a:off x="626114" y="2409678"/>
-            <a:ext cx="10749281" cy="1015663"/>
+            <a:off x="669520" y="1143537"/>
+            <a:ext cx="10950980" cy="2862322"/>
           </a:xfrm>
           <a:prstGeom prst="rect">
             <a:avLst/>
@@ -10551,34 +10578,51 @@
           </a:bodyPr>
           <a:lstStyle/>
           <a:p>
-            <a:pPr algn="ctr"/>
-            <a:r>
-              <a:rPr lang="en-US" sz="6000" b="1" dirty="0" smtClean="0">
-                <a:latin typeface="Arial" pitchFamily="34" charset="0"/>
-                <a:cs typeface="Arial" pitchFamily="34" charset="0"/>
-              </a:rPr>
-              <a:t>Vocabulary and Matching</a:t>
-            </a:r>
-            <a:endParaRPr lang="en-US" sz="4000" b="1" dirty="0">
-              <a:solidFill>
-                <a:schemeClr val="accent2"/>
-              </a:solidFill>
-              <a:latin typeface="Arial" pitchFamily="34" charset="0"/>
-              <a:cs typeface="Arial" pitchFamily="34" charset="0"/>
-            </a:endParaRPr>
+            <a:pPr marL="571500" indent="-571500">
+              <a:buFontTx/>
+              <a:buChar char="-"/>
+            </a:pPr>
+            <a:r>
+              <a:rPr lang="en-US" sz="3600" dirty="0" smtClean="0"/>
+              <a:t>We will identify and label specific phrases that match patterns that we can define ourselves</a:t>
+            </a:r>
+          </a:p>
+          <a:p>
+            <a:pPr marL="571500" indent="-571500">
+              <a:buFontTx/>
+              <a:buChar char="-"/>
+            </a:pPr>
+            <a:endParaRPr lang="en-US" sz="3600" dirty="0"/>
+          </a:p>
+          <a:p>
+            <a:pPr marL="571500" indent="-571500">
+              <a:buFontTx/>
+              <a:buChar char="-"/>
+            </a:pPr>
+            <a:r>
+              <a:rPr lang="en-US" sz="3600" dirty="0" smtClean="0"/>
+              <a:t>We will take parts of speech into account for our pattern search</a:t>
+            </a:r>
           </a:p>
         </p:txBody>
       </p:sp>
     </p:spTree>
     <p:extLst>
       <p:ext uri="{BB962C8B-B14F-4D97-AF65-F5344CB8AC3E}">
-        <p14:creationId xmlns:p14="http://schemas.microsoft.com/office/powerpoint/2010/main" val="1005849645"/>
+        <p14:creationId xmlns:p14="http://schemas.microsoft.com/office/powerpoint/2010/main" val="940726828"/>
       </p:ext>
     </p:extLst>
   </p:cSld>
   <p:clrMapOvr>
     <a:masterClrMapping/>
   </p:clrMapOvr>
+  <p:timing>
+    <p:tnLst>
+      <p:par>
+        <p:cTn id="1" dur="indefinite" restart="never" nodeType="tmRoot"/>
+      </p:par>
+    </p:tnLst>
+  </p:timing>
 </p:sld>
 </file>
 
@@ -10601,14 +10645,14 @@
       </p:grpSpPr>
       <p:sp>
         <p:nvSpPr>
-          <p:cNvPr id="4" name="TextBox 3"/>
+          <p:cNvPr id="6" name="TextBox 5"/>
           <p:cNvSpPr txBox="1"/>
           <p:nvPr/>
         </p:nvSpPr>
         <p:spPr>
           <a:xfrm>
-            <a:off x="669520" y="1143537"/>
-            <a:ext cx="10950980" cy="2862322"/>
+            <a:off x="721363" y="2390628"/>
+            <a:ext cx="10749281" cy="1015663"/>
           </a:xfrm>
           <a:prstGeom prst="rect">
             <a:avLst/>
@@ -10621,51 +10665,34 @@
           </a:bodyPr>
           <a:lstStyle/>
           <a:p>
-            <a:pPr marL="571500" indent="-571500">
-              <a:buFontTx/>
-              <a:buChar char="-"/>
-            </a:pPr>
-            <a:r>
-              <a:rPr lang="en-US" sz="3600" dirty="0" smtClean="0"/>
-              <a:t>We will identify and label specific phrases that match patterns that we can define ourselves</a:t>
-            </a:r>
-          </a:p>
-          <a:p>
-            <a:pPr marL="571500" indent="-571500">
-              <a:buFontTx/>
-              <a:buChar char="-"/>
-            </a:pPr>
-            <a:endParaRPr lang="en-US" sz="3600" dirty="0"/>
-          </a:p>
-          <a:p>
-            <a:pPr marL="571500" indent="-571500">
-              <a:buFontTx/>
-              <a:buChar char="-"/>
-            </a:pPr>
-            <a:r>
-              <a:rPr lang="en-US" sz="3600" dirty="0" smtClean="0"/>
-              <a:t>We will take parts of speech into account for our pattern search</a:t>
-            </a:r>
+            <a:pPr algn="ctr"/>
+            <a:r>
+              <a:rPr lang="en-US" sz="6000" b="1" dirty="0" smtClean="0">
+                <a:latin typeface="Arial" pitchFamily="34" charset="0"/>
+                <a:cs typeface="Arial" pitchFamily="34" charset="0"/>
+              </a:rPr>
+              <a:t>[Code Demo]</a:t>
+            </a:r>
+            <a:endParaRPr lang="en-US" sz="6000" b="1" dirty="0">
+              <a:solidFill>
+                <a:schemeClr val="accent2"/>
+              </a:solidFill>
+              <a:latin typeface="Arial" pitchFamily="34" charset="0"/>
+              <a:cs typeface="Arial" pitchFamily="34" charset="0"/>
+            </a:endParaRPr>
           </a:p>
         </p:txBody>
       </p:sp>
     </p:spTree>
     <p:extLst>
       <p:ext uri="{BB962C8B-B14F-4D97-AF65-F5344CB8AC3E}">
-        <p14:creationId xmlns:p14="http://schemas.microsoft.com/office/powerpoint/2010/main" val="940726828"/>
+        <p14:creationId xmlns:p14="http://schemas.microsoft.com/office/powerpoint/2010/main" val="3368909298"/>
       </p:ext>
     </p:extLst>
   </p:cSld>
   <p:clrMapOvr>
     <a:masterClrMapping/>
   </p:clrMapOvr>
-  <p:timing>
-    <p:tnLst>
-      <p:par>
-        <p:cTn id="1" dur="indefinite" restart="never" nodeType="tmRoot"/>
-      </p:par>
-    </p:tnLst>
-  </p:timing>
 </p:sld>
 </file>
 
@@ -10694,8 +10721,8 @@
         </p:nvSpPr>
         <p:spPr>
           <a:xfrm>
-            <a:off x="721363" y="2390628"/>
-            <a:ext cx="10749281" cy="1015663"/>
+            <a:off x="721364" y="2562078"/>
+            <a:ext cx="10749281" cy="830997"/>
           </a:xfrm>
           <a:prstGeom prst="rect">
             <a:avLst/>
@@ -10710,13 +10737,20 @@
           <a:p>
             <a:pPr algn="ctr"/>
             <a:r>
-              <a:rPr lang="en-US" sz="6000" b="1" dirty="0" smtClean="0">
+              <a:rPr lang="en-US" sz="4800" b="1" dirty="0">
                 <a:latin typeface="Arial" pitchFamily="34" charset="0"/>
                 <a:cs typeface="Arial" pitchFamily="34" charset="0"/>
               </a:rPr>
-              <a:t>[Code Demo]</a:t>
-            </a:r>
-            <a:endParaRPr lang="en-US" sz="6000" b="1" dirty="0">
+              <a:t>Thank you very much for listening</a:t>
+            </a:r>
+            <a:r>
+              <a:rPr lang="en-US" sz="3200" b="1" dirty="0">
+                <a:latin typeface="Arial" pitchFamily="34" charset="0"/>
+                <a:cs typeface="Arial" pitchFamily="34" charset="0"/>
+              </a:rPr>
+              <a:t>.</a:t>
+            </a:r>
+            <a:endParaRPr lang="en-US" sz="3200" b="1" dirty="0">
               <a:solidFill>
                 <a:schemeClr val="accent2"/>
               </a:solidFill>
@@ -10729,7 +10763,7 @@
     </p:spTree>
     <p:extLst>
       <p:ext uri="{BB962C8B-B14F-4D97-AF65-F5344CB8AC3E}">
-        <p14:creationId xmlns:p14="http://schemas.microsoft.com/office/powerpoint/2010/main" val="3368909298"/>
+        <p14:creationId xmlns:p14="http://schemas.microsoft.com/office/powerpoint/2010/main" val="1328378833"/>
       </p:ext>
     </p:extLst>
   </p:cSld>
@@ -10866,83 +10900,6 @@
       </p:par>
     </p:tnLst>
   </p:timing>
-</p:sld>
-</file>
-
-<file path=ppt/slides/slide60.xml><?xml version="1.0" encoding="utf-8"?>
-<p:sld xmlns:a="http://schemas.openxmlformats.org/drawingml/2006/main" xmlns:r="http://schemas.openxmlformats.org/officeDocument/2006/relationships" xmlns:p="http://schemas.openxmlformats.org/presentationml/2006/main">
-  <p:cSld>
-    <p:spTree>
-      <p:nvGrpSpPr>
-        <p:cNvPr id="1" name=""/>
-        <p:cNvGrpSpPr/>
-        <p:nvPr/>
-      </p:nvGrpSpPr>
-      <p:grpSpPr>
-        <a:xfrm>
-          <a:off x="0" y="0"/>
-          <a:ext cx="0" cy="0"/>
-          <a:chOff x="0" y="0"/>
-          <a:chExt cx="0" cy="0"/>
-        </a:xfrm>
-      </p:grpSpPr>
-      <p:sp>
-        <p:nvSpPr>
-          <p:cNvPr id="6" name="TextBox 5"/>
-          <p:cNvSpPr txBox="1"/>
-          <p:nvPr/>
-        </p:nvSpPr>
-        <p:spPr>
-          <a:xfrm>
-            <a:off x="721364" y="2562078"/>
-            <a:ext cx="10749281" cy="830997"/>
-          </a:xfrm>
-          <a:prstGeom prst="rect">
-            <a:avLst/>
-          </a:prstGeom>
-          <a:noFill/>
-        </p:spPr>
-        <p:txBody>
-          <a:bodyPr wrap="square" rtlCol="0">
-            <a:spAutoFit/>
-          </a:bodyPr>
-          <a:lstStyle/>
-          <a:p>
-            <a:pPr algn="ctr"/>
-            <a:r>
-              <a:rPr lang="en-US" sz="4800" b="1" dirty="0">
-                <a:latin typeface="Arial" pitchFamily="34" charset="0"/>
-                <a:cs typeface="Arial" pitchFamily="34" charset="0"/>
-              </a:rPr>
-              <a:t>Thank you very much for listening</a:t>
-            </a:r>
-            <a:r>
-              <a:rPr lang="en-US" sz="3200" b="1" dirty="0">
-                <a:latin typeface="Arial" pitchFamily="34" charset="0"/>
-                <a:cs typeface="Arial" pitchFamily="34" charset="0"/>
-              </a:rPr>
-              <a:t>.</a:t>
-            </a:r>
-            <a:endParaRPr lang="en-US" sz="3200" b="1" dirty="0">
-              <a:solidFill>
-                <a:schemeClr val="accent2"/>
-              </a:solidFill>
-              <a:latin typeface="Arial" pitchFamily="34" charset="0"/>
-              <a:cs typeface="Arial" pitchFamily="34" charset="0"/>
-            </a:endParaRPr>
-          </a:p>
-        </p:txBody>
-      </p:sp>
-    </p:spTree>
-    <p:extLst>
-      <p:ext uri="{BB962C8B-B14F-4D97-AF65-F5344CB8AC3E}">
-        <p14:creationId xmlns:p14="http://schemas.microsoft.com/office/powerpoint/2010/main" val="1328378833"/>
-      </p:ext>
-    </p:extLst>
-  </p:cSld>
-  <p:clrMapOvr>
-    <a:masterClrMapping/>
-  </p:clrMapOvr>
 </p:sld>
 </file>
 
@@ -11779,7 +11736,7 @@
   <a:extraClrSchemeLst/>
   <a:extLst>
     <a:ext uri="{05A4C25C-085E-4340-85A3-A5531E510DB2}">
-      <thm15:themeFamily xmlns:thm15="http://schemas.microsoft.com/office/thememl/2012/main" xmlns="" name="Office Theme" id="{62F939B6-93AF-4DB8-9C6B-D6C7DFDC589F}" vid="{4A3C46E8-61CC-4603-A589-7422A47A8E4A}"/>
+      <thm15:themeFamily xmlns="" xmlns:thm15="http://schemas.microsoft.com/office/thememl/2012/main" name="Office Theme" id="{62F939B6-93AF-4DB8-9C6B-D6C7DFDC589F}" vid="{4A3C46E8-61CC-4603-A589-7422A47A8E4A}"/>
     </a:ext>
   </a:extLst>
 </a:theme>

--- a/CPE Electives (1 - 3)/01. Lectures Notebook/00. Presentations & Text Books/01. Electives 1 to 3/32. Natural Langugage Processing (NLP).pptx
+++ b/CPE Electives (1 - 3)/01. Lectures Notebook/00. Presentations & Text Books/01. Electives 1 to 3/32. Natural Langugage Processing (NLP).pptx
@@ -170,7 +170,7 @@
   </p:defaultTextStyle>
   <p:extLst>
     <p:ext uri="{EFAFB233-063F-42B5-8137-9DF3F51BA10A}">
-      <p15:sldGuideLst xmlns="" xmlns:p15="http://schemas.microsoft.com/office/powerpoint/2012/main">
+      <p15:sldGuideLst xmlns:p15="http://schemas.microsoft.com/office/powerpoint/2012/main">
         <p15:guide id="1" orient="horz" pos="2160">
           <p15:clr>
             <a:srgbClr val="A4A3A4"/>
@@ -184,7 +184,7 @@
       </p15:sldGuideLst>
     </p:ext>
     <p:ext uri="{2D200454-40CA-4A62-9FC3-DE9A4176ACB9}">
-      <p15:notesGuideLst xmlns="" xmlns:p15="http://schemas.microsoft.com/office/powerpoint/2012/main">
+      <p15:notesGuideLst xmlns:p15="http://schemas.microsoft.com/office/powerpoint/2012/main">
         <p15:guide id="1" orient="horz" pos="2880">
           <p15:clr>
             <a:srgbClr val="A4A3A4"/>
@@ -283,7 +283,7 @@
           <a:p>
             <a:fld id="{3B6B94FD-5702-4F25-9A4D-07294FF3292C}" type="datetimeFigureOut">
               <a:rPr lang="en-PH" smtClean="0"/>
-              <a:t>17/11/2024</a:t>
+              <a:t>11 Dec 2024</a:t>
             </a:fld>
             <a:endParaRPr lang="en-PH"/>
           </a:p>
@@ -448,7 +448,7 @@
           <a:p>
             <a:fld id="{8365AC51-C568-4371-A28D-D14CF2BCF8BA}" type="datetimeFigureOut">
               <a:rPr lang="en-US" smtClean="0"/>
-              <a:t>11/17/2024</a:t>
+              <a:t>12/11/2024</a:t>
             </a:fld>
             <a:endParaRPr lang="en-US"/>
           </a:p>
@@ -1265,7 +1265,7 @@
           <p:cNvPr id="7" name="Footer Placeholder 4">
             <a:extLst>
               <a:ext uri="{FF2B5EF4-FFF2-40B4-BE49-F238E27FC236}">
-                <a16:creationId xmlns="" xmlns:a16="http://schemas.microsoft.com/office/drawing/2014/main" id="{D057E4A9-8BC1-4D03-B0CD-00353C3D487D}"/>
+                <a16:creationId xmlns:a16="http://schemas.microsoft.com/office/drawing/2014/main" id="{D057E4A9-8BC1-4D03-B0CD-00353C3D487D}"/>
               </a:ext>
             </a:extLst>
           </p:cNvPr>
@@ -3832,11 +3832,11 @@
           <a:p>
             <a:pPr algn="ctr"/>
             <a:r>
-              <a:rPr lang="en-US" sz="1400" b="1" dirty="0" smtClean="0"/>
+              <a:rPr lang="en-US" sz="1400" b="1" dirty="0"/>
               <a:t>NATURAL LANGUAGE</a:t>
             </a:r>
             <a:r>
-              <a:rPr lang="en-US" sz="1400" b="1" baseline="0" dirty="0" smtClean="0"/>
+              <a:rPr lang="en-US" sz="1400" b="1" baseline="0" dirty="0"/>
               <a:t> PROCESSING (NLP)</a:t>
             </a:r>
             <a:endParaRPr lang="en-PH" sz="1400" b="1" dirty="0"/>
@@ -4221,10 +4221,9 @@
           <a:p>
             <a:pPr algn="ctr"/>
             <a:r>
-              <a:rPr lang="en-US" sz="5400" b="1" dirty="0" smtClean="0"/>
+              <a:rPr lang="en-US" sz="5400" b="1" dirty="0"/>
               <a:t>Natural Language Processing (NLP)</a:t>
             </a:r>
-            <a:endParaRPr lang="en-US" sz="5400" b="1" dirty="0"/>
           </a:p>
         </p:txBody>
       </p:sp>
@@ -4306,13 +4305,6 @@
   <p:clrMapOvr>
     <a:masterClrMapping/>
   </p:clrMapOvr>
-  <p:timing>
-    <p:tnLst>
-      <p:par>
-        <p:cTn id="1" dur="indefinite" restart="never" nodeType="tmRoot"/>
-      </p:par>
-    </p:tnLst>
-  </p:timing>
 </p:sld>
 </file>
 
@@ -4360,22 +4352,22 @@
               <a:buChar char="-"/>
             </a:pPr>
             <a:r>
-              <a:rPr lang="en-US" sz="4000" dirty="0" smtClean="0"/>
+              <a:rPr lang="en-US" sz="4000" dirty="0"/>
               <a:t>The </a:t>
             </a:r>
             <a:r>
-              <a:rPr lang="en-US" sz="4000" b="1" dirty="0" err="1" smtClean="0"/>
+              <a:rPr lang="en-US" sz="4000" b="1" dirty="0" err="1"/>
               <a:t>nlp</a:t>
             </a:r>
             <a:r>
-              <a:rPr lang="en-US" sz="4000" b="1" dirty="0" smtClean="0"/>
+              <a:rPr lang="en-US" sz="4000" b="1" dirty="0"/>
               <a:t>() </a:t>
             </a:r>
             <a:r>
-              <a:rPr lang="en-US" sz="4000" dirty="0" smtClean="0"/>
+              <a:rPr lang="en-US" sz="4000" dirty="0"/>
               <a:t>function from Spacy automatically takes raw text and performs a series of operations to tag, parse, and describe the text data.</a:t>
             </a:r>
-            <a:endParaRPr lang="en-US" sz="4000" b="1" dirty="0" smtClean="0"/>
+            <a:endParaRPr lang="en-US" sz="4000" b="1" dirty="0"/>
           </a:p>
         </p:txBody>
       </p:sp>
@@ -4389,13 +4381,6 @@
   <p:clrMapOvr>
     <a:masterClrMapping/>
   </p:clrMapOvr>
-  <p:timing>
-    <p:tnLst>
-      <p:par>
-        <p:cTn id="1" dur="indefinite" restart="never" nodeType="tmRoot"/>
-      </p:par>
-    </p:tnLst>
-  </p:timing>
 </p:sld>
 </file>
 
@@ -4443,12 +4428,12 @@
               <a:buChar char="-"/>
             </a:pPr>
             <a:r>
-              <a:rPr lang="en-US" sz="4000" dirty="0" smtClean="0"/>
+              <a:rPr lang="en-US" sz="4000" dirty="0"/>
               <a:t>We will create a pipeline objects and its series of operations</a:t>
             </a:r>
           </a:p>
           <a:p>
-            <a:endParaRPr lang="en-US" sz="4000" dirty="0" smtClean="0"/>
+            <a:endParaRPr lang="en-US" sz="4000" dirty="0"/>
           </a:p>
           <a:p>
             <a:pPr marL="457200" indent="-457200">
@@ -4456,7 +4441,7 @@
               <a:buChar char="-"/>
             </a:pPr>
             <a:r>
-              <a:rPr lang="en-US" sz="4000" dirty="0" smtClean="0"/>
+              <a:rPr lang="en-US" sz="4000" dirty="0"/>
               <a:t>Examples: Tokenization, POS, Stemming, Lemmatization, etc.</a:t>
             </a:r>
           </a:p>
@@ -4472,13 +4457,6 @@
   <p:clrMapOvr>
     <a:masterClrMapping/>
   </p:clrMapOvr>
-  <p:timing>
-    <p:tnLst>
-      <p:par>
-        <p:cTn id="1" dur="indefinite" restart="never" nodeType="tmRoot"/>
-      </p:par>
-    </p:tnLst>
-  </p:timing>
 </p:sld>
 </file>
 
@@ -4523,7 +4501,7 @@
           <a:p>
             <a:pPr algn="ctr"/>
             <a:r>
-              <a:rPr lang="en-US" sz="6000" b="1" dirty="0" smtClean="0">
+              <a:rPr lang="en-US" sz="6000" b="1" dirty="0">
                 <a:latin typeface="Arial" pitchFamily="34" charset="0"/>
                 <a:cs typeface="Arial" pitchFamily="34" charset="0"/>
               </a:rPr>
@@ -4549,13 +4527,6 @@
   <p:clrMapOvr>
     <a:masterClrMapping/>
   </p:clrMapOvr>
-  <p:timing>
-    <p:tnLst>
-      <p:par>
-        <p:cTn id="1" dur="indefinite" restart="never" nodeType="tmRoot"/>
-      </p:par>
-    </p:tnLst>
-  </p:timing>
 </p:sld>
 </file>
 
@@ -4600,7 +4571,7 @@
           <a:p>
             <a:pPr algn="ctr"/>
             <a:r>
-              <a:rPr lang="en-US" sz="6000" b="1" dirty="0" smtClean="0">
+              <a:rPr lang="en-US" sz="6000" b="1" dirty="0">
                 <a:latin typeface="Arial" pitchFamily="34" charset="0"/>
                 <a:cs typeface="Arial" pitchFamily="34" charset="0"/>
               </a:rPr>
@@ -4626,13 +4597,6 @@
   <p:clrMapOvr>
     <a:masterClrMapping/>
   </p:clrMapOvr>
-  <p:timing>
-    <p:tnLst>
-      <p:par>
-        <p:cTn id="1" dur="indefinite" restart="never" nodeType="tmRoot"/>
-      </p:par>
-    </p:tnLst>
-  </p:timing>
 </p:sld>
 </file>
 
@@ -4680,7 +4644,7 @@
               <a:buChar char="-"/>
             </a:pPr>
             <a:r>
-              <a:rPr lang="en-US" sz="3600" dirty="0" smtClean="0"/>
+              <a:rPr lang="en-US" sz="3600" dirty="0"/>
               <a:t>Tokenization is the process of breaking up the original text into component pieces (tokens)</a:t>
             </a:r>
           </a:p>
@@ -4760,13 +4724,6 @@
   <p:clrMapOvr>
     <a:masterClrMapping/>
   </p:clrMapOvr>
-  <p:timing>
-    <p:tnLst>
-      <p:par>
-        <p:cTn id="1" dur="indefinite" restart="never" nodeType="tmRoot"/>
-      </p:par>
-    </p:tnLst>
-  </p:timing>
 </p:sld>
 </file>
 
@@ -4814,11 +4771,11 @@
               <a:buChar char="-"/>
             </a:pPr>
             <a:r>
-              <a:rPr lang="en-US" sz="3600" dirty="0" smtClean="0"/>
+              <a:rPr lang="en-US" sz="3600" dirty="0"/>
               <a:t>Notice that tokens are pieces of the </a:t>
             </a:r>
             <a:r>
-              <a:rPr lang="en-US" sz="3600" b="1" dirty="0" smtClean="0"/>
+              <a:rPr lang="en-US" sz="3600" b="1" dirty="0"/>
               <a:t>original text</a:t>
             </a:r>
           </a:p>
@@ -4835,7 +4792,7 @@
               <a:buChar char="-"/>
             </a:pPr>
             <a:r>
-              <a:rPr lang="en-US" sz="3600" dirty="0" smtClean="0"/>
+              <a:rPr lang="en-US" sz="3600" dirty="0"/>
               <a:t>We don’t see any conversion to word stems or lemmas (base forms of words) and we haven’t seen anything about organizations/places/money etc.</a:t>
             </a:r>
           </a:p>
@@ -4851,13 +4808,6 @@
   <p:clrMapOvr>
     <a:masterClrMapping/>
   </p:clrMapOvr>
-  <p:timing>
-    <p:tnLst>
-      <p:par>
-        <p:cTn id="1" dur="indefinite" restart="never" nodeType="tmRoot"/>
-      </p:par>
-    </p:tnLst>
-  </p:timing>
 </p:sld>
 </file>
 
@@ -4905,30 +4855,24 @@
               <a:buChar char="-"/>
             </a:pPr>
             <a:r>
-              <a:rPr lang="en-US" sz="3600" b="1" dirty="0" smtClean="0"/>
+              <a:rPr lang="en-US" sz="3600" b="1" dirty="0"/>
               <a:t>Prefix</a:t>
             </a:r>
             <a:r>
-              <a:rPr lang="en-US" sz="3600" dirty="0" smtClean="0"/>
+              <a:rPr lang="en-US" sz="3600" dirty="0"/>
               <a:t>: 	character(s) at the beginning </a:t>
-            </a:r>
-            <a:r>
-              <a:rPr lang="en-US" sz="3600" dirty="0" smtClean="0">
-                <a:sym typeface="Wingdings" pitchFamily="2" charset="2"/>
-              </a:rPr>
-              <a:t></a:t>
             </a:r>
             <a:r>
               <a:rPr lang="en-US" sz="3600" dirty="0">
                 <a:sym typeface="Wingdings" pitchFamily="2" charset="2"/>
               </a:rPr>
-              <a:t> </a:t>
-            </a:r>
-            <a:r>
-              <a:rPr lang="en-US" sz="3600" i="1" dirty="0" smtClean="0"/>
+              <a:t> </a:t>
+            </a:r>
+            <a:r>
+              <a:rPr lang="en-US" sz="3600" i="1" dirty="0"/>
               <a:t>$ ( “</a:t>
             </a:r>
-            <a:endParaRPr lang="en-US" sz="3600" b="1" i="1" dirty="0" smtClean="0"/>
+            <a:endParaRPr lang="en-US" sz="3600" b="1" i="1" dirty="0"/>
           </a:p>
           <a:p>
             <a:pPr marL="457200" indent="-457200">
@@ -4936,21 +4880,21 @@
               <a:buChar char="-"/>
             </a:pPr>
             <a:r>
-              <a:rPr lang="en-US" sz="3600" b="1" dirty="0" smtClean="0"/>
+              <a:rPr lang="en-US" sz="3600" b="1" dirty="0"/>
               <a:t>Suffix: 	</a:t>
             </a:r>
             <a:r>
-              <a:rPr lang="en-US" sz="3600" dirty="0" smtClean="0"/>
+              <a:rPr lang="en-US" sz="3600" dirty="0"/>
               <a:t>characters(s) at the end	        </a:t>
             </a:r>
             <a:r>
-              <a:rPr lang="en-US" sz="3600" dirty="0" smtClean="0">
+              <a:rPr lang="en-US" sz="3600" dirty="0">
                 <a:sym typeface="Wingdings" pitchFamily="2" charset="2"/>
               </a:rPr>
               <a:t> </a:t>
             </a:r>
             <a:r>
-              <a:rPr lang="en-US" sz="3600" i="1" dirty="0" smtClean="0"/>
+              <a:rPr lang="en-US" sz="3600" i="1" dirty="0"/>
               <a:t>km ) , . ! “</a:t>
             </a:r>
           </a:p>
@@ -4960,21 +4904,21 @@
               <a:buChar char="-"/>
             </a:pPr>
             <a:r>
-              <a:rPr lang="en-US" sz="3600" b="1" dirty="0" smtClean="0"/>
+              <a:rPr lang="en-US" sz="3600" b="1" dirty="0"/>
               <a:t>Infix: 	</a:t>
             </a:r>
             <a:r>
-              <a:rPr lang="en-US" sz="3600" dirty="0" smtClean="0"/>
+              <a:rPr lang="en-US" sz="3600" dirty="0"/>
               <a:t>character(s) in between	        </a:t>
             </a:r>
             <a:r>
-              <a:rPr lang="en-US" sz="3600" dirty="0" smtClean="0">
+              <a:rPr lang="en-US" sz="3600" dirty="0">
                 <a:sym typeface="Wingdings" pitchFamily="2" charset="2"/>
               </a:rPr>
               <a:t> </a:t>
             </a:r>
             <a:r>
-              <a:rPr lang="en-US" sz="3600" i="1" dirty="0" smtClean="0"/>
+              <a:rPr lang="en-US" sz="3600" i="1" dirty="0"/>
               <a:t>- -- / …</a:t>
             </a:r>
           </a:p>
@@ -4984,55 +4928,43 @@
               <a:buChar char="-"/>
             </a:pPr>
             <a:r>
-              <a:rPr lang="en-US" sz="3600" b="1" dirty="0" smtClean="0"/>
+              <a:rPr lang="en-US" sz="3600" b="1" dirty="0"/>
               <a:t>Exception</a:t>
             </a:r>
             <a:r>
-              <a:rPr lang="en-US" sz="3600" dirty="0" smtClean="0"/>
+              <a:rPr lang="en-US" sz="3600" dirty="0"/>
               <a:t>:	</a:t>
             </a:r>
           </a:p>
           <a:p>
             <a:r>
-              <a:rPr lang="en-US" sz="3600" dirty="0" smtClean="0"/>
+              <a:rPr lang="en-US" sz="3600" dirty="0"/>
               <a:t>    special-case rule to split a string into several tokens   </a:t>
             </a:r>
           </a:p>
           <a:p>
             <a:r>
               <a:rPr lang="en-US" sz="3600" dirty="0"/>
-              <a:t> </a:t>
-            </a:r>
-            <a:r>
-              <a:rPr lang="en-US" sz="3600" dirty="0" smtClean="0"/>
-              <a:t>   or prevent a token from being split when punctuation </a:t>
+              <a:t>    or prevent a token from being split when punctuation </a:t>
             </a:r>
           </a:p>
           <a:p>
             <a:r>
               <a:rPr lang="en-US" sz="3600" dirty="0"/>
-              <a:t> </a:t>
-            </a:r>
-            <a:r>
-              <a:rPr lang="en-US" sz="3600" dirty="0" smtClean="0"/>
-              <a:t>   rules are applied	</a:t>
-            </a:r>
-            <a:r>
-              <a:rPr lang="en-US" sz="3600" dirty="0"/>
-              <a:t> </a:t>
-            </a:r>
-            <a:r>
-              <a:rPr lang="en-US" sz="3600" dirty="0" smtClean="0">
+              <a:t>    rules are applied	 </a:t>
+            </a:r>
+            <a:r>
+              <a:rPr lang="en-US" sz="3600" dirty="0">
                 <a:sym typeface="Wingdings" pitchFamily="2" charset="2"/>
               </a:rPr>
               <a:t> </a:t>
             </a:r>
             <a:r>
-              <a:rPr lang="en-US" sz="3600" i="1" dirty="0" smtClean="0"/>
+              <a:rPr lang="en-US" sz="3600" i="1" dirty="0"/>
               <a:t>let’s U.S</a:t>
             </a:r>
             <a:r>
-              <a:rPr lang="en-US" sz="3600" dirty="0" smtClean="0"/>
+              <a:rPr lang="en-US" sz="3600" dirty="0"/>
               <a:t>.</a:t>
             </a:r>
           </a:p>
@@ -5048,13 +4980,6 @@
   <p:clrMapOvr>
     <a:masterClrMapping/>
   </p:clrMapOvr>
-  <p:timing>
-    <p:tnLst>
-      <p:par>
-        <p:cTn id="1" dur="indefinite" restart="never" nodeType="tmRoot"/>
-      </p:par>
-    </p:tnLst>
-  </p:timing>
 </p:sld>
 </file>
 
@@ -5102,14 +5027,14 @@
               <a:buChar char="-"/>
             </a:pPr>
             <a:r>
-              <a:rPr lang="en-US" sz="3600" b="1" dirty="0" smtClean="0"/>
+              <a:rPr lang="en-US" sz="3600" b="1" dirty="0"/>
               <a:t>Tokens</a:t>
             </a:r>
             <a:r>
-              <a:rPr lang="en-US" sz="3600" dirty="0" smtClean="0"/>
+              <a:rPr lang="en-US" sz="3600" dirty="0"/>
               <a:t> have a variety of useful attributes and methods</a:t>
             </a:r>
-            <a:endParaRPr lang="en-US" sz="3600" b="1" dirty="0" smtClean="0"/>
+            <a:endParaRPr lang="en-US" sz="3600" b="1" dirty="0"/>
           </a:p>
         </p:txBody>
       </p:sp>
@@ -5123,13 +5048,6 @@
   <p:clrMapOvr>
     <a:masterClrMapping/>
   </p:clrMapOvr>
-  <p:timing>
-    <p:tnLst>
-      <p:par>
-        <p:cTn id="1" dur="indefinite" restart="never" nodeType="tmRoot"/>
-      </p:par>
-    </p:tnLst>
-  </p:timing>
 </p:sld>
 </file>
 
@@ -5174,7 +5092,7 @@
           <a:p>
             <a:pPr algn="ctr"/>
             <a:r>
-              <a:rPr lang="en-US" sz="6000" b="1" dirty="0" smtClean="0">
+              <a:rPr lang="en-US" sz="6000" b="1" dirty="0">
                 <a:latin typeface="Arial" pitchFamily="34" charset="0"/>
                 <a:cs typeface="Arial" pitchFamily="34" charset="0"/>
               </a:rPr>
@@ -5200,13 +5118,6 @@
   <p:clrMapOvr>
     <a:masterClrMapping/>
   </p:clrMapOvr>
-  <p:timing>
-    <p:tnLst>
-      <p:par>
-        <p:cTn id="1" dur="indefinite" restart="never" nodeType="tmRoot"/>
-      </p:par>
-    </p:tnLst>
-  </p:timing>
 </p:sld>
 </file>
 
@@ -5251,7 +5162,7 @@
           <a:p>
             <a:pPr algn="ctr"/>
             <a:r>
-              <a:rPr lang="en-US" sz="4800" b="1" dirty="0" smtClean="0">
+              <a:rPr lang="en-US" sz="4800" b="1" dirty="0">
                 <a:latin typeface="Arial" pitchFamily="34" charset="0"/>
                 <a:cs typeface="Arial" pitchFamily="34" charset="0"/>
               </a:rPr>
@@ -5277,13 +5188,6 @@
   <p:clrMapOvr>
     <a:masterClrMapping/>
   </p:clrMapOvr>
-  <p:timing>
-    <p:tnLst>
-      <p:par>
-        <p:cTn id="1" dur="indefinite" restart="never" nodeType="tmRoot"/>
-      </p:par>
-    </p:tnLst>
-  </p:timing>
 </p:sld>
 </file>
 
@@ -5327,10 +5231,9 @@
           <a:lstStyle/>
           <a:p>
             <a:r>
-              <a:rPr lang="en-US" sz="4400" b="1" dirty="0" smtClean="0"/>
+              <a:rPr lang="en-US" sz="4400" b="1" dirty="0"/>
               <a:t>NLP</a:t>
             </a:r>
-            <a:endParaRPr lang="en-US" sz="4400" b="1" dirty="0"/>
           </a:p>
           <a:p>
             <a:endParaRPr lang="en-US" sz="1400" b="1" dirty="0"/>
@@ -5341,11 +5244,11 @@
               <a:buChar char="-"/>
             </a:pPr>
             <a:r>
-              <a:rPr lang="en-US" sz="2800" dirty="0" smtClean="0"/>
+              <a:rPr lang="en-US" sz="2800" dirty="0"/>
               <a:t>An area of computer science &amp; artificial intelligence concerned with the interactions between computers and </a:t>
             </a:r>
             <a:r>
-              <a:rPr lang="en-US" sz="2800" b="1" dirty="0" smtClean="0">
+              <a:rPr lang="en-US" sz="2800" b="1" dirty="0">
                 <a:solidFill>
                   <a:srgbClr val="C00000"/>
                 </a:solidFill>
@@ -5353,10 +5256,9 @@
               <a:t>human (natural) languages</a:t>
             </a:r>
             <a:r>
-              <a:rPr lang="en-US" sz="2800" dirty="0" smtClean="0"/>
+              <a:rPr lang="en-US" sz="2800" dirty="0"/>
               <a:t>.</a:t>
             </a:r>
-            <a:endParaRPr lang="en-US" sz="2800" dirty="0"/>
           </a:p>
           <a:p>
             <a:pPr marL="457200" indent="-457200">
@@ -5371,11 +5273,11 @@
               <a:buChar char="-"/>
             </a:pPr>
             <a:r>
-              <a:rPr lang="en-US" sz="2800" dirty="0" smtClean="0"/>
+              <a:rPr lang="en-US" sz="2800" dirty="0"/>
               <a:t>Particular on how to program computers to process and analyze large amounts of </a:t>
             </a:r>
             <a:r>
-              <a:rPr lang="en-US" sz="2800" b="1" dirty="0" smtClean="0">
+              <a:rPr lang="en-US" sz="2800" b="1" dirty="0">
                 <a:solidFill>
                   <a:srgbClr val="C00000"/>
                 </a:solidFill>
@@ -5383,10 +5285,9 @@
               <a:t>natural language data</a:t>
             </a:r>
             <a:r>
-              <a:rPr lang="en-US" sz="2800" dirty="0" smtClean="0"/>
+              <a:rPr lang="en-US" sz="2800" dirty="0"/>
               <a:t>.</a:t>
             </a:r>
-            <a:endParaRPr lang="en-US" sz="2800" dirty="0"/>
           </a:p>
           <a:p>
             <a:endParaRPr lang="en-US" sz="1400" b="1" dirty="0"/>
@@ -5403,13 +5304,6 @@
   <p:clrMapOvr>
     <a:masterClrMapping/>
   </p:clrMapOvr>
-  <p:timing>
-    <p:tnLst>
-      <p:par>
-        <p:cTn id="1" dur="indefinite" restart="never" nodeType="tmRoot"/>
-      </p:par>
-    </p:tnLst>
-  </p:timing>
 </p:sld>
 </file>
 
@@ -5457,7 +5351,7 @@
               <a:buChar char="-"/>
             </a:pPr>
             <a:r>
-              <a:rPr lang="en-US" sz="3600" dirty="0" smtClean="0"/>
+              <a:rPr lang="en-US" sz="3600" dirty="0"/>
               <a:t>Visualization of token relationships</a:t>
             </a:r>
           </a:p>
@@ -5473,13 +5367,6 @@
   <p:clrMapOvr>
     <a:masterClrMapping/>
   </p:clrMapOvr>
-  <p:timing>
-    <p:tnLst>
-      <p:par>
-        <p:cTn id="1" dur="indefinite" restart="never" nodeType="tmRoot"/>
-      </p:par>
-    </p:tnLst>
-  </p:timing>
 </p:sld>
 </file>
 
@@ -5524,7 +5411,7 @@
           <a:p>
             <a:pPr algn="ctr"/>
             <a:r>
-              <a:rPr lang="en-US" sz="6000" b="1" dirty="0" smtClean="0">
+              <a:rPr lang="en-US" sz="6000" b="1" dirty="0">
                 <a:latin typeface="Arial" pitchFamily="34" charset="0"/>
                 <a:cs typeface="Arial" pitchFamily="34" charset="0"/>
               </a:rPr>
@@ -5550,13 +5437,6 @@
   <p:clrMapOvr>
     <a:masterClrMapping/>
   </p:clrMapOvr>
-  <p:timing>
-    <p:tnLst>
-      <p:par>
-        <p:cTn id="1" dur="indefinite" restart="never" nodeType="tmRoot"/>
-      </p:par>
-    </p:tnLst>
-  </p:timing>
 </p:sld>
 </file>
 
@@ -5601,7 +5481,7 @@
           <a:p>
             <a:pPr algn="ctr"/>
             <a:r>
-              <a:rPr lang="en-US" sz="6000" b="1" dirty="0" smtClean="0">
+              <a:rPr lang="en-US" sz="6000" b="1" dirty="0">
                 <a:latin typeface="Arial" pitchFamily="34" charset="0"/>
                 <a:cs typeface="Arial" pitchFamily="34" charset="0"/>
               </a:rPr>
@@ -5627,13 +5507,6 @@
   <p:clrMapOvr>
     <a:masterClrMapping/>
   </p:clrMapOvr>
-  <p:timing>
-    <p:tnLst>
-      <p:par>
-        <p:cTn id="1" dur="indefinite" restart="never" nodeType="tmRoot"/>
-      </p:par>
-    </p:tnLst>
-  </p:timing>
 </p:sld>
 </file>
 
@@ -5681,7 +5554,7 @@
               <a:buChar char="-"/>
             </a:pPr>
             <a:r>
-              <a:rPr lang="en-US" sz="3600" dirty="0" smtClean="0"/>
+              <a:rPr lang="en-US" sz="3600" dirty="0"/>
               <a:t>Often when searching text for a certain keyword, it helps if the search returns variations of the word</a:t>
             </a:r>
           </a:p>
@@ -5698,7 +5571,7 @@
               <a:buChar char="-"/>
             </a:pPr>
             <a:r>
-              <a:rPr lang="en-US" sz="3600" dirty="0" smtClean="0"/>
+              <a:rPr lang="en-US" sz="3600" dirty="0"/>
               <a:t>For example, searching for “boat” might also return “boats” and “boating”. Here “boat” would be the stem for [boat, boater, boating, boats]</a:t>
             </a:r>
           </a:p>
@@ -5714,13 +5587,6 @@
   <p:clrMapOvr>
     <a:masterClrMapping/>
   </p:clrMapOvr>
-  <p:timing>
-    <p:tnLst>
-      <p:par>
-        <p:cTn id="1" dur="indefinite" restart="never" nodeType="tmRoot"/>
-      </p:par>
-    </p:tnLst>
-  </p:timing>
 </p:sld>
 </file>
 
@@ -5764,7 +5630,7 @@
           <a:lstStyle/>
           <a:p>
             <a:r>
-              <a:rPr lang="en-US" sz="3600" b="1" dirty="0" smtClean="0"/>
+              <a:rPr lang="en-US" sz="3600" b="1" dirty="0"/>
               <a:t>Why Stemming is Necessary?</a:t>
             </a:r>
           </a:p>
@@ -5773,12 +5639,12 @@
           </a:p>
           <a:p>
             <a:r>
-              <a:rPr lang="en-US" sz="3600" dirty="0" smtClean="0"/>
+              <a:rPr lang="en-US" sz="3600" dirty="0"/>
               <a:t>1. Text Normalization</a:t>
             </a:r>
           </a:p>
           <a:p>
-            <a:endParaRPr lang="en-US" sz="3600" dirty="0" smtClean="0"/>
+            <a:endParaRPr lang="en-US" sz="3600" dirty="0"/>
           </a:p>
           <a:p>
             <a:pPr marL="457200" indent="-457200">
@@ -5786,12 +5652,8 @@
               <a:buChar char="-"/>
             </a:pPr>
             <a:r>
-              <a:rPr lang="en-US" sz="2800" dirty="0" smtClean="0"/>
-              <a:t>Words </a:t>
-            </a:r>
-            <a:r>
               <a:rPr lang="en-US" sz="2800" dirty="0"/>
-              <a:t>like </a:t>
+              <a:t>Words like </a:t>
             </a:r>
             <a:r>
               <a:rPr lang="en-US" sz="2800" i="1" dirty="0"/>
@@ -5823,15 +5685,11 @@
             </a:r>
             <a:r>
               <a:rPr lang="en-US" sz="2800" dirty="0"/>
-              <a:t>). Stemming reduces these inflections and derivations to a common base form, making it easier to treat them as the same word</a:t>
-            </a:r>
-            <a:r>
-              <a:rPr lang="en-US" sz="2800" dirty="0" smtClean="0"/>
-              <a:t>.</a:t>
-            </a:r>
-          </a:p>
-          <a:p>
-            <a:endParaRPr lang="en-US" sz="2800" dirty="0" smtClean="0"/>
+              <a:t>). Stemming reduces these inflections and derivations to a common base form, making it easier to treat them as the same word.</a:t>
+            </a:r>
+          </a:p>
+          <a:p>
+            <a:endParaRPr lang="en-US" sz="2800" dirty="0"/>
           </a:p>
           <a:p>
             <a:pPr marL="457200" indent="-457200">
@@ -5840,11 +5698,7 @@
             </a:pPr>
             <a:r>
               <a:rPr lang="en-US" sz="2800" dirty="0"/>
-              <a:t>This simplifies text data by reducing redundant word variations</a:t>
-            </a:r>
-            <a:r>
-              <a:rPr lang="en-US" sz="2800" dirty="0" smtClean="0"/>
-              <a:t>.</a:t>
+              <a:t>This simplifies text data by reducing redundant word variations.</a:t>
             </a:r>
           </a:p>
         </p:txBody>
@@ -5859,13 +5713,6 @@
   <p:clrMapOvr>
     <a:masterClrMapping/>
   </p:clrMapOvr>
-  <p:timing>
-    <p:tnLst>
-      <p:par>
-        <p:cTn id="1" dur="indefinite" restart="never" nodeType="tmRoot"/>
-      </p:par>
-    </p:tnLst>
-  </p:timing>
 </p:sld>
 </file>
 
@@ -5909,7 +5756,7 @@
           <a:lstStyle/>
           <a:p>
             <a:r>
-              <a:rPr lang="en-US" sz="3600" b="1" dirty="0" smtClean="0"/>
+              <a:rPr lang="en-US" sz="3600" b="1" dirty="0"/>
               <a:t>Why Stemming is Necessary?</a:t>
             </a:r>
           </a:p>
@@ -5918,12 +5765,12 @@
           </a:p>
           <a:p>
             <a:r>
-              <a:rPr lang="en-US" sz="3600" dirty="0" smtClean="0"/>
+              <a:rPr lang="en-US" sz="3600" dirty="0"/>
               <a:t>2. Improves Search and Matching</a:t>
             </a:r>
           </a:p>
           <a:p>
-            <a:endParaRPr lang="en-US" sz="3600" dirty="0" smtClean="0"/>
+            <a:endParaRPr lang="en-US" sz="3600" dirty="0"/>
           </a:p>
           <a:p>
             <a:pPr marL="457200" indent="-457200">
@@ -5963,7 +5810,7 @@
               <a:t>ran</a:t>
             </a:r>
             <a:r>
-              <a:rPr lang="en-US" sz="2800" dirty="0" smtClean="0"/>
+              <a:rPr lang="en-US" sz="2800" dirty="0"/>
               <a:t>.</a:t>
             </a:r>
           </a:p>
@@ -5972,7 +5819,7 @@
               <a:buFontTx/>
               <a:buChar char="-"/>
             </a:pPr>
-            <a:endParaRPr lang="en-US" sz="2800" dirty="0" smtClean="0"/>
+            <a:endParaRPr lang="en-US" sz="2800" dirty="0"/>
           </a:p>
           <a:p>
             <a:pPr marL="457200" indent="-457200">
@@ -5980,21 +5827,15 @@
               <a:buChar char="-"/>
             </a:pPr>
             <a:r>
-              <a:rPr lang="en-US" sz="2800" dirty="0" smtClean="0"/>
-              <a:t>It </a:t>
-            </a:r>
-            <a:r>
               <a:rPr lang="en-US" sz="2800" dirty="0"/>
-              <a:t>improves the recall of search results by accounting for morphological </a:t>
-            </a:r>
-            <a:endParaRPr lang="en-US" sz="2800" dirty="0" smtClean="0"/>
-          </a:p>
-          <a:p>
-            <a:r>
-              <a:rPr lang="en-US" sz="2800" dirty="0" smtClean="0"/>
+              <a:t>It improves the recall of search results by accounting for morphological </a:t>
+            </a:r>
+          </a:p>
+          <a:p>
+            <a:r>
+              <a:rPr lang="en-US" sz="2800" dirty="0"/>
               <a:t>      variations.</a:t>
             </a:r>
-            <a:endParaRPr lang="en-US" sz="2800" dirty="0"/>
           </a:p>
         </p:txBody>
       </p:sp>
@@ -6008,13 +5849,6 @@
   <p:clrMapOvr>
     <a:masterClrMapping/>
   </p:clrMapOvr>
-  <p:timing>
-    <p:tnLst>
-      <p:par>
-        <p:cTn id="1" dur="indefinite" restart="never" nodeType="tmRoot"/>
-      </p:par>
-    </p:tnLst>
-  </p:timing>
 </p:sld>
 </file>
 
@@ -6058,7 +5892,7 @@
           <a:lstStyle/>
           <a:p>
             <a:r>
-              <a:rPr lang="en-US" sz="3600" b="1" dirty="0" smtClean="0"/>
+              <a:rPr lang="en-US" sz="3600" b="1" dirty="0"/>
               <a:t>Why Stemming is Necessary?</a:t>
             </a:r>
           </a:p>
@@ -6067,12 +5901,12 @@
           </a:p>
           <a:p>
             <a:r>
-              <a:rPr lang="en-US" sz="3600" dirty="0" smtClean="0"/>
+              <a:rPr lang="en-US" sz="3600" dirty="0"/>
               <a:t>3. Reduces Dimensionality</a:t>
             </a:r>
           </a:p>
           <a:p>
-            <a:endParaRPr lang="en-US" sz="3600" dirty="0" smtClean="0"/>
+            <a:endParaRPr lang="en-US" sz="3600" dirty="0"/>
           </a:p>
           <a:p>
             <a:pPr marL="457200" indent="-457200">
@@ -6081,11 +5915,7 @@
             </a:pPr>
             <a:r>
               <a:rPr lang="en-US" sz="2800" dirty="0"/>
-              <a:t>By grouping different forms of a word into a single base form, stemming reduces the size of the vocabulary</a:t>
-            </a:r>
-            <a:r>
-              <a:rPr lang="en-US" sz="2800" dirty="0" smtClean="0"/>
-              <a:t>.</a:t>
+              <a:t>By grouping different forms of a word into a single base form, stemming reduces the size of the vocabulary.</a:t>
             </a:r>
           </a:p>
           <a:p>
@@ -6093,7 +5923,7 @@
               <a:buFontTx/>
               <a:buChar char="-"/>
             </a:pPr>
-            <a:endParaRPr lang="en-US" sz="2800" dirty="0" smtClean="0"/>
+            <a:endParaRPr lang="en-US" sz="2800" dirty="0"/>
           </a:p>
           <a:p>
             <a:pPr marL="457200" indent="-457200">
@@ -6117,13 +5947,6 @@
   <p:clrMapOvr>
     <a:masterClrMapping/>
   </p:clrMapOvr>
-  <p:timing>
-    <p:tnLst>
-      <p:par>
-        <p:cTn id="1" dur="indefinite" restart="never" nodeType="tmRoot"/>
-      </p:par>
-    </p:tnLst>
-  </p:timing>
 </p:sld>
 </file>
 
@@ -6167,7 +5990,7 @@
           <a:lstStyle/>
           <a:p>
             <a:r>
-              <a:rPr lang="en-US" sz="3600" b="1" dirty="0" smtClean="0"/>
+              <a:rPr lang="en-US" sz="3600" b="1" dirty="0"/>
               <a:t>Why Stemming is Necessary?</a:t>
             </a:r>
           </a:p>
@@ -6176,12 +5999,12 @@
           </a:p>
           <a:p>
             <a:r>
-              <a:rPr lang="en-US" sz="3600" dirty="0" smtClean="0"/>
+              <a:rPr lang="en-US" sz="3600" dirty="0"/>
               <a:t>4. Enhances Machine Learning Models</a:t>
             </a:r>
           </a:p>
           <a:p>
-            <a:endParaRPr lang="en-US" sz="2000" dirty="0" smtClean="0"/>
+            <a:endParaRPr lang="en-US" sz="2000" dirty="0"/>
           </a:p>
           <a:p>
             <a:pPr marL="457200" indent="-457200">
@@ -6190,11 +6013,7 @@
             </a:pPr>
             <a:r>
               <a:rPr lang="en-US" sz="2800" dirty="0"/>
-              <a:t>Helps algorithms focus on the meaning of the word rather than its grammatical variations</a:t>
-            </a:r>
-            <a:r>
-              <a:rPr lang="en-US" sz="2800" dirty="0" smtClean="0"/>
-              <a:t>.</a:t>
+              <a:t>Helps algorithms focus on the meaning of the word rather than its grammatical variations.</a:t>
             </a:r>
           </a:p>
           <a:p>
@@ -6202,7 +6021,7 @@
               <a:buFontTx/>
               <a:buChar char="-"/>
             </a:pPr>
-            <a:endParaRPr lang="en-US" sz="2800" dirty="0" smtClean="0"/>
+            <a:endParaRPr lang="en-US" sz="2800" dirty="0"/>
           </a:p>
           <a:p>
             <a:pPr marL="457200" indent="-457200">
@@ -6234,13 +6053,6 @@
   <p:clrMapOvr>
     <a:masterClrMapping/>
   </p:clrMapOvr>
-  <p:timing>
-    <p:tnLst>
-      <p:par>
-        <p:cTn id="1" dur="indefinite" restart="never" nodeType="tmRoot"/>
-      </p:par>
-    </p:tnLst>
-  </p:timing>
 </p:sld>
 </file>
 
@@ -6284,7 +6096,7 @@
           <a:lstStyle/>
           <a:p>
             <a:r>
-              <a:rPr lang="en-US" sz="3600" b="1" dirty="0" smtClean="0"/>
+              <a:rPr lang="en-US" sz="3600" b="1" dirty="0"/>
               <a:t>Why Stemming is Necessary?</a:t>
             </a:r>
           </a:p>
@@ -6293,20 +6105,12 @@
           </a:p>
           <a:p>
             <a:r>
-              <a:rPr lang="en-US" sz="3600" dirty="0" smtClean="0"/>
-              <a:t>5. </a:t>
-            </a:r>
-            <a:r>
               <a:rPr lang="en-US" sz="3600" dirty="0"/>
-              <a:t>Essential for Languages with Rich </a:t>
-            </a:r>
-            <a:r>
-              <a:rPr lang="en-US" sz="3600" dirty="0" smtClean="0"/>
-              <a:t>Morphology</a:t>
-            </a:r>
-          </a:p>
-          <a:p>
-            <a:endParaRPr lang="en-US" sz="2000" dirty="0" smtClean="0"/>
+              <a:t>5. Essential for Languages with Rich Morphology</a:t>
+            </a:r>
+          </a:p>
+          <a:p>
+            <a:endParaRPr lang="en-US" sz="2000" dirty="0"/>
           </a:p>
           <a:p>
             <a:pPr marL="457200" indent="-457200">
@@ -6315,11 +6119,7 @@
             </a:pPr>
             <a:r>
               <a:rPr lang="en-US" sz="2800" dirty="0"/>
-              <a:t>For languages with complex inflections (e.g., Finnish, Turkish), stemming simplifies words to their root forms, making analysis feasible</a:t>
-            </a:r>
-            <a:r>
-              <a:rPr lang="en-US" sz="2800" dirty="0" smtClean="0"/>
-              <a:t>.</a:t>
+              <a:t>For languages with complex inflections (e.g., Finnish, Turkish), stemming simplifies words to their root forms, making analysis feasible.</a:t>
             </a:r>
           </a:p>
         </p:txBody>
@@ -6334,13 +6134,6 @@
   <p:clrMapOvr>
     <a:masterClrMapping/>
   </p:clrMapOvr>
-  <p:timing>
-    <p:tnLst>
-      <p:par>
-        <p:cTn id="1" dur="indefinite" restart="never" nodeType="tmRoot"/>
-      </p:par>
-    </p:tnLst>
-  </p:timing>
 </p:sld>
 </file>
 
@@ -6384,7 +6177,7 @@
           <a:lstStyle/>
           <a:p>
             <a:r>
-              <a:rPr lang="en-US" sz="3600" b="1" dirty="0" smtClean="0"/>
+              <a:rPr lang="en-US" sz="3600" b="1" dirty="0"/>
               <a:t>Why Stemming is Necessary?</a:t>
             </a:r>
           </a:p>
@@ -6393,12 +6186,12 @@
           </a:p>
           <a:p>
             <a:r>
-              <a:rPr lang="en-US" sz="3600" dirty="0" smtClean="0"/>
+              <a:rPr lang="en-US" sz="3600" dirty="0"/>
               <a:t>6. Improves Clustering and Similarity</a:t>
             </a:r>
           </a:p>
           <a:p>
-            <a:endParaRPr lang="en-US" sz="2000" dirty="0" smtClean="0"/>
+            <a:endParaRPr lang="en-US" sz="2000" dirty="0"/>
           </a:p>
           <a:p>
             <a:pPr marL="457200" indent="-457200">
@@ -6407,11 +6200,7 @@
             </a:pPr>
             <a:r>
               <a:rPr lang="en-US" sz="2800" dirty="0"/>
-              <a:t>In clustering or similarity-based tasks, stemming ensures that words with similar meanings are grouped together</a:t>
-            </a:r>
-            <a:r>
-              <a:rPr lang="en-US" sz="2800" dirty="0" smtClean="0"/>
-              <a:t>.</a:t>
+              <a:t>In clustering or similarity-based tasks, stemming ensures that words with similar meanings are grouped together.</a:t>
             </a:r>
           </a:p>
         </p:txBody>
@@ -6426,13 +6215,6 @@
   <p:clrMapOvr>
     <a:masterClrMapping/>
   </p:clrMapOvr>
-  <p:timing>
-    <p:tnLst>
-      <p:par>
-        <p:cTn id="1" dur="indefinite" restart="never" nodeType="tmRoot"/>
-      </p:par>
-    </p:tnLst>
-  </p:timing>
 </p:sld>
 </file>
 
@@ -6480,10 +6262,9 @@
               <a:buChar char="-"/>
             </a:pPr>
             <a:r>
-              <a:rPr lang="en-US" sz="3600" dirty="0" smtClean="0"/>
+              <a:rPr lang="en-US" sz="3600" dirty="0"/>
               <a:t>When performing analysis, lots of data is numerical (sales numbers, physical measurements, quantifiable categories)</a:t>
             </a:r>
-            <a:endParaRPr lang="en-US" sz="3600" dirty="0"/>
           </a:p>
           <a:p>
             <a:pPr marL="457200" indent="-457200">
@@ -6498,11 +6279,11 @@
               <a:buChar char="-"/>
             </a:pPr>
             <a:r>
-              <a:rPr lang="en-US" sz="3600" dirty="0" smtClean="0"/>
+              <a:rPr lang="en-US" sz="3600" dirty="0"/>
               <a:t>Computers are </a:t>
             </a:r>
             <a:r>
-              <a:rPr lang="en-US" sz="3600" b="1" dirty="0" smtClean="0">
+              <a:rPr lang="en-US" sz="3600" b="1" dirty="0">
                 <a:solidFill>
                   <a:srgbClr val="C00000"/>
                 </a:solidFill>
@@ -6510,11 +6291,11 @@
               <a:t>very good </a:t>
             </a:r>
             <a:r>
-              <a:rPr lang="en-US" sz="3600" dirty="0" smtClean="0"/>
+              <a:rPr lang="en-US" sz="3600" dirty="0"/>
               <a:t>at handling direct </a:t>
             </a:r>
             <a:r>
-              <a:rPr lang="en-US" sz="3600" b="1" dirty="0" smtClean="0">
+              <a:rPr lang="en-US" sz="3600" b="1" dirty="0">
                 <a:solidFill>
                   <a:srgbClr val="C00000"/>
                 </a:solidFill>
@@ -6522,7 +6303,7 @@
               <a:t>numerical</a:t>
             </a:r>
             <a:r>
-              <a:rPr lang="en-US" sz="3600" dirty="0" smtClean="0"/>
+              <a:rPr lang="en-US" sz="3600" dirty="0"/>
               <a:t> information</a:t>
             </a:r>
           </a:p>
@@ -6539,11 +6320,11 @@
               <a:buChar char="-"/>
             </a:pPr>
             <a:r>
-              <a:rPr lang="en-US" sz="3600" dirty="0" smtClean="0"/>
+              <a:rPr lang="en-US" sz="3600" dirty="0"/>
               <a:t>But what do we do about </a:t>
             </a:r>
             <a:r>
-              <a:rPr lang="en-US" sz="3600" b="1" dirty="0" smtClean="0">
+              <a:rPr lang="en-US" sz="3600" b="1" dirty="0">
                 <a:solidFill>
                   <a:srgbClr val="C00000"/>
                 </a:solidFill>
@@ -6551,10 +6332,9 @@
               <a:t>text data</a:t>
             </a:r>
             <a:r>
-              <a:rPr lang="en-US" sz="3600" dirty="0" smtClean="0"/>
+              <a:rPr lang="en-US" sz="3600" dirty="0"/>
               <a:t>?</a:t>
             </a:r>
-            <a:endParaRPr lang="en-US" sz="3600" dirty="0"/>
           </a:p>
           <a:p>
             <a:endParaRPr lang="en-US" sz="1400" b="1" dirty="0"/>
@@ -6571,13 +6351,6 @@
   <p:clrMapOvr>
     <a:masterClrMapping/>
   </p:clrMapOvr>
-  <p:timing>
-    <p:tnLst>
-      <p:par>
-        <p:cTn id="1" dur="indefinite" restart="never" nodeType="tmRoot"/>
-      </p:par>
-    </p:tnLst>
-  </p:timing>
 </p:sld>
 </file>
 
@@ -6621,7 +6394,7 @@
           <a:lstStyle/>
           <a:p>
             <a:r>
-              <a:rPr lang="en-US" sz="3600" b="1" dirty="0" smtClean="0"/>
+              <a:rPr lang="en-US" sz="3600" b="1" dirty="0"/>
               <a:t>Without Stemming:</a:t>
             </a:r>
           </a:p>
@@ -6631,39 +6404,26 @@
           <a:p>
             <a:r>
               <a:rPr lang="en-PH" sz="3600" dirty="0"/>
-              <a:t>Words: run, running, runner, </a:t>
-            </a:r>
-            <a:r>
-              <a:rPr lang="en-PH" sz="3600" dirty="0" smtClean="0"/>
-              <a:t>runs</a:t>
-            </a:r>
-          </a:p>
-          <a:p>
-            <a:r>
-              <a:rPr lang="en-PH" sz="3600" dirty="0" smtClean="0"/>
-              <a:t>Vocabulary</a:t>
-            </a:r>
+              <a:t>Words: run, running, runner, runs</a:t>
+            </a:r>
+          </a:p>
+          <a:p>
             <a:r>
               <a:rPr lang="en-PH" sz="3600" dirty="0"/>
-              <a:t>: ['run', 'running', 'runner', 'runs</a:t>
-            </a:r>
-            <a:r>
-              <a:rPr lang="en-PH" sz="3600" dirty="0" smtClean="0"/>
-              <a:t>']</a:t>
-            </a:r>
-          </a:p>
-          <a:p>
-            <a:endParaRPr lang="en-US" sz="1100" dirty="0" smtClean="0"/>
+              <a:t>Vocabulary: ['run', 'running', 'runner', 'runs']</a:t>
+            </a:r>
           </a:p>
           <a:p>
             <a:endParaRPr lang="en-US" sz="1100" dirty="0"/>
           </a:p>
           <a:p>
-            <a:r>
-              <a:rPr lang="en-US" sz="3600" b="1" dirty="0" smtClean="0"/>
+            <a:endParaRPr lang="en-US" sz="1100" dirty="0"/>
+          </a:p>
+          <a:p>
+            <a:r>
+              <a:rPr lang="en-US" sz="3600" b="1" dirty="0"/>
               <a:t>After Stemming:</a:t>
             </a:r>
-            <a:endParaRPr lang="en-US" sz="3600" b="1" dirty="0"/>
           </a:p>
           <a:p>
             <a:endParaRPr lang="en-US" dirty="0"/>
@@ -6671,25 +6431,13 @@
           <a:p>
             <a:r>
               <a:rPr lang="en-US" sz="3600" dirty="0"/>
-              <a:t>Words: run, run, run, </a:t>
-            </a:r>
-            <a:r>
-              <a:rPr lang="en-US" sz="3600" dirty="0" smtClean="0"/>
-              <a:t>run</a:t>
-            </a:r>
-          </a:p>
-          <a:p>
-            <a:r>
-              <a:rPr lang="en-US" sz="3600" dirty="0" smtClean="0"/>
-              <a:t>Vocabulary</a:t>
-            </a:r>
+              <a:t>Words: run, run, run, run</a:t>
+            </a:r>
+          </a:p>
+          <a:p>
             <a:r>
               <a:rPr lang="en-US" sz="3600" dirty="0"/>
-              <a:t>: ['run</a:t>
-            </a:r>
-            <a:r>
-              <a:rPr lang="en-US" sz="3600" dirty="0" smtClean="0"/>
-              <a:t>']</a:t>
+              <a:t>Vocabulary: ['run']</a:t>
             </a:r>
           </a:p>
           <a:p>
@@ -6697,12 +6445,8 @@
           </a:p>
           <a:p>
             <a:r>
-              <a:rPr lang="en-US" dirty="0" smtClean="0"/>
-              <a:t>* This </a:t>
-            </a:r>
-            <a:r>
               <a:rPr lang="en-US" dirty="0"/>
-              <a:t>reduction ensures that all variations are treated as one, improving both efficiency and consistency.</a:t>
+              <a:t>* This reduction ensures that all variations are treated as one, improving both efficiency and consistency.</a:t>
             </a:r>
           </a:p>
         </p:txBody>
@@ -6717,13 +6461,6 @@
   <p:clrMapOvr>
     <a:masterClrMapping/>
   </p:clrMapOvr>
-  <p:timing>
-    <p:tnLst>
-      <p:par>
-        <p:cTn id="1" dur="indefinite" restart="never" nodeType="tmRoot"/>
-      </p:par>
-    </p:tnLst>
-  </p:timing>
 </p:sld>
 </file>
 
@@ -6767,16 +6504,16 @@
           <a:lstStyle/>
           <a:p>
             <a:r>
-              <a:rPr lang="en-US" sz="3600" b="1" dirty="0" smtClean="0"/>
+              <a:rPr lang="en-US" sz="3600" b="1" dirty="0"/>
               <a:t>Limitations:</a:t>
             </a:r>
           </a:p>
           <a:p>
-            <a:endParaRPr lang="en-US" sz="2000" b="1" dirty="0" smtClean="0"/>
-          </a:p>
-          <a:p>
-            <a:r>
-              <a:rPr lang="en-US" sz="2800" b="1" dirty="0" smtClean="0"/>
+            <a:endParaRPr lang="en-US" sz="2000" b="1" dirty="0"/>
+          </a:p>
+          <a:p>
+            <a:r>
+              <a:rPr lang="en-US" sz="2800" b="1" dirty="0"/>
               <a:t>Over-stemming</a:t>
             </a:r>
             <a:r>
@@ -6804,7 +6541,7 @@
               <a:t>univers</a:t>
             </a:r>
             <a:r>
-              <a:rPr lang="en-US" sz="2800" dirty="0" smtClean="0"/>
+              <a:rPr lang="en-US" sz="2800" dirty="0"/>
               <a:t>).</a:t>
             </a:r>
           </a:p>
@@ -6818,11 +6555,7 @@
             </a:r>
             <a:r>
               <a:rPr lang="en-US" sz="2800" dirty="0"/>
-              <a:t>: Stemming does not preserve the context or precise meaning of words, as it focuses on root forms</a:t>
-            </a:r>
-            <a:r>
-              <a:rPr lang="en-US" sz="2800" dirty="0" smtClean="0"/>
-              <a:t>.</a:t>
+              <a:t>: Stemming does not preserve the context or precise meaning of words, as it focuses on root forms.</a:t>
             </a:r>
           </a:p>
           <a:p>
@@ -6839,13 +6572,8 @@
             </a:r>
             <a:r>
               <a:rPr lang="en-US" sz="2800" dirty="0"/>
-              <a:t>, a more sophisticated approach, considers the context and grammar of a word to return its proper dictionary form</a:t>
-            </a:r>
-            <a:r>
-              <a:rPr lang="en-US" sz="2800" dirty="0" smtClean="0"/>
-              <a:t>.</a:t>
-            </a:r>
-            <a:endParaRPr lang="en-US" sz="2800" dirty="0"/>
+              <a:t>, a more sophisticated approach, considers the context and grammar of a word to return its proper dictionary form.</a:t>
+            </a:r>
           </a:p>
         </p:txBody>
       </p:sp>
@@ -6859,13 +6587,6 @@
   <p:clrMapOvr>
     <a:masterClrMapping/>
   </p:clrMapOvr>
-  <p:timing>
-    <p:tnLst>
-      <p:par>
-        <p:cTn id="1" dur="indefinite" restart="never" nodeType="tmRoot"/>
-      </p:par>
-    </p:tnLst>
-  </p:timing>
 </p:sld>
 </file>
 
@@ -6913,19 +6634,19 @@
               <a:buChar char="-"/>
             </a:pPr>
             <a:r>
-              <a:rPr lang="en-PH" sz="4000" dirty="0" smtClean="0"/>
+              <a:rPr lang="en-PH" sz="4000" dirty="0"/>
               <a:t>In fact, </a:t>
             </a:r>
             <a:r>
-              <a:rPr lang="en-PH" sz="4000" dirty="0" err="1" smtClean="0"/>
+              <a:rPr lang="en-PH" sz="4000" dirty="0" err="1"/>
               <a:t>SpaCy</a:t>
             </a:r>
             <a:r>
-              <a:rPr lang="en-PH" sz="4000" dirty="0" smtClean="0"/>
+              <a:rPr lang="en-PH" sz="4000" dirty="0"/>
               <a:t> </a:t>
             </a:r>
             <a:r>
-              <a:rPr lang="en-PH" sz="4000" dirty="0" smtClean="0">
+              <a:rPr lang="en-PH" sz="4000" dirty="0">
                 <a:solidFill>
                   <a:srgbClr val="C00000"/>
                 </a:solidFill>
@@ -6933,15 +6654,15 @@
               <a:t>doesn’t include</a:t>
             </a:r>
             <a:r>
-              <a:rPr lang="en-PH" sz="4000" dirty="0" smtClean="0"/>
+              <a:rPr lang="en-PH" sz="4000" dirty="0"/>
               <a:t> a stemmer, opting instead to rely on </a:t>
             </a:r>
             <a:r>
-              <a:rPr lang="en-PH" sz="4000" b="1" dirty="0" smtClean="0"/>
+              <a:rPr lang="en-PH" sz="4000" b="1" dirty="0"/>
               <a:t>lemmatization</a:t>
             </a:r>
             <a:r>
-              <a:rPr lang="en-PH" sz="4000" dirty="0" smtClean="0"/>
+              <a:rPr lang="en-PH" sz="4000" dirty="0"/>
               <a:t>.</a:t>
             </a:r>
           </a:p>
@@ -6958,15 +6679,15 @@
               <a:buChar char="-"/>
             </a:pPr>
             <a:r>
-              <a:rPr lang="en-US" sz="4000" dirty="0" smtClean="0"/>
+              <a:rPr lang="en-US" sz="4000" dirty="0"/>
               <a:t>Because of this, we will jump over to using </a:t>
             </a:r>
             <a:r>
-              <a:rPr lang="en-US" sz="4000" b="1" dirty="0" smtClean="0"/>
+              <a:rPr lang="en-US" sz="4000" b="1" dirty="0"/>
               <a:t>NLTK</a:t>
             </a:r>
             <a:r>
-              <a:rPr lang="en-US" sz="4000" dirty="0" smtClean="0"/>
+              <a:rPr lang="en-US" sz="4000" dirty="0"/>
               <a:t> and learn about stemmers.</a:t>
             </a:r>
           </a:p>
@@ -6983,18 +6704,18 @@
               <a:buChar char="-"/>
             </a:pPr>
             <a:r>
-              <a:rPr lang="en-US" sz="4000" b="1" dirty="0" smtClean="0"/>
+              <a:rPr lang="en-US" sz="4000" b="1" dirty="0"/>
               <a:t>Porter Stemmer </a:t>
             </a:r>
             <a:r>
-              <a:rPr lang="en-US" sz="4000" dirty="0" smtClean="0"/>
+              <a:rPr lang="en-US" sz="4000" dirty="0"/>
               <a:t>and </a:t>
             </a:r>
             <a:r>
-              <a:rPr lang="en-US" sz="4000" b="1" dirty="0" smtClean="0"/>
+              <a:rPr lang="en-US" sz="4000" b="1" dirty="0"/>
               <a:t>Snowball Stemmer</a:t>
             </a:r>
-            <a:endParaRPr lang="en-PH" sz="4000" b="1" dirty="0" smtClean="0"/>
+            <a:endParaRPr lang="en-PH" sz="4000" b="1" dirty="0"/>
           </a:p>
         </p:txBody>
       </p:sp>
@@ -7008,13 +6729,6 @@
   <p:clrMapOvr>
     <a:masterClrMapping/>
   </p:clrMapOvr>
-  <p:timing>
-    <p:tnLst>
-      <p:par>
-        <p:cTn id="1" dur="indefinite" restart="never" nodeType="tmRoot"/>
-      </p:par>
-    </p:tnLst>
-  </p:timing>
 </p:sld>
 </file>
 
@@ -7059,10 +6773,10 @@
           <a:p>
             <a:pPr algn="ctr"/>
             <a:r>
-              <a:rPr lang="en-US" sz="6600" b="1" dirty="0" smtClean="0"/>
+              <a:rPr lang="en-US" sz="6600" b="1" dirty="0"/>
               <a:t>Porter Stemmer</a:t>
             </a:r>
-            <a:endParaRPr lang="en-PH" sz="6600" b="1" dirty="0" smtClean="0"/>
+            <a:endParaRPr lang="en-PH" sz="6600" b="1" dirty="0"/>
           </a:p>
         </p:txBody>
       </p:sp>
@@ -7076,13 +6790,6 @@
   <p:clrMapOvr>
     <a:masterClrMapping/>
   </p:clrMapOvr>
-  <p:timing>
-    <p:tnLst>
-      <p:par>
-        <p:cTn id="1" dur="indefinite" restart="never" nodeType="tmRoot"/>
-      </p:par>
-    </p:tnLst>
-  </p:timing>
 </p:sld>
 </file>
 
@@ -7130,11 +6837,11 @@
               <a:buChar char="-"/>
             </a:pPr>
             <a:r>
-              <a:rPr lang="en-PH" sz="4000" b="1" i="1" dirty="0" smtClean="0"/>
+              <a:rPr lang="en-PH" sz="4000" b="1" i="1" dirty="0"/>
               <a:t>Porter Stemmer </a:t>
             </a:r>
             <a:r>
-              <a:rPr lang="en-PH" sz="4000" dirty="0" smtClean="0"/>
+              <a:rPr lang="en-PH" sz="4000" dirty="0"/>
               <a:t>employs five phases of word reduction, each with its own set of mapping rules.</a:t>
             </a:r>
           </a:p>
@@ -7150,13 +6857,6 @@
   <p:clrMapOvr>
     <a:masterClrMapping/>
   </p:clrMapOvr>
-  <p:timing>
-    <p:tnLst>
-      <p:par>
-        <p:cTn id="1" dur="indefinite" restart="never" nodeType="tmRoot"/>
-      </p:par>
-    </p:tnLst>
-  </p:timing>
 </p:sld>
 </file>
 
@@ -7204,10 +6904,10 @@
               <a:buChar char="-"/>
             </a:pPr>
             <a:r>
-              <a:rPr lang="en-US" sz="4000" dirty="0" smtClean="0"/>
+              <a:rPr lang="en-US" sz="4000" dirty="0"/>
               <a:t>In the first phase, simple suffix mapping rules are defined, such as:</a:t>
             </a:r>
-            <a:endParaRPr lang="en-PH" sz="4000" dirty="0" smtClean="0"/>
+            <a:endParaRPr lang="en-PH" sz="4000" dirty="0"/>
           </a:p>
         </p:txBody>
       </p:sp>
@@ -7285,13 +6985,6 @@
   <p:clrMapOvr>
     <a:masterClrMapping/>
   </p:clrMapOvr>
-  <p:timing>
-    <p:tnLst>
-      <p:par>
-        <p:cTn id="1" dur="indefinite" restart="never" nodeType="tmRoot"/>
-      </p:par>
-    </p:tnLst>
-  </p:timing>
 </p:sld>
 </file>
 
@@ -7339,10 +7032,10 @@
               <a:buChar char="-"/>
             </a:pPr>
             <a:r>
-              <a:rPr lang="en-US" sz="3600" dirty="0" smtClean="0"/>
+              <a:rPr lang="en-US" sz="3600" dirty="0"/>
               <a:t>From a given set of stemming rules only one rule is applied, based on the longest suffix S1. Thus, caresses reduces to caress but not cares</a:t>
             </a:r>
-            <a:endParaRPr lang="en-PH" sz="3600" dirty="0" smtClean="0"/>
+            <a:endParaRPr lang="en-PH" sz="3600" dirty="0"/>
           </a:p>
         </p:txBody>
       </p:sp>
@@ -7420,13 +7113,6 @@
   <p:clrMapOvr>
     <a:masterClrMapping/>
   </p:clrMapOvr>
-  <p:timing>
-    <p:tnLst>
-      <p:par>
-        <p:cTn id="1" dur="indefinite" restart="never" nodeType="tmRoot"/>
-      </p:par>
-    </p:tnLst>
-  </p:timing>
 </p:sld>
 </file>
 
@@ -7474,10 +7160,10 @@
               <a:buChar char="-"/>
             </a:pPr>
             <a:r>
-              <a:rPr lang="en-US" sz="3600" dirty="0" smtClean="0"/>
+              <a:rPr lang="en-US" sz="3600" dirty="0"/>
               <a:t>More sophisticated phases consider the length/complexity of the word before applying a rule.</a:t>
             </a:r>
-            <a:endParaRPr lang="en-PH" sz="3600" dirty="0" smtClean="0"/>
+            <a:endParaRPr lang="en-PH" sz="3600" dirty="0"/>
           </a:p>
         </p:txBody>
       </p:sp>
@@ -7555,13 +7241,6 @@
   <p:clrMapOvr>
     <a:masterClrMapping/>
   </p:clrMapOvr>
-  <p:timing>
-    <p:tnLst>
-      <p:par>
-        <p:cTn id="1" dur="indefinite" restart="never" nodeType="tmRoot"/>
-      </p:par>
-    </p:tnLst>
-  </p:timing>
 </p:sld>
 </file>
 
@@ -7606,10 +7285,10 @@
           <a:p>
             <a:pPr algn="ctr"/>
             <a:r>
-              <a:rPr lang="en-US" sz="6600" b="1" dirty="0" smtClean="0"/>
+              <a:rPr lang="en-US" sz="6600" b="1" dirty="0"/>
               <a:t>Snowball Stemmer</a:t>
             </a:r>
-            <a:endParaRPr lang="en-PH" sz="6600" b="1" dirty="0" smtClean="0"/>
+            <a:endParaRPr lang="en-PH" sz="6600" b="1" dirty="0"/>
           </a:p>
         </p:txBody>
       </p:sp>
@@ -7623,13 +7302,6 @@
   <p:clrMapOvr>
     <a:masterClrMapping/>
   </p:clrMapOvr>
-  <p:timing>
-    <p:tnLst>
-      <p:par>
-        <p:cTn id="1" dur="indefinite" restart="never" nodeType="tmRoot"/>
-      </p:par>
-    </p:tnLst>
-  </p:timing>
 </p:sld>
 </file>
 
@@ -7677,11 +7349,11 @@
               <a:buChar char="-"/>
             </a:pPr>
             <a:r>
-              <a:rPr lang="en-PH" sz="4000" b="1" i="1" dirty="0" smtClean="0"/>
+              <a:rPr lang="en-PH" sz="4000" b="1" i="1" dirty="0"/>
               <a:t>Snowball Stemmer </a:t>
             </a:r>
             <a:r>
-              <a:rPr lang="en-PH" sz="4000" dirty="0" smtClean="0"/>
+              <a:rPr lang="en-PH" sz="4000" dirty="0"/>
               <a:t>used a more accurate “English Stemmer” or “Porter2 Stemmer”</a:t>
             </a:r>
           </a:p>
@@ -7698,10 +7370,10 @@
               <a:buChar char="-"/>
             </a:pPr>
             <a:r>
-              <a:rPr lang="en-US" sz="4000" dirty="0" smtClean="0"/>
+              <a:rPr lang="en-US" sz="4000" dirty="0"/>
               <a:t>Offers a slight improvement over the original Porter stemmer, both in logic and speed</a:t>
             </a:r>
-            <a:endParaRPr lang="en-PH" sz="4000" dirty="0" smtClean="0"/>
+            <a:endParaRPr lang="en-PH" sz="4000" dirty="0"/>
           </a:p>
         </p:txBody>
       </p:sp>
@@ -7715,13 +7387,6 @@
   <p:clrMapOvr>
     <a:masterClrMapping/>
   </p:clrMapOvr>
-  <p:timing>
-    <p:tnLst>
-      <p:par>
-        <p:cTn id="1" dur="indefinite" restart="never" nodeType="tmRoot"/>
-      </p:par>
-    </p:tnLst>
-  </p:timing>
 </p:sld>
 </file>
 
@@ -7769,10 +7434,9 @@
               <a:buChar char="-"/>
             </a:pPr>
             <a:r>
-              <a:rPr lang="en-US" sz="3600" dirty="0" smtClean="0"/>
+              <a:rPr lang="en-US" sz="3600" dirty="0"/>
               <a:t>As humans we can tell there is a lot of information inside of text documents</a:t>
             </a:r>
-            <a:endParaRPr lang="en-US" sz="3600" dirty="0"/>
           </a:p>
           <a:p>
             <a:pPr marL="457200" indent="-457200">
@@ -7787,11 +7451,11 @@
               <a:buChar char="-"/>
             </a:pPr>
             <a:r>
-              <a:rPr lang="en-US" sz="3600" dirty="0" smtClean="0"/>
+              <a:rPr lang="en-US" sz="3600" dirty="0"/>
               <a:t>However, a computer </a:t>
             </a:r>
             <a:r>
-              <a:rPr lang="en-US" sz="3600" b="1" dirty="0" smtClean="0">
+              <a:rPr lang="en-US" sz="3600" b="1" dirty="0">
                 <a:solidFill>
                   <a:srgbClr val="C00000"/>
                 </a:solidFill>
@@ -7799,7 +7463,7 @@
               <a:t>needs</a:t>
             </a:r>
             <a:r>
-              <a:rPr lang="en-US" sz="3600" dirty="0" smtClean="0"/>
+              <a:rPr lang="en-US" sz="3600" dirty="0"/>
               <a:t> specialized processing techniques in order to “understand” raw text data.</a:t>
             </a:r>
           </a:p>
@@ -7816,11 +7480,11 @@
               <a:buChar char="-"/>
             </a:pPr>
             <a:r>
-              <a:rPr lang="en-US" sz="3600" dirty="0" smtClean="0"/>
+              <a:rPr lang="en-US" sz="3600" dirty="0"/>
               <a:t>Text data is </a:t>
             </a:r>
             <a:r>
-              <a:rPr lang="en-US" sz="3600" b="1" dirty="0" smtClean="0">
+              <a:rPr lang="en-US" sz="3600" b="1" dirty="0">
                 <a:solidFill>
                   <a:srgbClr val="C00000"/>
                 </a:solidFill>
@@ -7828,10 +7492,9 @@
               <a:t>highly unstructured </a:t>
             </a:r>
             <a:r>
-              <a:rPr lang="en-US" sz="3600" dirty="0" smtClean="0"/>
+              <a:rPr lang="en-US" sz="3600" dirty="0"/>
               <a:t>and can be in multiple languages.</a:t>
             </a:r>
-            <a:endParaRPr lang="en-US" sz="3600" dirty="0"/>
           </a:p>
           <a:p>
             <a:endParaRPr lang="en-US" sz="1400" b="1" dirty="0"/>
@@ -7848,13 +7511,6 @@
   <p:clrMapOvr>
     <a:masterClrMapping/>
   </p:clrMapOvr>
-  <p:timing>
-    <p:tnLst>
-      <p:par>
-        <p:cTn id="1" dur="indefinite" restart="never" nodeType="tmRoot"/>
-      </p:par>
-    </p:tnLst>
-  </p:timing>
 </p:sld>
 </file>
 
@@ -7899,7 +7555,7 @@
           <a:p>
             <a:pPr algn="ctr"/>
             <a:r>
-              <a:rPr lang="en-US" sz="6000" b="1" dirty="0" smtClean="0">
+              <a:rPr lang="en-US" sz="6000" b="1" dirty="0">
                 <a:latin typeface="Arial" pitchFamily="34" charset="0"/>
                 <a:cs typeface="Arial" pitchFamily="34" charset="0"/>
               </a:rPr>
@@ -7925,13 +7581,6 @@
   <p:clrMapOvr>
     <a:masterClrMapping/>
   </p:clrMapOvr>
-  <p:timing>
-    <p:tnLst>
-      <p:par>
-        <p:cTn id="1" dur="indefinite" restart="never" nodeType="tmRoot"/>
-      </p:par>
-    </p:tnLst>
-  </p:timing>
 </p:sld>
 </file>
 
@@ -7976,7 +7625,7 @@
           <a:p>
             <a:pPr algn="ctr"/>
             <a:r>
-              <a:rPr lang="en-US" sz="6000" b="1" dirty="0" smtClean="0">
+              <a:rPr lang="en-US" sz="6000" b="1" dirty="0">
                 <a:latin typeface="Arial" pitchFamily="34" charset="0"/>
                 <a:cs typeface="Arial" pitchFamily="34" charset="0"/>
               </a:rPr>
@@ -8002,13 +7651,6 @@
   <p:clrMapOvr>
     <a:masterClrMapping/>
   </p:clrMapOvr>
-  <p:timing>
-    <p:tnLst>
-      <p:par>
-        <p:cTn id="1" dur="indefinite" restart="never" nodeType="tmRoot"/>
-      </p:par>
-    </p:tnLst>
-  </p:timing>
 </p:sld>
 </file>
 
@@ -8056,15 +7698,15 @@
               <a:buChar char="-"/>
             </a:pPr>
             <a:r>
-              <a:rPr lang="en-US" sz="3600" dirty="0" smtClean="0"/>
+              <a:rPr lang="en-US" sz="3600" dirty="0"/>
               <a:t>In contrast to stemming, </a:t>
             </a:r>
             <a:r>
-              <a:rPr lang="en-US" sz="3600" b="1" i="1" dirty="0" smtClean="0"/>
+              <a:rPr lang="en-US" sz="3600" b="1" i="1" dirty="0"/>
               <a:t>lemmatization</a:t>
             </a:r>
             <a:r>
-              <a:rPr lang="en-US" sz="3600" dirty="0" smtClean="0"/>
+              <a:rPr lang="en-US" sz="3600" dirty="0"/>
               <a:t> looks beyond word reduction, and considers a language’s full vocabulary to apply a morphological analysis to words.</a:t>
             </a:r>
           </a:p>
@@ -8081,10 +7723,10 @@
               <a:buChar char="-"/>
             </a:pPr>
             <a:r>
-              <a:rPr lang="en-US" sz="3400" dirty="0" smtClean="0"/>
+              <a:rPr lang="en-US" sz="3400" dirty="0"/>
               <a:t>Generally better as it returns the dictionary form of a word (lemma) while considering context and part of speech (POS). Unlike stemming, it avoids over-simplifying words and ensures the output is meaningful and accurate.</a:t>
             </a:r>
-            <a:endParaRPr lang="en-PH" sz="3400" dirty="0" smtClean="0"/>
+            <a:endParaRPr lang="en-PH" sz="3400" dirty="0"/>
           </a:p>
         </p:txBody>
       </p:sp>
@@ -8098,13 +7740,6 @@
   <p:clrMapOvr>
     <a:masterClrMapping/>
   </p:clrMapOvr>
-  <p:timing>
-    <p:tnLst>
-      <p:par>
-        <p:cTn id="1" dur="indefinite" restart="never" nodeType="tmRoot"/>
-      </p:par>
-    </p:tnLst>
-  </p:timing>
 </p:sld>
 </file>
 
@@ -8150,9 +7785,27 @@
                 <a:tableStyleId>{5940675A-B579-460E-94D1-54222C63F5DA}</a:tableStyleId>
               </a:tblPr>
               <a:tblGrid>
-                <a:gridCol w="3657600"/>
-                <a:gridCol w="3657600"/>
-                <a:gridCol w="3657600"/>
+                <a:gridCol w="3657600">
+                  <a:extLst>
+                    <a:ext uri="{9D8B030D-6E8A-4147-A177-3AD203B41FA5}">
+                      <a16:colId xmlns:a16="http://schemas.microsoft.com/office/drawing/2014/main" val="20000"/>
+                    </a:ext>
+                  </a:extLst>
+                </a:gridCol>
+                <a:gridCol w="3657600">
+                  <a:extLst>
+                    <a:ext uri="{9D8B030D-6E8A-4147-A177-3AD203B41FA5}">
+                      <a16:colId xmlns:a16="http://schemas.microsoft.com/office/drawing/2014/main" val="20001"/>
+                    </a:ext>
+                  </a:extLst>
+                </a:gridCol>
+                <a:gridCol w="3657600">
+                  <a:extLst>
+                    <a:ext uri="{9D8B030D-6E8A-4147-A177-3AD203B41FA5}">
+                      <a16:colId xmlns:a16="http://schemas.microsoft.com/office/drawing/2014/main" val="20002"/>
+                    </a:ext>
+                  </a:extLst>
+                </a:gridCol>
               </a:tblGrid>
               <a:tr h="838200">
                 <a:tc>
@@ -8161,7 +7814,7 @@
                     <a:lstStyle/>
                     <a:p>
                       <a:r>
-                        <a:rPr lang="en-US" sz="2000" b="1" dirty="0" smtClean="0"/>
+                        <a:rPr lang="en-US" sz="2000" b="1" dirty="0"/>
                         <a:t>Feature</a:t>
                       </a:r>
                       <a:endParaRPr lang="en-PH" sz="2000" b="1" dirty="0"/>
@@ -8175,10 +7828,9 @@
                     <a:lstStyle/>
                     <a:p>
                       <a:r>
-                        <a:rPr lang="en-US" sz="2000" b="1" dirty="0" smtClean="0"/>
+                        <a:rPr lang="en-US" sz="2000" b="1" dirty="0"/>
                         <a:t>Stemming</a:t>
                       </a:r>
-                      <a:endParaRPr lang="en-US" sz="2000" b="1" dirty="0"/>
                     </a:p>
                   </a:txBody>
                   <a:tcPr anchor="ctr"/>
@@ -8189,14 +7841,18 @@
                     <a:lstStyle/>
                     <a:p>
                       <a:r>
-                        <a:rPr lang="en-US" sz="2000" b="1" dirty="0" smtClean="0"/>
+                        <a:rPr lang="en-US" sz="2000" b="1" dirty="0"/>
                         <a:t>Lemmatization</a:t>
                       </a:r>
-                      <a:endParaRPr lang="en-US" sz="2000" b="1" dirty="0"/>
                     </a:p>
                   </a:txBody>
                   <a:tcPr anchor="ctr"/>
                 </a:tc>
+                <a:extLst>
+                  <a:ext uri="{0D108BD9-81ED-4DB2-BD59-A6C34878D82A}">
+                    <a16:rowId xmlns:a16="http://schemas.microsoft.com/office/drawing/2014/main" val="10000"/>
+                  </a:ext>
+                </a:extLst>
               </a:tr>
               <a:tr h="1009650">
                 <a:tc>
@@ -8205,10 +7861,9 @@
                     <a:lstStyle/>
                     <a:p>
                       <a:r>
-                        <a:rPr lang="en-PH" dirty="0" smtClean="0"/>
+                        <a:rPr lang="en-PH" dirty="0"/>
                         <a:t>Definition</a:t>
                       </a:r>
-                      <a:endParaRPr lang="en-PH" dirty="0"/>
                     </a:p>
                   </a:txBody>
                   <a:tcPr anchor="ctr"/>
@@ -8219,10 +7874,9 @@
                     <a:lstStyle/>
                     <a:p>
                       <a:r>
-                        <a:rPr lang="en-US" dirty="0" smtClean="0"/>
+                        <a:rPr lang="en-US" dirty="0"/>
                         <a:t>Cuts the word to its root, often a crude form.</a:t>
                       </a:r>
-                      <a:endParaRPr lang="en-US" dirty="0"/>
                     </a:p>
                   </a:txBody>
                   <a:tcPr anchor="ctr"/>
@@ -8233,14 +7887,18 @@
                     <a:lstStyle/>
                     <a:p>
                       <a:r>
-                        <a:rPr lang="en-US" dirty="0" smtClean="0"/>
+                        <a:rPr lang="en-US" dirty="0"/>
                         <a:t>Reduces a word to its base form (lemma) using context.</a:t>
                       </a:r>
-                      <a:endParaRPr lang="en-US" dirty="0"/>
                     </a:p>
                   </a:txBody>
                   <a:tcPr anchor="ctr"/>
                 </a:tc>
+                <a:extLst>
+                  <a:ext uri="{0D108BD9-81ED-4DB2-BD59-A6C34878D82A}">
+                    <a16:rowId xmlns:a16="http://schemas.microsoft.com/office/drawing/2014/main" val="10001"/>
+                  </a:ext>
+                </a:extLst>
               </a:tr>
               <a:tr h="971550">
                 <a:tc>
@@ -8249,7 +7907,7 @@
                     <a:lstStyle/>
                     <a:p>
                       <a:r>
-                        <a:rPr lang="en-US" dirty="0" smtClean="0"/>
+                        <a:rPr lang="en-US" dirty="0"/>
                         <a:t>Context-Sensitivity</a:t>
                       </a:r>
                       <a:endParaRPr lang="en-PH" dirty="0"/>
@@ -8263,7 +7921,7 @@
                     <a:lstStyle/>
                     <a:p>
                       <a:r>
-                        <a:rPr lang="en-PH" dirty="0" smtClean="0"/>
+                        <a:rPr lang="en-PH" dirty="0"/>
                         <a:t>Ignores context and parts of speech (POS).</a:t>
                       </a:r>
                       <a:endParaRPr lang="en-US" dirty="0"/>
@@ -8277,14 +7935,18 @@
                     <a:lstStyle/>
                     <a:p>
                       <a:r>
-                        <a:rPr lang="en-US" dirty="0" smtClean="0"/>
+                        <a:rPr lang="en-US" dirty="0"/>
                         <a:t>Considers context and POS for accuracy.</a:t>
                       </a:r>
-                      <a:endParaRPr lang="en-US" dirty="0"/>
                     </a:p>
                   </a:txBody>
                   <a:tcPr anchor="ctr"/>
                 </a:tc>
+                <a:extLst>
+                  <a:ext uri="{0D108BD9-81ED-4DB2-BD59-A6C34878D82A}">
+                    <a16:rowId xmlns:a16="http://schemas.microsoft.com/office/drawing/2014/main" val="10002"/>
+                  </a:ext>
+                </a:extLst>
               </a:tr>
               <a:tr h="874419">
                 <a:tc>
@@ -8293,7 +7955,7 @@
                     <a:lstStyle/>
                     <a:p>
                       <a:r>
-                        <a:rPr lang="en-US" dirty="0" smtClean="0"/>
+                        <a:rPr lang="en-US" dirty="0"/>
                         <a:t>Output</a:t>
                       </a:r>
                       <a:endParaRPr lang="en-PH" dirty="0"/>
@@ -8307,10 +7969,9 @@
                     <a:lstStyle/>
                     <a:p>
                       <a:r>
-                        <a:rPr lang="en-US" dirty="0" smtClean="0"/>
+                        <a:rPr lang="en-US" dirty="0"/>
                         <a:t>May produce non-existent or incorrect words.</a:t>
                       </a:r>
-                      <a:endParaRPr lang="en-US" dirty="0"/>
                     </a:p>
                   </a:txBody>
                   <a:tcPr anchor="ctr"/>
@@ -8321,14 +7982,18 @@
                     <a:lstStyle/>
                     <a:p>
                       <a:r>
-                        <a:rPr lang="en-US" dirty="0" smtClean="0"/>
+                        <a:rPr lang="en-US" dirty="0"/>
                         <a:t>Always produces valid dictionary words.</a:t>
                       </a:r>
-                      <a:endParaRPr lang="en-US" dirty="0"/>
                     </a:p>
                   </a:txBody>
                   <a:tcPr anchor="ctr"/>
                 </a:tc>
+                <a:extLst>
+                  <a:ext uri="{0D108BD9-81ED-4DB2-BD59-A6C34878D82A}">
+                    <a16:rowId xmlns:a16="http://schemas.microsoft.com/office/drawing/2014/main" val="10003"/>
+                  </a:ext>
+                </a:extLst>
               </a:tr>
               <a:tr h="847725">
                 <a:tc>
@@ -8337,7 +8002,7 @@
                     <a:lstStyle/>
                     <a:p>
                       <a:r>
-                        <a:rPr lang="en-US" dirty="0" smtClean="0"/>
+                        <a:rPr lang="en-US" dirty="0"/>
                         <a:t>Examples</a:t>
                       </a:r>
                       <a:endParaRPr lang="en-PH" dirty="0"/>
@@ -8351,15 +8016,15 @@
                     <a:lstStyle/>
                     <a:p>
                       <a:r>
-                        <a:rPr lang="en-PH" i="1" dirty="0" smtClean="0"/>
+                        <a:rPr lang="en-PH" i="1" dirty="0"/>
                         <a:t>Caring</a:t>
                       </a:r>
                       <a:r>
-                        <a:rPr lang="en-PH" dirty="0" smtClean="0"/>
+                        <a:rPr lang="en-PH" dirty="0"/>
                         <a:t> → </a:t>
                       </a:r>
                       <a:r>
-                        <a:rPr lang="en-PH" i="1" dirty="0" smtClean="0"/>
+                        <a:rPr lang="en-PH" i="1" dirty="0"/>
                         <a:t>car</a:t>
                       </a:r>
                       <a:endParaRPr lang="en-US" dirty="0"/>
@@ -8373,15 +8038,15 @@
                     <a:lstStyle/>
                     <a:p>
                       <a:r>
-                        <a:rPr lang="en-PH" i="1" dirty="0" smtClean="0"/>
+                        <a:rPr lang="en-PH" i="1" dirty="0"/>
                         <a:t>Caring</a:t>
                       </a:r>
                       <a:r>
-                        <a:rPr lang="en-PH" dirty="0" smtClean="0"/>
+                        <a:rPr lang="en-PH" dirty="0"/>
                         <a:t> → </a:t>
                       </a:r>
                       <a:r>
-                        <a:rPr lang="en-PH" i="1" dirty="0" smtClean="0"/>
+                        <a:rPr lang="en-PH" i="1" dirty="0"/>
                         <a:t>care</a:t>
                       </a:r>
                       <a:endParaRPr lang="en-US" dirty="0"/>
@@ -8389,6 +8054,11 @@
                   </a:txBody>
                   <a:tcPr anchor="ctr"/>
                 </a:tc>
+                <a:extLst>
+                  <a:ext uri="{0D108BD9-81ED-4DB2-BD59-A6C34878D82A}">
+                    <a16:rowId xmlns:a16="http://schemas.microsoft.com/office/drawing/2014/main" val="10004"/>
+                  </a:ext>
+                </a:extLst>
               </a:tr>
             </a:tbl>
           </a:graphicData>
@@ -8404,13 +8074,6 @@
   <p:clrMapOvr>
     <a:masterClrMapping/>
   </p:clrMapOvr>
-  <p:timing>
-    <p:tnLst>
-      <p:par>
-        <p:cTn id="1" dur="indefinite" restart="never" nodeType="tmRoot"/>
-      </p:par>
-    </p:tnLst>
-  </p:timing>
 </p:sld>
 </file>
 
@@ -8456,9 +8119,27 @@
                 <a:tableStyleId>{5940675A-B579-460E-94D1-54222C63F5DA}</a:tableStyleId>
               </a:tblPr>
               <a:tblGrid>
-                <a:gridCol w="3657600"/>
-                <a:gridCol w="3657600"/>
-                <a:gridCol w="3657600"/>
+                <a:gridCol w="3657600">
+                  <a:extLst>
+                    <a:ext uri="{9D8B030D-6E8A-4147-A177-3AD203B41FA5}">
+                      <a16:colId xmlns:a16="http://schemas.microsoft.com/office/drawing/2014/main" val="20000"/>
+                    </a:ext>
+                  </a:extLst>
+                </a:gridCol>
+                <a:gridCol w="3657600">
+                  <a:extLst>
+                    <a:ext uri="{9D8B030D-6E8A-4147-A177-3AD203B41FA5}">
+                      <a16:colId xmlns:a16="http://schemas.microsoft.com/office/drawing/2014/main" val="20001"/>
+                    </a:ext>
+                  </a:extLst>
+                </a:gridCol>
+                <a:gridCol w="3657600">
+                  <a:extLst>
+                    <a:ext uri="{9D8B030D-6E8A-4147-A177-3AD203B41FA5}">
+                      <a16:colId xmlns:a16="http://schemas.microsoft.com/office/drawing/2014/main" val="20002"/>
+                    </a:ext>
+                  </a:extLst>
+                </a:gridCol>
               </a:tblGrid>
               <a:tr h="0">
                 <a:tc>
@@ -8467,7 +8148,7 @@
                     <a:lstStyle/>
                     <a:p>
                       <a:r>
-                        <a:rPr lang="en-US" sz="2000" b="1" dirty="0" smtClean="0"/>
+                        <a:rPr lang="en-US" sz="2000" b="1" dirty="0"/>
                         <a:t>Word</a:t>
                       </a:r>
                       <a:endParaRPr lang="en-PH" sz="2000" b="1" dirty="0"/>
@@ -8481,10 +8162,9 @@
                     <a:lstStyle/>
                     <a:p>
                       <a:r>
-                        <a:rPr lang="en-US" sz="2000" b="1" dirty="0" smtClean="0"/>
+                        <a:rPr lang="en-US" sz="2000" b="1" dirty="0"/>
                         <a:t>Stemming</a:t>
                       </a:r>
-                      <a:endParaRPr lang="en-US" sz="2000" b="1" dirty="0"/>
                     </a:p>
                   </a:txBody>
                   <a:tcPr anchor="ctr"/>
@@ -8495,14 +8175,18 @@
                     <a:lstStyle/>
                     <a:p>
                       <a:r>
-                        <a:rPr lang="en-US" sz="2000" b="1" dirty="0" smtClean="0"/>
+                        <a:rPr lang="en-US" sz="2000" b="1" dirty="0"/>
                         <a:t>Lemmatization (POS: Verb)</a:t>
                       </a:r>
-                      <a:endParaRPr lang="en-US" sz="2000" b="1" dirty="0"/>
                     </a:p>
                   </a:txBody>
                   <a:tcPr anchor="ctr"/>
                 </a:tc>
+                <a:extLst>
+                  <a:ext uri="{0D108BD9-81ED-4DB2-BD59-A6C34878D82A}">
+                    <a16:rowId xmlns:a16="http://schemas.microsoft.com/office/drawing/2014/main" val="10000"/>
+                  </a:ext>
+                </a:extLst>
               </a:tr>
               <a:tr h="1009650">
                 <a:tc>
@@ -8511,10 +8195,9 @@
                     <a:lstStyle/>
                     <a:p>
                       <a:r>
-                        <a:rPr lang="en-PH" dirty="0" smtClean="0"/>
+                        <a:rPr lang="en-PH" dirty="0"/>
                         <a:t>running</a:t>
                       </a:r>
-                      <a:endParaRPr lang="en-PH" dirty="0"/>
                     </a:p>
                   </a:txBody>
                   <a:tcPr anchor="ctr"/>
@@ -8525,11 +8208,11 @@
                     <a:lstStyle/>
                     <a:p>
                       <a:r>
-                        <a:rPr lang="en-US" dirty="0" smtClean="0"/>
+                        <a:rPr lang="en-US" dirty="0"/>
                         <a:t>run</a:t>
                       </a:r>
                       <a:r>
-                        <a:rPr lang="en-US" baseline="0" dirty="0" smtClean="0"/>
+                        <a:rPr lang="en-US" baseline="0" dirty="0"/>
                         <a:t> </a:t>
                       </a:r>
                       <a:endParaRPr lang="en-US" dirty="0"/>
@@ -8543,14 +8226,18 @@
                     <a:lstStyle/>
                     <a:p>
                       <a:r>
-                        <a:rPr lang="en-US" dirty="0" smtClean="0"/>
+                        <a:rPr lang="en-US" dirty="0"/>
                         <a:t>run</a:t>
                       </a:r>
-                      <a:endParaRPr lang="en-US" dirty="0"/>
                     </a:p>
                   </a:txBody>
                   <a:tcPr anchor="ctr"/>
                 </a:tc>
+                <a:extLst>
+                  <a:ext uri="{0D108BD9-81ED-4DB2-BD59-A6C34878D82A}">
+                    <a16:rowId xmlns:a16="http://schemas.microsoft.com/office/drawing/2014/main" val="10001"/>
+                  </a:ext>
+                </a:extLst>
               </a:tr>
               <a:tr h="971550">
                 <a:tc>
@@ -8559,7 +8246,7 @@
                     <a:lstStyle/>
                     <a:p>
                       <a:r>
-                        <a:rPr lang="en-US" dirty="0" smtClean="0"/>
+                        <a:rPr lang="en-US" dirty="0"/>
                         <a:t>ran</a:t>
                       </a:r>
                       <a:endParaRPr lang="en-PH" dirty="0"/>
@@ -8573,7 +8260,7 @@
                     <a:lstStyle/>
                     <a:p>
                       <a:r>
-                        <a:rPr lang="en-PH" dirty="0" smtClean="0"/>
+                        <a:rPr lang="en-PH" dirty="0"/>
                         <a:t>ran</a:t>
                       </a:r>
                       <a:endParaRPr lang="en-US" dirty="0"/>
@@ -8587,14 +8274,18 @@
                     <a:lstStyle/>
                     <a:p>
                       <a:r>
-                        <a:rPr lang="en-US" dirty="0" smtClean="0"/>
+                        <a:rPr lang="en-US" dirty="0"/>
                         <a:t>run</a:t>
                       </a:r>
-                      <a:endParaRPr lang="en-US" dirty="0"/>
                     </a:p>
                   </a:txBody>
                   <a:tcPr anchor="ctr"/>
                 </a:tc>
+                <a:extLst>
+                  <a:ext uri="{0D108BD9-81ED-4DB2-BD59-A6C34878D82A}">
+                    <a16:rowId xmlns:a16="http://schemas.microsoft.com/office/drawing/2014/main" val="10002"/>
+                  </a:ext>
+                </a:extLst>
               </a:tr>
               <a:tr h="874419">
                 <a:tc>
@@ -8603,7 +8294,7 @@
                     <a:lstStyle/>
                     <a:p>
                       <a:r>
-                        <a:rPr lang="en-US" dirty="0" smtClean="0"/>
+                        <a:rPr lang="en-US" dirty="0"/>
                         <a:t>runs</a:t>
                       </a:r>
                       <a:endParaRPr lang="en-PH" dirty="0"/>
@@ -8617,10 +8308,9 @@
                     <a:lstStyle/>
                     <a:p>
                       <a:r>
-                        <a:rPr lang="en-US" dirty="0" smtClean="0"/>
+                        <a:rPr lang="en-US" dirty="0"/>
                         <a:t>run</a:t>
                       </a:r>
-                      <a:endParaRPr lang="en-US" dirty="0"/>
                     </a:p>
                   </a:txBody>
                   <a:tcPr anchor="ctr"/>
@@ -8631,14 +8321,18 @@
                     <a:lstStyle/>
                     <a:p>
                       <a:r>
-                        <a:rPr lang="en-US" dirty="0" smtClean="0"/>
+                        <a:rPr lang="en-US" dirty="0"/>
                         <a:t>run</a:t>
                       </a:r>
-                      <a:endParaRPr lang="en-US" dirty="0"/>
                     </a:p>
                   </a:txBody>
                   <a:tcPr anchor="ctr"/>
                 </a:tc>
+                <a:extLst>
+                  <a:ext uri="{0D108BD9-81ED-4DB2-BD59-A6C34878D82A}">
+                    <a16:rowId xmlns:a16="http://schemas.microsoft.com/office/drawing/2014/main" val="10003"/>
+                  </a:ext>
+                </a:extLst>
               </a:tr>
             </a:tbl>
           </a:graphicData>
@@ -8667,12 +8361,8 @@
           <a:lstStyle/>
           <a:p>
             <a:r>
-              <a:rPr lang="en-US" dirty="0" smtClean="0"/>
-              <a:t>* Why </a:t>
-            </a:r>
-            <a:r>
               <a:rPr lang="en-US" dirty="0"/>
-              <a:t>better? Lemmatization recognizes all verb forms and reduces them to the base form (</a:t>
+              <a:t>* Why better? Lemmatization recognizes all verb forms and reduces them to the base form (</a:t>
             </a:r>
             <a:r>
               <a:rPr lang="en-US" i="1" dirty="0"/>
@@ -8682,7 +8372,7 @@
               <a:rPr lang="en-US" dirty="0"/>
               <a:t>)</a:t>
             </a:r>
-            <a:endParaRPr lang="en-PH" dirty="0" smtClean="0"/>
+            <a:endParaRPr lang="en-PH" dirty="0"/>
           </a:p>
         </p:txBody>
       </p:sp>
@@ -8709,10 +8399,10 @@
           <a:lstStyle/>
           <a:p>
             <a:r>
-              <a:rPr lang="en-US" sz="3400" dirty="0" smtClean="0"/>
+              <a:rPr lang="en-US" sz="3400" dirty="0"/>
               <a:t>Example 1. Handling Verb Forms</a:t>
             </a:r>
-            <a:endParaRPr lang="en-PH" sz="3400" dirty="0" smtClean="0"/>
+            <a:endParaRPr lang="en-PH" sz="3400" dirty="0"/>
           </a:p>
         </p:txBody>
       </p:sp>
@@ -8726,13 +8416,6 @@
   <p:clrMapOvr>
     <a:masterClrMapping/>
   </p:clrMapOvr>
-  <p:timing>
-    <p:tnLst>
-      <p:par>
-        <p:cTn id="1" dur="indefinite" restart="never" nodeType="tmRoot"/>
-      </p:par>
-    </p:tnLst>
-  </p:timing>
 </p:sld>
 </file>
 
@@ -8778,9 +8461,27 @@
                 <a:tableStyleId>{5940675A-B579-460E-94D1-54222C63F5DA}</a:tableStyleId>
               </a:tblPr>
               <a:tblGrid>
-                <a:gridCol w="3657600"/>
-                <a:gridCol w="3657600"/>
-                <a:gridCol w="3657600"/>
+                <a:gridCol w="3657600">
+                  <a:extLst>
+                    <a:ext uri="{9D8B030D-6E8A-4147-A177-3AD203B41FA5}">
+                      <a16:colId xmlns:a16="http://schemas.microsoft.com/office/drawing/2014/main" val="20000"/>
+                    </a:ext>
+                  </a:extLst>
+                </a:gridCol>
+                <a:gridCol w="3657600">
+                  <a:extLst>
+                    <a:ext uri="{9D8B030D-6E8A-4147-A177-3AD203B41FA5}">
+                      <a16:colId xmlns:a16="http://schemas.microsoft.com/office/drawing/2014/main" val="20001"/>
+                    </a:ext>
+                  </a:extLst>
+                </a:gridCol>
+                <a:gridCol w="3657600">
+                  <a:extLst>
+                    <a:ext uri="{9D8B030D-6E8A-4147-A177-3AD203B41FA5}">
+                      <a16:colId xmlns:a16="http://schemas.microsoft.com/office/drawing/2014/main" val="20002"/>
+                    </a:ext>
+                  </a:extLst>
+                </a:gridCol>
               </a:tblGrid>
               <a:tr h="0">
                 <a:tc>
@@ -8789,7 +8490,7 @@
                     <a:lstStyle/>
                     <a:p>
                       <a:r>
-                        <a:rPr lang="en-US" sz="2000" b="1" dirty="0" smtClean="0"/>
+                        <a:rPr lang="en-US" sz="2000" b="1" dirty="0"/>
                         <a:t>Word</a:t>
                       </a:r>
                       <a:endParaRPr lang="en-PH" sz="2000" b="1" dirty="0"/>
@@ -8803,10 +8504,9 @@
                     <a:lstStyle/>
                     <a:p>
                       <a:r>
-                        <a:rPr lang="en-US" sz="2000" b="1" dirty="0" smtClean="0"/>
+                        <a:rPr lang="en-US" sz="2000" b="1" dirty="0"/>
                         <a:t>Stemming</a:t>
                       </a:r>
-                      <a:endParaRPr lang="en-US" sz="2000" b="1" dirty="0"/>
                     </a:p>
                   </a:txBody>
                   <a:tcPr anchor="ctr"/>
@@ -8817,14 +8517,18 @@
                     <a:lstStyle/>
                     <a:p>
                       <a:r>
-                        <a:rPr lang="en-US" sz="2000" b="1" dirty="0" smtClean="0"/>
+                        <a:rPr lang="en-US" sz="2000" b="1" dirty="0"/>
                         <a:t>Lemmatization (POS: Nouns)</a:t>
                       </a:r>
-                      <a:endParaRPr lang="en-US" sz="2000" b="1" dirty="0"/>
                     </a:p>
                   </a:txBody>
                   <a:tcPr anchor="ctr"/>
                 </a:tc>
+                <a:extLst>
+                  <a:ext uri="{0D108BD9-81ED-4DB2-BD59-A6C34878D82A}">
+                    <a16:rowId xmlns:a16="http://schemas.microsoft.com/office/drawing/2014/main" val="10000"/>
+                  </a:ext>
+                </a:extLst>
               </a:tr>
               <a:tr h="1009650">
                 <a:tc>
@@ -8833,10 +8537,9 @@
                     <a:lstStyle/>
                     <a:p>
                       <a:r>
-                        <a:rPr lang="en-PH" dirty="0" smtClean="0"/>
+                        <a:rPr lang="en-PH" dirty="0"/>
                         <a:t>geese</a:t>
                       </a:r>
-                      <a:endParaRPr lang="en-PH" dirty="0"/>
                     </a:p>
                   </a:txBody>
                   <a:tcPr anchor="ctr"/>
@@ -8847,10 +8550,9 @@
                     <a:lstStyle/>
                     <a:p>
                       <a:r>
-                        <a:rPr lang="en-US" dirty="0" smtClean="0"/>
+                        <a:rPr lang="en-US" dirty="0"/>
                         <a:t>gees</a:t>
                       </a:r>
-                      <a:endParaRPr lang="en-US" dirty="0"/>
                     </a:p>
                   </a:txBody>
                   <a:tcPr anchor="ctr"/>
@@ -8861,14 +8563,18 @@
                     <a:lstStyle/>
                     <a:p>
                       <a:r>
-                        <a:rPr lang="en-US" dirty="0" smtClean="0"/>
+                        <a:rPr lang="en-US" dirty="0"/>
                         <a:t>goose</a:t>
                       </a:r>
-                      <a:endParaRPr lang="en-US" dirty="0"/>
                     </a:p>
                   </a:txBody>
                   <a:tcPr anchor="ctr"/>
                 </a:tc>
+                <a:extLst>
+                  <a:ext uri="{0D108BD9-81ED-4DB2-BD59-A6C34878D82A}">
+                    <a16:rowId xmlns:a16="http://schemas.microsoft.com/office/drawing/2014/main" val="10001"/>
+                  </a:ext>
+                </a:extLst>
               </a:tr>
               <a:tr h="971550">
                 <a:tc>
@@ -8877,7 +8583,7 @@
                     <a:lstStyle/>
                     <a:p>
                       <a:r>
-                        <a:rPr lang="en-US" dirty="0" smtClean="0"/>
+                        <a:rPr lang="en-US" dirty="0"/>
                         <a:t>feet</a:t>
                       </a:r>
                       <a:endParaRPr lang="en-PH" dirty="0"/>
@@ -8891,7 +8597,7 @@
                     <a:lstStyle/>
                     <a:p>
                       <a:r>
-                        <a:rPr lang="en-PH" dirty="0" smtClean="0"/>
+                        <a:rPr lang="en-PH" dirty="0"/>
                         <a:t>feet</a:t>
                       </a:r>
                       <a:endParaRPr lang="en-US" dirty="0"/>
@@ -8905,14 +8611,18 @@
                     <a:lstStyle/>
                     <a:p>
                       <a:r>
-                        <a:rPr lang="en-US" dirty="0" smtClean="0"/>
+                        <a:rPr lang="en-US" dirty="0"/>
                         <a:t>foot</a:t>
                       </a:r>
-                      <a:endParaRPr lang="en-US" dirty="0"/>
                     </a:p>
                   </a:txBody>
                   <a:tcPr anchor="ctr"/>
                 </a:tc>
+                <a:extLst>
+                  <a:ext uri="{0D108BD9-81ED-4DB2-BD59-A6C34878D82A}">
+                    <a16:rowId xmlns:a16="http://schemas.microsoft.com/office/drawing/2014/main" val="10002"/>
+                  </a:ext>
+                </a:extLst>
               </a:tr>
             </a:tbl>
           </a:graphicData>
@@ -8941,14 +8651,10 @@
           <a:lstStyle/>
           <a:p>
             <a:r>
-              <a:rPr lang="en-US" dirty="0" smtClean="0"/>
-              <a:t>* Why </a:t>
-            </a:r>
-            <a:r>
               <a:rPr lang="en-US" dirty="0"/>
-              <a:t>better? Lemmatization uses dictionary rules to handle irregular nouns.</a:t>
-            </a:r>
-            <a:endParaRPr lang="en-PH" dirty="0" smtClean="0"/>
+              <a:t>* Why better? Lemmatization uses dictionary rules to handle irregular nouns.</a:t>
+            </a:r>
+            <a:endParaRPr lang="en-PH" dirty="0"/>
           </a:p>
         </p:txBody>
       </p:sp>
@@ -8975,10 +8681,10 @@
           <a:lstStyle/>
           <a:p>
             <a:r>
-              <a:rPr lang="en-US" sz="3400" dirty="0" smtClean="0"/>
+              <a:rPr lang="en-US" sz="3400" dirty="0"/>
               <a:t>Example 2. Handling Nouns</a:t>
             </a:r>
-            <a:endParaRPr lang="en-PH" sz="3400" dirty="0" smtClean="0"/>
+            <a:endParaRPr lang="en-PH" sz="3400" dirty="0"/>
           </a:p>
         </p:txBody>
       </p:sp>
@@ -8992,13 +8698,6 @@
   <p:clrMapOvr>
     <a:masterClrMapping/>
   </p:clrMapOvr>
-  <p:timing>
-    <p:tnLst>
-      <p:par>
-        <p:cTn id="1" dur="indefinite" restart="never" nodeType="tmRoot"/>
-      </p:par>
-    </p:tnLst>
-  </p:timing>
 </p:sld>
 </file>
 
@@ -9044,9 +8743,27 @@
                 <a:tableStyleId>{5940675A-B579-460E-94D1-54222C63F5DA}</a:tableStyleId>
               </a:tblPr>
               <a:tblGrid>
-                <a:gridCol w="3657600"/>
-                <a:gridCol w="3657600"/>
-                <a:gridCol w="3657600"/>
+                <a:gridCol w="3657600">
+                  <a:extLst>
+                    <a:ext uri="{9D8B030D-6E8A-4147-A177-3AD203B41FA5}">
+                      <a16:colId xmlns:a16="http://schemas.microsoft.com/office/drawing/2014/main" val="20000"/>
+                    </a:ext>
+                  </a:extLst>
+                </a:gridCol>
+                <a:gridCol w="3657600">
+                  <a:extLst>
+                    <a:ext uri="{9D8B030D-6E8A-4147-A177-3AD203B41FA5}">
+                      <a16:colId xmlns:a16="http://schemas.microsoft.com/office/drawing/2014/main" val="20001"/>
+                    </a:ext>
+                  </a:extLst>
+                </a:gridCol>
+                <a:gridCol w="3657600">
+                  <a:extLst>
+                    <a:ext uri="{9D8B030D-6E8A-4147-A177-3AD203B41FA5}">
+                      <a16:colId xmlns:a16="http://schemas.microsoft.com/office/drawing/2014/main" val="20002"/>
+                    </a:ext>
+                  </a:extLst>
+                </a:gridCol>
               </a:tblGrid>
               <a:tr h="0">
                 <a:tc>
@@ -9055,7 +8772,7 @@
                     <a:lstStyle/>
                     <a:p>
                       <a:r>
-                        <a:rPr lang="en-US" sz="2000" b="1" dirty="0" smtClean="0"/>
+                        <a:rPr lang="en-US" sz="2000" b="1" dirty="0"/>
                         <a:t>Word</a:t>
                       </a:r>
                       <a:endParaRPr lang="en-PH" sz="2000" b="1" dirty="0"/>
@@ -9069,10 +8786,9 @@
                     <a:lstStyle/>
                     <a:p>
                       <a:r>
-                        <a:rPr lang="en-US" sz="2000" b="1" dirty="0" smtClean="0"/>
+                        <a:rPr lang="en-US" sz="2000" b="1" dirty="0"/>
                         <a:t>Stemming</a:t>
                       </a:r>
-                      <a:endParaRPr lang="en-US" sz="2000" b="1" dirty="0"/>
                     </a:p>
                   </a:txBody>
                   <a:tcPr anchor="ctr"/>
@@ -9083,14 +8799,18 @@
                     <a:lstStyle/>
                     <a:p>
                       <a:r>
-                        <a:rPr lang="en-US" sz="2000" b="1" dirty="0" smtClean="0"/>
+                        <a:rPr lang="en-US" sz="2000" b="1" dirty="0"/>
                         <a:t>Lemmatization (POS: Verb)</a:t>
                       </a:r>
-                      <a:endParaRPr lang="en-US" sz="2000" b="1" dirty="0"/>
                     </a:p>
                   </a:txBody>
                   <a:tcPr anchor="ctr"/>
                 </a:tc>
+                <a:extLst>
+                  <a:ext uri="{0D108BD9-81ED-4DB2-BD59-A6C34878D82A}">
+                    <a16:rowId xmlns:a16="http://schemas.microsoft.com/office/drawing/2014/main" val="10000"/>
+                  </a:ext>
+                </a:extLst>
               </a:tr>
               <a:tr h="1009650">
                 <a:tc>
@@ -9099,10 +8819,9 @@
                     <a:lstStyle/>
                     <a:p>
                       <a:r>
-                        <a:rPr lang="en-PH" dirty="0" smtClean="0"/>
+                        <a:rPr lang="en-PH" dirty="0"/>
                         <a:t>organization</a:t>
                       </a:r>
-                      <a:endParaRPr lang="en-PH" dirty="0"/>
                     </a:p>
                   </a:txBody>
                   <a:tcPr anchor="ctr"/>
@@ -9113,10 +8832,9 @@
                     <a:lstStyle/>
                     <a:p>
                       <a:r>
-                        <a:rPr lang="en-US" dirty="0" smtClean="0"/>
+                        <a:rPr lang="en-US" dirty="0"/>
                         <a:t>organ</a:t>
                       </a:r>
-                      <a:endParaRPr lang="en-US" dirty="0"/>
                     </a:p>
                   </a:txBody>
                   <a:tcPr anchor="ctr"/>
@@ -9127,14 +8845,18 @@
                     <a:lstStyle/>
                     <a:p>
                       <a:r>
-                        <a:rPr lang="en-US" dirty="0" smtClean="0"/>
+                        <a:rPr lang="en-US" dirty="0"/>
                         <a:t>organization</a:t>
                       </a:r>
-                      <a:endParaRPr lang="en-US" dirty="0"/>
                     </a:p>
                   </a:txBody>
                   <a:tcPr anchor="ctr"/>
                 </a:tc>
+                <a:extLst>
+                  <a:ext uri="{0D108BD9-81ED-4DB2-BD59-A6C34878D82A}">
+                    <a16:rowId xmlns:a16="http://schemas.microsoft.com/office/drawing/2014/main" val="10001"/>
+                  </a:ext>
+                </a:extLst>
               </a:tr>
               <a:tr h="971550">
                 <a:tc>
@@ -9143,7 +8865,7 @@
                     <a:lstStyle/>
                     <a:p>
                       <a:r>
-                        <a:rPr lang="en-US" dirty="0" smtClean="0"/>
+                        <a:rPr lang="en-US" dirty="0"/>
                         <a:t>organize</a:t>
                       </a:r>
                       <a:endParaRPr lang="en-PH" dirty="0"/>
@@ -9157,10 +8879,9 @@
                     <a:lstStyle/>
                     <a:p>
                       <a:r>
-                        <a:rPr lang="en-US" dirty="0" smtClean="0"/>
+                        <a:rPr lang="en-US" dirty="0"/>
                         <a:t>organ</a:t>
                       </a:r>
-                      <a:endParaRPr lang="en-US" dirty="0"/>
                     </a:p>
                   </a:txBody>
                   <a:tcPr anchor="ctr"/>
@@ -9171,14 +8892,18 @@
                     <a:lstStyle/>
                     <a:p>
                       <a:r>
-                        <a:rPr lang="en-US" dirty="0" smtClean="0"/>
+                        <a:rPr lang="en-US" dirty="0"/>
                         <a:t>organize</a:t>
                       </a:r>
-                      <a:endParaRPr lang="en-US" dirty="0"/>
                     </a:p>
                   </a:txBody>
                   <a:tcPr anchor="ctr"/>
                 </a:tc>
+                <a:extLst>
+                  <a:ext uri="{0D108BD9-81ED-4DB2-BD59-A6C34878D82A}">
+                    <a16:rowId xmlns:a16="http://schemas.microsoft.com/office/drawing/2014/main" val="10002"/>
+                  </a:ext>
+                </a:extLst>
               </a:tr>
             </a:tbl>
           </a:graphicData>
@@ -9207,14 +8932,10 @@
           <a:lstStyle/>
           <a:p>
             <a:r>
-              <a:rPr lang="en-US" dirty="0" smtClean="0"/>
-              <a:t>* Why </a:t>
-            </a:r>
-            <a:r>
               <a:rPr lang="en-US" dirty="0"/>
-              <a:t>better? Stemming cuts too aggressively, losing meaning, while lemmatization retains proper forms.</a:t>
-            </a:r>
-            <a:endParaRPr lang="en-PH" dirty="0" smtClean="0"/>
+              <a:t>* Why better? Stemming cuts too aggressively, losing meaning, while lemmatization retains proper forms.</a:t>
+            </a:r>
+            <a:endParaRPr lang="en-PH" dirty="0"/>
           </a:p>
         </p:txBody>
       </p:sp>
@@ -9241,10 +8962,10 @@
           <a:lstStyle/>
           <a:p>
             <a:r>
-              <a:rPr lang="en-US" sz="3400" dirty="0" smtClean="0"/>
+              <a:rPr lang="en-US" sz="3400" dirty="0"/>
               <a:t>Example 3. Avoiding Over-Stemming</a:t>
             </a:r>
-            <a:endParaRPr lang="en-PH" sz="3400" dirty="0" smtClean="0"/>
+            <a:endParaRPr lang="en-PH" sz="3400" dirty="0"/>
           </a:p>
         </p:txBody>
       </p:sp>
@@ -9258,13 +8979,6 @@
   <p:clrMapOvr>
     <a:masterClrMapping/>
   </p:clrMapOvr>
-  <p:timing>
-    <p:tnLst>
-      <p:par>
-        <p:cTn id="1" dur="indefinite" restart="never" nodeType="tmRoot"/>
-      </p:par>
-    </p:tnLst>
-  </p:timing>
 </p:sld>
 </file>
 
@@ -9310,9 +9024,27 @@
                 <a:tableStyleId>{5940675A-B579-460E-94D1-54222C63F5DA}</a:tableStyleId>
               </a:tblPr>
               <a:tblGrid>
-                <a:gridCol w="3657600"/>
-                <a:gridCol w="3657600"/>
-                <a:gridCol w="3657600"/>
+                <a:gridCol w="3657600">
+                  <a:extLst>
+                    <a:ext uri="{9D8B030D-6E8A-4147-A177-3AD203B41FA5}">
+                      <a16:colId xmlns:a16="http://schemas.microsoft.com/office/drawing/2014/main" val="20000"/>
+                    </a:ext>
+                  </a:extLst>
+                </a:gridCol>
+                <a:gridCol w="3657600">
+                  <a:extLst>
+                    <a:ext uri="{9D8B030D-6E8A-4147-A177-3AD203B41FA5}">
+                      <a16:colId xmlns:a16="http://schemas.microsoft.com/office/drawing/2014/main" val="20001"/>
+                    </a:ext>
+                  </a:extLst>
+                </a:gridCol>
+                <a:gridCol w="3657600">
+                  <a:extLst>
+                    <a:ext uri="{9D8B030D-6E8A-4147-A177-3AD203B41FA5}">
+                      <a16:colId xmlns:a16="http://schemas.microsoft.com/office/drawing/2014/main" val="20002"/>
+                    </a:ext>
+                  </a:extLst>
+                </a:gridCol>
               </a:tblGrid>
               <a:tr h="0">
                 <a:tc>
@@ -9321,7 +9053,7 @@
                     <a:lstStyle/>
                     <a:p>
                       <a:r>
-                        <a:rPr lang="en-US" sz="2000" b="1" dirty="0" smtClean="0"/>
+                        <a:rPr lang="en-US" sz="2000" b="1" dirty="0"/>
                         <a:t>Word</a:t>
                       </a:r>
                       <a:endParaRPr lang="en-PH" sz="2000" b="1" dirty="0"/>
@@ -9335,10 +9067,9 @@
                     <a:lstStyle/>
                     <a:p>
                       <a:r>
-                        <a:rPr lang="en-US" sz="2000" b="1" dirty="0" smtClean="0"/>
+                        <a:rPr lang="en-US" sz="2000" b="1" dirty="0"/>
                         <a:t>Stemming</a:t>
                       </a:r>
-                      <a:endParaRPr lang="en-US" sz="2000" b="1" dirty="0"/>
                     </a:p>
                   </a:txBody>
                   <a:tcPr anchor="ctr"/>
@@ -9349,14 +9080,18 @@
                     <a:lstStyle/>
                     <a:p>
                       <a:r>
-                        <a:rPr lang="en-US" sz="2000" b="1" dirty="0" smtClean="0"/>
+                        <a:rPr lang="en-US" sz="2000" b="1" dirty="0"/>
                         <a:t>Lemmatization</a:t>
                       </a:r>
-                      <a:endParaRPr lang="en-US" sz="2000" b="1" dirty="0"/>
                     </a:p>
                   </a:txBody>
                   <a:tcPr anchor="ctr"/>
                 </a:tc>
+                <a:extLst>
+                  <a:ext uri="{0D108BD9-81ED-4DB2-BD59-A6C34878D82A}">
+                    <a16:rowId xmlns:a16="http://schemas.microsoft.com/office/drawing/2014/main" val="10000"/>
+                  </a:ext>
+                </a:extLst>
               </a:tr>
               <a:tr h="1009650">
                 <a:tc>
@@ -9365,11 +9100,11 @@
                     <a:lstStyle/>
                     <a:p>
                       <a:r>
-                        <a:rPr lang="en-US" dirty="0" smtClean="0"/>
+                        <a:rPr lang="en-US" dirty="0"/>
                         <a:t>He</a:t>
                       </a:r>
                       <a:r>
-                        <a:rPr lang="en-US" baseline="0" dirty="0" smtClean="0"/>
+                        <a:rPr lang="en-US" baseline="0" dirty="0"/>
                         <a:t> is building a house.</a:t>
                       </a:r>
                       <a:endParaRPr lang="en-PH" dirty="0"/>
@@ -9383,11 +9118,11 @@
                     <a:lstStyle/>
                     <a:p>
                       <a:r>
-                        <a:rPr lang="en-US" dirty="0" smtClean="0"/>
+                        <a:rPr lang="en-US" dirty="0"/>
                         <a:t>He</a:t>
                       </a:r>
                       <a:r>
-                        <a:rPr lang="en-US" baseline="0" dirty="0" smtClean="0"/>
+                        <a:rPr lang="en-US" baseline="0" dirty="0"/>
                         <a:t> is build a house</a:t>
                       </a:r>
                       <a:endParaRPr lang="en-US" dirty="0"/>
@@ -9401,14 +9136,18 @@
                     <a:lstStyle/>
                     <a:p>
                       <a:r>
-                        <a:rPr lang="en-US" dirty="0" smtClean="0"/>
+                        <a:rPr lang="en-US" dirty="0"/>
                         <a:t>He is building a house.</a:t>
                       </a:r>
-                      <a:endParaRPr lang="en-US" dirty="0"/>
                     </a:p>
                   </a:txBody>
                   <a:tcPr anchor="ctr"/>
                 </a:tc>
+                <a:extLst>
+                  <a:ext uri="{0D108BD9-81ED-4DB2-BD59-A6C34878D82A}">
+                    <a16:rowId xmlns:a16="http://schemas.microsoft.com/office/drawing/2014/main" val="10001"/>
+                  </a:ext>
+                </a:extLst>
               </a:tr>
               <a:tr h="971550">
                 <a:tc>
@@ -9417,7 +9156,7 @@
                     <a:lstStyle/>
                     <a:p>
                       <a:r>
-                        <a:rPr lang="en-US" dirty="0" smtClean="0"/>
+                        <a:rPr lang="en-US" dirty="0"/>
                         <a:t>They build houses</a:t>
                       </a:r>
                       <a:endParaRPr lang="en-PH" dirty="0"/>
@@ -9431,10 +9170,9 @@
                     <a:lstStyle/>
                     <a:p>
                       <a:r>
-                        <a:rPr lang="en-US" dirty="0" smtClean="0"/>
+                        <a:rPr lang="en-US" dirty="0"/>
                         <a:t>They build house.</a:t>
                       </a:r>
-                      <a:endParaRPr lang="en-US" dirty="0"/>
                     </a:p>
                   </a:txBody>
                   <a:tcPr anchor="ctr"/>
@@ -9445,11 +9183,11 @@
                     <a:lstStyle/>
                     <a:p>
                       <a:r>
-                        <a:rPr lang="en-US" dirty="0" smtClean="0"/>
+                        <a:rPr lang="en-US" dirty="0"/>
                         <a:t>They build</a:t>
                       </a:r>
                       <a:r>
-                        <a:rPr lang="en-US" baseline="0" dirty="0" smtClean="0"/>
+                        <a:rPr lang="en-US" baseline="0" dirty="0"/>
                         <a:t> houses</a:t>
                       </a:r>
                       <a:endParaRPr lang="en-US" dirty="0"/>
@@ -9457,6 +9195,11 @@
                   </a:txBody>
                   <a:tcPr anchor="ctr"/>
                 </a:tc>
+                <a:extLst>
+                  <a:ext uri="{0D108BD9-81ED-4DB2-BD59-A6C34878D82A}">
+                    <a16:rowId xmlns:a16="http://schemas.microsoft.com/office/drawing/2014/main" val="10002"/>
+                  </a:ext>
+                </a:extLst>
               </a:tr>
             </a:tbl>
           </a:graphicData>
@@ -9485,12 +9228,8 @@
           <a:lstStyle/>
           <a:p>
             <a:r>
-              <a:rPr lang="en-US" dirty="0" smtClean="0"/>
-              <a:t>* Why </a:t>
-            </a:r>
-            <a:r>
               <a:rPr lang="en-US" dirty="0"/>
-              <a:t>better? Lemmatization retains proper inflection and </a:t>
+              <a:t>* Why better? Lemmatization retains proper inflection and </a:t>
             </a:r>
             <a:r>
               <a:rPr lang="en-US" dirty="0" err="1"/>
@@ -9500,7 +9239,7 @@
               <a:rPr lang="en-US" dirty="0"/>
               <a:t> based on sentence context.</a:t>
             </a:r>
-            <a:endParaRPr lang="en-PH" dirty="0" smtClean="0"/>
+            <a:endParaRPr lang="en-PH" dirty="0"/>
           </a:p>
         </p:txBody>
       </p:sp>
@@ -9527,10 +9266,10 @@
           <a:lstStyle/>
           <a:p>
             <a:r>
-              <a:rPr lang="en-US" sz="3400" dirty="0" smtClean="0"/>
+              <a:rPr lang="en-US" sz="3400" dirty="0"/>
               <a:t>Example 4. Context Sensitivity</a:t>
             </a:r>
-            <a:endParaRPr lang="en-PH" sz="3400" dirty="0" smtClean="0"/>
+            <a:endParaRPr lang="en-PH" sz="3400" dirty="0"/>
           </a:p>
         </p:txBody>
       </p:sp>
@@ -9544,13 +9283,6 @@
   <p:clrMapOvr>
     <a:masterClrMapping/>
   </p:clrMapOvr>
-  <p:timing>
-    <p:tnLst>
-      <p:par>
-        <p:cTn id="1" dur="indefinite" restart="never" nodeType="tmRoot"/>
-      </p:par>
-    </p:tnLst>
-  </p:timing>
 </p:sld>
 </file>
 
@@ -9594,7 +9326,7 @@
           <a:lstStyle/>
           <a:p>
             <a:r>
-              <a:rPr lang="en-US" sz="4000" dirty="0" smtClean="0"/>
+              <a:rPr lang="en-US" sz="4000" dirty="0"/>
               <a:t>Advantages of Lemmatization over Stemming</a:t>
             </a:r>
           </a:p>
@@ -9606,16 +9338,12 @@
               <a:buAutoNum type="arabicPeriod"/>
             </a:pPr>
             <a:r>
-              <a:rPr lang="en-US" sz="3600" b="1" dirty="0" smtClean="0"/>
+              <a:rPr lang="en-US" sz="3600" b="1" dirty="0"/>
               <a:t>Accuracy</a:t>
             </a:r>
             <a:r>
               <a:rPr lang="en-US" sz="3600" dirty="0"/>
-              <a:t>: Produces correct dictionary words and considers POS tags</a:t>
-            </a:r>
-            <a:r>
-              <a:rPr lang="en-US" sz="3600" dirty="0" smtClean="0"/>
-              <a:t>.</a:t>
+              <a:t>: Produces correct dictionary words and considers POS tags.</a:t>
             </a:r>
           </a:p>
           <a:p>
@@ -9628,11 +9356,7 @@
             </a:r>
             <a:r>
               <a:rPr lang="en-US" sz="3600" dirty="0"/>
-              <a:t>: Handles irregular forms and context-sensitive words</a:t>
-            </a:r>
-            <a:r>
-              <a:rPr lang="en-US" sz="3600" dirty="0" smtClean="0"/>
-              <a:t>.</a:t>
+              <a:t>: Handles irregular forms and context-sensitive words.</a:t>
             </a:r>
           </a:p>
           <a:p>
@@ -9646,13 +9370,8 @@
             </a:r>
             <a:r>
               <a:rPr lang="en-US" sz="3600" dirty="0"/>
-              <a:t>: Outputs meaningful words suitable for downstream tasks like summarization or translation</a:t>
-            </a:r>
-            <a:r>
-              <a:rPr lang="en-US" sz="3600" dirty="0" smtClean="0"/>
-              <a:t>.</a:t>
-            </a:r>
-            <a:endParaRPr lang="en-US" sz="3600" dirty="0"/>
+              <a:t>: Outputs meaningful words suitable for downstream tasks like summarization or translation.</a:t>
+            </a:r>
           </a:p>
         </p:txBody>
       </p:sp>
@@ -9666,13 +9385,6 @@
   <p:clrMapOvr>
     <a:masterClrMapping/>
   </p:clrMapOvr>
-  <p:timing>
-    <p:tnLst>
-      <p:par>
-        <p:cTn id="1" dur="indefinite" restart="never" nodeType="tmRoot"/>
-      </p:par>
-    </p:tnLst>
-  </p:timing>
 </p:sld>
 </file>
 
@@ -9767,13 +9479,6 @@
   <p:clrMapOvr>
     <a:masterClrMapping/>
   </p:clrMapOvr>
-  <p:timing>
-    <p:tnLst>
-      <p:par>
-        <p:cTn id="1" dur="indefinite" restart="never" nodeType="tmRoot"/>
-      </p:par>
-    </p:tnLst>
-  </p:timing>
 </p:sld>
 </file>
 
@@ -9821,11 +9526,11 @@
               <a:buChar char="-"/>
             </a:pPr>
             <a:r>
-              <a:rPr lang="en-US" sz="3600" dirty="0" smtClean="0"/>
+              <a:rPr lang="en-US" sz="3600" dirty="0"/>
               <a:t>NLP attempts to use a </a:t>
             </a:r>
             <a:r>
-              <a:rPr lang="en-US" sz="3600" b="1" dirty="0" smtClean="0">
+              <a:rPr lang="en-US" sz="3600" b="1" dirty="0">
                 <a:solidFill>
                   <a:srgbClr val="C00000"/>
                 </a:solidFill>
@@ -9833,10 +9538,9 @@
               <a:t>variety of techniques </a:t>
             </a:r>
             <a:r>
-              <a:rPr lang="en-US" sz="3600" dirty="0" smtClean="0"/>
+              <a:rPr lang="en-US" sz="3600" dirty="0"/>
               <a:t>in order to create a structure out of text data</a:t>
             </a:r>
-            <a:endParaRPr lang="en-US" sz="3600" dirty="0"/>
           </a:p>
           <a:p>
             <a:pPr marL="457200" indent="-457200">
@@ -9851,11 +9555,11 @@
               <a:buChar char="-"/>
             </a:pPr>
             <a:r>
-              <a:rPr lang="en-US" sz="3600" dirty="0" smtClean="0"/>
+              <a:rPr lang="en-US" sz="3600" dirty="0"/>
               <a:t>We will discuss (first) some of the techniques using libraries such as </a:t>
             </a:r>
             <a:r>
-              <a:rPr lang="en-US" sz="3600" b="1" dirty="0" smtClean="0">
+              <a:rPr lang="en-US" sz="3600" b="1" dirty="0">
                 <a:solidFill>
                   <a:srgbClr val="C00000"/>
                 </a:solidFill>
@@ -9863,11 +9567,11 @@
               <a:t>Spacy</a:t>
             </a:r>
             <a:r>
-              <a:rPr lang="en-US" sz="3600" dirty="0" smtClean="0"/>
+              <a:rPr lang="en-US" sz="3600" dirty="0"/>
               <a:t> and </a:t>
             </a:r>
             <a:r>
-              <a:rPr lang="en-US" sz="3600" b="1" dirty="0" smtClean="0">
+              <a:rPr lang="en-US" sz="3600" b="1" dirty="0">
                 <a:solidFill>
                   <a:srgbClr val="C00000"/>
                 </a:solidFill>
@@ -9887,13 +9591,6 @@
   <p:clrMapOvr>
     <a:masterClrMapping/>
   </p:clrMapOvr>
-  <p:timing>
-    <p:tnLst>
-      <p:par>
-        <p:cTn id="1" dur="indefinite" restart="never" nodeType="tmRoot"/>
-      </p:par>
-    </p:tnLst>
-  </p:timing>
 </p:sld>
 </file>
 
@@ -9938,7 +9635,7 @@
           <a:p>
             <a:pPr algn="ctr"/>
             <a:r>
-              <a:rPr lang="en-US" sz="6000" b="1" dirty="0" smtClean="0">
+              <a:rPr lang="en-US" sz="6000" b="1" dirty="0">
                 <a:latin typeface="Arial" pitchFamily="34" charset="0"/>
                 <a:cs typeface="Arial" pitchFamily="34" charset="0"/>
               </a:rPr>
@@ -9964,13 +9661,6 @@
   <p:clrMapOvr>
     <a:masterClrMapping/>
   </p:clrMapOvr>
-  <p:timing>
-    <p:tnLst>
-      <p:par>
-        <p:cTn id="1" dur="indefinite" restart="never" nodeType="tmRoot"/>
-      </p:par>
-    </p:tnLst>
-  </p:timing>
 </p:sld>
 </file>
 
@@ -10015,7 +9705,7 @@
           <a:p>
             <a:pPr algn="ctr"/>
             <a:r>
-              <a:rPr lang="en-US" sz="6000" b="1" dirty="0" smtClean="0">
+              <a:rPr lang="en-US" sz="6000" b="1" dirty="0">
                 <a:latin typeface="Arial" pitchFamily="34" charset="0"/>
                 <a:cs typeface="Arial" pitchFamily="34" charset="0"/>
               </a:rPr>
@@ -10041,13 +9731,6 @@
   <p:clrMapOvr>
     <a:masterClrMapping/>
   </p:clrMapOvr>
-  <p:timing>
-    <p:tnLst>
-      <p:par>
-        <p:cTn id="1" dur="indefinite" restart="never" nodeType="tmRoot"/>
-      </p:par>
-    </p:tnLst>
-  </p:timing>
 </p:sld>
 </file>
 
@@ -10095,11 +9778,11 @@
               <a:buChar char="-"/>
             </a:pPr>
             <a:r>
-              <a:rPr lang="en-US" sz="3600" dirty="0" smtClean="0"/>
+              <a:rPr lang="en-US" sz="3600" dirty="0"/>
               <a:t>Stop words are common words in a language (e.g. </a:t>
             </a:r>
             <a:r>
-              <a:rPr lang="en-US" sz="3600" i="1" dirty="0" smtClean="0">
+              <a:rPr lang="en-US" sz="3600" i="1" dirty="0">
                 <a:solidFill>
                   <a:srgbClr val="C00000"/>
                 </a:solidFill>
@@ -10107,11 +9790,11 @@
               <a:t>the</a:t>
             </a:r>
             <a:r>
-              <a:rPr lang="en-US" sz="3600" dirty="0" smtClean="0"/>
+              <a:rPr lang="en-US" sz="3600" dirty="0"/>
               <a:t>, </a:t>
             </a:r>
             <a:r>
-              <a:rPr lang="en-US" sz="3600" i="1" dirty="0" smtClean="0">
+              <a:rPr lang="en-US" sz="3600" i="1" dirty="0">
                 <a:solidFill>
                   <a:srgbClr val="C00000"/>
                 </a:solidFill>
@@ -10119,11 +9802,11 @@
               <a:t>is</a:t>
             </a:r>
             <a:r>
-              <a:rPr lang="en-US" sz="3600" dirty="0" smtClean="0"/>
+              <a:rPr lang="en-US" sz="3600" dirty="0"/>
               <a:t>, </a:t>
             </a:r>
             <a:r>
-              <a:rPr lang="en-US" sz="3600" i="1" dirty="0" smtClean="0">
+              <a:rPr lang="en-US" sz="3600" i="1" dirty="0">
                 <a:solidFill>
                   <a:srgbClr val="C00000"/>
                 </a:solidFill>
@@ -10131,11 +9814,11 @@
               <a:t>in</a:t>
             </a:r>
             <a:r>
-              <a:rPr lang="en-US" sz="3600" dirty="0" smtClean="0"/>
+              <a:rPr lang="en-US" sz="3600" dirty="0"/>
               <a:t>, </a:t>
             </a:r>
             <a:r>
-              <a:rPr lang="en-US" sz="3600" i="1" dirty="0" smtClean="0">
+              <a:rPr lang="en-US" sz="3600" i="1" dirty="0">
                 <a:solidFill>
                   <a:srgbClr val="C00000"/>
                 </a:solidFill>
@@ -10143,7 +9826,7 @@
               <a:t>and</a:t>
             </a:r>
             <a:r>
-              <a:rPr lang="en-US" sz="3600" dirty="0" smtClean="0"/>
+              <a:rPr lang="en-US" sz="3600" dirty="0"/>
               <a:t>) that are frequently filtered out in text processing because they are often not significant for tasks like information retrieval, text classification, or sentiment analysis.</a:t>
             </a:r>
           </a:p>
@@ -10152,7 +9835,7 @@
               <a:buFontTx/>
               <a:buChar char="-"/>
             </a:pPr>
-            <a:endParaRPr lang="en-US" sz="4000" dirty="0" smtClean="0"/>
+            <a:endParaRPr lang="en-US" sz="4000" dirty="0"/>
           </a:p>
           <a:p>
             <a:pPr marL="571500" indent="-571500">
@@ -10160,11 +9843,11 @@
               <a:buChar char="-"/>
             </a:pPr>
             <a:r>
-              <a:rPr lang="en-US" sz="3600" dirty="0" smtClean="0"/>
+              <a:rPr lang="en-US" sz="3600" dirty="0"/>
               <a:t>They are frequent but </a:t>
             </a:r>
             <a:r>
-              <a:rPr lang="en-US" sz="3600" dirty="0" smtClean="0">
+              <a:rPr lang="en-US" sz="3600" dirty="0">
                 <a:solidFill>
                   <a:srgbClr val="C00000"/>
                 </a:solidFill>
@@ -10172,10 +9855,9 @@
               <a:t>do not contribute </a:t>
             </a:r>
             <a:r>
-              <a:rPr lang="en-US" sz="3600" dirty="0" smtClean="0"/>
+              <a:rPr lang="en-US" sz="3600" dirty="0"/>
               <a:t>much meaning to the overall text</a:t>
             </a:r>
-            <a:endParaRPr lang="en-US" sz="3600" dirty="0"/>
           </a:p>
         </p:txBody>
       </p:sp>
@@ -10189,13 +9871,6 @@
   <p:clrMapOvr>
     <a:masterClrMapping/>
   </p:clrMapOvr>
-  <p:timing>
-    <p:tnLst>
-      <p:par>
-        <p:cTn id="1" dur="indefinite" restart="never" nodeType="tmRoot"/>
-      </p:par>
-    </p:tnLst>
-  </p:timing>
 </p:sld>
 </file>
 
@@ -10243,7 +9918,7 @@
               <a:buChar char="-"/>
             </a:pPr>
             <a:r>
-              <a:rPr lang="en-US" sz="3600" dirty="0" smtClean="0"/>
+              <a:rPr lang="en-US" sz="3600" dirty="0"/>
               <a:t>Spacy holds a built-in list of English stop words</a:t>
             </a:r>
           </a:p>
@@ -10272,13 +9947,13 @@
           <a:lstStyle/>
           <a:p>
             <a:r>
-              <a:rPr lang="en-US" sz="3600" b="1" dirty="0" smtClean="0"/>
+              <a:rPr lang="en-US" sz="3600" b="1" dirty="0"/>
               <a:t>Common English Stop Words</a:t>
             </a:r>
           </a:p>
           <a:p>
             <a:r>
-              <a:rPr lang="en-US" sz="3600" dirty="0" smtClean="0"/>
+              <a:rPr lang="en-US" sz="3600" dirty="0"/>
               <a:t>- is, are, the, a, an, of, in, on, and, it, to.</a:t>
             </a:r>
           </a:p>
@@ -10294,13 +9969,6 @@
   <p:clrMapOvr>
     <a:masterClrMapping/>
   </p:clrMapOvr>
-  <p:timing>
-    <p:tnLst>
-      <p:par>
-        <p:cTn id="1" dur="indefinite" restart="never" nodeType="tmRoot"/>
-      </p:par>
-    </p:tnLst>
-  </p:timing>
 </p:sld>
 </file>
 
@@ -10344,13 +10012,13 @@
           <a:lstStyle/>
           <a:p>
             <a:r>
-              <a:rPr lang="en-US" sz="3600" b="1" dirty="0" smtClean="0"/>
+              <a:rPr lang="en-US" sz="3600" b="1" dirty="0"/>
               <a:t>Example: </a:t>
             </a:r>
           </a:p>
           <a:p>
             <a:r>
-              <a:rPr lang="en-US" sz="3600" dirty="0" smtClean="0"/>
+              <a:rPr lang="en-US" sz="3600" dirty="0"/>
               <a:t>“The quick brown fox jumps over the lazy dog.”</a:t>
             </a:r>
           </a:p>
@@ -10359,22 +10027,14 @@
           </a:p>
           <a:p>
             <a:r>
-              <a:rPr lang="en-US" sz="3600" b="1" dirty="0" smtClean="0"/>
+              <a:rPr lang="en-US" sz="3600" b="1" dirty="0"/>
               <a:t>With Stop Words:</a:t>
             </a:r>
           </a:p>
           <a:p>
             <a:r>
-              <a:rPr lang="en-US" sz="3600" dirty="0" smtClean="0"/>
-              <a:t>“quick </a:t>
-            </a:r>
-            <a:r>
               <a:rPr lang="en-US" sz="3600" dirty="0"/>
-              <a:t>brown fox jumps over the lazy </a:t>
-            </a:r>
-            <a:r>
-              <a:rPr lang="en-US" sz="3600" dirty="0" smtClean="0"/>
-              <a:t>dog.”</a:t>
+              <a:t>“quick brown fox jumps over the lazy dog.”</a:t>
             </a:r>
           </a:p>
         </p:txBody>
@@ -10389,13 +10049,6 @@
   <p:clrMapOvr>
     <a:masterClrMapping/>
   </p:clrMapOvr>
-  <p:timing>
-    <p:tnLst>
-      <p:par>
-        <p:cTn id="1" dur="indefinite" restart="never" nodeType="tmRoot"/>
-      </p:par>
-    </p:tnLst>
-  </p:timing>
 </p:sld>
 </file>
 
@@ -10440,7 +10093,7 @@
           <a:p>
             <a:pPr algn="ctr"/>
             <a:r>
-              <a:rPr lang="en-US" sz="6000" b="1" dirty="0" smtClean="0">
+              <a:rPr lang="en-US" sz="6000" b="1" dirty="0">
                 <a:latin typeface="Arial" pitchFamily="34" charset="0"/>
                 <a:cs typeface="Arial" pitchFamily="34" charset="0"/>
               </a:rPr>
@@ -10510,7 +10163,7 @@
           <a:p>
             <a:pPr algn="ctr"/>
             <a:r>
-              <a:rPr lang="en-US" sz="6000" b="1" dirty="0" smtClean="0">
+              <a:rPr lang="en-US" sz="6000" b="1" dirty="0">
                 <a:latin typeface="Arial" pitchFamily="34" charset="0"/>
                 <a:cs typeface="Arial" pitchFamily="34" charset="0"/>
               </a:rPr>
@@ -10583,7 +10236,7 @@
               <a:buChar char="-"/>
             </a:pPr>
             <a:r>
-              <a:rPr lang="en-US" sz="3600" dirty="0" smtClean="0"/>
+              <a:rPr lang="en-US" sz="3600" dirty="0"/>
               <a:t>We will identify and label specific phrases that match patterns that we can define ourselves</a:t>
             </a:r>
           </a:p>
@@ -10600,7 +10253,7 @@
               <a:buChar char="-"/>
             </a:pPr>
             <a:r>
-              <a:rPr lang="en-US" sz="3600" dirty="0" smtClean="0"/>
+              <a:rPr lang="en-US" sz="3600" dirty="0"/>
               <a:t>We will take parts of speech into account for our pattern search</a:t>
             </a:r>
           </a:p>
@@ -10616,13 +10269,6 @@
   <p:clrMapOvr>
     <a:masterClrMapping/>
   </p:clrMapOvr>
-  <p:timing>
-    <p:tnLst>
-      <p:par>
-        <p:cTn id="1" dur="indefinite" restart="never" nodeType="tmRoot"/>
-      </p:par>
-    </p:tnLst>
-  </p:timing>
 </p:sld>
 </file>
 
@@ -10667,7 +10313,7 @@
           <a:p>
             <a:pPr algn="ctr"/>
             <a:r>
-              <a:rPr lang="en-US" sz="6000" b="1" dirty="0" smtClean="0">
+              <a:rPr lang="en-US" sz="6000" b="1" dirty="0">
                 <a:latin typeface="Arial" pitchFamily="34" charset="0"/>
                 <a:cs typeface="Arial" pitchFamily="34" charset="0"/>
               </a:rPr>
@@ -10813,7 +10459,7 @@
           <a:lstStyle/>
           <a:p>
             <a:r>
-              <a:rPr lang="en-US" sz="3600" b="1" dirty="0" smtClean="0"/>
+              <a:rPr lang="en-US" sz="3600" b="1" dirty="0"/>
               <a:t>Use Cases of NLP:</a:t>
             </a:r>
           </a:p>
@@ -10822,7 +10468,7 @@
               <a:buFontTx/>
               <a:buChar char="-"/>
             </a:pPr>
-            <a:endParaRPr lang="en-US" sz="2400" dirty="0" smtClean="0"/>
+            <a:endParaRPr lang="en-US" sz="2400" dirty="0"/>
           </a:p>
           <a:p>
             <a:pPr marL="457200" indent="-457200">
@@ -10830,10 +10476,9 @@
               <a:buChar char="-"/>
             </a:pPr>
             <a:r>
-              <a:rPr lang="en-US" sz="3600" dirty="0" smtClean="0"/>
+              <a:rPr lang="en-US" sz="3600" dirty="0"/>
               <a:t>Classifying emails as spam vs. legitimate</a:t>
             </a:r>
-            <a:endParaRPr lang="en-US" sz="3600" dirty="0"/>
           </a:p>
           <a:p>
             <a:pPr marL="457200" indent="-457200">
@@ -10841,24 +10486,8 @@
               <a:buChar char="-"/>
             </a:pPr>
             <a:r>
-              <a:rPr lang="en-US" sz="3600" dirty="0" smtClean="0"/>
-              <a:t>Sentiment analysis of text </a:t>
-            </a:r>
-            <a:r>
               <a:rPr lang="en-US" sz="3600" dirty="0"/>
-              <a:t>m</a:t>
-            </a:r>
-            <a:r>
-              <a:rPr lang="en-US" sz="3600" dirty="0" smtClean="0"/>
-              <a:t>ovie </a:t>
-            </a:r>
-            <a:r>
-              <a:rPr lang="en-US" sz="3600" dirty="0"/>
-              <a:t>r</a:t>
-            </a:r>
-            <a:r>
-              <a:rPr lang="en-US" sz="3600" dirty="0" smtClean="0"/>
-              <a:t>eviews</a:t>
+              <a:t>Sentiment analysis of text movie reviews</a:t>
             </a:r>
           </a:p>
           <a:p>
@@ -10867,7 +10496,7 @@
               <a:buChar char="-"/>
             </a:pPr>
             <a:r>
-              <a:rPr lang="en-US" sz="3600" dirty="0" smtClean="0"/>
+              <a:rPr lang="en-US" sz="3600" dirty="0"/>
               <a:t>Analyzing trends from written customer feedback forms</a:t>
             </a:r>
           </a:p>
@@ -10877,7 +10506,7 @@
               <a:buChar char="-"/>
             </a:pPr>
             <a:r>
-              <a:rPr lang="en-US" sz="3600" dirty="0" smtClean="0"/>
+              <a:rPr lang="en-US" sz="3600" dirty="0"/>
               <a:t>Understanding text commands, “Hey Google, play this song”</a:t>
             </a:r>
           </a:p>
@@ -10893,13 +10522,6 @@
   <p:clrMapOvr>
     <a:masterClrMapping/>
   </p:clrMapOvr>
-  <p:timing>
-    <p:tnLst>
-      <p:par>
-        <p:cTn id="1" dur="indefinite" restart="never" nodeType="tmRoot"/>
-      </p:par>
-    </p:tnLst>
-  </p:timing>
 </p:sld>
 </file>
 
@@ -10947,7 +10569,7 @@
               <a:buChar char="-"/>
             </a:pPr>
             <a:r>
-              <a:rPr lang="en-US" sz="3600" dirty="0" smtClean="0"/>
+              <a:rPr lang="en-US" sz="3600" dirty="0"/>
               <a:t>NLP is constantly evolving and great strides are made every month.</a:t>
             </a:r>
           </a:p>
@@ -10964,7 +10586,7 @@
               <a:buChar char="-"/>
             </a:pPr>
             <a:r>
-              <a:rPr lang="en-US" sz="3600" dirty="0" smtClean="0"/>
+              <a:rPr lang="en-US" sz="3600" dirty="0"/>
               <a:t>In this lessons, we will focus on the fundamental ideas that all state-of-the-art techniques are based off</a:t>
             </a:r>
           </a:p>
@@ -10981,7 +10603,7 @@
               <a:buChar char="-"/>
             </a:pPr>
             <a:r>
-              <a:rPr lang="en-US" sz="3600" dirty="0" smtClean="0"/>
+              <a:rPr lang="en-US" sz="3600" dirty="0"/>
               <a:t>We will learn about the basics of using the Spacy library.</a:t>
             </a:r>
           </a:p>
@@ -10997,13 +10619,6 @@
   <p:clrMapOvr>
     <a:masterClrMapping/>
   </p:clrMapOvr>
-  <p:timing>
-    <p:tnLst>
-      <p:par>
-        <p:cTn id="1" dur="indefinite" restart="never" nodeType="tmRoot"/>
-      </p:par>
-    </p:tnLst>
-  </p:timing>
 </p:sld>
 </file>
 
@@ -11048,7 +10663,7 @@
           <a:p>
             <a:pPr algn="ctr"/>
             <a:r>
-              <a:rPr lang="en-US" sz="6000" b="1" dirty="0" smtClean="0">
+              <a:rPr lang="en-US" sz="6000" b="1" dirty="0">
                 <a:latin typeface="Arial" pitchFamily="34" charset="0"/>
                 <a:cs typeface="Arial" pitchFamily="34" charset="0"/>
               </a:rPr>
@@ -11074,13 +10689,6 @@
   <p:clrMapOvr>
     <a:masterClrMapping/>
   </p:clrMapOvr>
-  <p:timing>
-    <p:tnLst>
-      <p:par>
-        <p:cTn id="1" dur="indefinite" restart="never" nodeType="tmRoot"/>
-      </p:par>
-    </p:tnLst>
-  </p:timing>
 </p:sld>
 </file>
 
@@ -11128,10 +10736,9 @@
               <a:buChar char="-"/>
             </a:pPr>
             <a:r>
-              <a:rPr lang="en-US" sz="4000" dirty="0" smtClean="0"/>
+              <a:rPr lang="en-US" sz="4000" dirty="0"/>
               <a:t>Loading the language library</a:t>
             </a:r>
-            <a:endParaRPr lang="en-US" sz="4000" dirty="0"/>
           </a:p>
           <a:p>
             <a:pPr marL="457200" indent="-457200">
@@ -11139,10 +10746,9 @@
               <a:buChar char="-"/>
             </a:pPr>
             <a:r>
-              <a:rPr lang="en-US" sz="4000" dirty="0" smtClean="0"/>
+              <a:rPr lang="en-US" sz="4000" dirty="0"/>
               <a:t>Building a pipeline object</a:t>
             </a:r>
-            <a:endParaRPr lang="en-US" sz="4000" dirty="0"/>
           </a:p>
           <a:p>
             <a:pPr marL="457200" indent="-457200">
@@ -11150,7 +10756,7 @@
               <a:buChar char="-"/>
             </a:pPr>
             <a:r>
-              <a:rPr lang="en-US" sz="4000" dirty="0" smtClean="0"/>
+              <a:rPr lang="en-US" sz="4000" dirty="0"/>
               <a:t>Using tokens</a:t>
             </a:r>
           </a:p>
@@ -11160,7 +10766,7 @@
               <a:buChar char="-"/>
             </a:pPr>
             <a:r>
-              <a:rPr lang="en-US" sz="4000" dirty="0" smtClean="0"/>
+              <a:rPr lang="en-US" sz="4000" dirty="0"/>
               <a:t>Parts-of-Speech tagging</a:t>
             </a:r>
           </a:p>
@@ -11170,7 +10776,7 @@
               <a:buChar char="-"/>
             </a:pPr>
             <a:r>
-              <a:rPr lang="en-US" sz="4000" dirty="0" smtClean="0"/>
+              <a:rPr lang="en-US" sz="4000" dirty="0"/>
               <a:t>Understanding token attributes</a:t>
             </a:r>
           </a:p>
@@ -11186,13 +10792,6 @@
   <p:clrMapOvr>
     <a:masterClrMapping/>
   </p:clrMapOvr>
-  <p:timing>
-    <p:tnLst>
-      <p:par>
-        <p:cTn id="1" dur="indefinite" restart="never" nodeType="tmRoot"/>
-      </p:par>
-    </p:tnLst>
-  </p:timing>
 </p:sld>
 </file>
 
@@ -11736,7 +11335,7 @@
   <a:extraClrSchemeLst/>
   <a:extLst>
     <a:ext uri="{05A4C25C-085E-4340-85A3-A5531E510DB2}">
-      <thm15:themeFamily xmlns="" xmlns:thm15="http://schemas.microsoft.com/office/thememl/2012/main" name="Office Theme" id="{62F939B6-93AF-4DB8-9C6B-D6C7DFDC589F}" vid="{4A3C46E8-61CC-4603-A589-7422A47A8E4A}"/>
+      <thm15:themeFamily xmlns:thm15="http://schemas.microsoft.com/office/thememl/2012/main" name="Office Theme" id="{62F939B6-93AF-4DB8-9C6B-D6C7DFDC589F}" vid="{4A3C46E8-61CC-4603-A589-7422A47A8E4A}"/>
     </a:ext>
   </a:extLst>
 </a:theme>
